--- a/01-Documents/PowerPoint/P-P_Web_2-AurélienDamienThomas-Présentation.pptx
+++ b/01-Documents/PowerPoint/P-P_Web_2-AurélienDamienThomas-Présentation.pptx
@@ -124,6 +124,11 @@
       </a:defRPr>
     </a:lvl9pPr>
   </p:defaultTextStyle>
+  <p:extLst>
+    <p:ext uri="{EFAFB233-063F-42B5-8137-9DF3F51BA10A}">
+      <p15:sldGuideLst xmlns:p15="http://schemas.microsoft.com/office/powerpoint/2012/main"/>
+    </p:ext>
+  </p:extLst>
 </p:presentation>
 </file>
 
@@ -2689,7 +2694,7 @@
           <a:bodyPr/>
           <a:lstStyle/>
           <a:p>
-            <a:fld id="{2E7D8E7F-10E7-4CA0-9998-B44C7E948E10}" type="datetime1">
+            <a:fld id="{A880703C-C90B-45AD-9270-1ED7D28FBEFE}" type="datetime1">
               <a:rPr lang="fr-CH" smtClean="0"/>
               <a:t>20.05.2022</a:t>
             </a:fld>
@@ -2964,7 +2969,7 @@
           <a:bodyPr/>
           <a:lstStyle/>
           <a:p>
-            <a:fld id="{ECC5BA03-2B31-4236-99A6-7779FABA0752}" type="datetime1">
+            <a:fld id="{4A99E9D3-E10D-42EE-BAB4-1729839A02FE}" type="datetime1">
               <a:rPr lang="fr-CH" smtClean="0"/>
               <a:t>20.05.2022</a:t>
             </a:fld>
@@ -3158,7 +3163,7 @@
           <a:bodyPr/>
           <a:lstStyle/>
           <a:p>
-            <a:fld id="{3FB4A4D4-64B7-4321-9CB8-E0CE5206E2E3}" type="datetime1">
+            <a:fld id="{0475210A-4783-44DD-A4E7-5E2BADF0A8F0}" type="datetime1">
               <a:rPr lang="fr-CH" smtClean="0"/>
               <a:t>20.05.2022</a:t>
             </a:fld>
@@ -3431,7 +3436,7 @@
           <a:bodyPr/>
           <a:lstStyle/>
           <a:p>
-            <a:fld id="{323F3971-0BEB-4261-B8A1-5CED696BDF2B}" type="datetime1">
+            <a:fld id="{77D6A834-028D-4A33-9200-50D56D3314F5}" type="datetime1">
               <a:rPr lang="fr-CH" smtClean="0"/>
               <a:t>20.05.2022</a:t>
             </a:fld>
@@ -3772,7 +3777,7 @@
           <a:bodyPr/>
           <a:lstStyle/>
           <a:p>
-            <a:fld id="{CA07D158-2D10-459C-8659-D17B43EF84E7}" type="datetime1">
+            <a:fld id="{144502A8-87D6-40AC-B959-1BB2144E8B28}" type="datetime1">
               <a:rPr lang="fr-CH" smtClean="0"/>
               <a:t>20.05.2022</a:t>
             </a:fld>
@@ -4395,7 +4400,7 @@
           <a:bodyPr/>
           <a:lstStyle/>
           <a:p>
-            <a:fld id="{7EBDD18F-9DC4-431E-B729-17F05B9709DD}" type="datetime1">
+            <a:fld id="{62C2DE2A-C12F-4C16-8F28-A31D76B2FDF6}" type="datetime1">
               <a:rPr lang="fr-CH" smtClean="0"/>
               <a:t>20.05.2022</a:t>
             </a:fld>
@@ -5255,7 +5260,7 @@
           <a:bodyPr/>
           <a:lstStyle/>
           <a:p>
-            <a:fld id="{17ACEA31-9E01-4692-8F8B-9CF6CB406E09}" type="datetime1">
+            <a:fld id="{14638F1C-3A4E-42F7-AB7E-F6EFB19F0AF6}" type="datetime1">
               <a:rPr lang="fr-CH" smtClean="0"/>
               <a:t>20.05.2022</a:t>
             </a:fld>
@@ -5425,7 +5430,7 @@
           <a:bodyPr/>
           <a:lstStyle/>
           <a:p>
-            <a:fld id="{A9B8B073-A0DC-4EE9-8F98-D91BBE05EE65}" type="datetime1">
+            <a:fld id="{A5493617-AD4A-437E-8020-348F0079880D}" type="datetime1">
               <a:rPr lang="fr-CH" smtClean="0"/>
               <a:t>20.05.2022</a:t>
             </a:fld>
@@ -5605,7 +5610,7 @@
           <a:bodyPr/>
           <a:lstStyle/>
           <a:p>
-            <a:fld id="{13F3F789-5469-4380-81CC-74D2CA31AD85}" type="datetime1">
+            <a:fld id="{3F7AF973-9DD1-48AA-B0CE-2A89BF73A649}" type="datetime1">
               <a:rPr lang="fr-CH" smtClean="0"/>
               <a:t>20.05.2022</a:t>
             </a:fld>
@@ -5775,7 +5780,7 @@
           <a:bodyPr/>
           <a:lstStyle/>
           <a:p>
-            <a:fld id="{C6A3EC0F-070E-4D8C-8FCE-58D33E0F2459}" type="datetime1">
+            <a:fld id="{5B6CE94A-0EB9-4B32-B25B-0E80AC2B2339}" type="datetime1">
               <a:rPr lang="fr-CH" smtClean="0"/>
               <a:t>20.05.2022</a:t>
             </a:fld>
@@ -6022,7 +6027,7 @@
           <a:bodyPr/>
           <a:lstStyle/>
           <a:p>
-            <a:fld id="{E597F92C-D580-4A0B-90B0-08F10609284A}" type="datetime1">
+            <a:fld id="{C7A0E5CB-54E1-4BAB-8DAD-B80B3E801054}" type="datetime1">
               <a:rPr lang="fr-CH" smtClean="0"/>
               <a:t>20.05.2022</a:t>
             </a:fld>
@@ -6314,7 +6319,7 @@
           <a:bodyPr/>
           <a:lstStyle/>
           <a:p>
-            <a:fld id="{1209C4B2-4420-4092-A60E-EA5F9ABAD405}" type="datetime1">
+            <a:fld id="{7F0811DA-A250-4BA5-BDEE-5C178BCA6671}" type="datetime1">
               <a:rPr lang="fr-CH" smtClean="0"/>
               <a:t>20.05.2022</a:t>
             </a:fld>
@@ -6758,7 +6763,7 @@
           <a:bodyPr/>
           <a:lstStyle/>
           <a:p>
-            <a:fld id="{399B833A-6498-4B01-A806-FFCD950CE676}" type="datetime1">
+            <a:fld id="{547CFC91-E49E-4873-9358-1A6DA5E9F72E}" type="datetime1">
               <a:rPr lang="fr-CH" smtClean="0"/>
               <a:t>20.05.2022</a:t>
             </a:fld>
@@ -6876,7 +6881,7 @@
           <a:bodyPr/>
           <a:lstStyle/>
           <a:p>
-            <a:fld id="{8489506E-EB58-4B67-B27B-0149E29A1406}" type="datetime1">
+            <a:fld id="{803329A6-7CE0-4548-AC16-5E1AFCC095F6}" type="datetime1">
               <a:rPr lang="fr-CH" smtClean="0"/>
               <a:t>20.05.2022</a:t>
             </a:fld>
@@ -6971,7 +6976,7 @@
           <a:bodyPr/>
           <a:lstStyle/>
           <a:p>
-            <a:fld id="{7788B608-8AE3-4892-940B-E68402D43E79}" type="datetime1">
+            <a:fld id="{9F8B6D6A-156B-4D5A-8193-D98C19E4459F}" type="datetime1">
               <a:rPr lang="fr-CH" smtClean="0"/>
               <a:t>20.05.2022</a:t>
             </a:fld>
@@ -7250,7 +7255,7 @@
           <a:bodyPr/>
           <a:lstStyle/>
           <a:p>
-            <a:fld id="{B721AF09-FCBA-4B89-A413-5DAD05B89F9E}" type="datetime1">
+            <a:fld id="{AFC25FEC-22FC-4824-A93D-849D9C18886F}" type="datetime1">
               <a:rPr lang="fr-CH" smtClean="0"/>
               <a:t>20.05.2022</a:t>
             </a:fld>
@@ -7525,7 +7530,7 @@
           <a:bodyPr/>
           <a:lstStyle/>
           <a:p>
-            <a:fld id="{CBD2D056-F3A3-4736-A5D4-B3C9CABCC26E}" type="datetime1">
+            <a:fld id="{6D9592DA-1681-49E7-AC5B-F7D464CA2A92}" type="datetime1">
               <a:rPr lang="fr-CH" smtClean="0"/>
               <a:t>20.05.2022</a:t>
             </a:fld>
@@ -7954,7 +7959,7 @@
             </a:lvl1pPr>
           </a:lstStyle>
           <a:p>
-            <a:fld id="{E8871AC7-9F18-47F2-A642-AC5D3D92AF69}" type="datetime1">
+            <a:fld id="{08C38632-A49A-4482-9A84-58A6340BAFD2}" type="datetime1">
               <a:rPr lang="fr-CH" smtClean="0"/>
               <a:t>20.05.2022</a:t>
             </a:fld>
@@ -8068,7 +8073,7 @@
     <p:sldLayoutId id="2147483694" r:id="rId16"/>
     <p:sldLayoutId id="2147483695" r:id="rId17"/>
   </p:sldLayoutIdLst>
-  <p:hf hdr="0" ftr="0" dt="0"/>
+  <p:hf hdr="0" ftr="0"/>
   <p:txStyles>
     <p:titleStyle>
       <a:lvl1pPr algn="l" defTabSz="457200" rtl="0" eaLnBrk="1" latinLnBrk="0" hangingPunct="1">
@@ -8689,7 +8694,30 @@
       </p:sp>
       <p:sp>
         <p:nvSpPr>
-          <p:cNvPr id="4" name="Espace réservé du numéro de diapositive 3"/>
+          <p:cNvPr id="5" name="Espace réservé de la date 4"/>
+          <p:cNvSpPr>
+            <a:spLocks noGrp="1"/>
+          </p:cNvSpPr>
+          <p:nvPr>
+            <p:ph type="dt" sz="half" idx="10"/>
+          </p:nvPr>
+        </p:nvSpPr>
+        <p:spPr/>
+        <p:txBody>
+          <a:bodyPr/>
+          <a:lstStyle/>
+          <a:p>
+            <a:fld id="{F37A1275-042B-4C46-A1CA-FF223AA5CCFF}" type="datetime1">
+              <a:rPr lang="fr-CH" smtClean="0"/>
+              <a:t>20.05.2022</a:t>
+            </a:fld>
+            <a:endParaRPr lang="fr-CH"/>
+          </a:p>
+        </p:txBody>
+      </p:sp>
+      <p:sp>
+        <p:nvSpPr>
+          <p:cNvPr id="6" name="Espace réservé du numéro de diapositive 5"/>
           <p:cNvSpPr>
             <a:spLocks noGrp="1"/>
           </p:cNvSpPr>
@@ -8832,7 +8860,30 @@
       </p:pic>
       <p:sp>
         <p:nvSpPr>
-          <p:cNvPr id="5" name="Espace réservé du numéro de diapositive 4"/>
+          <p:cNvPr id="3" name="Espace réservé de la date 2"/>
+          <p:cNvSpPr>
+            <a:spLocks noGrp="1"/>
+          </p:cNvSpPr>
+          <p:nvPr>
+            <p:ph type="dt" sz="half" idx="10"/>
+          </p:nvPr>
+        </p:nvSpPr>
+        <p:spPr/>
+        <p:txBody>
+          <a:bodyPr/>
+          <a:lstStyle/>
+          <a:p>
+            <a:fld id="{0EBA3F15-D134-470D-9B39-9F3467255416}" type="datetime1">
+              <a:rPr lang="fr-CH" smtClean="0"/>
+              <a:t>20.05.2022</a:t>
+            </a:fld>
+            <a:endParaRPr lang="fr-CH"/>
+          </a:p>
+        </p:txBody>
+      </p:sp>
+      <p:sp>
+        <p:nvSpPr>
+          <p:cNvPr id="4" name="Espace réservé du numéro de diapositive 3"/>
           <p:cNvSpPr>
             <a:spLocks noGrp="1"/>
           </p:cNvSpPr>
@@ -8941,7 +8992,30 @@
       </p:pic>
       <p:sp>
         <p:nvSpPr>
-          <p:cNvPr id="4" name="Espace réservé du numéro de diapositive 3"/>
+          <p:cNvPr id="3" name="Espace réservé de la date 2"/>
+          <p:cNvSpPr>
+            <a:spLocks noGrp="1"/>
+          </p:cNvSpPr>
+          <p:nvPr>
+            <p:ph type="dt" sz="half" idx="10"/>
+          </p:nvPr>
+        </p:nvSpPr>
+        <p:spPr/>
+        <p:txBody>
+          <a:bodyPr/>
+          <a:lstStyle/>
+          <a:p>
+            <a:fld id="{8449D893-61B1-41F6-9FF4-DFCEDDC45BAB}" type="datetime1">
+              <a:rPr lang="fr-CH" smtClean="0"/>
+              <a:t>20.05.2022</a:t>
+            </a:fld>
+            <a:endParaRPr lang="fr-CH"/>
+          </a:p>
+        </p:txBody>
+      </p:sp>
+      <p:sp>
+        <p:nvSpPr>
+          <p:cNvPr id="6" name="Espace réservé du numéro de diapositive 5"/>
           <p:cNvSpPr>
             <a:spLocks noGrp="1"/>
           </p:cNvSpPr>
@@ -9058,7 +9132,30 @@
       </p:pic>
       <p:sp>
         <p:nvSpPr>
-          <p:cNvPr id="4" name="Espace réservé du numéro de diapositive 3"/>
+          <p:cNvPr id="3" name="Espace réservé de la date 2"/>
+          <p:cNvSpPr>
+            <a:spLocks noGrp="1"/>
+          </p:cNvSpPr>
+          <p:nvPr>
+            <p:ph type="dt" sz="half" idx="10"/>
+          </p:nvPr>
+        </p:nvSpPr>
+        <p:spPr/>
+        <p:txBody>
+          <a:bodyPr/>
+          <a:lstStyle/>
+          <a:p>
+            <a:fld id="{E003E9F1-B7D4-47E0-8E6E-3FB997941C43}" type="datetime1">
+              <a:rPr lang="fr-CH" smtClean="0"/>
+              <a:t>20.05.2022</a:t>
+            </a:fld>
+            <a:endParaRPr lang="fr-CH"/>
+          </a:p>
+        </p:txBody>
+      </p:sp>
+      <p:sp>
+        <p:nvSpPr>
+          <p:cNvPr id="6" name="Espace réservé du numéro de diapositive 5"/>
           <p:cNvSpPr>
             <a:spLocks noGrp="1"/>
           </p:cNvSpPr>
@@ -9170,7 +9267,30 @@
       </p:sp>
       <p:sp>
         <p:nvSpPr>
-          <p:cNvPr id="4" name="Espace réservé du numéro de diapositive 3"/>
+          <p:cNvPr id="5" name="Espace réservé de la date 4"/>
+          <p:cNvSpPr>
+            <a:spLocks noGrp="1"/>
+          </p:cNvSpPr>
+          <p:nvPr>
+            <p:ph type="dt" sz="half" idx="10"/>
+          </p:nvPr>
+        </p:nvSpPr>
+        <p:spPr/>
+        <p:txBody>
+          <a:bodyPr/>
+          <a:lstStyle/>
+          <a:p>
+            <a:fld id="{54362DC5-488F-4031-9C6E-B219DB3DE5C9}" type="datetime1">
+              <a:rPr lang="fr-CH" smtClean="0"/>
+              <a:t>20.05.2022</a:t>
+            </a:fld>
+            <a:endParaRPr lang="fr-CH"/>
+          </a:p>
+        </p:txBody>
+      </p:sp>
+      <p:sp>
+        <p:nvSpPr>
+          <p:cNvPr id="6" name="Espace réservé du numéro de diapositive 5"/>
           <p:cNvSpPr>
             <a:spLocks noGrp="1"/>
           </p:cNvSpPr>
@@ -9348,7 +9468,30 @@
       </p:sp>
       <p:sp>
         <p:nvSpPr>
-          <p:cNvPr id="4" name="Espace réservé du numéro de diapositive 3"/>
+          <p:cNvPr id="5" name="Espace réservé de la date 4"/>
+          <p:cNvSpPr>
+            <a:spLocks noGrp="1"/>
+          </p:cNvSpPr>
+          <p:nvPr>
+            <p:ph type="dt" sz="half" idx="10"/>
+          </p:nvPr>
+        </p:nvSpPr>
+        <p:spPr/>
+        <p:txBody>
+          <a:bodyPr/>
+          <a:lstStyle/>
+          <a:p>
+            <a:fld id="{33D685EF-0ABD-48D0-891F-5D6DAECA2D1D}" type="datetime1">
+              <a:rPr lang="fr-CH" smtClean="0"/>
+              <a:t>20.05.2022</a:t>
+            </a:fld>
+            <a:endParaRPr lang="fr-CH"/>
+          </a:p>
+        </p:txBody>
+      </p:sp>
+      <p:sp>
+        <p:nvSpPr>
+          <p:cNvPr id="6" name="Espace réservé du numéro de diapositive 5"/>
           <p:cNvSpPr>
             <a:spLocks noGrp="1"/>
           </p:cNvSpPr>
@@ -9505,7 +9648,30 @@
       </p:sp>
       <p:sp>
         <p:nvSpPr>
-          <p:cNvPr id="4" name="Espace réservé du numéro de diapositive 3"/>
+          <p:cNvPr id="5" name="Espace réservé de la date 4"/>
+          <p:cNvSpPr>
+            <a:spLocks noGrp="1"/>
+          </p:cNvSpPr>
+          <p:nvPr>
+            <p:ph type="dt" sz="half" idx="10"/>
+          </p:nvPr>
+        </p:nvSpPr>
+        <p:spPr/>
+        <p:txBody>
+          <a:bodyPr/>
+          <a:lstStyle/>
+          <a:p>
+            <a:fld id="{B9A83543-E0E4-47D3-9F96-2BF68C759BB6}" type="datetime1">
+              <a:rPr lang="fr-CH" smtClean="0"/>
+              <a:t>20.05.2022</a:t>
+            </a:fld>
+            <a:endParaRPr lang="fr-CH"/>
+          </a:p>
+        </p:txBody>
+      </p:sp>
+      <p:sp>
+        <p:nvSpPr>
+          <p:cNvPr id="6" name="Espace réservé du numéro de diapositive 5"/>
           <p:cNvSpPr>
             <a:spLocks noGrp="1"/>
           </p:cNvSpPr>
@@ -9621,7 +9787,30 @@
       </p:sp>
       <p:sp>
         <p:nvSpPr>
-          <p:cNvPr id="4" name="Espace réservé du numéro de diapositive 3"/>
+          <p:cNvPr id="3" name="Espace réservé de la date 2"/>
+          <p:cNvSpPr>
+            <a:spLocks noGrp="1"/>
+          </p:cNvSpPr>
+          <p:nvPr>
+            <p:ph type="dt" sz="half" idx="10"/>
+          </p:nvPr>
+        </p:nvSpPr>
+        <p:spPr/>
+        <p:txBody>
+          <a:bodyPr/>
+          <a:lstStyle/>
+          <a:p>
+            <a:fld id="{A272BEE5-51F5-4941-8A7A-12BE152A04D7}" type="datetime1">
+              <a:rPr lang="fr-CH" smtClean="0"/>
+              <a:t>20.05.2022</a:t>
+            </a:fld>
+            <a:endParaRPr lang="fr-CH"/>
+          </a:p>
+        </p:txBody>
+      </p:sp>
+      <p:sp>
+        <p:nvSpPr>
+          <p:cNvPr id="6" name="Espace réservé du numéro de diapositive 5"/>
           <p:cNvSpPr>
             <a:spLocks noGrp="1"/>
           </p:cNvSpPr>
@@ -9733,7 +9922,30 @@
       </p:sp>
       <p:sp>
         <p:nvSpPr>
-          <p:cNvPr id="4" name="Espace réservé du numéro de diapositive 3"/>
+          <p:cNvPr id="5" name="Espace réservé de la date 4"/>
+          <p:cNvSpPr>
+            <a:spLocks noGrp="1"/>
+          </p:cNvSpPr>
+          <p:nvPr>
+            <p:ph type="dt" sz="half" idx="10"/>
+          </p:nvPr>
+        </p:nvSpPr>
+        <p:spPr/>
+        <p:txBody>
+          <a:bodyPr/>
+          <a:lstStyle/>
+          <a:p>
+            <a:fld id="{A4C69604-4243-4E08-A094-C54CF422AC54}" type="datetime1">
+              <a:rPr lang="fr-CH" smtClean="0"/>
+              <a:t>20.05.2022</a:t>
+            </a:fld>
+            <a:endParaRPr lang="fr-CH"/>
+          </a:p>
+        </p:txBody>
+      </p:sp>
+      <p:sp>
+        <p:nvSpPr>
+          <p:cNvPr id="6" name="Espace réservé du numéro de diapositive 5"/>
           <p:cNvSpPr>
             <a:spLocks noGrp="1"/>
           </p:cNvSpPr>
@@ -9907,7 +10119,30 @@
       </p:sp>
       <p:sp>
         <p:nvSpPr>
-          <p:cNvPr id="4" name="Espace réservé du numéro de diapositive 3"/>
+          <p:cNvPr id="5" name="Espace réservé de la date 4"/>
+          <p:cNvSpPr>
+            <a:spLocks noGrp="1"/>
+          </p:cNvSpPr>
+          <p:nvPr>
+            <p:ph type="dt" sz="half" idx="10"/>
+          </p:nvPr>
+        </p:nvSpPr>
+        <p:spPr/>
+        <p:txBody>
+          <a:bodyPr/>
+          <a:lstStyle/>
+          <a:p>
+            <a:fld id="{FE813677-1AC8-4D9E-8C55-20786BE7C2B6}" type="datetime1">
+              <a:rPr lang="fr-CH" smtClean="0"/>
+              <a:t>20.05.2022</a:t>
+            </a:fld>
+            <a:endParaRPr lang="fr-CH"/>
+          </a:p>
+        </p:txBody>
+      </p:sp>
+      <p:sp>
+        <p:nvSpPr>
+          <p:cNvPr id="6" name="Espace réservé du numéro de diapositive 5"/>
           <p:cNvSpPr>
             <a:spLocks noGrp="1"/>
           </p:cNvSpPr>
@@ -10051,7 +10286,30 @@
       </p:sp>
       <p:sp>
         <p:nvSpPr>
-          <p:cNvPr id="4" name="Espace réservé du numéro de diapositive 3"/>
+          <p:cNvPr id="5" name="Espace réservé de la date 4"/>
+          <p:cNvSpPr>
+            <a:spLocks noGrp="1"/>
+          </p:cNvSpPr>
+          <p:nvPr>
+            <p:ph type="dt" sz="half" idx="10"/>
+          </p:nvPr>
+        </p:nvSpPr>
+        <p:spPr/>
+        <p:txBody>
+          <a:bodyPr/>
+          <a:lstStyle/>
+          <a:p>
+            <a:fld id="{ED95FE53-1238-4820-8D32-0B7348923671}" type="datetime1">
+              <a:rPr lang="fr-CH" smtClean="0"/>
+              <a:t>20.05.2022</a:t>
+            </a:fld>
+            <a:endParaRPr lang="fr-CH"/>
+          </a:p>
+        </p:txBody>
+      </p:sp>
+      <p:sp>
+        <p:nvSpPr>
+          <p:cNvPr id="6" name="Espace réservé du numéro de diapositive 5"/>
           <p:cNvSpPr>
             <a:spLocks noGrp="1"/>
           </p:cNvSpPr>
@@ -10232,7 +10490,30 @@
       </p:sp>
       <p:sp>
         <p:nvSpPr>
-          <p:cNvPr id="4" name="Espace réservé du numéro de diapositive 3"/>
+          <p:cNvPr id="5" name="Espace réservé de la date 4"/>
+          <p:cNvSpPr>
+            <a:spLocks noGrp="1"/>
+          </p:cNvSpPr>
+          <p:nvPr>
+            <p:ph type="dt" sz="half" idx="10"/>
+          </p:nvPr>
+        </p:nvSpPr>
+        <p:spPr/>
+        <p:txBody>
+          <a:bodyPr/>
+          <a:lstStyle/>
+          <a:p>
+            <a:fld id="{749856D1-99FB-4CE2-95F7-B6974F86C01E}" type="datetime1">
+              <a:rPr lang="fr-CH" smtClean="0"/>
+              <a:t>20.05.2022</a:t>
+            </a:fld>
+            <a:endParaRPr lang="fr-CH"/>
+          </a:p>
+        </p:txBody>
+      </p:sp>
+      <p:sp>
+        <p:nvSpPr>
+          <p:cNvPr id="6" name="Espace réservé du numéro de diapositive 5"/>
           <p:cNvSpPr>
             <a:spLocks noGrp="1"/>
           </p:cNvSpPr>
@@ -10406,7 +10687,30 @@
       </p:sp>
       <p:sp>
         <p:nvSpPr>
-          <p:cNvPr id="4" name="Espace réservé du numéro de diapositive 3"/>
+          <p:cNvPr id="5" name="Espace réservé de la date 4"/>
+          <p:cNvSpPr>
+            <a:spLocks noGrp="1"/>
+          </p:cNvSpPr>
+          <p:nvPr>
+            <p:ph type="dt" sz="half" idx="10"/>
+          </p:nvPr>
+        </p:nvSpPr>
+        <p:spPr/>
+        <p:txBody>
+          <a:bodyPr/>
+          <a:lstStyle/>
+          <a:p>
+            <a:fld id="{49EAC0A2-707A-4A60-B13F-1D56237772D4}" type="datetime1">
+              <a:rPr lang="fr-CH" smtClean="0"/>
+              <a:t>20.05.2022</a:t>
+            </a:fld>
+            <a:endParaRPr lang="fr-CH"/>
+          </a:p>
+        </p:txBody>
+      </p:sp>
+      <p:sp>
+        <p:nvSpPr>
+          <p:cNvPr id="6" name="Espace réservé du numéro de diapositive 5"/>
           <p:cNvSpPr>
             <a:spLocks noGrp="1"/>
           </p:cNvSpPr>
@@ -10522,7 +10826,30 @@
       </p:sp>
       <p:sp>
         <p:nvSpPr>
-          <p:cNvPr id="4" name="Espace réservé du numéro de diapositive 3"/>
+          <p:cNvPr id="3" name="Espace réservé de la date 2"/>
+          <p:cNvSpPr>
+            <a:spLocks noGrp="1"/>
+          </p:cNvSpPr>
+          <p:nvPr>
+            <p:ph type="dt" sz="half" idx="10"/>
+          </p:nvPr>
+        </p:nvSpPr>
+        <p:spPr/>
+        <p:txBody>
+          <a:bodyPr/>
+          <a:lstStyle/>
+          <a:p>
+            <a:fld id="{4466BEF2-08E2-4D74-9A7F-E4160D374887}" type="datetime1">
+              <a:rPr lang="fr-CH" smtClean="0"/>
+              <a:t>20.05.2022</a:t>
+            </a:fld>
+            <a:endParaRPr lang="fr-CH"/>
+          </a:p>
+        </p:txBody>
+      </p:sp>
+      <p:sp>
+        <p:nvSpPr>
+          <p:cNvPr id="6" name="Espace réservé du numéro de diapositive 5"/>
           <p:cNvSpPr>
             <a:spLocks noGrp="1"/>
           </p:cNvSpPr>
@@ -10634,7 +10961,30 @@
       </p:pic>
       <p:sp>
         <p:nvSpPr>
-          <p:cNvPr id="4" name="Espace réservé du numéro de diapositive 3"/>
+          <p:cNvPr id="3" name="Espace réservé de la date 2"/>
+          <p:cNvSpPr>
+            <a:spLocks noGrp="1"/>
+          </p:cNvSpPr>
+          <p:nvPr>
+            <p:ph type="dt" sz="half" idx="10"/>
+          </p:nvPr>
+        </p:nvSpPr>
+        <p:spPr/>
+        <p:txBody>
+          <a:bodyPr/>
+          <a:lstStyle/>
+          <a:p>
+            <a:fld id="{FB2EC139-4F78-4B03-84F1-B33220DF7D99}" type="datetime1">
+              <a:rPr lang="fr-CH" smtClean="0"/>
+              <a:t>20.05.2022</a:t>
+            </a:fld>
+            <a:endParaRPr lang="fr-CH"/>
+          </a:p>
+        </p:txBody>
+      </p:sp>
+      <p:sp>
+        <p:nvSpPr>
+          <p:cNvPr id="6" name="Espace réservé du numéro de diapositive 5"/>
           <p:cNvSpPr>
             <a:spLocks noGrp="1"/>
           </p:cNvSpPr>
@@ -10746,7 +11096,30 @@
       </p:pic>
       <p:sp>
         <p:nvSpPr>
-          <p:cNvPr id="4" name="Espace réservé du numéro de diapositive 3"/>
+          <p:cNvPr id="3" name="Espace réservé de la date 2"/>
+          <p:cNvSpPr>
+            <a:spLocks noGrp="1"/>
+          </p:cNvSpPr>
+          <p:nvPr>
+            <p:ph type="dt" sz="half" idx="10"/>
+          </p:nvPr>
+        </p:nvSpPr>
+        <p:spPr/>
+        <p:txBody>
+          <a:bodyPr/>
+          <a:lstStyle/>
+          <a:p>
+            <a:fld id="{75DF85FA-A936-4818-AD06-1A9D3257B205}" type="datetime1">
+              <a:rPr lang="fr-CH" smtClean="0"/>
+              <a:t>20.05.2022</a:t>
+            </a:fld>
+            <a:endParaRPr lang="fr-CH"/>
+          </a:p>
+        </p:txBody>
+      </p:sp>
+      <p:sp>
+        <p:nvSpPr>
+          <p:cNvPr id="6" name="Espace réservé du numéro de diapositive 5"/>
           <p:cNvSpPr>
             <a:spLocks noGrp="1"/>
           </p:cNvSpPr>
@@ -10881,7 +11254,30 @@
       </p:pic>
       <p:sp>
         <p:nvSpPr>
-          <p:cNvPr id="7" name="Espace réservé du numéro de diapositive 6"/>
+          <p:cNvPr id="2" name="Espace réservé de la date 1"/>
+          <p:cNvSpPr>
+            <a:spLocks noGrp="1"/>
+          </p:cNvSpPr>
+          <p:nvPr>
+            <p:ph type="dt" sz="half" idx="10"/>
+          </p:nvPr>
+        </p:nvSpPr>
+        <p:spPr/>
+        <p:txBody>
+          <a:bodyPr/>
+          <a:lstStyle/>
+          <a:p>
+            <a:fld id="{03EA0FDB-66F8-4207-BFDA-4CD8D8E80D09}" type="datetime1">
+              <a:rPr lang="fr-CH" smtClean="0"/>
+              <a:t>20.05.2022</a:t>
+            </a:fld>
+            <a:endParaRPr lang="fr-CH"/>
+          </a:p>
+        </p:txBody>
+      </p:sp>
+      <p:sp>
+        <p:nvSpPr>
+          <p:cNvPr id="3" name="Espace réservé du numéro de diapositive 2"/>
           <p:cNvSpPr>
             <a:spLocks noGrp="1"/>
           </p:cNvSpPr>

--- a/01-Documents/PowerPoint/P-P_Web_2-AurélienDamienThomas-Présentation.pptx
+++ b/01-Documents/PowerPoint/P-P_Web_2-AurélienDamienThomas-Présentation.pptx
@@ -5,7 +5,7 @@
     <p:sldMasterId id="2147483678" r:id="rId1"/>
   </p:sldMasterIdLst>
   <p:notesMasterIdLst>
-    <p:notesMasterId r:id="rId20"/>
+    <p:notesMasterId r:id="rId23"/>
   </p:notesMasterIdLst>
   <p:sldIdLst>
     <p:sldId id="256" r:id="rId2"/>
@@ -13,19 +13,22 @@
     <p:sldId id="258" r:id="rId4"/>
     <p:sldId id="259" r:id="rId5"/>
     <p:sldId id="260" r:id="rId6"/>
-    <p:sldId id="261" r:id="rId7"/>
-    <p:sldId id="262" r:id="rId8"/>
-    <p:sldId id="263" r:id="rId9"/>
-    <p:sldId id="264" r:id="rId10"/>
-    <p:sldId id="265" r:id="rId11"/>
-    <p:sldId id="269" r:id="rId12"/>
-    <p:sldId id="270" r:id="rId13"/>
-    <p:sldId id="271" r:id="rId14"/>
-    <p:sldId id="266" r:id="rId15"/>
-    <p:sldId id="267" r:id="rId16"/>
-    <p:sldId id="268" r:id="rId17"/>
-    <p:sldId id="272" r:id="rId18"/>
-    <p:sldId id="273" r:id="rId19"/>
+    <p:sldId id="274" r:id="rId7"/>
+    <p:sldId id="275" r:id="rId8"/>
+    <p:sldId id="276" r:id="rId9"/>
+    <p:sldId id="261" r:id="rId10"/>
+    <p:sldId id="262" r:id="rId11"/>
+    <p:sldId id="263" r:id="rId12"/>
+    <p:sldId id="264" r:id="rId13"/>
+    <p:sldId id="265" r:id="rId14"/>
+    <p:sldId id="269" r:id="rId15"/>
+    <p:sldId id="270" r:id="rId16"/>
+    <p:sldId id="271" r:id="rId17"/>
+    <p:sldId id="266" r:id="rId18"/>
+    <p:sldId id="267" r:id="rId19"/>
+    <p:sldId id="268" r:id="rId20"/>
+    <p:sldId id="272" r:id="rId21"/>
+    <p:sldId id="273" r:id="rId22"/>
   </p:sldIdLst>
   <p:sldSz cx="12192000" cy="6858000"/>
   <p:notesSz cx="6858000" cy="9144000"/>
@@ -132,6 +135,778 @@
 </p:presentation>
 </file>
 
+<file path=ppt/revisionInfo.xml><?xml version="1.0" encoding="utf-8"?>
+<p1510:revInfo xmlns:a="http://schemas.openxmlformats.org/drawingml/2006/main" xmlns:r="http://schemas.openxmlformats.org/officeDocument/2006/relationships" xmlns:p1510="http://schemas.microsoft.com/office/powerpoint/2015/10/main">
+  <p1510:revLst>
+    <p1510:client id="{71CAC736-158A-48E9-BF31-DD938670EFB6}" v="4" dt="2022-05-25T07:21:33.437"/>
+    <p1510:client id="{FBFFA943-AEB8-4BE8-A827-B090CB97F61B}" v="83" dt="2022-05-25T08:13:31.167"/>
+  </p1510:revLst>
+</p1510:revInfo>
+</file>
+
+<file path=ppt/changesInfos/changesInfo1.xml><?xml version="1.0" encoding="utf-8"?>
+<pc:chgInfo xmlns:a="http://schemas.openxmlformats.org/drawingml/2006/main" xmlns:r="http://schemas.openxmlformats.org/officeDocument/2006/relationships" xmlns:ac="http://schemas.microsoft.com/office/drawing/2013/main/command" xmlns:pc="http://schemas.microsoft.com/office/powerpoint/2013/main/command">
+  <pc:docChgLst>
+    <pc:chgData name="Damien Loup" userId="S::damien.loup@eduvaud.ch::80ac92ce-f12e-418d-90aa-81ac210ae04d" providerId="AD" clId="Web-{FBFFA943-AEB8-4BE8-A827-B090CB97F61B}"/>
+    <pc:docChg chg="addSld delSld modSld">
+      <pc:chgData name="Damien Loup" userId="S::damien.loup@eduvaud.ch::80ac92ce-f12e-418d-90aa-81ac210ae04d" providerId="AD" clId="Web-{FBFFA943-AEB8-4BE8-A827-B090CB97F61B}" dt="2022-05-25T08:17:16.187" v="145"/>
+      <pc:docMkLst>
+        <pc:docMk/>
+      </pc:docMkLst>
+      <pc:sldChg chg="modSp">
+        <pc:chgData name="Damien Loup" userId="S::damien.loup@eduvaud.ch::80ac92ce-f12e-418d-90aa-81ac210ae04d" providerId="AD" clId="Web-{FBFFA943-AEB8-4BE8-A827-B090CB97F61B}" dt="2022-05-25T08:03:12.986" v="53" actId="20577"/>
+        <pc:sldMkLst>
+          <pc:docMk/>
+          <pc:sldMk cId="2502114880" sldId="257"/>
+        </pc:sldMkLst>
+        <pc:spChg chg="mod">
+          <ac:chgData name="Damien Loup" userId="S::damien.loup@eduvaud.ch::80ac92ce-f12e-418d-90aa-81ac210ae04d" providerId="AD" clId="Web-{FBFFA943-AEB8-4BE8-A827-B090CB97F61B}" dt="2022-05-25T08:03:12.986" v="53" actId="20577"/>
+          <ac:spMkLst>
+            <pc:docMk/>
+            <pc:sldMk cId="2502114880" sldId="257"/>
+            <ac:spMk id="3" creationId="{00000000-0000-0000-0000-000000000000}"/>
+          </ac:spMkLst>
+        </pc:spChg>
+      </pc:sldChg>
+      <pc:sldChg chg="modNotes">
+        <pc:chgData name="Damien Loup" userId="S::damien.loup@eduvaud.ch::80ac92ce-f12e-418d-90aa-81ac210ae04d" providerId="AD" clId="Web-{FBFFA943-AEB8-4BE8-A827-B090CB97F61B}" dt="2022-05-25T08:08:57.726" v="110"/>
+        <pc:sldMkLst>
+          <pc:docMk/>
+          <pc:sldMk cId="2292407350" sldId="258"/>
+        </pc:sldMkLst>
+      </pc:sldChg>
+      <pc:sldChg chg="modNotes">
+        <pc:chgData name="Damien Loup" userId="S::damien.loup@eduvaud.ch::80ac92ce-f12e-418d-90aa-81ac210ae04d" providerId="AD" clId="Web-{FBFFA943-AEB8-4BE8-A827-B090CB97F61B}" dt="2022-05-25T08:09:32.382" v="112"/>
+        <pc:sldMkLst>
+          <pc:docMk/>
+          <pc:sldMk cId="396842319" sldId="259"/>
+        </pc:sldMkLst>
+      </pc:sldChg>
+      <pc:sldChg chg="modNotes">
+        <pc:chgData name="Damien Loup" userId="S::damien.loup@eduvaud.ch::80ac92ce-f12e-418d-90aa-81ac210ae04d" providerId="AD" clId="Web-{FBFFA943-AEB8-4BE8-A827-B090CB97F61B}" dt="2022-05-25T08:09:37.304" v="114"/>
+        <pc:sldMkLst>
+          <pc:docMk/>
+          <pc:sldMk cId="3365420959" sldId="260"/>
+        </pc:sldMkLst>
+      </pc:sldChg>
+      <pc:sldChg chg="modSp modNotes">
+        <pc:chgData name="Damien Loup" userId="S::damien.loup@eduvaud.ch::80ac92ce-f12e-418d-90aa-81ac210ae04d" providerId="AD" clId="Web-{FBFFA943-AEB8-4BE8-A827-B090CB97F61B}" dt="2022-05-25T08:10:38.102" v="119"/>
+        <pc:sldMkLst>
+          <pc:docMk/>
+          <pc:sldMk cId="3442006387" sldId="265"/>
+        </pc:sldMkLst>
+        <pc:spChg chg="mod">
+          <ac:chgData name="Damien Loup" userId="S::damien.loup@eduvaud.ch::80ac92ce-f12e-418d-90aa-81ac210ae04d" providerId="AD" clId="Web-{FBFFA943-AEB8-4BE8-A827-B090CB97F61B}" dt="2022-05-25T07:54:23.790" v="1" actId="1076"/>
+          <ac:spMkLst>
+            <pc:docMk/>
+            <pc:sldMk cId="3442006387" sldId="265"/>
+            <ac:spMk id="3" creationId="{00000000-0000-0000-0000-000000000000}"/>
+          </ac:spMkLst>
+        </pc:spChg>
+      </pc:sldChg>
+      <pc:sldChg chg="modSp modNotes">
+        <pc:chgData name="Damien Loup" userId="S::damien.loup@eduvaud.ch::80ac92ce-f12e-418d-90aa-81ac210ae04d" providerId="AD" clId="Web-{FBFFA943-AEB8-4BE8-A827-B090CB97F61B}" dt="2022-05-25T08:17:16.187" v="145"/>
+        <pc:sldMkLst>
+          <pc:docMk/>
+          <pc:sldMk cId="2829090921" sldId="268"/>
+        </pc:sldMkLst>
+        <pc:spChg chg="mod">
+          <ac:chgData name="Damien Loup" userId="S::damien.loup@eduvaud.ch::80ac92ce-f12e-418d-90aa-81ac210ae04d" providerId="AD" clId="Web-{FBFFA943-AEB8-4BE8-A827-B090CB97F61B}" dt="2022-05-25T08:13:29.730" v="139" actId="20577"/>
+          <ac:spMkLst>
+            <pc:docMk/>
+            <pc:sldMk cId="2829090921" sldId="268"/>
+            <ac:spMk id="3" creationId="{00000000-0000-0000-0000-000000000000}"/>
+          </ac:spMkLst>
+        </pc:spChg>
+      </pc:sldChg>
+      <pc:sldChg chg="modNotes">
+        <pc:chgData name="Damien Loup" userId="S::damien.loup@eduvaud.ch::80ac92ce-f12e-418d-90aa-81ac210ae04d" providerId="AD" clId="Web-{FBFFA943-AEB8-4BE8-A827-B090CB97F61B}" dt="2022-05-25T08:11:18.493" v="121"/>
+        <pc:sldMkLst>
+          <pc:docMk/>
+          <pc:sldMk cId="1553793960" sldId="273"/>
+        </pc:sldMkLst>
+      </pc:sldChg>
+      <pc:sldChg chg="addSp delSp modSp new mod setBg setClrOvrMap modNotes">
+        <pc:chgData name="Damien Loup" userId="S::damien.loup@eduvaud.ch::80ac92ce-f12e-418d-90aa-81ac210ae04d" providerId="AD" clId="Web-{FBFFA943-AEB8-4BE8-A827-B090CB97F61B}" dt="2022-05-25T08:09:41.179" v="115"/>
+        <pc:sldMkLst>
+          <pc:docMk/>
+          <pc:sldMk cId="4230562274" sldId="274"/>
+        </pc:sldMkLst>
+        <pc:spChg chg="mod ord">
+          <ac:chgData name="Damien Loup" userId="S::damien.loup@eduvaud.ch::80ac92ce-f12e-418d-90aa-81ac210ae04d" providerId="AD" clId="Web-{FBFFA943-AEB8-4BE8-A827-B090CB97F61B}" dt="2022-05-25T08:05:36.644" v="86"/>
+          <ac:spMkLst>
+            <pc:docMk/>
+            <pc:sldMk cId="4230562274" sldId="274"/>
+            <ac:spMk id="2" creationId="{B94E9C1F-34A4-34D3-B8C3-DC646CC729BE}"/>
+          </ac:spMkLst>
+        </pc:spChg>
+        <pc:spChg chg="mod">
+          <ac:chgData name="Damien Loup" userId="S::damien.loup@eduvaud.ch::80ac92ce-f12e-418d-90aa-81ac210ae04d" providerId="AD" clId="Web-{FBFFA943-AEB8-4BE8-A827-B090CB97F61B}" dt="2022-05-25T08:05:36.644" v="86"/>
+          <ac:spMkLst>
+            <pc:docMk/>
+            <pc:sldMk cId="4230562274" sldId="274"/>
+            <ac:spMk id="3" creationId="{DD04CA31-D3C4-62BF-F8E7-AEFCFFD5F41A}"/>
+          </ac:spMkLst>
+        </pc:spChg>
+        <pc:spChg chg="mod ord">
+          <ac:chgData name="Damien Loup" userId="S::damien.loup@eduvaud.ch::80ac92ce-f12e-418d-90aa-81ac210ae04d" providerId="AD" clId="Web-{FBFFA943-AEB8-4BE8-A827-B090CB97F61B}" dt="2022-05-25T08:05:36.644" v="86"/>
+          <ac:spMkLst>
+            <pc:docMk/>
+            <pc:sldMk cId="4230562274" sldId="274"/>
+            <ac:spMk id="4" creationId="{C7027F94-2631-C5B7-A720-042AD8D60076}"/>
+          </ac:spMkLst>
+        </pc:spChg>
+        <pc:spChg chg="mod">
+          <ac:chgData name="Damien Loup" userId="S::damien.loup@eduvaud.ch::80ac92ce-f12e-418d-90aa-81ac210ae04d" providerId="AD" clId="Web-{FBFFA943-AEB8-4BE8-A827-B090CB97F61B}" dt="2022-05-25T08:05:36.644" v="86"/>
+          <ac:spMkLst>
+            <pc:docMk/>
+            <pc:sldMk cId="4230562274" sldId="274"/>
+            <ac:spMk id="5" creationId="{75DEA6B2-5D23-6A56-B337-833F6DDE697E}"/>
+          </ac:spMkLst>
+        </pc:spChg>
+        <pc:spChg chg="add del">
+          <ac:chgData name="Damien Loup" userId="S::damien.loup@eduvaud.ch::80ac92ce-f12e-418d-90aa-81ac210ae04d" providerId="AD" clId="Web-{FBFFA943-AEB8-4BE8-A827-B090CB97F61B}" dt="2022-05-25T08:05:36.644" v="86"/>
+          <ac:spMkLst>
+            <pc:docMk/>
+            <pc:sldMk cId="4230562274" sldId="274"/>
+            <ac:spMk id="14" creationId="{4FA533C5-33E3-4611-AF9F-72811D8B26A6}"/>
+          </ac:spMkLst>
+        </pc:spChg>
+        <pc:spChg chg="add del">
+          <ac:chgData name="Damien Loup" userId="S::damien.loup@eduvaud.ch::80ac92ce-f12e-418d-90aa-81ac210ae04d" providerId="AD" clId="Web-{FBFFA943-AEB8-4BE8-A827-B090CB97F61B}" dt="2022-05-25T08:05:25.066" v="84"/>
+          <ac:spMkLst>
+            <pc:docMk/>
+            <pc:sldMk cId="4230562274" sldId="274"/>
+            <ac:spMk id="15" creationId="{989BE678-777B-482A-A616-FEDC47B162E5}"/>
+          </ac:spMkLst>
+        </pc:spChg>
+        <pc:spChg chg="add del">
+          <ac:chgData name="Damien Loup" userId="S::damien.loup@eduvaud.ch::80ac92ce-f12e-418d-90aa-81ac210ae04d" providerId="AD" clId="Web-{FBFFA943-AEB8-4BE8-A827-B090CB97F61B}" dt="2022-05-25T08:05:36.644" v="86"/>
+          <ac:spMkLst>
+            <pc:docMk/>
+            <pc:sldMk cId="4230562274" sldId="274"/>
+            <ac:spMk id="20" creationId="{87F0FDC4-AD8C-47D9-9131-623C98ADB0AE}"/>
+          </ac:spMkLst>
+        </pc:spChg>
+        <pc:spChg chg="add del">
+          <ac:chgData name="Damien Loup" userId="S::damien.loup@eduvaud.ch::80ac92ce-f12e-418d-90aa-81ac210ae04d" providerId="AD" clId="Web-{FBFFA943-AEB8-4BE8-A827-B090CB97F61B}" dt="2022-05-25T08:05:25.066" v="84"/>
+          <ac:spMkLst>
+            <pc:docMk/>
+            <pc:sldMk cId="4230562274" sldId="274"/>
+            <ac:spMk id="21" creationId="{D28BE0C3-2102-4820-B88B-A448B1840D14}"/>
+          </ac:spMkLst>
+        </pc:spChg>
+        <pc:spChg chg="add del">
+          <ac:chgData name="Damien Loup" userId="S::damien.loup@eduvaud.ch::80ac92ce-f12e-418d-90aa-81ac210ae04d" providerId="AD" clId="Web-{FBFFA943-AEB8-4BE8-A827-B090CB97F61B}" dt="2022-05-25T08:05:36.644" v="86"/>
+          <ac:spMkLst>
+            <pc:docMk/>
+            <pc:sldMk cId="4230562274" sldId="274"/>
+            <ac:spMk id="22" creationId="{DE27238C-8EAF-4098-86E6-7723B7DAE601}"/>
+          </ac:spMkLst>
+        </pc:spChg>
+        <pc:spChg chg="add del">
+          <ac:chgData name="Damien Loup" userId="S::damien.loup@eduvaud.ch::80ac92ce-f12e-418d-90aa-81ac210ae04d" providerId="AD" clId="Web-{FBFFA943-AEB8-4BE8-A827-B090CB97F61B}" dt="2022-05-25T08:05:25.066" v="84"/>
+          <ac:spMkLst>
+            <pc:docMk/>
+            <pc:sldMk cId="4230562274" sldId="274"/>
+            <ac:spMk id="23" creationId="{C885E190-58DD-42DD-A4A8-401E15C92A52}"/>
+          </ac:spMkLst>
+        </pc:spChg>
+        <pc:spChg chg="add del">
+          <ac:chgData name="Damien Loup" userId="S::damien.loup@eduvaud.ch::80ac92ce-f12e-418d-90aa-81ac210ae04d" providerId="AD" clId="Web-{FBFFA943-AEB8-4BE8-A827-B090CB97F61B}" dt="2022-05-25T08:05:36.644" v="86"/>
+          <ac:spMkLst>
+            <pc:docMk/>
+            <pc:sldMk cId="4230562274" sldId="274"/>
+            <ac:spMk id="24" creationId="{992F97B1-1891-4FCC-9E5F-BA97EDB48F89}"/>
+          </ac:spMkLst>
+        </pc:spChg>
+        <pc:spChg chg="add del">
+          <ac:chgData name="Damien Loup" userId="S::damien.loup@eduvaud.ch::80ac92ce-f12e-418d-90aa-81ac210ae04d" providerId="AD" clId="Web-{FBFFA943-AEB8-4BE8-A827-B090CB97F61B}" dt="2022-05-25T08:05:36.644" v="86"/>
+          <ac:spMkLst>
+            <pc:docMk/>
+            <pc:sldMk cId="4230562274" sldId="274"/>
+            <ac:spMk id="26" creationId="{78C6C821-FEE1-4EB6-9590-C021440C77DE}"/>
+          </ac:spMkLst>
+        </pc:spChg>
+        <pc:spChg chg="add del">
+          <ac:chgData name="Damien Loup" userId="S::damien.loup@eduvaud.ch::80ac92ce-f12e-418d-90aa-81ac210ae04d" providerId="AD" clId="Web-{FBFFA943-AEB8-4BE8-A827-B090CB97F61B}" dt="2022-05-25T08:05:36.644" v="86"/>
+          <ac:spMkLst>
+            <pc:docMk/>
+            <pc:sldMk cId="4230562274" sldId="274"/>
+            <ac:spMk id="28" creationId="{B61A74B3-E247-44D4-8C48-FAE8E2056401}"/>
+          </ac:spMkLst>
+        </pc:spChg>
+        <pc:picChg chg="add del">
+          <ac:chgData name="Damien Loup" userId="S::damien.loup@eduvaud.ch::80ac92ce-f12e-418d-90aa-81ac210ae04d" providerId="AD" clId="Web-{FBFFA943-AEB8-4BE8-A827-B090CB97F61B}" dt="2022-05-25T08:05:25.066" v="84"/>
+          <ac:picMkLst>
+            <pc:docMk/>
+            <pc:sldMk cId="4230562274" sldId="274"/>
+            <ac:picMk id="7" creationId="{772EA5CF-1A61-123F-B0D1-E27E80239036}"/>
+          </ac:picMkLst>
+        </pc:picChg>
+        <pc:picChg chg="add del">
+          <ac:chgData name="Damien Loup" userId="S::damien.loup@eduvaud.ch::80ac92ce-f12e-418d-90aa-81ac210ae04d" providerId="AD" clId="Web-{FBFFA943-AEB8-4BE8-A827-B090CB97F61B}" dt="2022-05-25T08:05:36.644" v="86"/>
+          <ac:picMkLst>
+            <pc:docMk/>
+            <pc:sldMk cId="4230562274" sldId="274"/>
+            <ac:picMk id="10" creationId="{91B28F63-CF00-448F-B141-FE33C33B1891}"/>
+          </ac:picMkLst>
+        </pc:picChg>
+        <pc:picChg chg="add del">
+          <ac:chgData name="Damien Loup" userId="S::damien.loup@eduvaud.ch::80ac92ce-f12e-418d-90aa-81ac210ae04d" providerId="AD" clId="Web-{FBFFA943-AEB8-4BE8-A827-B090CB97F61B}" dt="2022-05-25T08:05:25.066" v="84"/>
+          <ac:picMkLst>
+            <pc:docMk/>
+            <pc:sldMk cId="4230562274" sldId="274"/>
+            <ac:picMk id="11" creationId="{DF19BAF3-7E20-4B9D-B544-BABAEEA1FA75}"/>
+          </ac:picMkLst>
+        </pc:picChg>
+        <pc:picChg chg="add del">
+          <ac:chgData name="Damien Loup" userId="S::damien.loup@eduvaud.ch::80ac92ce-f12e-418d-90aa-81ac210ae04d" providerId="AD" clId="Web-{FBFFA943-AEB8-4BE8-A827-B090CB97F61B}" dt="2022-05-25T08:05:36.644" v="86"/>
+          <ac:picMkLst>
+            <pc:docMk/>
+            <pc:sldMk cId="4230562274" sldId="274"/>
+            <ac:picMk id="12" creationId="{2AE609E2-8522-44E4-9077-980E5BCF3E14}"/>
+          </ac:picMkLst>
+        </pc:picChg>
+        <pc:picChg chg="add del">
+          <ac:chgData name="Damien Loup" userId="S::damien.loup@eduvaud.ch::80ac92ce-f12e-418d-90aa-81ac210ae04d" providerId="AD" clId="Web-{FBFFA943-AEB8-4BE8-A827-B090CB97F61B}" dt="2022-05-25T08:05:25.066" v="84"/>
+          <ac:picMkLst>
+            <pc:docMk/>
+            <pc:sldMk cId="4230562274" sldId="274"/>
+            <ac:picMk id="13" creationId="{950648F4-ABCD-4DF0-8641-76CFB2354721}"/>
+          </ac:picMkLst>
+        </pc:picChg>
+        <pc:picChg chg="add del">
+          <ac:chgData name="Damien Loup" userId="S::damien.loup@eduvaud.ch::80ac92ce-f12e-418d-90aa-81ac210ae04d" providerId="AD" clId="Web-{FBFFA943-AEB8-4BE8-A827-B090CB97F61B}" dt="2022-05-25T08:05:36.644" v="86"/>
+          <ac:picMkLst>
+            <pc:docMk/>
+            <pc:sldMk cId="4230562274" sldId="274"/>
+            <ac:picMk id="16" creationId="{8949AD42-25FD-4C3D-9EEE-B7FEC5809988}"/>
+          </ac:picMkLst>
+        </pc:picChg>
+        <pc:picChg chg="add del">
+          <ac:chgData name="Damien Loup" userId="S::damien.loup@eduvaud.ch::80ac92ce-f12e-418d-90aa-81ac210ae04d" providerId="AD" clId="Web-{FBFFA943-AEB8-4BE8-A827-B090CB97F61B}" dt="2022-05-25T08:05:25.066" v="84"/>
+          <ac:picMkLst>
+            <pc:docMk/>
+            <pc:sldMk cId="4230562274" sldId="274"/>
+            <ac:picMk id="17" creationId="{CF1EB4BD-9C7E-4AA3-9681-C7EB0DA6250B}"/>
+          </ac:picMkLst>
+        </pc:picChg>
+        <pc:picChg chg="add del">
+          <ac:chgData name="Damien Loup" userId="S::damien.loup@eduvaud.ch::80ac92ce-f12e-418d-90aa-81ac210ae04d" providerId="AD" clId="Web-{FBFFA943-AEB8-4BE8-A827-B090CB97F61B}" dt="2022-05-25T08:05:36.644" v="86"/>
+          <ac:picMkLst>
+            <pc:docMk/>
+            <pc:sldMk cId="4230562274" sldId="274"/>
+            <ac:picMk id="18" creationId="{6AC7D913-60B7-4603-881B-831DA5D3A940}"/>
+          </ac:picMkLst>
+        </pc:picChg>
+        <pc:picChg chg="add del">
+          <ac:chgData name="Damien Loup" userId="S::damien.loup@eduvaud.ch::80ac92ce-f12e-418d-90aa-81ac210ae04d" providerId="AD" clId="Web-{FBFFA943-AEB8-4BE8-A827-B090CB97F61B}" dt="2022-05-25T08:05:25.066" v="84"/>
+          <ac:picMkLst>
+            <pc:docMk/>
+            <pc:sldMk cId="4230562274" sldId="274"/>
+            <ac:picMk id="19" creationId="{94AAE3AA-3759-4D28-B0EF-575F25A5146C}"/>
+          </ac:picMkLst>
+        </pc:picChg>
+      </pc:sldChg>
+      <pc:sldChg chg="addSp delSp modSp new mod setBg addAnim delAnim setClrOvrMap modNotes">
+        <pc:chgData name="Damien Loup" userId="S::damien.loup@eduvaud.ch::80ac92ce-f12e-418d-90aa-81ac210ae04d" providerId="AD" clId="Web-{FBFFA943-AEB8-4BE8-A827-B090CB97F61B}" dt="2022-05-25T08:09:51.148" v="118"/>
+        <pc:sldMkLst>
+          <pc:docMk/>
+          <pc:sldMk cId="244195446" sldId="275"/>
+        </pc:sldMkLst>
+        <pc:spChg chg="mod">
+          <ac:chgData name="Damien Loup" userId="S::damien.loup@eduvaud.ch::80ac92ce-f12e-418d-90aa-81ac210ae04d" providerId="AD" clId="Web-{FBFFA943-AEB8-4BE8-A827-B090CB97F61B}" dt="2022-05-25T08:03:51.190" v="62"/>
+          <ac:spMkLst>
+            <pc:docMk/>
+            <pc:sldMk cId="244195446" sldId="275"/>
+            <ac:spMk id="2" creationId="{3A6A22A5-2185-290D-0AAC-D5E2F8BAB952}"/>
+          </ac:spMkLst>
+        </pc:spChg>
+        <pc:spChg chg="del">
+          <ac:chgData name="Damien Loup" userId="S::damien.loup@eduvaud.ch::80ac92ce-f12e-418d-90aa-81ac210ae04d" providerId="AD" clId="Web-{FBFFA943-AEB8-4BE8-A827-B090CB97F61B}" dt="2022-05-25T08:01:24.906" v="18"/>
+          <ac:spMkLst>
+            <pc:docMk/>
+            <pc:sldMk cId="244195446" sldId="275"/>
+            <ac:spMk id="3" creationId="{EEB61DC9-9AB7-3898-4A8C-50810E682FE8}"/>
+          </ac:spMkLst>
+        </pc:spChg>
+        <pc:spChg chg="mod ord">
+          <ac:chgData name="Damien Loup" userId="S::damien.loup@eduvaud.ch::80ac92ce-f12e-418d-90aa-81ac210ae04d" providerId="AD" clId="Web-{FBFFA943-AEB8-4BE8-A827-B090CB97F61B}" dt="2022-05-25T08:03:51.190" v="62"/>
+          <ac:spMkLst>
+            <pc:docMk/>
+            <pc:sldMk cId="244195446" sldId="275"/>
+            <ac:spMk id="4" creationId="{FB96A55A-5938-4F8F-AC0E-03D077BF53B0}"/>
+          </ac:spMkLst>
+        </pc:spChg>
+        <pc:spChg chg="mod">
+          <ac:chgData name="Damien Loup" userId="S::damien.loup@eduvaud.ch::80ac92ce-f12e-418d-90aa-81ac210ae04d" providerId="AD" clId="Web-{FBFFA943-AEB8-4BE8-A827-B090CB97F61B}" dt="2022-05-25T08:03:51.190" v="62"/>
+          <ac:spMkLst>
+            <pc:docMk/>
+            <pc:sldMk cId="244195446" sldId="275"/>
+            <ac:spMk id="5" creationId="{76AD3D1C-36DB-64D2-51B4-728EEE2F91CF}"/>
+          </ac:spMkLst>
+        </pc:spChg>
+        <pc:spChg chg="add del">
+          <ac:chgData name="Damien Loup" userId="S::damien.loup@eduvaud.ch::80ac92ce-f12e-418d-90aa-81ac210ae04d" providerId="AD" clId="Web-{FBFFA943-AEB8-4BE8-A827-B090CB97F61B}" dt="2022-05-25T08:03:40.533" v="55"/>
+          <ac:spMkLst>
+            <pc:docMk/>
+            <pc:sldMk cId="244195446" sldId="275"/>
+            <ac:spMk id="15" creationId="{4AC0CD9D-7610-4620-93B4-798CCD9AB581}"/>
+          </ac:spMkLst>
+        </pc:spChg>
+        <pc:spChg chg="add del">
+          <ac:chgData name="Damien Loup" userId="S::damien.loup@eduvaud.ch::80ac92ce-f12e-418d-90aa-81ac210ae04d" providerId="AD" clId="Web-{FBFFA943-AEB8-4BE8-A827-B090CB97F61B}" dt="2022-05-25T08:03:40.533" v="55"/>
+          <ac:spMkLst>
+            <pc:docMk/>
+            <pc:sldMk cId="244195446" sldId="275"/>
+            <ac:spMk id="21" creationId="{DE4D62F9-188E-4530-84C2-24BDEE4BEB82}"/>
+          </ac:spMkLst>
+        </pc:spChg>
+        <pc:spChg chg="add del">
+          <ac:chgData name="Damien Loup" userId="S::damien.loup@eduvaud.ch::80ac92ce-f12e-418d-90aa-81ac210ae04d" providerId="AD" clId="Web-{FBFFA943-AEB8-4BE8-A827-B090CB97F61B}" dt="2022-05-25T08:03:40.533" v="55"/>
+          <ac:spMkLst>
+            <pc:docMk/>
+            <pc:sldMk cId="244195446" sldId="275"/>
+            <ac:spMk id="23" creationId="{757B325C-3E35-45CF-9D07-3BCB281F3B9C}"/>
+          </ac:spMkLst>
+        </pc:spChg>
+        <pc:spChg chg="add del">
+          <ac:chgData name="Damien Loup" userId="S::damien.loup@eduvaud.ch::80ac92ce-f12e-418d-90aa-81ac210ae04d" providerId="AD" clId="Web-{FBFFA943-AEB8-4BE8-A827-B090CB97F61B}" dt="2022-05-25T08:03:40.533" v="55"/>
+          <ac:spMkLst>
+            <pc:docMk/>
+            <pc:sldMk cId="244195446" sldId="275"/>
+            <ac:spMk id="25" creationId="{C24BEC42-AFF3-40D1-93A2-A27A42E1E23C}"/>
+          </ac:spMkLst>
+        </pc:spChg>
+        <pc:spChg chg="add del">
+          <ac:chgData name="Damien Loup" userId="S::damien.loup@eduvaud.ch::80ac92ce-f12e-418d-90aa-81ac210ae04d" providerId="AD" clId="Web-{FBFFA943-AEB8-4BE8-A827-B090CB97F61B}" dt="2022-05-25T08:03:40.533" v="55"/>
+          <ac:spMkLst>
+            <pc:docMk/>
+            <pc:sldMk cId="244195446" sldId="275"/>
+            <ac:spMk id="27" creationId="{608F427C-1EC9-4280-9367-F2B3AA063E82}"/>
+          </ac:spMkLst>
+        </pc:spChg>
+        <pc:spChg chg="add del">
+          <ac:chgData name="Damien Loup" userId="S::damien.loup@eduvaud.ch::80ac92ce-f12e-418d-90aa-81ac210ae04d" providerId="AD" clId="Web-{FBFFA943-AEB8-4BE8-A827-B090CB97F61B}" dt="2022-05-25T08:03:40.533" v="55"/>
+          <ac:spMkLst>
+            <pc:docMk/>
+            <pc:sldMk cId="244195446" sldId="275"/>
+            <ac:spMk id="29" creationId="{F98810A7-E114-447A-A7D6-69B27CFB5650}"/>
+          </ac:spMkLst>
+        </pc:spChg>
+        <pc:spChg chg="add del">
+          <ac:chgData name="Damien Loup" userId="S::damien.loup@eduvaud.ch::80ac92ce-f12e-418d-90aa-81ac210ae04d" providerId="AD" clId="Web-{FBFFA943-AEB8-4BE8-A827-B090CB97F61B}" dt="2022-05-25T08:03:48.252" v="59"/>
+          <ac:spMkLst>
+            <pc:docMk/>
+            <pc:sldMk cId="244195446" sldId="275"/>
+            <ac:spMk id="33" creationId="{989BE678-777B-482A-A616-FEDC47B162E5}"/>
+          </ac:spMkLst>
+        </pc:spChg>
+        <pc:spChg chg="add del">
+          <ac:chgData name="Damien Loup" userId="S::damien.loup@eduvaud.ch::80ac92ce-f12e-418d-90aa-81ac210ae04d" providerId="AD" clId="Web-{FBFFA943-AEB8-4BE8-A827-B090CB97F61B}" dt="2022-05-25T08:03:48.252" v="59"/>
+          <ac:spMkLst>
+            <pc:docMk/>
+            <pc:sldMk cId="244195446" sldId="275"/>
+            <ac:spMk id="36" creationId="{D28BE0C3-2102-4820-B88B-A448B1840D14}"/>
+          </ac:spMkLst>
+        </pc:spChg>
+        <pc:spChg chg="add del">
+          <ac:chgData name="Damien Loup" userId="S::damien.loup@eduvaud.ch::80ac92ce-f12e-418d-90aa-81ac210ae04d" providerId="AD" clId="Web-{FBFFA943-AEB8-4BE8-A827-B090CB97F61B}" dt="2022-05-25T08:03:51.158" v="61"/>
+          <ac:spMkLst>
+            <pc:docMk/>
+            <pc:sldMk cId="244195446" sldId="275"/>
+            <ac:spMk id="40" creationId="{4AC0CD9D-7610-4620-93B4-798CCD9AB581}"/>
+          </ac:spMkLst>
+        </pc:spChg>
+        <pc:spChg chg="add del">
+          <ac:chgData name="Damien Loup" userId="S::damien.loup@eduvaud.ch::80ac92ce-f12e-418d-90aa-81ac210ae04d" providerId="AD" clId="Web-{FBFFA943-AEB8-4BE8-A827-B090CB97F61B}" dt="2022-05-25T08:03:51.158" v="61"/>
+          <ac:spMkLst>
+            <pc:docMk/>
+            <pc:sldMk cId="244195446" sldId="275"/>
+            <ac:spMk id="43" creationId="{DE4D62F9-188E-4530-84C2-24BDEE4BEB82}"/>
+          </ac:spMkLst>
+        </pc:spChg>
+        <pc:spChg chg="add del">
+          <ac:chgData name="Damien Loup" userId="S::damien.loup@eduvaud.ch::80ac92ce-f12e-418d-90aa-81ac210ae04d" providerId="AD" clId="Web-{FBFFA943-AEB8-4BE8-A827-B090CB97F61B}" dt="2022-05-25T08:03:51.158" v="61"/>
+          <ac:spMkLst>
+            <pc:docMk/>
+            <pc:sldMk cId="244195446" sldId="275"/>
+            <ac:spMk id="44" creationId="{D67CA421-FA2B-47ED-A101-F8BBEBB2976B}"/>
+          </ac:spMkLst>
+        </pc:spChg>
+        <pc:spChg chg="add del">
+          <ac:chgData name="Damien Loup" userId="S::damien.loup@eduvaud.ch::80ac92ce-f12e-418d-90aa-81ac210ae04d" providerId="AD" clId="Web-{FBFFA943-AEB8-4BE8-A827-B090CB97F61B}" dt="2022-05-25T08:03:51.158" v="61"/>
+          <ac:spMkLst>
+            <pc:docMk/>
+            <pc:sldMk cId="244195446" sldId="275"/>
+            <ac:spMk id="45" creationId="{12425D82-CD5E-45A4-9542-70951E59F2D1}"/>
+          </ac:spMkLst>
+        </pc:spChg>
+        <pc:spChg chg="add del">
+          <ac:chgData name="Damien Loup" userId="S::damien.loup@eduvaud.ch::80ac92ce-f12e-418d-90aa-81ac210ae04d" providerId="AD" clId="Web-{FBFFA943-AEB8-4BE8-A827-B090CB97F61B}" dt="2022-05-25T08:03:51.158" v="61"/>
+          <ac:spMkLst>
+            <pc:docMk/>
+            <pc:sldMk cId="244195446" sldId="275"/>
+            <ac:spMk id="46" creationId="{221DB897-A621-4D5F-AC81-91199AC4370E}"/>
+          </ac:spMkLst>
+        </pc:spChg>
+        <pc:spChg chg="add">
+          <ac:chgData name="Damien Loup" userId="S::damien.loup@eduvaud.ch::80ac92ce-f12e-418d-90aa-81ac210ae04d" providerId="AD" clId="Web-{FBFFA943-AEB8-4BE8-A827-B090CB97F61B}" dt="2022-05-25T08:03:51.190" v="62"/>
+          <ac:spMkLst>
+            <pc:docMk/>
+            <pc:sldMk cId="244195446" sldId="275"/>
+            <ac:spMk id="50" creationId="{4AC0CD9D-7610-4620-93B4-798CCD9AB581}"/>
+          </ac:spMkLst>
+        </pc:spChg>
+        <pc:spChg chg="add">
+          <ac:chgData name="Damien Loup" userId="S::damien.loup@eduvaud.ch::80ac92ce-f12e-418d-90aa-81ac210ae04d" providerId="AD" clId="Web-{FBFFA943-AEB8-4BE8-A827-B090CB97F61B}" dt="2022-05-25T08:03:51.190" v="62"/>
+          <ac:spMkLst>
+            <pc:docMk/>
+            <pc:sldMk cId="244195446" sldId="275"/>
+            <ac:spMk id="53" creationId="{DE4D62F9-188E-4530-84C2-24BDEE4BEB82}"/>
+          </ac:spMkLst>
+        </pc:spChg>
+        <pc:spChg chg="add">
+          <ac:chgData name="Damien Loup" userId="S::damien.loup@eduvaud.ch::80ac92ce-f12e-418d-90aa-81ac210ae04d" providerId="AD" clId="Web-{FBFFA943-AEB8-4BE8-A827-B090CB97F61B}" dt="2022-05-25T08:03:51.190" v="62"/>
+          <ac:spMkLst>
+            <pc:docMk/>
+            <pc:sldMk cId="244195446" sldId="275"/>
+            <ac:spMk id="54" creationId="{757B325C-3E35-45CF-9D07-3BCB281F3B9C}"/>
+          </ac:spMkLst>
+        </pc:spChg>
+        <pc:spChg chg="add">
+          <ac:chgData name="Damien Loup" userId="S::damien.loup@eduvaud.ch::80ac92ce-f12e-418d-90aa-81ac210ae04d" providerId="AD" clId="Web-{FBFFA943-AEB8-4BE8-A827-B090CB97F61B}" dt="2022-05-25T08:03:51.190" v="62"/>
+          <ac:spMkLst>
+            <pc:docMk/>
+            <pc:sldMk cId="244195446" sldId="275"/>
+            <ac:spMk id="55" creationId="{C24BEC42-AFF3-40D1-93A2-A27A42E1E23C}"/>
+          </ac:spMkLst>
+        </pc:spChg>
+        <pc:spChg chg="add">
+          <ac:chgData name="Damien Loup" userId="S::damien.loup@eduvaud.ch::80ac92ce-f12e-418d-90aa-81ac210ae04d" providerId="AD" clId="Web-{FBFFA943-AEB8-4BE8-A827-B090CB97F61B}" dt="2022-05-25T08:03:51.190" v="62"/>
+          <ac:spMkLst>
+            <pc:docMk/>
+            <pc:sldMk cId="244195446" sldId="275"/>
+            <ac:spMk id="56" creationId="{608F427C-1EC9-4280-9367-F2B3AA063E82}"/>
+          </ac:spMkLst>
+        </pc:spChg>
+        <pc:spChg chg="add">
+          <ac:chgData name="Damien Loup" userId="S::damien.loup@eduvaud.ch::80ac92ce-f12e-418d-90aa-81ac210ae04d" providerId="AD" clId="Web-{FBFFA943-AEB8-4BE8-A827-B090CB97F61B}" dt="2022-05-25T08:03:51.190" v="62"/>
+          <ac:spMkLst>
+            <pc:docMk/>
+            <pc:sldMk cId="244195446" sldId="275"/>
+            <ac:spMk id="57" creationId="{F98810A7-E114-447A-A7D6-69B27CFB5650}"/>
+          </ac:spMkLst>
+        </pc:spChg>
+        <pc:picChg chg="add mod">
+          <ac:chgData name="Damien Loup" userId="S::damien.loup@eduvaud.ch::80ac92ce-f12e-418d-90aa-81ac210ae04d" providerId="AD" clId="Web-{FBFFA943-AEB8-4BE8-A827-B090CB97F61B}" dt="2022-05-25T08:03:51.190" v="62"/>
+          <ac:picMkLst>
+            <pc:docMk/>
+            <pc:sldMk cId="244195446" sldId="275"/>
+            <ac:picMk id="6" creationId="{9C911388-5BD9-7236-CE65-D554AB2ED32D}"/>
+          </ac:picMkLst>
+        </pc:picChg>
+        <pc:picChg chg="add del">
+          <ac:chgData name="Damien Loup" userId="S::damien.loup@eduvaud.ch::80ac92ce-f12e-418d-90aa-81ac210ae04d" providerId="AD" clId="Web-{FBFFA943-AEB8-4BE8-A827-B090CB97F61B}" dt="2022-05-25T08:03:40.533" v="55"/>
+          <ac:picMkLst>
+            <pc:docMk/>
+            <pc:sldMk cId="244195446" sldId="275"/>
+            <ac:picMk id="11" creationId="{41B68C77-138E-4BF7-A276-BD0C78A4219F}"/>
+          </ac:picMkLst>
+        </pc:picChg>
+        <pc:picChg chg="add del">
+          <ac:chgData name="Damien Loup" userId="S::damien.loup@eduvaud.ch::80ac92ce-f12e-418d-90aa-81ac210ae04d" providerId="AD" clId="Web-{FBFFA943-AEB8-4BE8-A827-B090CB97F61B}" dt="2022-05-25T08:03:40.533" v="55"/>
+          <ac:picMkLst>
+            <pc:docMk/>
+            <pc:sldMk cId="244195446" sldId="275"/>
+            <ac:picMk id="13" creationId="{7C268552-D473-46ED-B1B8-422042C4DEF1}"/>
+          </ac:picMkLst>
+        </pc:picChg>
+        <pc:picChg chg="add del">
+          <ac:chgData name="Damien Loup" userId="S::damien.loup@eduvaud.ch::80ac92ce-f12e-418d-90aa-81ac210ae04d" providerId="AD" clId="Web-{FBFFA943-AEB8-4BE8-A827-B090CB97F61B}" dt="2022-05-25T08:03:40.533" v="55"/>
+          <ac:picMkLst>
+            <pc:docMk/>
+            <pc:sldMk cId="244195446" sldId="275"/>
+            <ac:picMk id="17" creationId="{B9238B3E-24AA-439A-B527-6C5DF6D72145}"/>
+          </ac:picMkLst>
+        </pc:picChg>
+        <pc:picChg chg="add del">
+          <ac:chgData name="Damien Loup" userId="S::damien.loup@eduvaud.ch::80ac92ce-f12e-418d-90aa-81ac210ae04d" providerId="AD" clId="Web-{FBFFA943-AEB8-4BE8-A827-B090CB97F61B}" dt="2022-05-25T08:03:40.533" v="55"/>
+          <ac:picMkLst>
+            <pc:docMk/>
+            <pc:sldMk cId="244195446" sldId="275"/>
+            <ac:picMk id="19" creationId="{69F01145-BEA3-4CBF-AA21-10077B948CA8}"/>
+          </ac:picMkLst>
+        </pc:picChg>
+        <pc:picChg chg="add del">
+          <ac:chgData name="Damien Loup" userId="S::damien.loup@eduvaud.ch::80ac92ce-f12e-418d-90aa-81ac210ae04d" providerId="AD" clId="Web-{FBFFA943-AEB8-4BE8-A827-B090CB97F61B}" dt="2022-05-25T08:03:48.252" v="59"/>
+          <ac:picMkLst>
+            <pc:docMk/>
+            <pc:sldMk cId="244195446" sldId="275"/>
+            <ac:picMk id="31" creationId="{DF19BAF3-7E20-4B9D-B544-BABAEEA1FA75}"/>
+          </ac:picMkLst>
+        </pc:picChg>
+        <pc:picChg chg="add del">
+          <ac:chgData name="Damien Loup" userId="S::damien.loup@eduvaud.ch::80ac92ce-f12e-418d-90aa-81ac210ae04d" providerId="AD" clId="Web-{FBFFA943-AEB8-4BE8-A827-B090CB97F61B}" dt="2022-05-25T08:03:48.252" v="59"/>
+          <ac:picMkLst>
+            <pc:docMk/>
+            <pc:sldMk cId="244195446" sldId="275"/>
+            <ac:picMk id="32" creationId="{950648F4-ABCD-4DF0-8641-76CFB2354721}"/>
+          </ac:picMkLst>
+        </pc:picChg>
+        <pc:picChg chg="add del">
+          <ac:chgData name="Damien Loup" userId="S::damien.loup@eduvaud.ch::80ac92ce-f12e-418d-90aa-81ac210ae04d" providerId="AD" clId="Web-{FBFFA943-AEB8-4BE8-A827-B090CB97F61B}" dt="2022-05-25T08:03:48.252" v="59"/>
+          <ac:picMkLst>
+            <pc:docMk/>
+            <pc:sldMk cId="244195446" sldId="275"/>
+            <ac:picMk id="34" creationId="{CF1EB4BD-9C7E-4AA3-9681-C7EB0DA6250B}"/>
+          </ac:picMkLst>
+        </pc:picChg>
+        <pc:picChg chg="add del">
+          <ac:chgData name="Damien Loup" userId="S::damien.loup@eduvaud.ch::80ac92ce-f12e-418d-90aa-81ac210ae04d" providerId="AD" clId="Web-{FBFFA943-AEB8-4BE8-A827-B090CB97F61B}" dt="2022-05-25T08:03:48.252" v="59"/>
+          <ac:picMkLst>
+            <pc:docMk/>
+            <pc:sldMk cId="244195446" sldId="275"/>
+            <ac:picMk id="35" creationId="{94AAE3AA-3759-4D28-B0EF-575F25A5146C}"/>
+          </ac:picMkLst>
+        </pc:picChg>
+        <pc:picChg chg="add del">
+          <ac:chgData name="Damien Loup" userId="S::damien.loup@eduvaud.ch::80ac92ce-f12e-418d-90aa-81ac210ae04d" providerId="AD" clId="Web-{FBFFA943-AEB8-4BE8-A827-B090CB97F61B}" dt="2022-05-25T08:03:51.158" v="61"/>
+          <ac:picMkLst>
+            <pc:docMk/>
+            <pc:sldMk cId="244195446" sldId="275"/>
+            <ac:picMk id="38" creationId="{41B68C77-138E-4BF7-A276-BD0C78A4219F}"/>
+          </ac:picMkLst>
+        </pc:picChg>
+        <pc:picChg chg="add del">
+          <ac:chgData name="Damien Loup" userId="S::damien.loup@eduvaud.ch::80ac92ce-f12e-418d-90aa-81ac210ae04d" providerId="AD" clId="Web-{FBFFA943-AEB8-4BE8-A827-B090CB97F61B}" dt="2022-05-25T08:03:51.158" v="61"/>
+          <ac:picMkLst>
+            <pc:docMk/>
+            <pc:sldMk cId="244195446" sldId="275"/>
+            <ac:picMk id="39" creationId="{7C268552-D473-46ED-B1B8-422042C4DEF1}"/>
+          </ac:picMkLst>
+        </pc:picChg>
+        <pc:picChg chg="add del">
+          <ac:chgData name="Damien Loup" userId="S::damien.loup@eduvaud.ch::80ac92ce-f12e-418d-90aa-81ac210ae04d" providerId="AD" clId="Web-{FBFFA943-AEB8-4BE8-A827-B090CB97F61B}" dt="2022-05-25T08:03:51.158" v="61"/>
+          <ac:picMkLst>
+            <pc:docMk/>
+            <pc:sldMk cId="244195446" sldId="275"/>
+            <ac:picMk id="41" creationId="{B9238B3E-24AA-439A-B527-6C5DF6D72145}"/>
+          </ac:picMkLst>
+        </pc:picChg>
+        <pc:picChg chg="add del">
+          <ac:chgData name="Damien Loup" userId="S::damien.loup@eduvaud.ch::80ac92ce-f12e-418d-90aa-81ac210ae04d" providerId="AD" clId="Web-{FBFFA943-AEB8-4BE8-A827-B090CB97F61B}" dt="2022-05-25T08:03:51.158" v="61"/>
+          <ac:picMkLst>
+            <pc:docMk/>
+            <pc:sldMk cId="244195446" sldId="275"/>
+            <ac:picMk id="42" creationId="{69F01145-BEA3-4CBF-AA21-10077B948CA8}"/>
+          </ac:picMkLst>
+        </pc:picChg>
+        <pc:picChg chg="add">
+          <ac:chgData name="Damien Loup" userId="S::damien.loup@eduvaud.ch::80ac92ce-f12e-418d-90aa-81ac210ae04d" providerId="AD" clId="Web-{FBFFA943-AEB8-4BE8-A827-B090CB97F61B}" dt="2022-05-25T08:03:51.190" v="62"/>
+          <ac:picMkLst>
+            <pc:docMk/>
+            <pc:sldMk cId="244195446" sldId="275"/>
+            <ac:picMk id="48" creationId="{41B68C77-138E-4BF7-A276-BD0C78A4219F}"/>
+          </ac:picMkLst>
+        </pc:picChg>
+        <pc:picChg chg="add">
+          <ac:chgData name="Damien Loup" userId="S::damien.loup@eduvaud.ch::80ac92ce-f12e-418d-90aa-81ac210ae04d" providerId="AD" clId="Web-{FBFFA943-AEB8-4BE8-A827-B090CB97F61B}" dt="2022-05-25T08:03:51.190" v="62"/>
+          <ac:picMkLst>
+            <pc:docMk/>
+            <pc:sldMk cId="244195446" sldId="275"/>
+            <ac:picMk id="49" creationId="{7C268552-D473-46ED-B1B8-422042C4DEF1}"/>
+          </ac:picMkLst>
+        </pc:picChg>
+        <pc:picChg chg="add">
+          <ac:chgData name="Damien Loup" userId="S::damien.loup@eduvaud.ch::80ac92ce-f12e-418d-90aa-81ac210ae04d" providerId="AD" clId="Web-{FBFFA943-AEB8-4BE8-A827-B090CB97F61B}" dt="2022-05-25T08:03:51.190" v="62"/>
+          <ac:picMkLst>
+            <pc:docMk/>
+            <pc:sldMk cId="244195446" sldId="275"/>
+            <ac:picMk id="51" creationId="{B9238B3E-24AA-439A-B527-6C5DF6D72145}"/>
+          </ac:picMkLst>
+        </pc:picChg>
+        <pc:picChg chg="add">
+          <ac:chgData name="Damien Loup" userId="S::damien.loup@eduvaud.ch::80ac92ce-f12e-418d-90aa-81ac210ae04d" providerId="AD" clId="Web-{FBFFA943-AEB8-4BE8-A827-B090CB97F61B}" dt="2022-05-25T08:03:51.190" v="62"/>
+          <ac:picMkLst>
+            <pc:docMk/>
+            <pc:sldMk cId="244195446" sldId="275"/>
+            <ac:picMk id="52" creationId="{69F01145-BEA3-4CBF-AA21-10077B948CA8}"/>
+          </ac:picMkLst>
+        </pc:picChg>
+      </pc:sldChg>
+      <pc:sldChg chg="new del">
+        <pc:chgData name="Damien Loup" userId="S::damien.loup@eduvaud.ch::80ac92ce-f12e-418d-90aa-81ac210ae04d" providerId="AD" clId="Web-{FBFFA943-AEB8-4BE8-A827-B090CB97F61B}" dt="2022-05-25T08:00:17.124" v="13"/>
+        <pc:sldMkLst>
+          <pc:docMk/>
+          <pc:sldMk cId="1140701932" sldId="275"/>
+        </pc:sldMkLst>
+      </pc:sldChg>
+      <pc:sldChg chg="addSp delSp modSp add mod replId setBg setClrOvrMap modNotes">
+        <pc:chgData name="Damien Loup" userId="S::damien.loup@eduvaud.ch::80ac92ce-f12e-418d-90aa-81ac210ae04d" providerId="AD" clId="Web-{FBFFA943-AEB8-4BE8-A827-B090CB97F61B}" dt="2022-05-25T08:04:36.737" v="70"/>
+        <pc:sldMkLst>
+          <pc:docMk/>
+          <pc:sldMk cId="1077716600" sldId="276"/>
+        </pc:sldMkLst>
+        <pc:spChg chg="mod">
+          <ac:chgData name="Damien Loup" userId="S::damien.loup@eduvaud.ch::80ac92ce-f12e-418d-90aa-81ac210ae04d" providerId="AD" clId="Web-{FBFFA943-AEB8-4BE8-A827-B090CB97F61B}" dt="2022-05-25T08:03:55.643" v="63"/>
+          <ac:spMkLst>
+            <pc:docMk/>
+            <pc:sldMk cId="1077716600" sldId="276"/>
+            <ac:spMk id="2" creationId="{3A6A22A5-2185-290D-0AAC-D5E2F8BAB952}"/>
+          </ac:spMkLst>
+        </pc:spChg>
+        <pc:spChg chg="mod ord">
+          <ac:chgData name="Damien Loup" userId="S::damien.loup@eduvaud.ch::80ac92ce-f12e-418d-90aa-81ac210ae04d" providerId="AD" clId="Web-{FBFFA943-AEB8-4BE8-A827-B090CB97F61B}" dt="2022-05-25T08:03:55.643" v="63"/>
+          <ac:spMkLst>
+            <pc:docMk/>
+            <pc:sldMk cId="1077716600" sldId="276"/>
+            <ac:spMk id="4" creationId="{FB96A55A-5938-4F8F-AC0E-03D077BF53B0}"/>
+          </ac:spMkLst>
+        </pc:spChg>
+        <pc:spChg chg="mod">
+          <ac:chgData name="Damien Loup" userId="S::damien.loup@eduvaud.ch::80ac92ce-f12e-418d-90aa-81ac210ae04d" providerId="AD" clId="Web-{FBFFA943-AEB8-4BE8-A827-B090CB97F61B}" dt="2022-05-25T08:03:55.643" v="63"/>
+          <ac:spMkLst>
+            <pc:docMk/>
+            <pc:sldMk cId="1077716600" sldId="276"/>
+            <ac:spMk id="5" creationId="{76AD3D1C-36DB-64D2-51B4-728EEE2F91CF}"/>
+          </ac:spMkLst>
+        </pc:spChg>
+        <pc:spChg chg="add">
+          <ac:chgData name="Damien Loup" userId="S::damien.loup@eduvaud.ch::80ac92ce-f12e-418d-90aa-81ac210ae04d" providerId="AD" clId="Web-{FBFFA943-AEB8-4BE8-A827-B090CB97F61B}" dt="2022-05-25T08:03:55.643" v="63"/>
+          <ac:spMkLst>
+            <pc:docMk/>
+            <pc:sldMk cId="1077716600" sldId="276"/>
+            <ac:spMk id="14" creationId="{4AC0CD9D-7610-4620-93B4-798CCD9AB581}"/>
+          </ac:spMkLst>
+        </pc:spChg>
+        <pc:spChg chg="add">
+          <ac:chgData name="Damien Loup" userId="S::damien.loup@eduvaud.ch::80ac92ce-f12e-418d-90aa-81ac210ae04d" providerId="AD" clId="Web-{FBFFA943-AEB8-4BE8-A827-B090CB97F61B}" dt="2022-05-25T08:03:55.643" v="63"/>
+          <ac:spMkLst>
+            <pc:docMk/>
+            <pc:sldMk cId="1077716600" sldId="276"/>
+            <ac:spMk id="20" creationId="{DE4D62F9-188E-4530-84C2-24BDEE4BEB82}"/>
+          </ac:spMkLst>
+        </pc:spChg>
+        <pc:spChg chg="add">
+          <ac:chgData name="Damien Loup" userId="S::damien.loup@eduvaud.ch::80ac92ce-f12e-418d-90aa-81ac210ae04d" providerId="AD" clId="Web-{FBFFA943-AEB8-4BE8-A827-B090CB97F61B}" dt="2022-05-25T08:03:55.643" v="63"/>
+          <ac:spMkLst>
+            <pc:docMk/>
+            <pc:sldMk cId="1077716600" sldId="276"/>
+            <ac:spMk id="22" creationId="{757B325C-3E35-45CF-9D07-3BCB281F3B9C}"/>
+          </ac:spMkLst>
+        </pc:spChg>
+        <pc:spChg chg="add">
+          <ac:chgData name="Damien Loup" userId="S::damien.loup@eduvaud.ch::80ac92ce-f12e-418d-90aa-81ac210ae04d" providerId="AD" clId="Web-{FBFFA943-AEB8-4BE8-A827-B090CB97F61B}" dt="2022-05-25T08:03:55.643" v="63"/>
+          <ac:spMkLst>
+            <pc:docMk/>
+            <pc:sldMk cId="1077716600" sldId="276"/>
+            <ac:spMk id="24" creationId="{C24BEC42-AFF3-40D1-93A2-A27A42E1E23C}"/>
+          </ac:spMkLst>
+        </pc:spChg>
+        <pc:spChg chg="add">
+          <ac:chgData name="Damien Loup" userId="S::damien.loup@eduvaud.ch::80ac92ce-f12e-418d-90aa-81ac210ae04d" providerId="AD" clId="Web-{FBFFA943-AEB8-4BE8-A827-B090CB97F61B}" dt="2022-05-25T08:03:55.643" v="63"/>
+          <ac:spMkLst>
+            <pc:docMk/>
+            <pc:sldMk cId="1077716600" sldId="276"/>
+            <ac:spMk id="26" creationId="{608F427C-1EC9-4280-9367-F2B3AA063E82}"/>
+          </ac:spMkLst>
+        </pc:spChg>
+        <pc:spChg chg="add">
+          <ac:chgData name="Damien Loup" userId="S::damien.loup@eduvaud.ch::80ac92ce-f12e-418d-90aa-81ac210ae04d" providerId="AD" clId="Web-{FBFFA943-AEB8-4BE8-A827-B090CB97F61B}" dt="2022-05-25T08:03:55.643" v="63"/>
+          <ac:spMkLst>
+            <pc:docMk/>
+            <pc:sldMk cId="1077716600" sldId="276"/>
+            <ac:spMk id="28" creationId="{F98810A7-E114-447A-A7D6-69B27CFB5650}"/>
+          </ac:spMkLst>
+        </pc:spChg>
+        <pc:picChg chg="add mod">
+          <ac:chgData name="Damien Loup" userId="S::damien.loup@eduvaud.ch::80ac92ce-f12e-418d-90aa-81ac210ae04d" providerId="AD" clId="Web-{FBFFA943-AEB8-4BE8-A827-B090CB97F61B}" dt="2022-05-25T08:03:55.643" v="63"/>
+          <ac:picMkLst>
+            <pc:docMk/>
+            <pc:sldMk cId="1077716600" sldId="276"/>
+            <ac:picMk id="3" creationId="{26CD31B6-0E49-12E9-260B-A047A7EE496B}"/>
+          </ac:picMkLst>
+        </pc:picChg>
+        <pc:picChg chg="del">
+          <ac:chgData name="Damien Loup" userId="S::damien.loup@eduvaud.ch::80ac92ce-f12e-418d-90aa-81ac210ae04d" providerId="AD" clId="Web-{FBFFA943-AEB8-4BE8-A827-B090CB97F61B}" dt="2022-05-25T08:02:33.766" v="29"/>
+          <ac:picMkLst>
+            <pc:docMk/>
+            <pc:sldMk cId="1077716600" sldId="276"/>
+            <ac:picMk id="6" creationId="{9C911388-5BD9-7236-CE65-D554AB2ED32D}"/>
+          </ac:picMkLst>
+        </pc:picChg>
+        <pc:picChg chg="add">
+          <ac:chgData name="Damien Loup" userId="S::damien.loup@eduvaud.ch::80ac92ce-f12e-418d-90aa-81ac210ae04d" providerId="AD" clId="Web-{FBFFA943-AEB8-4BE8-A827-B090CB97F61B}" dt="2022-05-25T08:03:55.643" v="63"/>
+          <ac:picMkLst>
+            <pc:docMk/>
+            <pc:sldMk cId="1077716600" sldId="276"/>
+            <ac:picMk id="10" creationId="{41B68C77-138E-4BF7-A276-BD0C78A4219F}"/>
+          </ac:picMkLst>
+        </pc:picChg>
+        <pc:picChg chg="add">
+          <ac:chgData name="Damien Loup" userId="S::damien.loup@eduvaud.ch::80ac92ce-f12e-418d-90aa-81ac210ae04d" providerId="AD" clId="Web-{FBFFA943-AEB8-4BE8-A827-B090CB97F61B}" dt="2022-05-25T08:03:55.643" v="63"/>
+          <ac:picMkLst>
+            <pc:docMk/>
+            <pc:sldMk cId="1077716600" sldId="276"/>
+            <ac:picMk id="12" creationId="{7C268552-D473-46ED-B1B8-422042C4DEF1}"/>
+          </ac:picMkLst>
+        </pc:picChg>
+        <pc:picChg chg="add">
+          <ac:chgData name="Damien Loup" userId="S::damien.loup@eduvaud.ch::80ac92ce-f12e-418d-90aa-81ac210ae04d" providerId="AD" clId="Web-{FBFFA943-AEB8-4BE8-A827-B090CB97F61B}" dt="2022-05-25T08:03:55.643" v="63"/>
+          <ac:picMkLst>
+            <pc:docMk/>
+            <pc:sldMk cId="1077716600" sldId="276"/>
+            <ac:picMk id="16" creationId="{B9238B3E-24AA-439A-B527-6C5DF6D72145}"/>
+          </ac:picMkLst>
+        </pc:picChg>
+        <pc:picChg chg="add">
+          <ac:chgData name="Damien Loup" userId="S::damien.loup@eduvaud.ch::80ac92ce-f12e-418d-90aa-81ac210ae04d" providerId="AD" clId="Web-{FBFFA943-AEB8-4BE8-A827-B090CB97F61B}" dt="2022-05-25T08:03:55.643" v="63"/>
+          <ac:picMkLst>
+            <pc:docMk/>
+            <pc:sldMk cId="1077716600" sldId="276"/>
+            <ac:picMk id="18" creationId="{69F01145-BEA3-4CBF-AA21-10077B948CA8}"/>
+          </ac:picMkLst>
+        </pc:picChg>
+      </pc:sldChg>
+    </pc:docChg>
+  </pc:docChgLst>
+  <pc:docChgLst>
+    <pc:chgData name="Damien Loup" userId="S::damien.loup@eduvaud.ch::80ac92ce-f12e-418d-90aa-81ac210ae04d" providerId="AD" clId="Web-{71CAC736-158A-48E9-BF31-DD938670EFB6}"/>
+    <pc:docChg chg="modSld">
+      <pc:chgData name="Damien Loup" userId="S::damien.loup@eduvaud.ch::80ac92ce-f12e-418d-90aa-81ac210ae04d" providerId="AD" clId="Web-{71CAC736-158A-48E9-BF31-DD938670EFB6}" dt="2022-05-25T07:21:33.437" v="3"/>
+      <pc:docMkLst>
+        <pc:docMk/>
+      </pc:docMkLst>
+      <pc:sldChg chg="addSp delSp">
+        <pc:chgData name="Damien Loup" userId="S::damien.loup@eduvaud.ch::80ac92ce-f12e-418d-90aa-81ac210ae04d" providerId="AD" clId="Web-{71CAC736-158A-48E9-BF31-DD938670EFB6}" dt="2022-05-25T07:21:33.437" v="3"/>
+        <pc:sldMkLst>
+          <pc:docMk/>
+          <pc:sldMk cId="396842319" sldId="259"/>
+        </pc:sldMkLst>
+        <pc:spChg chg="add del">
+          <ac:chgData name="Damien Loup" userId="S::damien.loup@eduvaud.ch::80ac92ce-f12e-418d-90aa-81ac210ae04d" providerId="AD" clId="Web-{71CAC736-158A-48E9-BF31-DD938670EFB6}" dt="2022-05-25T07:21:32.702" v="2"/>
+          <ac:spMkLst>
+            <pc:docMk/>
+            <pc:sldMk cId="396842319" sldId="259"/>
+            <ac:spMk id="4" creationId="{41AD0F7D-B33D-04A7-8023-93F596FCAECA}"/>
+          </ac:spMkLst>
+        </pc:spChg>
+        <pc:spChg chg="add del">
+          <ac:chgData name="Damien Loup" userId="S::damien.loup@eduvaud.ch::80ac92ce-f12e-418d-90aa-81ac210ae04d" providerId="AD" clId="Web-{71CAC736-158A-48E9-BF31-DD938670EFB6}" dt="2022-05-25T07:21:33.437" v="3"/>
+          <ac:spMkLst>
+            <pc:docMk/>
+            <pc:sldMk cId="396842319" sldId="259"/>
+            <ac:spMk id="7" creationId="{9A2FC377-36F8-3B4D-F08A-A04C06BCF325}"/>
+          </ac:spMkLst>
+        </pc:spChg>
+      </pc:sldChg>
+    </pc:docChg>
+  </pc:docChgLst>
+</pc:chgInfo>
+</file>
+
 <file path=ppt/notesMasters/notesMaster1.xml><?xml version="1.0" encoding="utf-8"?>
 <p:notesMaster xmlns:a="http://schemas.openxmlformats.org/drawingml/2006/main" xmlns:r="http://schemas.openxmlformats.org/officeDocument/2006/relationships" xmlns:p="http://schemas.openxmlformats.org/presentationml/2006/main">
   <p:cSld>
@@ -214,7 +989,7 @@
           <a:p>
             <a:fld id="{C7B12BC3-44BF-4E0F-8016-98E210FD065C}" type="datetimeFigureOut">
               <a:rPr lang="fr-CH" smtClean="0"/>
-              <a:t>20.05.2022</a:t>
+              <a:t>25.05.2022</a:t>
             </a:fld>
             <a:endParaRPr lang="fr-CH"/>
           </a:p>
@@ -278,35 +1053,35 @@
           <a:p>
             <a:pPr lvl="0"/>
             <a:r>
-              <a:rPr lang="fr-FR" smtClean="0"/>
+              <a:rPr lang="fr-FR"/>
               <a:t>Modifier les styles du texte du masque</a:t>
             </a:r>
           </a:p>
           <a:p>
             <a:pPr lvl="1"/>
             <a:r>
-              <a:rPr lang="fr-FR" smtClean="0"/>
+              <a:rPr lang="fr-FR"/>
               <a:t>Deuxième niveau</a:t>
             </a:r>
           </a:p>
           <a:p>
             <a:pPr lvl="2"/>
             <a:r>
-              <a:rPr lang="fr-FR" smtClean="0"/>
+              <a:rPr lang="fr-FR"/>
               <a:t>Troisième niveau</a:t>
             </a:r>
           </a:p>
           <a:p>
             <a:pPr lvl="3"/>
             <a:r>
-              <a:rPr lang="fr-FR" smtClean="0"/>
+              <a:rPr lang="fr-FR"/>
               <a:t>Quatrième niveau</a:t>
             </a:r>
           </a:p>
           <a:p>
             <a:pPr lvl="4"/>
             <a:r>
-              <a:rPr lang="fr-FR" smtClean="0"/>
+              <a:rPr lang="fr-FR"/>
               <a:t>Cinquième niveau</a:t>
             </a:r>
             <a:endParaRPr lang="fr-CH"/>
@@ -527,12 +1302,12 @@
           <a:lstStyle/>
           <a:p>
             <a:r>
-              <a:rPr lang="fr-CH" dirty="0" smtClean="0"/>
+              <a:rPr lang="fr-CH"/>
               <a:t>Damien:</a:t>
             </a:r>
           </a:p>
           <a:p>
-            <a:endParaRPr lang="fr-CH" dirty="0"/>
+            <a:endParaRPr lang="fr-CH"/>
           </a:p>
         </p:txBody>
       </p:sp>
@@ -617,8 +1392,8 @@
           <a:lstStyle/>
           <a:p>
             <a:r>
-              <a:rPr lang="fr-CH" dirty="0" smtClean="0"/>
-              <a:t>Aurélien Damien:</a:t>
+              <a:rPr lang="fr-CH"/>
+              <a:t>Aurélien:</a:t>
             </a:r>
           </a:p>
           <a:p>
@@ -627,8 +1402,12 @@
               <a:buChar char="-"/>
             </a:pPr>
             <a:r>
-              <a:rPr lang="fr-CH" baseline="0" dirty="0" smtClean="0"/>
-              <a:t>A: Carrefour</a:t>
+              <a:rPr lang="fr-CH"/>
+              <a:t>Représentation</a:t>
+            </a:r>
+            <a:r>
+              <a:rPr lang="fr-CH" baseline="0"/>
+              <a:t> de ce que fait le MVC</a:t>
             </a:r>
           </a:p>
           <a:p>
@@ -637,20 +1416,10 @@
               <a:buChar char="-"/>
             </a:pPr>
             <a:r>
-              <a:rPr lang="fr-CH" baseline="0" dirty="0" smtClean="0"/>
-              <a:t>D: Récupération du GET et POST</a:t>
-            </a:r>
-          </a:p>
-          <a:p>
-            <a:pPr marL="171450" indent="-171450">
-              <a:buFontTx/>
-              <a:buChar char="-"/>
-            </a:pPr>
-            <a:r>
-              <a:rPr lang="fr-CH" baseline="0" dirty="0" smtClean="0"/>
-              <a:t>A Méthodes de connexion</a:t>
-            </a:r>
-            <a:endParaRPr lang="fr-CH" dirty="0"/>
+              <a:rPr lang="fr-CH" baseline="0"/>
+              <a:t>Devrait peut-être utiliser des flux</a:t>
+            </a:r>
+            <a:endParaRPr lang="fr-CH"/>
           </a:p>
         </p:txBody>
       </p:sp>
@@ -671,7 +1440,7 @@
           <a:p>
             <a:fld id="{55355DC3-0C08-471D-8651-E456DB0AADAD}" type="slidenum">
               <a:rPr lang="fr-CH" smtClean="0"/>
-              <a:t>11</a:t>
+              <a:t>8</a:t>
             </a:fld>
             <a:endParaRPr lang="fr-CH"/>
           </a:p>
@@ -680,7 +1449,7 @@
     </p:spTree>
     <p:extLst>
       <p:ext uri="{BB962C8B-B14F-4D97-AF65-F5344CB8AC3E}">
-        <p14:creationId xmlns:p14="http://schemas.microsoft.com/office/powerpoint/2010/main" val="796732592"/>
+        <p14:creationId xmlns:p14="http://schemas.microsoft.com/office/powerpoint/2010/main" val="594143597"/>
       </p:ext>
     </p:extLst>
   </p:cSld>
@@ -735,42 +1504,44 @@
           <a:lstStyle/>
           <a:p>
             <a:r>
-              <a:rPr lang="fr-CH" dirty="0" smtClean="0"/>
-              <a:t>Aurélien Damien:</a:t>
-            </a:r>
-          </a:p>
-          <a:p>
-            <a:pPr marL="171450" indent="-171450">
-              <a:buFontTx/>
-              <a:buChar char="-"/>
-            </a:pPr>
-            <a:r>
-              <a:rPr lang="fr-CH" baseline="0" dirty="0" smtClean="0"/>
-              <a:t>A : __</a:t>
-            </a:r>
-            <a:r>
-              <a:rPr lang="fr-CH" baseline="0" dirty="0" err="1" smtClean="0"/>
-              <a:t>construct</a:t>
-            </a:r>
-            <a:r>
-              <a:rPr lang="fr-CH" baseline="0" dirty="0" smtClean="0"/>
-              <a:t> Méthode de construction (initialisation/recherche des valeurs)</a:t>
-            </a:r>
-          </a:p>
-          <a:p>
-            <a:pPr marL="171450" indent="-171450">
-              <a:buFontTx/>
-              <a:buChar char="-"/>
-            </a:pPr>
-            <a:r>
-              <a:rPr lang="fr-CH" dirty="0" smtClean="0"/>
-              <a:t>D : Show Méthode de préparation des valeurs et appel du </a:t>
-            </a:r>
-            <a:r>
-              <a:rPr lang="fr-CH" dirty="0" err="1" smtClean="0"/>
-              <a:t>View</a:t>
-            </a:r>
-            <a:endParaRPr lang="fr-CH" dirty="0" smtClean="0"/>
+              <a:rPr lang="fr-CH"/>
+              <a:t>Aurélien:</a:t>
+            </a:r>
+          </a:p>
+          <a:p>
+            <a:r>
+              <a:rPr lang="fr-CH"/>
+              <a:t>-</a:t>
+            </a:r>
+            <a:r>
+              <a:rPr lang="fr-CH" err="1"/>
+              <a:t>Chaques</a:t>
+            </a:r>
+            <a:r>
+              <a:rPr lang="fr-CH" baseline="0"/>
+              <a:t> classes du model contienne les requêtes</a:t>
+            </a:r>
+          </a:p>
+          <a:p>
+            <a:r>
+              <a:rPr lang="fr-CH" baseline="0"/>
+              <a:t>-Un </a:t>
+            </a:r>
+            <a:r>
+              <a:rPr lang="fr-CH" baseline="0" err="1"/>
+              <a:t>controller</a:t>
+            </a:r>
+            <a:r>
+              <a:rPr lang="fr-CH" baseline="0"/>
+              <a:t> par page ou action</a:t>
+            </a:r>
+            <a:endParaRPr lang="fr-CH"/>
+          </a:p>
+          <a:p>
+            <a:r>
+              <a:rPr lang="fr-CH"/>
+              <a:t>- Manque de lien</a:t>
+            </a:r>
           </a:p>
         </p:txBody>
       </p:sp>
@@ -791,7 +1562,7 @@
           <a:p>
             <a:fld id="{55355DC3-0C08-471D-8651-E456DB0AADAD}" type="slidenum">
               <a:rPr lang="fr-CH" smtClean="0"/>
-              <a:t>12</a:t>
+              <a:t>9</a:t>
             </a:fld>
             <a:endParaRPr lang="fr-CH"/>
           </a:p>
@@ -800,7 +1571,7 @@
     </p:spTree>
     <p:extLst>
       <p:ext uri="{BB962C8B-B14F-4D97-AF65-F5344CB8AC3E}">
-        <p14:creationId xmlns:p14="http://schemas.microsoft.com/office/powerpoint/2010/main" val="4092410271"/>
+        <p14:creationId xmlns:p14="http://schemas.microsoft.com/office/powerpoint/2010/main" val="877422656"/>
       </p:ext>
     </p:extLst>
   </p:cSld>
@@ -855,30 +1626,12 @@
           <a:lstStyle/>
           <a:p>
             <a:r>
-              <a:rPr lang="fr-CH" dirty="0" smtClean="0"/>
-              <a:t>Aurélien Damien:</a:t>
-            </a:r>
-          </a:p>
-          <a:p>
-            <a:pPr marL="171450" indent="-171450">
-              <a:buFontTx/>
-              <a:buChar char="-"/>
-            </a:pPr>
-            <a:r>
-              <a:rPr lang="fr-CH" baseline="0" dirty="0" smtClean="0"/>
-              <a:t>D: Chaque méthode permet de faire une recherche dans la DB en fonction de son nom</a:t>
-            </a:r>
-          </a:p>
-          <a:p>
-            <a:pPr marL="171450" indent="-171450">
-              <a:buFontTx/>
-              <a:buChar char="-"/>
-            </a:pPr>
-            <a:r>
-              <a:rPr lang="fr-CH" baseline="0" dirty="0" smtClean="0"/>
-              <a:t>A: Le constructeur permet de créer un objet du nom de la classe</a:t>
-            </a:r>
-            <a:endParaRPr lang="fr-CH" dirty="0" smtClean="0"/>
+              <a:rPr lang="fr-CH" dirty="0"/>
+              <a:t>D:</a:t>
+            </a:r>
+          </a:p>
+          <a:p>
+            <a:endParaRPr lang="fr-CH"/>
           </a:p>
         </p:txBody>
       </p:sp>
@@ -899,7 +1652,7 @@
           <a:p>
             <a:fld id="{55355DC3-0C08-471D-8651-E456DB0AADAD}" type="slidenum">
               <a:rPr lang="fr-CH" smtClean="0"/>
-              <a:t>13</a:t>
+              <a:t>10</a:t>
             </a:fld>
             <a:endParaRPr lang="fr-CH"/>
           </a:p>
@@ -908,7 +1661,7 @@
     </p:spTree>
     <p:extLst>
       <p:ext uri="{BB962C8B-B14F-4D97-AF65-F5344CB8AC3E}">
-        <p14:creationId xmlns:p14="http://schemas.microsoft.com/office/powerpoint/2010/main" val="2878549207"/>
+        <p14:creationId xmlns:p14="http://schemas.microsoft.com/office/powerpoint/2010/main" val="571092372"/>
       </p:ext>
     </p:extLst>
   </p:cSld>
@@ -963,8 +1716,8 @@
           <a:lstStyle/>
           <a:p>
             <a:r>
-              <a:rPr lang="fr-CH" dirty="0" smtClean="0"/>
-              <a:t>Damien:</a:t>
+              <a:rPr lang="fr-CH"/>
+              <a:t>Aurélien Damien:</a:t>
             </a:r>
           </a:p>
           <a:p>
@@ -973,50 +1726,30 @@
               <a:buChar char="-"/>
             </a:pPr>
             <a:r>
-              <a:rPr lang="fr-CH" dirty="0" err="1" smtClean="0"/>
-              <a:t>Github</a:t>
-            </a:r>
-            <a:r>
-              <a:rPr lang="fr-CH" dirty="0" smtClean="0"/>
-              <a:t> : </a:t>
-            </a:r>
-          </a:p>
-          <a:p>
-            <a:pPr marL="628650" lvl="1" indent="-171450">
+              <a:rPr lang="fr-CH" baseline="0"/>
+              <a:t>A: Carrefour</a:t>
+            </a:r>
+          </a:p>
+          <a:p>
+            <a:pPr marL="171450" indent="-171450">
               <a:buFontTx/>
               <a:buChar char="-"/>
             </a:pPr>
             <a:r>
-              <a:rPr lang="fr-CH" dirty="0" smtClean="0"/>
-              <a:t>Issues</a:t>
-            </a:r>
-          </a:p>
-          <a:p>
-            <a:pPr marL="628650" lvl="1" indent="-171450">
+              <a:rPr lang="fr-CH" baseline="0"/>
+              <a:t>D: Récupération du GET et POST</a:t>
+            </a:r>
+          </a:p>
+          <a:p>
+            <a:pPr marL="171450" indent="-171450">
               <a:buFontTx/>
               <a:buChar char="-"/>
             </a:pPr>
             <a:r>
-              <a:rPr lang="fr-CH" dirty="0" smtClean="0"/>
-              <a:t>Branches</a:t>
-            </a:r>
-          </a:p>
-          <a:p>
-            <a:pPr marL="628650" lvl="1" indent="-171450">
-              <a:buFontTx/>
-              <a:buChar char="-"/>
-            </a:pPr>
-            <a:r>
-              <a:rPr lang="fr-CH" dirty="0" smtClean="0"/>
-              <a:t>Répartition des tâches</a:t>
-            </a:r>
-          </a:p>
-          <a:p>
-            <a:pPr marL="457200" lvl="1" indent="0">
-              <a:buFontTx/>
-              <a:buNone/>
-            </a:pPr>
-            <a:endParaRPr lang="fr-CH" dirty="0" smtClean="0"/>
+              <a:rPr lang="fr-CH" baseline="0"/>
+              <a:t>A Méthodes de connexion</a:t>
+            </a:r>
+            <a:endParaRPr lang="fr-CH"/>
           </a:p>
         </p:txBody>
       </p:sp>
@@ -1037,7 +1770,7 @@
           <a:p>
             <a:fld id="{55355DC3-0C08-471D-8651-E456DB0AADAD}" type="slidenum">
               <a:rPr lang="fr-CH" smtClean="0"/>
-              <a:t>14</a:t>
+              <a:t>11</a:t>
             </a:fld>
             <a:endParaRPr lang="fr-CH"/>
           </a:p>
@@ -1046,7 +1779,7 @@
     </p:spTree>
     <p:extLst>
       <p:ext uri="{BB962C8B-B14F-4D97-AF65-F5344CB8AC3E}">
-        <p14:creationId xmlns:p14="http://schemas.microsoft.com/office/powerpoint/2010/main" val="2477546367"/>
+        <p14:creationId xmlns:p14="http://schemas.microsoft.com/office/powerpoint/2010/main" val="796732592"/>
       </p:ext>
     </p:extLst>
   </p:cSld>
@@ -1101,32 +1834,42 @@
           <a:lstStyle/>
           <a:p>
             <a:r>
-              <a:rPr lang="fr-CH" dirty="0" smtClean="0"/>
-              <a:t>Damien:</a:t>
-            </a:r>
-          </a:p>
-          <a:p>
-            <a:r>
-              <a:rPr lang="fr-CH" dirty="0" err="1" smtClean="0"/>
-              <a:t>Features</a:t>
-            </a:r>
-            <a:r>
-              <a:rPr lang="fr-CH" dirty="0" smtClean="0"/>
-              <a:t> : Problème</a:t>
-            </a:r>
-            <a:r>
-              <a:rPr lang="fr-CH" baseline="0" dirty="0" smtClean="0"/>
-              <a:t> </a:t>
-            </a:r>
-            <a:r>
-              <a:rPr lang="fr-CH" baseline="0" dirty="0" err="1" smtClean="0"/>
-              <a:t>js</a:t>
-            </a:r>
-            <a:r>
-              <a:rPr lang="fr-CH" baseline="0" dirty="0" smtClean="0"/>
-              <a:t> page Home 5 last books</a:t>
-            </a:r>
-            <a:endParaRPr lang="fr-CH" dirty="0"/>
+              <a:rPr lang="fr-CH"/>
+              <a:t>Aurélien Damien:</a:t>
+            </a:r>
+          </a:p>
+          <a:p>
+            <a:pPr marL="171450" indent="-171450">
+              <a:buFontTx/>
+              <a:buChar char="-"/>
+            </a:pPr>
+            <a:r>
+              <a:rPr lang="fr-CH" baseline="0"/>
+              <a:t>A : __</a:t>
+            </a:r>
+            <a:r>
+              <a:rPr lang="fr-CH" baseline="0" err="1"/>
+              <a:t>construct</a:t>
+            </a:r>
+            <a:r>
+              <a:rPr lang="fr-CH" baseline="0"/>
+              <a:t> Méthode de construction (initialisation/recherche des valeurs)</a:t>
+            </a:r>
+          </a:p>
+          <a:p>
+            <a:pPr marL="171450" indent="-171450">
+              <a:buFontTx/>
+              <a:buChar char="-"/>
+            </a:pPr>
+            <a:r>
+              <a:rPr lang="fr-CH"/>
+              <a:t>D : Show Méthode de préparation des valeurs et appel du </a:t>
+            </a:r>
+            <a:r>
+              <a:rPr lang="fr-CH" err="1"/>
+              <a:t>View</a:t>
+            </a:r>
+            <a:endParaRPr lang="fr-CH"/>
           </a:p>
         </p:txBody>
       </p:sp>
@@ -1147,7 +1890,7 @@
           <a:p>
             <a:fld id="{55355DC3-0C08-471D-8651-E456DB0AADAD}" type="slidenum">
               <a:rPr lang="fr-CH" smtClean="0"/>
-              <a:t>15</a:t>
+              <a:t>12</a:t>
             </a:fld>
             <a:endParaRPr lang="fr-CH"/>
           </a:p>
@@ -1156,7 +1899,7 @@
     </p:spTree>
     <p:extLst>
       <p:ext uri="{BB962C8B-B14F-4D97-AF65-F5344CB8AC3E}">
-        <p14:creationId xmlns:p14="http://schemas.microsoft.com/office/powerpoint/2010/main" val="726407904"/>
+        <p14:creationId xmlns:p14="http://schemas.microsoft.com/office/powerpoint/2010/main" val="4092410271"/>
       </p:ext>
     </p:extLst>
   </p:cSld>
@@ -1211,114 +1954,30 @@
           <a:lstStyle/>
           <a:p>
             <a:r>
-              <a:rPr lang="fr-CH" dirty="0" smtClean="0"/>
-              <a:t>Thomas:</a:t>
-            </a:r>
-          </a:p>
-          <a:p>
-            <a:r>
-              <a:rPr lang="fr-CH" dirty="0" smtClean="0"/>
-              <a:t>Affichage 5 dernier livre non afficher (seulement 3) mais méthode</a:t>
-            </a:r>
-            <a:r>
-              <a:rPr lang="fr-CH" baseline="0" dirty="0" smtClean="0"/>
-              <a:t> fonctionnelle mais JS problème</a:t>
-            </a:r>
-          </a:p>
-          <a:p>
-            <a:r>
-              <a:rPr lang="fr-CH" dirty="0" smtClean="0"/>
-              <a:t>Problème passage information</a:t>
-            </a:r>
-            <a:r>
-              <a:rPr lang="fr-CH" baseline="0" dirty="0" smtClean="0"/>
-              <a:t> </a:t>
-            </a:r>
-            <a:r>
-              <a:rPr lang="fr-CH" dirty="0" smtClean="0"/>
-              <a:t>Controller</a:t>
-            </a:r>
-            <a:r>
-              <a:rPr lang="fr-CH" baseline="0" dirty="0" smtClean="0"/>
-              <a:t> au </a:t>
-            </a:r>
-            <a:r>
-              <a:rPr lang="fr-CH" baseline="0" dirty="0" err="1" smtClean="0"/>
-              <a:t>View</a:t>
-            </a:r>
-            <a:r>
-              <a:rPr lang="fr-CH" baseline="0" dirty="0" smtClean="0"/>
-              <a:t> (essaie POST + GLOBAL) réussie avec session</a:t>
-            </a:r>
-          </a:p>
-          <a:p>
-            <a:r>
-              <a:rPr lang="fr-CH" dirty="0" smtClean="0"/>
-              <a:t>Pas réussie faire test</a:t>
-            </a:r>
-            <a:r>
-              <a:rPr lang="fr-CH" baseline="0" dirty="0" smtClean="0"/>
-              <a:t> (essaie avec Création DB test puis </a:t>
-            </a:r>
-            <a:r>
-              <a:rPr lang="fr-CH" baseline="0" dirty="0" err="1" smtClean="0"/>
-              <a:t>suppersion</a:t>
-            </a:r>
-            <a:r>
-              <a:rPr lang="fr-CH" baseline="0" dirty="0" smtClean="0"/>
-              <a:t> + Framework </a:t>
-            </a:r>
-            <a:r>
-              <a:rPr lang="fr-CH" baseline="0" dirty="0" err="1" smtClean="0"/>
-              <a:t>EnhanceTestFramework</a:t>
-            </a:r>
-            <a:r>
-              <a:rPr lang="fr-CH" baseline="0" dirty="0" smtClean="0"/>
-              <a:t> + </a:t>
-            </a:r>
-            <a:r>
-              <a:rPr lang="fr-CH" baseline="0" dirty="0" err="1" smtClean="0"/>
-              <a:t>Puppeteer</a:t>
-            </a:r>
-            <a:r>
-              <a:rPr lang="fr-CH" baseline="0" dirty="0" smtClean="0"/>
-              <a:t> qui </a:t>
-            </a:r>
-            <a:r>
-              <a:rPr lang="fr-CH" baseline="0" dirty="0" err="1" smtClean="0"/>
-              <a:t>detruit</a:t>
-            </a:r>
-            <a:r>
-              <a:rPr lang="fr-CH" baseline="0" dirty="0" smtClean="0"/>
-              <a:t> le </a:t>
-            </a:r>
-            <a:r>
-              <a:rPr lang="fr-CH" baseline="0" dirty="0" err="1" smtClean="0"/>
-              <a:t>npm</a:t>
-            </a:r>
-            <a:r>
-              <a:rPr lang="fr-CH" baseline="0" dirty="0" smtClean="0"/>
-              <a:t>)</a:t>
-            </a:r>
-          </a:p>
-          <a:p>
-            <a:r>
-              <a:rPr lang="fr-CH" baseline="0" dirty="0" err="1" smtClean="0"/>
-              <a:t>Heroku</a:t>
-            </a:r>
-            <a:r>
-              <a:rPr lang="fr-CH" baseline="0" dirty="0" smtClean="0"/>
-              <a:t> </a:t>
-            </a:r>
-            <a:r>
-              <a:rPr lang="fr-CH" baseline="0" dirty="0" err="1" smtClean="0"/>
-              <a:t>servor</a:t>
-            </a:r>
-            <a:r>
-              <a:rPr lang="fr-CH" baseline="0" dirty="0" smtClean="0"/>
-              <a:t> HS</a:t>
-            </a:r>
-            <a:endParaRPr lang="fr-CH" dirty="0"/>
+              <a:rPr lang="fr-CH"/>
+              <a:t>Aurélien Damien:</a:t>
+            </a:r>
+          </a:p>
+          <a:p>
+            <a:pPr marL="171450" indent="-171450">
+              <a:buFontTx/>
+              <a:buChar char="-"/>
+            </a:pPr>
+            <a:r>
+              <a:rPr lang="fr-CH" baseline="0"/>
+              <a:t>D: Chaque méthode permet de faire une recherche dans la DB en fonction de son nom</a:t>
+            </a:r>
+          </a:p>
+          <a:p>
+            <a:pPr marL="171450" indent="-171450">
+              <a:buFontTx/>
+              <a:buChar char="-"/>
+            </a:pPr>
+            <a:r>
+              <a:rPr lang="fr-CH" baseline="0"/>
+              <a:t>A: Le constructeur permet de créer un objet du nom de la classe</a:t>
+            </a:r>
+            <a:endParaRPr lang="fr-CH"/>
           </a:p>
         </p:txBody>
       </p:sp>
@@ -1339,7 +1998,7 @@
           <a:p>
             <a:fld id="{55355DC3-0C08-471D-8651-E456DB0AADAD}" type="slidenum">
               <a:rPr lang="fr-CH" smtClean="0"/>
-              <a:t>16</a:t>
+              <a:t>13</a:t>
             </a:fld>
             <a:endParaRPr lang="fr-CH"/>
           </a:p>
@@ -1348,7 +2007,7 @@
     </p:spTree>
     <p:extLst>
       <p:ext uri="{BB962C8B-B14F-4D97-AF65-F5344CB8AC3E}">
-        <p14:creationId xmlns:p14="http://schemas.microsoft.com/office/powerpoint/2010/main" val="856906725"/>
+        <p14:creationId xmlns:p14="http://schemas.microsoft.com/office/powerpoint/2010/main" val="2878549207"/>
       </p:ext>
     </p:extLst>
   </p:cSld>
@@ -1403,70 +2062,60 @@
           <a:lstStyle/>
           <a:p>
             <a:r>
-              <a:rPr lang="fr-CH" dirty="0" smtClean="0"/>
-              <a:t>Aurélien Damien Thomas:</a:t>
-            </a:r>
-          </a:p>
-          <a:p>
-            <a:r>
-              <a:rPr lang="fr-CH" dirty="0" smtClean="0"/>
-              <a:t>A: Projet</a:t>
-            </a:r>
-            <a:r>
-              <a:rPr lang="fr-CH" baseline="0" dirty="0" smtClean="0"/>
-              <a:t> bon pour le renforcement des connaissances du module (PHP/Connexion DB) et des diagrammes. Répétitif de mon côté. Grâce à ce projet je peux faire du PHP au propre</a:t>
-            </a:r>
-          </a:p>
-          <a:p>
-            <a:endParaRPr lang="fr-CH" dirty="0" smtClean="0"/>
-          </a:p>
-          <a:p>
-            <a:r>
-              <a:rPr lang="fr-CH" dirty="0" smtClean="0"/>
-              <a:t>D: Le projet m’a permis de</a:t>
-            </a:r>
-            <a:r>
-              <a:rPr lang="fr-CH" baseline="0" dirty="0" smtClean="0"/>
-              <a:t> mettre en pratique mes connaissances et en découvrir, non seulement </a:t>
-            </a:r>
-            <a:r>
-              <a:rPr lang="fr-CH" baseline="0" dirty="0" err="1" smtClean="0"/>
-              <a:t>tailwind</a:t>
-            </a:r>
-            <a:r>
-              <a:rPr lang="fr-CH" baseline="0" dirty="0" smtClean="0"/>
-              <a:t>. Malgré que nous n’avons pas terminé à 100%, je suis quand même content du résultat.</a:t>
-            </a:r>
-          </a:p>
-          <a:p>
-            <a:endParaRPr lang="fr-CH" dirty="0" smtClean="0"/>
-          </a:p>
-          <a:p>
-            <a:r>
-              <a:rPr lang="fr-CH" dirty="0" smtClean="0"/>
-              <a:t>T: Renforcement</a:t>
-            </a:r>
-            <a:r>
-              <a:rPr lang="fr-CH" baseline="0" dirty="0" smtClean="0"/>
-              <a:t> des connaissances PHP/DB (Comme Aurélien). J’ai pu découvrir de nouvelles choses comme CI et </a:t>
-            </a:r>
-            <a:r>
-              <a:rPr lang="fr-CH" baseline="0" dirty="0" err="1" smtClean="0"/>
-              <a:t>heroku</a:t>
-            </a:r>
-            <a:r>
-              <a:rPr lang="fr-CH" baseline="0" dirty="0" smtClean="0"/>
-              <a:t>. Petit difficulté sur </a:t>
-            </a:r>
-            <a:r>
-              <a:rPr lang="fr-CH" baseline="0" dirty="0" err="1" smtClean="0"/>
-              <a:t>tailwind</a:t>
-            </a:r>
-            <a:r>
-              <a:rPr lang="fr-CH" baseline="0" dirty="0" smtClean="0"/>
-              <a:t> et ressentiment sur le fait de ne pas avoir eu de cours sur les tests et du coup de les faires sur le projet.</a:t>
-            </a:r>
-            <a:endParaRPr lang="fr-CH" dirty="0" smtClean="0"/>
+              <a:rPr lang="fr-CH"/>
+              <a:t>Damien:</a:t>
+            </a:r>
+          </a:p>
+          <a:p>
+            <a:pPr marL="171450" indent="-171450">
+              <a:buFontTx/>
+              <a:buChar char="-"/>
+            </a:pPr>
+            <a:r>
+              <a:rPr lang="fr-CH" err="1"/>
+              <a:t>Github</a:t>
+            </a:r>
+            <a:r>
+              <a:rPr lang="fr-CH"/>
+              <a:t> : </a:t>
+            </a:r>
+          </a:p>
+          <a:p>
+            <a:pPr marL="628650" lvl="1" indent="-171450">
+              <a:buFontTx/>
+              <a:buChar char="-"/>
+            </a:pPr>
+            <a:r>
+              <a:rPr lang="fr-CH"/>
+              <a:t>Issues</a:t>
+            </a:r>
+          </a:p>
+          <a:p>
+            <a:pPr marL="628650" lvl="1" indent="-171450">
+              <a:buFontTx/>
+              <a:buChar char="-"/>
+            </a:pPr>
+            <a:r>
+              <a:rPr lang="fr-CH"/>
+              <a:t>Branches</a:t>
+            </a:r>
+          </a:p>
+          <a:p>
+            <a:pPr marL="628650" lvl="1" indent="-171450">
+              <a:buFontTx/>
+              <a:buChar char="-"/>
+            </a:pPr>
+            <a:r>
+              <a:rPr lang="fr-CH"/>
+              <a:t>Répartition des tâches</a:t>
+            </a:r>
+          </a:p>
+          <a:p>
+            <a:pPr marL="457200" lvl="1" indent="0">
+              <a:buFontTx/>
+              <a:buNone/>
+            </a:pPr>
+            <a:endParaRPr lang="fr-CH"/>
           </a:p>
         </p:txBody>
       </p:sp>
@@ -1487,7 +2136,7 @@
           <a:p>
             <a:fld id="{55355DC3-0C08-471D-8651-E456DB0AADAD}" type="slidenum">
               <a:rPr lang="fr-CH" smtClean="0"/>
-              <a:t>17</a:t>
+              <a:t>14</a:t>
             </a:fld>
             <a:endParaRPr lang="fr-CH"/>
           </a:p>
@@ -1496,7 +2145,7 @@
     </p:spTree>
     <p:extLst>
       <p:ext uri="{BB962C8B-B14F-4D97-AF65-F5344CB8AC3E}">
-        <p14:creationId xmlns:p14="http://schemas.microsoft.com/office/powerpoint/2010/main" val="3838104872"/>
+        <p14:creationId xmlns:p14="http://schemas.microsoft.com/office/powerpoint/2010/main" val="2477546367"/>
       </p:ext>
     </p:extLst>
   </p:cSld>
@@ -1551,19 +2200,32 @@
           <a:lstStyle/>
           <a:p>
             <a:r>
-              <a:rPr lang="fr-CH" dirty="0" smtClean="0"/>
-              <a:t>Thomas:</a:t>
-            </a:r>
-          </a:p>
-          <a:p>
-            <a:r>
-              <a:rPr lang="fr-CH" smtClean="0"/>
-              <a:t>Montrer Site</a:t>
-            </a:r>
-            <a:endParaRPr lang="fr-CH" dirty="0" smtClean="0"/>
-          </a:p>
-          <a:p>
-            <a:endParaRPr lang="fr-CH" dirty="0"/>
+              <a:rPr lang="fr-CH"/>
+              <a:t>Damien:</a:t>
+            </a:r>
+          </a:p>
+          <a:p>
+            <a:r>
+              <a:rPr lang="fr-CH" err="1"/>
+              <a:t>Features</a:t>
+            </a:r>
+            <a:r>
+              <a:rPr lang="fr-CH"/>
+              <a:t> : Problème</a:t>
+            </a:r>
+            <a:r>
+              <a:rPr lang="fr-CH" baseline="0"/>
+              <a:t> </a:t>
+            </a:r>
+            <a:r>
+              <a:rPr lang="fr-CH" baseline="0" err="1"/>
+              <a:t>js</a:t>
+            </a:r>
+            <a:r>
+              <a:rPr lang="fr-CH" baseline="0"/>
+              <a:t> page Home 5 last books</a:t>
+            </a:r>
+            <a:endParaRPr lang="fr-CH"/>
           </a:p>
         </p:txBody>
       </p:sp>
@@ -1584,7 +2246,7 @@
           <a:p>
             <a:fld id="{55355DC3-0C08-471D-8651-E456DB0AADAD}" type="slidenum">
               <a:rPr lang="fr-CH" smtClean="0"/>
-              <a:t>18</a:t>
+              <a:t>15</a:t>
             </a:fld>
             <a:endParaRPr lang="fr-CH"/>
           </a:p>
@@ -1593,7 +2255,362 @@
     </p:spTree>
     <p:extLst>
       <p:ext uri="{BB962C8B-B14F-4D97-AF65-F5344CB8AC3E}">
-        <p14:creationId xmlns:p14="http://schemas.microsoft.com/office/powerpoint/2010/main" val="664501336"/>
+        <p14:creationId xmlns:p14="http://schemas.microsoft.com/office/powerpoint/2010/main" val="726407904"/>
+      </p:ext>
+    </p:extLst>
+  </p:cSld>
+  <p:clrMapOvr>
+    <a:masterClrMapping/>
+  </p:clrMapOvr>
+</p:notes>
+</file>
+
+<file path=ppt/notesSlides/notesSlide18.xml><?xml version="1.0" encoding="utf-8"?>
+<p:notes xmlns:a="http://schemas.openxmlformats.org/drawingml/2006/main" xmlns:r="http://schemas.openxmlformats.org/officeDocument/2006/relationships" xmlns:p="http://schemas.openxmlformats.org/presentationml/2006/main">
+  <p:cSld>
+    <p:spTree>
+      <p:nvGrpSpPr>
+        <p:cNvPr id="1" name=""/>
+        <p:cNvGrpSpPr/>
+        <p:nvPr/>
+      </p:nvGrpSpPr>
+      <p:grpSpPr>
+        <a:xfrm>
+          <a:off x="0" y="0"/>
+          <a:ext cx="0" cy="0"/>
+          <a:chOff x="0" y="0"/>
+          <a:chExt cx="0" cy="0"/>
+        </a:xfrm>
+      </p:grpSpPr>
+      <p:sp>
+        <p:nvSpPr>
+          <p:cNvPr id="2" name="Espace réservé de l'image des diapositives 1"/>
+          <p:cNvSpPr>
+            <a:spLocks noGrp="1" noRot="1" noChangeAspect="1"/>
+          </p:cNvSpPr>
+          <p:nvPr>
+            <p:ph type="sldImg"/>
+          </p:nvPr>
+        </p:nvSpPr>
+        <p:spPr/>
+      </p:sp>
+      <p:sp>
+        <p:nvSpPr>
+          <p:cNvPr id="3" name="Espace réservé des notes 2"/>
+          <p:cNvSpPr>
+            <a:spLocks noGrp="1"/>
+          </p:cNvSpPr>
+          <p:nvPr>
+            <p:ph type="body" idx="1"/>
+          </p:nvPr>
+        </p:nvSpPr>
+        <p:spPr/>
+        <p:txBody>
+          <a:bodyPr/>
+          <a:lstStyle/>
+          <a:p>
+            <a:r>
+              <a:rPr lang="fr-CH" dirty="0"/>
+              <a:t>D Affichage 5 dernier livre non afficher (seulement 3) mais méthode</a:t>
+            </a:r>
+            <a:r>
+              <a:rPr lang="fr-CH" baseline="0" dirty="0"/>
+              <a:t> fonctionnelle mais JS problème</a:t>
+            </a:r>
+            <a:endParaRPr lang="fr-FR" dirty="0"/>
+          </a:p>
+          <a:p>
+            <a:r>
+              <a:rPr lang="fr-CH" dirty="0"/>
+              <a:t>A Problème passage information</a:t>
+            </a:r>
+            <a:r>
+              <a:rPr lang="fr-CH" baseline="0" dirty="0"/>
+              <a:t> </a:t>
+            </a:r>
+            <a:r>
+              <a:rPr lang="fr-CH" dirty="0"/>
+              <a:t>Controller</a:t>
+            </a:r>
+            <a:r>
+              <a:rPr lang="fr-CH" baseline="0" dirty="0"/>
+              <a:t> au </a:t>
+            </a:r>
+            <a:r>
+              <a:rPr lang="fr-CH" baseline="0" dirty="0" err="1"/>
+              <a:t>View</a:t>
+            </a:r>
+            <a:r>
+              <a:rPr lang="fr-CH" baseline="0" dirty="0"/>
+              <a:t> (essaie POST + GLOBAL) réussie avec session</a:t>
+            </a:r>
+            <a:endParaRPr lang="fr-CH" baseline="0" dirty="0">
+              <a:cs typeface="Calibri"/>
+            </a:endParaRPr>
+          </a:p>
+          <a:p>
+            <a:r>
+              <a:rPr lang="fr-CH" dirty="0"/>
+              <a:t>D Pas réussie faire test</a:t>
+            </a:r>
+            <a:r>
+              <a:rPr lang="fr-CH" baseline="0" dirty="0"/>
+              <a:t> (essaie avec Création DB test puis </a:t>
+            </a:r>
+            <a:r>
+              <a:rPr lang="fr-CH" baseline="0" dirty="0" err="1"/>
+              <a:t>suppersion</a:t>
+            </a:r>
+            <a:r>
+              <a:rPr lang="fr-CH" baseline="0" dirty="0"/>
+              <a:t> + Framework </a:t>
+            </a:r>
+            <a:r>
+              <a:rPr lang="fr-CH" baseline="0" dirty="0" err="1"/>
+              <a:t>EnhanceTestFramework</a:t>
+            </a:r>
+            <a:r>
+              <a:rPr lang="fr-CH" baseline="0" dirty="0"/>
+              <a:t> + </a:t>
+            </a:r>
+            <a:r>
+              <a:rPr lang="fr-CH" baseline="0" dirty="0" err="1"/>
+              <a:t>Puppeteer</a:t>
+            </a:r>
+            <a:r>
+              <a:rPr lang="fr-CH" baseline="0" dirty="0"/>
+              <a:t> qui </a:t>
+            </a:r>
+            <a:r>
+              <a:rPr lang="fr-CH" baseline="0" dirty="0" err="1"/>
+              <a:t>detruit</a:t>
+            </a:r>
+            <a:r>
+              <a:rPr lang="fr-CH" baseline="0" dirty="0"/>
+              <a:t> le </a:t>
+            </a:r>
+            <a:r>
+              <a:rPr lang="fr-CH" baseline="0" dirty="0" err="1"/>
+              <a:t>npm</a:t>
+            </a:r>
+            <a:r>
+              <a:rPr lang="fr-CH" baseline="0" dirty="0"/>
+              <a:t>)</a:t>
+            </a:r>
+            <a:r>
+              <a:rPr lang="fr-CH" dirty="0"/>
+              <a:t>D </a:t>
+            </a:r>
+            <a:r>
+              <a:rPr lang="fr-CH" dirty="0" err="1"/>
+              <a:t>D</a:t>
+            </a:r>
+            <a:endParaRPr lang="fr-CH" baseline="0" dirty="0" err="1">
+              <a:cs typeface="Calibri"/>
+            </a:endParaRPr>
+          </a:p>
+          <a:p>
+            <a:r>
+              <a:rPr lang="fr-CH" dirty="0"/>
+              <a:t>D </a:t>
+            </a:r>
+            <a:r>
+              <a:rPr lang="fr-CH" baseline="0" dirty="0" err="1"/>
+              <a:t>Heroku</a:t>
+            </a:r>
+            <a:r>
+              <a:rPr lang="fr-CH" baseline="0" dirty="0"/>
+              <a:t> </a:t>
+            </a:r>
+            <a:r>
+              <a:rPr lang="fr-CH" baseline="0" dirty="0" err="1"/>
+              <a:t>servor</a:t>
+            </a:r>
+            <a:r>
+              <a:rPr lang="fr-CH" baseline="0" dirty="0"/>
+              <a:t> HS</a:t>
+            </a:r>
+            <a:endParaRPr lang="fr-CH" dirty="0">
+              <a:cs typeface="Calibri"/>
+            </a:endParaRPr>
+          </a:p>
+        </p:txBody>
+      </p:sp>
+      <p:sp>
+        <p:nvSpPr>
+          <p:cNvPr id="4" name="Espace réservé du numéro de diapositive 3"/>
+          <p:cNvSpPr>
+            <a:spLocks noGrp="1"/>
+          </p:cNvSpPr>
+          <p:nvPr>
+            <p:ph type="sldNum" sz="quarter" idx="10"/>
+          </p:nvPr>
+        </p:nvSpPr>
+        <p:spPr/>
+        <p:txBody>
+          <a:bodyPr/>
+          <a:lstStyle/>
+          <a:p>
+            <a:fld id="{55355DC3-0C08-471D-8651-E456DB0AADAD}" type="slidenum">
+              <a:rPr lang="fr-CH" smtClean="0"/>
+              <a:t>16</a:t>
+            </a:fld>
+            <a:endParaRPr lang="fr-CH"/>
+          </a:p>
+        </p:txBody>
+      </p:sp>
+    </p:spTree>
+    <p:extLst>
+      <p:ext uri="{BB962C8B-B14F-4D97-AF65-F5344CB8AC3E}">
+        <p14:creationId xmlns:p14="http://schemas.microsoft.com/office/powerpoint/2010/main" val="856906725"/>
+      </p:ext>
+    </p:extLst>
+  </p:cSld>
+  <p:clrMapOvr>
+    <a:masterClrMapping/>
+  </p:clrMapOvr>
+</p:notes>
+</file>
+
+<file path=ppt/notesSlides/notesSlide19.xml><?xml version="1.0" encoding="utf-8"?>
+<p:notes xmlns:a="http://schemas.openxmlformats.org/drawingml/2006/main" xmlns:r="http://schemas.openxmlformats.org/officeDocument/2006/relationships" xmlns:p="http://schemas.openxmlformats.org/presentationml/2006/main">
+  <p:cSld>
+    <p:spTree>
+      <p:nvGrpSpPr>
+        <p:cNvPr id="1" name=""/>
+        <p:cNvGrpSpPr/>
+        <p:nvPr/>
+      </p:nvGrpSpPr>
+      <p:grpSpPr>
+        <a:xfrm>
+          <a:off x="0" y="0"/>
+          <a:ext cx="0" cy="0"/>
+          <a:chOff x="0" y="0"/>
+          <a:chExt cx="0" cy="0"/>
+        </a:xfrm>
+      </p:grpSpPr>
+      <p:sp>
+        <p:nvSpPr>
+          <p:cNvPr id="2" name="Espace réservé de l'image des diapositives 1"/>
+          <p:cNvSpPr>
+            <a:spLocks noGrp="1" noRot="1" noChangeAspect="1"/>
+          </p:cNvSpPr>
+          <p:nvPr>
+            <p:ph type="sldImg"/>
+          </p:nvPr>
+        </p:nvSpPr>
+        <p:spPr/>
+      </p:sp>
+      <p:sp>
+        <p:nvSpPr>
+          <p:cNvPr id="3" name="Espace réservé des notes 2"/>
+          <p:cNvSpPr>
+            <a:spLocks noGrp="1"/>
+          </p:cNvSpPr>
+          <p:nvPr>
+            <p:ph type="body" idx="1"/>
+          </p:nvPr>
+        </p:nvSpPr>
+        <p:spPr/>
+        <p:txBody>
+          <a:bodyPr/>
+          <a:lstStyle/>
+          <a:p>
+            <a:r>
+              <a:rPr lang="fr-CH"/>
+              <a:t>Aurélien Damien Thomas:</a:t>
+            </a:r>
+          </a:p>
+          <a:p>
+            <a:r>
+              <a:rPr lang="fr-CH"/>
+              <a:t>A: Projet</a:t>
+            </a:r>
+            <a:r>
+              <a:rPr lang="fr-CH" baseline="0"/>
+              <a:t> bon pour le renforcement des connaissances du module (PHP/Connexion DB) et des diagrammes. Répétitif de mon côté. Grâce à ce projet je peux faire du PHP au propre</a:t>
+            </a:r>
+          </a:p>
+          <a:p>
+            <a:endParaRPr lang="fr-CH"/>
+          </a:p>
+          <a:p>
+            <a:r>
+              <a:rPr lang="fr-CH"/>
+              <a:t>D: Le projet m’a permis de</a:t>
+            </a:r>
+            <a:r>
+              <a:rPr lang="fr-CH" baseline="0"/>
+              <a:t> mettre en pratique mes connaissances et en découvrir, non seulement </a:t>
+            </a:r>
+            <a:r>
+              <a:rPr lang="fr-CH" baseline="0" err="1"/>
+              <a:t>tailwind</a:t>
+            </a:r>
+            <a:r>
+              <a:rPr lang="fr-CH" baseline="0"/>
+              <a:t>. Malgré que nous n’avons pas terminé à 100%, je suis quand même content du résultat.</a:t>
+            </a:r>
+          </a:p>
+          <a:p>
+            <a:endParaRPr lang="fr-CH"/>
+          </a:p>
+          <a:p>
+            <a:r>
+              <a:rPr lang="fr-CH"/>
+              <a:t>T: Renforcement</a:t>
+            </a:r>
+            <a:r>
+              <a:rPr lang="fr-CH" baseline="0"/>
+              <a:t> des connaissances PHP/DB (Comme Aurélien). J’ai pu découvrir de nouvelles choses comme CI et </a:t>
+            </a:r>
+            <a:r>
+              <a:rPr lang="fr-CH" baseline="0" err="1"/>
+              <a:t>heroku</a:t>
+            </a:r>
+            <a:r>
+              <a:rPr lang="fr-CH" baseline="0"/>
+              <a:t>. Petit difficulté sur </a:t>
+            </a:r>
+            <a:r>
+              <a:rPr lang="fr-CH" baseline="0" err="1"/>
+              <a:t>tailwind</a:t>
+            </a:r>
+            <a:r>
+              <a:rPr lang="fr-CH" baseline="0"/>
+              <a:t> et ressentiment sur le fait de ne pas avoir eu de cours sur les tests et du coup de les faires sur le projet.</a:t>
+            </a:r>
+            <a:endParaRPr lang="fr-CH"/>
+          </a:p>
+        </p:txBody>
+      </p:sp>
+      <p:sp>
+        <p:nvSpPr>
+          <p:cNvPr id="4" name="Espace réservé du numéro de diapositive 3"/>
+          <p:cNvSpPr>
+            <a:spLocks noGrp="1"/>
+          </p:cNvSpPr>
+          <p:nvPr>
+            <p:ph type="sldNum" sz="quarter" idx="10"/>
+          </p:nvPr>
+        </p:nvSpPr>
+        <p:spPr/>
+        <p:txBody>
+          <a:bodyPr/>
+          <a:lstStyle/>
+          <a:p>
+            <a:fld id="{55355DC3-0C08-471D-8651-E456DB0AADAD}" type="slidenum">
+              <a:rPr lang="fr-CH" smtClean="0"/>
+              <a:t>17</a:t>
+            </a:fld>
+            <a:endParaRPr lang="fr-CH"/>
+          </a:p>
+        </p:txBody>
+      </p:sp>
+    </p:spTree>
+    <p:extLst>
+      <p:ext uri="{BB962C8B-B14F-4D97-AF65-F5344CB8AC3E}">
+        <p14:creationId xmlns:p14="http://schemas.microsoft.com/office/powerpoint/2010/main" val="3838104872"/>
       </p:ext>
     </p:extLst>
   </p:cSld>
@@ -1648,25 +2665,31 @@
           <a:lstStyle/>
           <a:p>
             <a:r>
-              <a:rPr lang="fr-CH" dirty="0" smtClean="0"/>
-              <a:t>Thomas:</a:t>
-            </a:r>
-          </a:p>
-          <a:p>
-            <a:r>
-              <a:rPr lang="fr-CH" dirty="0" smtClean="0"/>
+              <a:rPr lang="fr-CH" dirty="0"/>
+              <a:t>Thomas (A):</a:t>
+            </a:r>
+          </a:p>
+          <a:p>
+            <a:r>
+              <a:rPr lang="fr-CH" dirty="0"/>
               <a:t>Framework</a:t>
             </a:r>
             <a:r>
-              <a:rPr lang="fr-CH" baseline="0" dirty="0" smtClean="0"/>
+              <a:rPr lang="fr-CH" baseline="0" dirty="0"/>
               <a:t> si utilisé</a:t>
             </a:r>
-          </a:p>
-          <a:p>
-            <a:r>
-              <a:rPr lang="fr-CH" baseline="0" dirty="0" smtClean="0"/>
+            <a:endParaRPr lang="fr-CH" baseline="0" dirty="0">
+              <a:cs typeface="Calibri"/>
+            </a:endParaRPr>
+          </a:p>
+          <a:p>
+            <a:r>
+              <a:rPr lang="fr-CH" baseline="0" dirty="0"/>
               <a:t>Renforcement travail d’équipe/collaboration entre membre du projet</a:t>
             </a:r>
+            <a:endParaRPr lang="fr-CH" baseline="0" dirty="0">
+              <a:cs typeface="Calibri"/>
+            </a:endParaRPr>
           </a:p>
         </p:txBody>
       </p:sp>
@@ -1697,6 +2720,105 @@
     <p:extLst>
       <p:ext uri="{BB962C8B-B14F-4D97-AF65-F5344CB8AC3E}">
         <p14:creationId xmlns:p14="http://schemas.microsoft.com/office/powerpoint/2010/main" val="3201927869"/>
+      </p:ext>
+    </p:extLst>
+  </p:cSld>
+  <p:clrMapOvr>
+    <a:masterClrMapping/>
+  </p:clrMapOvr>
+</p:notes>
+</file>
+
+<file path=ppt/notesSlides/notesSlide20.xml><?xml version="1.0" encoding="utf-8"?>
+<p:notes xmlns:a="http://schemas.openxmlformats.org/drawingml/2006/main" xmlns:r="http://schemas.openxmlformats.org/officeDocument/2006/relationships" xmlns:p="http://schemas.openxmlformats.org/presentationml/2006/main">
+  <p:cSld>
+    <p:spTree>
+      <p:nvGrpSpPr>
+        <p:cNvPr id="1" name=""/>
+        <p:cNvGrpSpPr/>
+        <p:nvPr/>
+      </p:nvGrpSpPr>
+      <p:grpSpPr>
+        <a:xfrm>
+          <a:off x="0" y="0"/>
+          <a:ext cx="0" cy="0"/>
+          <a:chOff x="0" y="0"/>
+          <a:chExt cx="0" cy="0"/>
+        </a:xfrm>
+      </p:grpSpPr>
+      <p:sp>
+        <p:nvSpPr>
+          <p:cNvPr id="2" name="Espace réservé de l'image des diapositives 1"/>
+          <p:cNvSpPr>
+            <a:spLocks noGrp="1" noRot="1" noChangeAspect="1"/>
+          </p:cNvSpPr>
+          <p:nvPr>
+            <p:ph type="sldImg"/>
+          </p:nvPr>
+        </p:nvSpPr>
+        <p:spPr/>
+      </p:sp>
+      <p:sp>
+        <p:nvSpPr>
+          <p:cNvPr id="3" name="Espace réservé des notes 2"/>
+          <p:cNvSpPr>
+            <a:spLocks noGrp="1"/>
+          </p:cNvSpPr>
+          <p:nvPr>
+            <p:ph type="body" idx="1"/>
+          </p:nvPr>
+        </p:nvSpPr>
+        <p:spPr/>
+        <p:txBody>
+          <a:bodyPr/>
+          <a:lstStyle/>
+          <a:p>
+            <a:r>
+              <a:rPr lang="fr-CH" dirty="0"/>
+              <a:t>Damien:</a:t>
+            </a:r>
+          </a:p>
+          <a:p>
+            <a:r>
+              <a:rPr lang="fr-CH" dirty="0"/>
+              <a:t>Montrer Site</a:t>
+            </a:r>
+            <a:endParaRPr lang="fr-CH" dirty="0">
+              <a:cs typeface="Calibri"/>
+            </a:endParaRPr>
+          </a:p>
+          <a:p>
+            <a:endParaRPr lang="fr-CH"/>
+          </a:p>
+        </p:txBody>
+      </p:sp>
+      <p:sp>
+        <p:nvSpPr>
+          <p:cNvPr id="4" name="Espace réservé du numéro de diapositive 3"/>
+          <p:cNvSpPr>
+            <a:spLocks noGrp="1"/>
+          </p:cNvSpPr>
+          <p:nvPr>
+            <p:ph type="sldNum" sz="quarter" idx="10"/>
+          </p:nvPr>
+        </p:nvSpPr>
+        <p:spPr/>
+        <p:txBody>
+          <a:bodyPr/>
+          <a:lstStyle/>
+          <a:p>
+            <a:fld id="{55355DC3-0C08-471D-8651-E456DB0AADAD}" type="slidenum">
+              <a:rPr lang="fr-CH" smtClean="0"/>
+              <a:t>18</a:t>
+            </a:fld>
+            <a:endParaRPr lang="fr-CH"/>
+          </a:p>
+        </p:txBody>
+      </p:sp>
+    </p:spTree>
+    <p:extLst>
+      <p:ext uri="{BB962C8B-B14F-4D97-AF65-F5344CB8AC3E}">
+        <p14:creationId xmlns:p14="http://schemas.microsoft.com/office/powerpoint/2010/main" val="664501336"/>
       </p:ext>
     </p:extLst>
   </p:cSld>
@@ -1751,54 +2873,71 @@
           <a:lstStyle/>
           <a:p>
             <a:r>
-              <a:rPr lang="fr-CH" dirty="0" smtClean="0"/>
-              <a:t>Thomas:</a:t>
-            </a:r>
-          </a:p>
-          <a:p>
-            <a:r>
-              <a:rPr lang="fr-CH" dirty="0" smtClean="0"/>
+              <a:rPr lang="fr-CH" dirty="0"/>
+              <a:t>Thomas:  (A)</a:t>
+            </a:r>
+          </a:p>
+          <a:p>
+            <a:r>
+              <a:rPr lang="fr-CH" dirty="0"/>
               <a:t>Accueil</a:t>
             </a:r>
             <a:r>
-              <a:rPr lang="fr-CH" baseline="0" dirty="0" smtClean="0"/>
+              <a:rPr lang="fr-CH" baseline="0" dirty="0"/>
               <a:t> avec 5 dernier livre de la DB</a:t>
             </a:r>
-          </a:p>
-          <a:p>
-            <a:r>
-              <a:rPr lang="fr-CH" baseline="0" dirty="0" smtClean="0"/>
+            <a:endParaRPr lang="fr-CH" baseline="0" dirty="0">
+              <a:cs typeface="Calibri"/>
+            </a:endParaRPr>
+          </a:p>
+          <a:p>
+            <a:r>
+              <a:rPr lang="fr-CH" baseline="0" dirty="0"/>
               <a:t>Liste ouvrage avec catégorie (ajout de petit détail supplémentaire)</a:t>
             </a:r>
-          </a:p>
-          <a:p>
-            <a:r>
-              <a:rPr lang="fr-CH" baseline="0" dirty="0" smtClean="0"/>
+            <a:endParaRPr lang="fr-CH" baseline="0" dirty="0">
+              <a:cs typeface="Calibri"/>
+            </a:endParaRPr>
+          </a:p>
+          <a:p>
+            <a:r>
+              <a:rPr lang="fr-CH" baseline="0" dirty="0"/>
               <a:t>Ajout ouvrage si connecté</a:t>
             </a:r>
-          </a:p>
-          <a:p>
-            <a:r>
-              <a:rPr lang="fr-CH" dirty="0" smtClean="0"/>
+            <a:endParaRPr lang="fr-CH" baseline="0" dirty="0">
+              <a:cs typeface="Calibri"/>
+            </a:endParaRPr>
+          </a:p>
+          <a:p>
+            <a:r>
+              <a:rPr lang="fr-CH" dirty="0"/>
               <a:t>Appréciation</a:t>
             </a:r>
             <a:r>
-              <a:rPr lang="fr-CH" baseline="0" dirty="0" smtClean="0"/>
+              <a:rPr lang="fr-CH" baseline="0" dirty="0"/>
               <a:t> en bas de page détail (être connecté)</a:t>
             </a:r>
-          </a:p>
-          <a:p>
-            <a:r>
-              <a:rPr lang="fr-CH" baseline="0" dirty="0" smtClean="0"/>
+            <a:endParaRPr lang="fr-CH" baseline="0" dirty="0">
+              <a:cs typeface="Calibri"/>
+            </a:endParaRPr>
+          </a:p>
+          <a:p>
+            <a:r>
+              <a:rPr lang="fr-CH" baseline="0" dirty="0"/>
               <a:t>Détail compte (admin ou non)</a:t>
             </a:r>
-          </a:p>
-          <a:p>
-            <a:r>
-              <a:rPr lang="fr-CH" baseline="0" dirty="0" smtClean="0"/>
+            <a:endParaRPr lang="fr-CH" baseline="0" dirty="0">
+              <a:cs typeface="Calibri"/>
+            </a:endParaRPr>
+          </a:p>
+          <a:p>
+            <a:r>
+              <a:rPr lang="fr-CH" baseline="0" dirty="0"/>
               <a:t>Contacte (envoie d’un mail sur l’un de nous, prévus avec page admin ou SMTP)</a:t>
             </a:r>
-            <a:endParaRPr lang="fr-CH" dirty="0"/>
+            <a:endParaRPr lang="fr-CH" dirty="0">
+              <a:cs typeface="Calibri"/>
+            </a:endParaRPr>
           </a:p>
         </p:txBody>
       </p:sp>
@@ -1883,57 +3022,70 @@
           <a:lstStyle/>
           <a:p>
             <a:r>
-              <a:rPr lang="fr-CH" dirty="0" smtClean="0"/>
-              <a:t>Thomas: </a:t>
-            </a:r>
-          </a:p>
-          <a:p>
-            <a:r>
-              <a:rPr lang="fr-CH" dirty="0" smtClean="0"/>
+              <a:rPr lang="fr-CH" dirty="0"/>
+              <a:t>Thomas: (D)</a:t>
+            </a:r>
+          </a:p>
+          <a:p>
+            <a:r>
+              <a:rPr lang="fr-CH" dirty="0"/>
               <a:t>Barre recherche</a:t>
             </a:r>
             <a:r>
-              <a:rPr lang="fr-CH" baseline="0" dirty="0" smtClean="0"/>
+              <a:rPr lang="fr-CH" baseline="0" dirty="0"/>
               <a:t> livre ou auteur</a:t>
             </a:r>
-            <a:endParaRPr lang="fr-CH" dirty="0" smtClean="0"/>
-          </a:p>
-          <a:p>
-            <a:r>
-              <a:rPr lang="fr-CH" dirty="0" smtClean="0"/>
+            <a:endParaRPr lang="fr-CH" dirty="0">
+              <a:cs typeface="Calibri"/>
+            </a:endParaRPr>
+          </a:p>
+          <a:p>
+            <a:r>
+              <a:rPr lang="fr-CH" dirty="0"/>
               <a:t>Ajout commentaire en</a:t>
             </a:r>
             <a:r>
-              <a:rPr lang="fr-CH" baseline="0" dirty="0" smtClean="0"/>
+              <a:rPr lang="fr-CH" baseline="0" dirty="0"/>
               <a:t> + </a:t>
             </a:r>
             <a:r>
-              <a:rPr lang="fr-CH" dirty="0" smtClean="0"/>
+              <a:rPr lang="fr-CH" dirty="0"/>
               <a:t>d’appréciation</a:t>
             </a:r>
-          </a:p>
-          <a:p>
-            <a:r>
-              <a:rPr lang="fr-CH" dirty="0" smtClean="0"/>
+            <a:endParaRPr lang="fr-CH" dirty="0">
+              <a:cs typeface="Calibri"/>
+            </a:endParaRPr>
+          </a:p>
+          <a:p>
+            <a:r>
+              <a:rPr lang="fr-CH" dirty="0"/>
               <a:t>Liste message admin -&gt; Page admin</a:t>
             </a:r>
-          </a:p>
-          <a:p>
-            <a:r>
-              <a:rPr lang="fr-CH" dirty="0" smtClean="0"/>
+            <a:endParaRPr lang="fr-CH" dirty="0">
+              <a:cs typeface="Calibri"/>
+            </a:endParaRPr>
+          </a:p>
+          <a:p>
+            <a:r>
+              <a:rPr lang="fr-CH" dirty="0"/>
               <a:t>Filtre nb page + date édition + moyenne</a:t>
             </a:r>
-          </a:p>
-          <a:p>
-            <a:r>
-              <a:rPr lang="fr-CH" dirty="0" smtClean="0"/>
+            <a:endParaRPr lang="fr-CH" dirty="0">
+              <a:cs typeface="Calibri"/>
+            </a:endParaRPr>
+          </a:p>
+          <a:p>
+            <a:r>
+              <a:rPr lang="fr-CH" dirty="0"/>
               <a:t>Filtre</a:t>
             </a:r>
             <a:r>
-              <a:rPr lang="fr-CH" baseline="0" dirty="0" smtClean="0"/>
+              <a:rPr lang="fr-CH" baseline="0" dirty="0"/>
               <a:t> catégorie</a:t>
             </a:r>
-            <a:endParaRPr lang="fr-CH" dirty="0" smtClean="0"/>
+            <a:endParaRPr lang="fr-CH" dirty="0">
+              <a:cs typeface="Calibri"/>
+            </a:endParaRPr>
           </a:p>
         </p:txBody>
       </p:sp>
@@ -2018,12 +3170,11 @@
           <a:lstStyle/>
           <a:p>
             <a:r>
-              <a:rPr lang="fr-CH" dirty="0" smtClean="0"/>
-              <a:t>Aurélien:</a:t>
-            </a:r>
-          </a:p>
-          <a:p>
-            <a:endParaRPr lang="fr-CH" dirty="0"/>
+              <a:rPr lang="en-US" dirty="0">
+                <a:cs typeface="Calibri"/>
+              </a:rPr>
+              <a:t>A</a:t>
+            </a:r>
           </a:p>
         </p:txBody>
       </p:sp>
@@ -2034,7 +3185,7 @@
             <a:spLocks noGrp="1"/>
           </p:cNvSpPr>
           <p:nvPr>
-            <p:ph type="sldNum" sz="quarter" idx="10"/>
+            <p:ph type="sldNum" sz="quarter" idx="5"/>
           </p:nvPr>
         </p:nvSpPr>
         <p:spPr/>
@@ -2053,7 +3204,7 @@
     </p:spTree>
     <p:extLst>
       <p:ext uri="{BB962C8B-B14F-4D97-AF65-F5344CB8AC3E}">
-        <p14:creationId xmlns:p14="http://schemas.microsoft.com/office/powerpoint/2010/main" val="4179852168"/>
+        <p14:creationId xmlns:p14="http://schemas.microsoft.com/office/powerpoint/2010/main" val="720386995"/>
       </p:ext>
     </p:extLst>
   </p:cSld>
@@ -2108,44 +3259,23 @@
           <a:lstStyle/>
           <a:p>
             <a:r>
-              <a:rPr lang="fr-CH" dirty="0" smtClean="0"/>
-              <a:t>Aurélien:</a:t>
-            </a:r>
-          </a:p>
-          <a:p>
-            <a:pPr marL="171450" indent="-171450">
-              <a:buFontTx/>
-              <a:buChar char="-"/>
-            </a:pPr>
-            <a:r>
-              <a:rPr lang="fr-CH" dirty="0" smtClean="0"/>
-              <a:t>Listage</a:t>
-            </a:r>
-            <a:r>
-              <a:rPr lang="fr-CH" baseline="0" dirty="0" smtClean="0"/>
-              <a:t> des tâches du CDC</a:t>
-            </a:r>
-          </a:p>
-          <a:p>
-            <a:pPr marL="171450" indent="-171450">
-              <a:buFontTx/>
-              <a:buChar char="-"/>
-            </a:pPr>
-            <a:r>
-              <a:rPr lang="fr-CH" baseline="0" dirty="0" smtClean="0"/>
-              <a:t>Explication des tâches</a:t>
-            </a:r>
-          </a:p>
-          <a:p>
-            <a:pPr marL="171450" indent="-171450">
-              <a:buFontTx/>
-              <a:buChar char="-"/>
-            </a:pPr>
-            <a:r>
-              <a:rPr lang="fr-CH" baseline="0" dirty="0" smtClean="0"/>
-              <a:t>Explication de ce qui est faut</a:t>
-            </a:r>
-            <a:endParaRPr lang="fr-CH" dirty="0"/>
+              <a:rPr lang="en-US" dirty="0">
+                <a:cs typeface="Calibri"/>
+              </a:rPr>
+              <a:t>A: </a:t>
+            </a:r>
+            <a:r>
+              <a:rPr lang="en-US" dirty="0" err="1">
+                <a:cs typeface="Calibri"/>
+              </a:rPr>
+              <a:t>présentation</a:t>
+            </a:r>
+            <a:r>
+              <a:rPr lang="en-US" dirty="0">
+                <a:cs typeface="Calibri"/>
+              </a:rPr>
+              <a:t> des tables</a:t>
+            </a:r>
           </a:p>
         </p:txBody>
       </p:sp>
@@ -2156,7 +3286,7 @@
             <a:spLocks noGrp="1"/>
           </p:cNvSpPr>
           <p:nvPr>
-            <p:ph type="sldNum" sz="quarter" idx="10"/>
+            <p:ph type="sldNum" sz="quarter" idx="5"/>
           </p:nvPr>
         </p:nvSpPr>
         <p:spPr/>
@@ -2175,7 +3305,7 @@
     </p:spTree>
     <p:extLst>
       <p:ext uri="{BB962C8B-B14F-4D97-AF65-F5344CB8AC3E}">
-        <p14:creationId xmlns:p14="http://schemas.microsoft.com/office/powerpoint/2010/main" val="210560336"/>
+        <p14:creationId xmlns:p14="http://schemas.microsoft.com/office/powerpoint/2010/main" val="2601353969"/>
       </p:ext>
     </p:extLst>
   </p:cSld>
@@ -2230,34 +3360,17 @@
           <a:lstStyle/>
           <a:p>
             <a:r>
-              <a:rPr lang="fr-CH" dirty="0" smtClean="0"/>
-              <a:t>Aurélien:</a:t>
-            </a:r>
-          </a:p>
-          <a:p>
-            <a:pPr marL="171450" indent="-171450">
-              <a:buFontTx/>
-              <a:buChar char="-"/>
-            </a:pPr>
-            <a:r>
-              <a:rPr lang="fr-CH" dirty="0" smtClean="0"/>
-              <a:t>Représentation</a:t>
-            </a:r>
-            <a:r>
-              <a:rPr lang="fr-CH" baseline="0" dirty="0" smtClean="0"/>
-              <a:t> de ce que fait le MVC</a:t>
-            </a:r>
-          </a:p>
-          <a:p>
-            <a:pPr marL="171450" indent="-171450">
-              <a:buFontTx/>
-              <a:buChar char="-"/>
-            </a:pPr>
-            <a:r>
-              <a:rPr lang="fr-CH" baseline="0" dirty="0" smtClean="0"/>
-              <a:t>Devrait peut-être utiliser des flux</a:t>
-            </a:r>
-            <a:endParaRPr lang="fr-CH" dirty="0"/>
+              <a:rPr lang="en-US" dirty="0">
+                <a:cs typeface="Calibri"/>
+              </a:rPr>
+              <a:t>A: </a:t>
+            </a:r>
+            <a:r>
+              <a:rPr lang="en-US" dirty="0" err="1">
+                <a:cs typeface="Calibri"/>
+              </a:rPr>
+              <a:t>t_categorize</a:t>
+            </a:r>
           </a:p>
         </p:txBody>
       </p:sp>
@@ -2268,7 +3381,7 @@
             <a:spLocks noGrp="1"/>
           </p:cNvSpPr>
           <p:nvPr>
-            <p:ph type="sldNum" sz="quarter" idx="10"/>
+            <p:ph type="sldNum" sz="quarter" idx="5"/>
           </p:nvPr>
         </p:nvSpPr>
         <p:spPr/>
@@ -2287,7 +3400,7 @@
     </p:spTree>
     <p:extLst>
       <p:ext uri="{BB962C8B-B14F-4D97-AF65-F5344CB8AC3E}">
-        <p14:creationId xmlns:p14="http://schemas.microsoft.com/office/powerpoint/2010/main" val="594143597"/>
+        <p14:creationId xmlns:p14="http://schemas.microsoft.com/office/powerpoint/2010/main" val="2750436008"/>
       </p:ext>
     </p:extLst>
   </p:cSld>
@@ -2342,45 +3455,12 @@
           <a:lstStyle/>
           <a:p>
             <a:r>
-              <a:rPr lang="fr-CH" dirty="0" smtClean="0"/>
+              <a:rPr lang="fr-CH"/>
               <a:t>Aurélien:</a:t>
             </a:r>
           </a:p>
           <a:p>
-            <a:r>
-              <a:rPr lang="fr-CH" dirty="0" smtClean="0"/>
-              <a:t>-</a:t>
-            </a:r>
-            <a:r>
-              <a:rPr lang="fr-CH" dirty="0" err="1" smtClean="0"/>
-              <a:t>Chaques</a:t>
-            </a:r>
-            <a:r>
-              <a:rPr lang="fr-CH" baseline="0" dirty="0" smtClean="0"/>
-              <a:t> classes du model contienne les requêtes</a:t>
-            </a:r>
-          </a:p>
-          <a:p>
-            <a:r>
-              <a:rPr lang="fr-CH" baseline="0" dirty="0" smtClean="0"/>
-              <a:t>-Un </a:t>
-            </a:r>
-            <a:r>
-              <a:rPr lang="fr-CH" baseline="0" dirty="0" err="1" smtClean="0"/>
-              <a:t>controller</a:t>
-            </a:r>
-            <a:r>
-              <a:rPr lang="fr-CH" baseline="0" dirty="0" smtClean="0"/>
-              <a:t> par page ou action</a:t>
-            </a:r>
-            <a:endParaRPr lang="fr-CH" dirty="0" smtClean="0"/>
-          </a:p>
-          <a:p>
-            <a:r>
-              <a:rPr lang="fr-CH" dirty="0" smtClean="0"/>
-              <a:t>- Manque de lien</a:t>
-            </a:r>
-            <a:endParaRPr lang="fr-CH" dirty="0"/>
+            <a:endParaRPr lang="fr-CH"/>
           </a:p>
         </p:txBody>
       </p:sp>
@@ -2401,7 +3481,7 @@
           <a:p>
             <a:fld id="{55355DC3-0C08-471D-8651-E456DB0AADAD}" type="slidenum">
               <a:rPr lang="fr-CH" smtClean="0"/>
-              <a:t>9</a:t>
+              <a:t>6</a:t>
             </a:fld>
             <a:endParaRPr lang="fr-CH"/>
           </a:p>
@@ -2410,7 +3490,7 @@
     </p:spTree>
     <p:extLst>
       <p:ext uri="{BB962C8B-B14F-4D97-AF65-F5344CB8AC3E}">
-        <p14:creationId xmlns:p14="http://schemas.microsoft.com/office/powerpoint/2010/main" val="877422656"/>
+        <p14:creationId xmlns:p14="http://schemas.microsoft.com/office/powerpoint/2010/main" val="4179852168"/>
       </p:ext>
     </p:extLst>
   </p:cSld>
@@ -2465,12 +3545,44 @@
           <a:lstStyle/>
           <a:p>
             <a:r>
-              <a:rPr lang="fr-CH" dirty="0" smtClean="0"/>
-              <a:t>Thomas:</a:t>
-            </a:r>
-          </a:p>
-          <a:p>
-            <a:endParaRPr lang="fr-CH" dirty="0"/>
+              <a:rPr lang="fr-CH"/>
+              <a:t>Aurélien:</a:t>
+            </a:r>
+          </a:p>
+          <a:p>
+            <a:pPr marL="171450" indent="-171450">
+              <a:buFontTx/>
+              <a:buChar char="-"/>
+            </a:pPr>
+            <a:r>
+              <a:rPr lang="fr-CH"/>
+              <a:t>Listage</a:t>
+            </a:r>
+            <a:r>
+              <a:rPr lang="fr-CH" baseline="0"/>
+              <a:t> des tâches du CDC</a:t>
+            </a:r>
+          </a:p>
+          <a:p>
+            <a:pPr marL="171450" indent="-171450">
+              <a:buFontTx/>
+              <a:buChar char="-"/>
+            </a:pPr>
+            <a:r>
+              <a:rPr lang="fr-CH" baseline="0"/>
+              <a:t>Explication des tâches</a:t>
+            </a:r>
+          </a:p>
+          <a:p>
+            <a:pPr marL="171450" indent="-171450">
+              <a:buFontTx/>
+              <a:buChar char="-"/>
+            </a:pPr>
+            <a:r>
+              <a:rPr lang="fr-CH" baseline="0"/>
+              <a:t>Explication de ce qui est faut</a:t>
+            </a:r>
+            <a:endParaRPr lang="fr-CH"/>
           </a:p>
         </p:txBody>
       </p:sp>
@@ -2491,7 +3603,7 @@
           <a:p>
             <a:fld id="{55355DC3-0C08-471D-8651-E456DB0AADAD}" type="slidenum">
               <a:rPr lang="fr-CH" smtClean="0"/>
-              <a:t>10</a:t>
+              <a:t>7</a:t>
             </a:fld>
             <a:endParaRPr lang="fr-CH"/>
           </a:p>
@@ -2500,7 +3612,7 @@
     </p:spTree>
     <p:extLst>
       <p:ext uri="{BB962C8B-B14F-4D97-AF65-F5344CB8AC3E}">
-        <p14:creationId xmlns:p14="http://schemas.microsoft.com/office/powerpoint/2010/main" val="571092372"/>
+        <p14:creationId xmlns:p14="http://schemas.microsoft.com/office/powerpoint/2010/main" val="210560336"/>
       </p:ext>
     </p:extLst>
   </p:cSld>
@@ -2552,10 +3664,10 @@
           </a:lstStyle>
           <a:p>
             <a:r>
-              <a:rPr lang="fr-FR" smtClean="0"/>
+              <a:rPr lang="fr-FR"/>
               <a:t>Modifiez le style du titre</a:t>
             </a:r>
-            <a:endParaRPr lang="en-US" dirty="0"/>
+            <a:endParaRPr lang="en-US"/>
           </a:p>
         </p:txBody>
       </p:sp>
@@ -2672,10 +3784,10 @@
           </a:lstStyle>
           <a:p>
             <a:r>
-              <a:rPr lang="fr-FR" smtClean="0"/>
+              <a:rPr lang="fr-FR"/>
               <a:t>Modifier le style des sous-titres du masque</a:t>
             </a:r>
-            <a:endParaRPr lang="en-US" dirty="0"/>
+            <a:endParaRPr lang="en-US"/>
           </a:p>
         </p:txBody>
       </p:sp>
@@ -2696,7 +3808,7 @@
           <a:p>
             <a:fld id="{A880703C-C90B-45AD-9270-1ED7D28FBEFE}" type="datetime1">
               <a:rPr lang="fr-CH" smtClean="0"/>
-              <a:t>20.05.2022</a:t>
+              <a:t>25.05.2022</a:t>
             </a:fld>
             <a:endParaRPr lang="fr-CH"/>
           </a:p>
@@ -2801,10 +3913,10 @@
           </a:lstStyle>
           <a:p>
             <a:r>
-              <a:rPr lang="fr-FR" smtClean="0"/>
+              <a:rPr lang="fr-FR"/>
               <a:t>Modifiez le style du titre</a:t>
             </a:r>
-            <a:endParaRPr lang="en-US" dirty="0"/>
+            <a:endParaRPr lang="en-US"/>
           </a:p>
         </p:txBody>
       </p:sp>
@@ -2880,10 +3992,10 @@
           </a:lstStyle>
           <a:p>
             <a:r>
-              <a:rPr lang="fr-FR" smtClean="0"/>
+              <a:rPr lang="fr-FR"/>
               <a:t>Cliquez sur l'icône pour ajouter une image</a:t>
             </a:r>
-            <a:endParaRPr lang="en-US" dirty="0"/>
+            <a:endParaRPr lang="en-US"/>
           </a:p>
         </p:txBody>
       </p:sp>
@@ -2948,7 +4060,7 @@
           <a:p>
             <a:pPr lvl="0"/>
             <a:r>
-              <a:rPr lang="fr-FR" smtClean="0"/>
+              <a:rPr lang="fr-FR"/>
               <a:t>Modifier les styles du texte du masque</a:t>
             </a:r>
           </a:p>
@@ -2971,7 +4083,7 @@
           <a:p>
             <a:fld id="{4A99E9D3-E10D-42EE-BAB4-1729839A02FE}" type="datetime1">
               <a:rPr lang="fr-CH" smtClean="0"/>
-              <a:t>20.05.2022</a:t>
+              <a:t>25.05.2022</a:t>
             </a:fld>
             <a:endParaRPr lang="fr-CH"/>
           </a:p>
@@ -3074,10 +4186,10 @@
           </a:lstStyle>
           <a:p>
             <a:r>
-              <a:rPr lang="fr-FR" smtClean="0"/>
+              <a:rPr lang="fr-FR"/>
               <a:t>Modifiez le style du titre</a:t>
             </a:r>
-            <a:endParaRPr lang="en-US" dirty="0"/>
+            <a:endParaRPr lang="en-US"/>
           </a:p>
         </p:txBody>
       </p:sp>
@@ -3142,7 +4254,7 @@
           <a:p>
             <a:pPr lvl="0"/>
             <a:r>
-              <a:rPr lang="fr-FR" smtClean="0"/>
+              <a:rPr lang="fr-FR"/>
               <a:t>Modifier les styles du texte du masque</a:t>
             </a:r>
           </a:p>
@@ -3165,7 +4277,7 @@
           <a:p>
             <a:fld id="{0475210A-4783-44DD-A4E7-5E2BADF0A8F0}" type="datetime1">
               <a:rPr lang="fr-CH" smtClean="0"/>
-              <a:t>20.05.2022</a:t>
+              <a:t>25.05.2022</a:t>
             </a:fld>
             <a:endParaRPr lang="fr-CH"/>
           </a:p>
@@ -3268,10 +4380,10 @@
           </a:lstStyle>
           <a:p>
             <a:r>
-              <a:rPr lang="fr-FR" smtClean="0"/>
+              <a:rPr lang="fr-FR"/>
               <a:t>Modifiez le style du titre</a:t>
             </a:r>
-            <a:endParaRPr lang="en-US" dirty="0"/>
+            <a:endParaRPr lang="en-US"/>
           </a:p>
         </p:txBody>
       </p:sp>
@@ -3348,7 +4460,7 @@
               <a:buNone/>
             </a:pPr>
             <a:r>
-              <a:rPr lang="fr-FR" smtClean="0"/>
+              <a:rPr lang="fr-FR"/>
               <a:t>Modifier les styles du texte du masque</a:t>
             </a:r>
           </a:p>
@@ -3415,7 +4527,7 @@
           <a:p>
             <a:pPr lvl="0"/>
             <a:r>
-              <a:rPr lang="fr-FR" smtClean="0"/>
+              <a:rPr lang="fr-FR"/>
               <a:t>Modifier les styles du texte du masque</a:t>
             </a:r>
           </a:p>
@@ -3438,7 +4550,7 @@
           <a:p>
             <a:fld id="{77D6A834-028D-4A33-9200-50D56D3314F5}" type="datetime1">
               <a:rPr lang="fr-CH" smtClean="0"/>
-              <a:t>20.05.2022</a:t>
+              <a:t>25.05.2022</a:t>
             </a:fld>
             <a:endParaRPr lang="fr-CH"/>
           </a:p>
@@ -3527,7 +4639,7 @@
           <a:p>
             <a:pPr lvl="0"/>
             <a:r>
-              <a:rPr lang="en-US" dirty="0"/>
+              <a:rPr lang="en-US"/>
               <a:t>“</a:t>
             </a:r>
           </a:p>
@@ -3574,7 +4686,7 @@
           <a:p>
             <a:pPr lvl="0"/>
             <a:r>
-              <a:rPr lang="en-US" dirty="0"/>
+              <a:rPr lang="en-US"/>
               <a:t>”</a:t>
             </a:r>
           </a:p>
@@ -3635,10 +4747,10 @@
           </a:lstStyle>
           <a:p>
             <a:r>
-              <a:rPr lang="fr-FR" smtClean="0"/>
+              <a:rPr lang="fr-FR"/>
               <a:t>Modifiez le style du titre</a:t>
             </a:r>
-            <a:endParaRPr lang="en-US" dirty="0"/>
+            <a:endParaRPr lang="en-US"/>
           </a:p>
         </p:txBody>
       </p:sp>
@@ -3756,7 +4868,7 @@
           <a:p>
             <a:pPr lvl="0"/>
             <a:r>
-              <a:rPr lang="fr-FR" smtClean="0"/>
+              <a:rPr lang="fr-FR"/>
               <a:t>Modifier les styles du texte du masque</a:t>
             </a:r>
           </a:p>
@@ -3779,7 +4891,7 @@
           <a:p>
             <a:fld id="{144502A8-87D6-40AC-B959-1BB2144E8B28}" type="datetime1">
               <a:rPr lang="fr-CH" smtClean="0"/>
-              <a:t>20.05.2022</a:t>
+              <a:t>25.05.2022</a:t>
             </a:fld>
             <a:endParaRPr lang="fr-CH"/>
           </a:p>
@@ -3877,10 +4989,10 @@
           </a:lstStyle>
           <a:p>
             <a:r>
-              <a:rPr lang="fr-FR" smtClean="0"/>
+              <a:rPr lang="fr-FR"/>
               <a:t>Modifiez le style du titre</a:t>
             </a:r>
-            <a:endParaRPr lang="en-US" dirty="0"/>
+            <a:endParaRPr lang="en-US"/>
           </a:p>
         </p:txBody>
       </p:sp>
@@ -3952,7 +5064,7 @@
           <a:p>
             <a:pPr lvl="0"/>
             <a:r>
-              <a:rPr lang="fr-FR" smtClean="0"/>
+              <a:rPr lang="fr-FR"/>
               <a:t>Modifier les styles du texte du masque</a:t>
             </a:r>
           </a:p>
@@ -4019,7 +5131,7 @@
           <a:p>
             <a:pPr lvl="0"/>
             <a:r>
-              <a:rPr lang="fr-FR" smtClean="0"/>
+              <a:rPr lang="fr-FR"/>
               <a:t>Modifier les styles du texte du masque</a:t>
             </a:r>
           </a:p>
@@ -4093,7 +5205,7 @@
           <a:p>
             <a:pPr lvl="0"/>
             <a:r>
-              <a:rPr lang="fr-FR" smtClean="0"/>
+              <a:rPr lang="fr-FR"/>
               <a:t>Modifier les styles du texte du masque</a:t>
             </a:r>
           </a:p>
@@ -4160,7 +5272,7 @@
           <a:p>
             <a:pPr lvl="0"/>
             <a:r>
-              <a:rPr lang="fr-FR" smtClean="0"/>
+              <a:rPr lang="fr-FR"/>
               <a:t>Modifier les styles du texte du masque</a:t>
             </a:r>
           </a:p>
@@ -4234,7 +5346,7 @@
           <a:p>
             <a:pPr lvl="0"/>
             <a:r>
-              <a:rPr lang="fr-FR" smtClean="0"/>
+              <a:rPr lang="fr-FR"/>
               <a:t>Modifier les styles du texte du masque</a:t>
             </a:r>
           </a:p>
@@ -4301,7 +5413,7 @@
           <a:p>
             <a:pPr lvl="0"/>
             <a:r>
-              <a:rPr lang="fr-FR" smtClean="0"/>
+              <a:rPr lang="fr-FR"/>
               <a:t>Modifier les styles du texte du masque</a:t>
             </a:r>
           </a:p>
@@ -4402,7 +5514,7 @@
           <a:p>
             <a:fld id="{62C2DE2A-C12F-4C16-8F28-A31D76B2FDF6}" type="datetime1">
               <a:rPr lang="fr-CH" smtClean="0"/>
-              <a:t>20.05.2022</a:t>
+              <a:t>25.05.2022</a:t>
             </a:fld>
             <a:endParaRPr lang="fr-CH"/>
           </a:p>
@@ -4500,10 +5612,10 @@
           </a:lstStyle>
           <a:p>
             <a:r>
-              <a:rPr lang="fr-FR" smtClean="0"/>
+              <a:rPr lang="fr-FR"/>
               <a:t>Modifiez le style du titre</a:t>
             </a:r>
-            <a:endParaRPr lang="en-US" dirty="0"/>
+            <a:endParaRPr lang="en-US"/>
           </a:p>
         </p:txBody>
       </p:sp>
@@ -4575,7 +5687,7 @@
           <a:p>
             <a:pPr lvl="0"/>
             <a:r>
-              <a:rPr lang="fr-FR" smtClean="0"/>
+              <a:rPr lang="fr-FR"/>
               <a:t>Modifier les styles du texte du masque</a:t>
             </a:r>
           </a:p>
@@ -4653,10 +5765,10 @@
           </a:lstStyle>
           <a:p>
             <a:r>
-              <a:rPr lang="fr-FR" smtClean="0"/>
+              <a:rPr lang="fr-FR"/>
               <a:t>Cliquez sur l'icône pour ajouter une image</a:t>
             </a:r>
-            <a:endParaRPr lang="en-US" dirty="0"/>
+            <a:endParaRPr lang="en-US"/>
           </a:p>
         </p:txBody>
       </p:sp>
@@ -4721,7 +5833,7 @@
           <a:p>
             <a:pPr lvl="0"/>
             <a:r>
-              <a:rPr lang="fr-FR" smtClean="0"/>
+              <a:rPr lang="fr-FR"/>
               <a:t>Modifier les styles du texte du masque</a:t>
             </a:r>
           </a:p>
@@ -4795,7 +5907,7 @@
           <a:p>
             <a:pPr lvl="0"/>
             <a:r>
-              <a:rPr lang="fr-FR" smtClean="0"/>
+              <a:rPr lang="fr-FR"/>
               <a:t>Modifier les styles du texte du masque</a:t>
             </a:r>
           </a:p>
@@ -4873,10 +5985,10 @@
           </a:lstStyle>
           <a:p>
             <a:r>
-              <a:rPr lang="fr-FR" smtClean="0"/>
+              <a:rPr lang="fr-FR"/>
               <a:t>Cliquez sur l'icône pour ajouter une image</a:t>
             </a:r>
-            <a:endParaRPr lang="en-US" dirty="0"/>
+            <a:endParaRPr lang="en-US"/>
           </a:p>
         </p:txBody>
       </p:sp>
@@ -4941,7 +6053,7 @@
           <a:p>
             <a:pPr lvl="0"/>
             <a:r>
-              <a:rPr lang="fr-FR" smtClean="0"/>
+              <a:rPr lang="fr-FR"/>
               <a:t>Modifier les styles du texte du masque</a:t>
             </a:r>
           </a:p>
@@ -5015,7 +6127,7 @@
           <a:p>
             <a:pPr lvl="0"/>
             <a:r>
-              <a:rPr lang="fr-FR" smtClean="0"/>
+              <a:rPr lang="fr-FR"/>
               <a:t>Modifier les styles du texte du masque</a:t>
             </a:r>
           </a:p>
@@ -5093,10 +6205,10 @@
           </a:lstStyle>
           <a:p>
             <a:r>
-              <a:rPr lang="fr-FR" smtClean="0"/>
+              <a:rPr lang="fr-FR"/>
               <a:t>Cliquez sur l'icône pour ajouter une image</a:t>
             </a:r>
-            <a:endParaRPr lang="en-US" dirty="0"/>
+            <a:endParaRPr lang="en-US"/>
           </a:p>
         </p:txBody>
       </p:sp>
@@ -5161,7 +6273,7 @@
           <a:p>
             <a:pPr lvl="0"/>
             <a:r>
-              <a:rPr lang="fr-FR" smtClean="0"/>
+              <a:rPr lang="fr-FR"/>
               <a:t>Modifier les styles du texte du masque</a:t>
             </a:r>
           </a:p>
@@ -5262,7 +6374,7 @@
           <a:p>
             <a:fld id="{14638F1C-3A4E-42F7-AB7E-F6EFB19F0AF6}" type="datetime1">
               <a:rPr lang="fr-CH" smtClean="0"/>
-              <a:t>20.05.2022</a:t>
+              <a:t>25.05.2022</a:t>
             </a:fld>
             <a:endParaRPr lang="fr-CH"/>
           </a:p>
@@ -5356,10 +6468,10 @@
           <a:lstStyle/>
           <a:p>
             <a:r>
-              <a:rPr lang="fr-FR" smtClean="0"/>
+              <a:rPr lang="fr-FR"/>
               <a:t>Modifiez le style du titre</a:t>
             </a:r>
-            <a:endParaRPr lang="en-US" dirty="0"/>
+            <a:endParaRPr lang="en-US"/>
           </a:p>
         </p:txBody>
       </p:sp>
@@ -5380,38 +6492,38 @@
           <a:p>
             <a:pPr lvl="0"/>
             <a:r>
-              <a:rPr lang="fr-FR" smtClean="0"/>
+              <a:rPr lang="fr-FR"/>
               <a:t>Modifier les styles du texte du masque</a:t>
             </a:r>
           </a:p>
           <a:p>
             <a:pPr lvl="1"/>
             <a:r>
-              <a:rPr lang="fr-FR" smtClean="0"/>
+              <a:rPr lang="fr-FR"/>
               <a:t>Deuxième niveau</a:t>
             </a:r>
           </a:p>
           <a:p>
             <a:pPr lvl="2"/>
             <a:r>
-              <a:rPr lang="fr-FR" smtClean="0"/>
+              <a:rPr lang="fr-FR"/>
               <a:t>Troisième niveau</a:t>
             </a:r>
           </a:p>
           <a:p>
             <a:pPr lvl="3"/>
             <a:r>
-              <a:rPr lang="fr-FR" smtClean="0"/>
+              <a:rPr lang="fr-FR"/>
               <a:t>Quatrième niveau</a:t>
             </a:r>
           </a:p>
           <a:p>
             <a:pPr lvl="4"/>
             <a:r>
-              <a:rPr lang="fr-FR" smtClean="0"/>
+              <a:rPr lang="fr-FR"/>
               <a:t>Cinquième niveau</a:t>
             </a:r>
-            <a:endParaRPr lang="en-US" dirty="0"/>
+            <a:endParaRPr lang="en-US"/>
           </a:p>
         </p:txBody>
       </p:sp>
@@ -5432,7 +6544,7 @@
           <a:p>
             <a:fld id="{A5493617-AD4A-437E-8020-348F0079880D}" type="datetime1">
               <a:rPr lang="fr-CH" smtClean="0"/>
-              <a:t>20.05.2022</a:t>
+              <a:t>25.05.2022</a:t>
             </a:fld>
             <a:endParaRPr lang="fr-CH"/>
           </a:p>
@@ -5531,10 +6643,10 @@
           <a:lstStyle/>
           <a:p>
             <a:r>
-              <a:rPr lang="fr-FR" smtClean="0"/>
+              <a:rPr lang="fr-FR"/>
               <a:t>Modifiez le style du titre</a:t>
             </a:r>
-            <a:endParaRPr lang="en-US" dirty="0"/>
+            <a:endParaRPr lang="en-US"/>
           </a:p>
         </p:txBody>
       </p:sp>
@@ -5560,38 +6672,38 @@
           <a:p>
             <a:pPr lvl="0"/>
             <a:r>
-              <a:rPr lang="fr-FR" smtClean="0"/>
+              <a:rPr lang="fr-FR"/>
               <a:t>Modifier les styles du texte du masque</a:t>
             </a:r>
           </a:p>
           <a:p>
             <a:pPr lvl="1"/>
             <a:r>
-              <a:rPr lang="fr-FR" smtClean="0"/>
+              <a:rPr lang="fr-FR"/>
               <a:t>Deuxième niveau</a:t>
             </a:r>
           </a:p>
           <a:p>
             <a:pPr lvl="2"/>
             <a:r>
-              <a:rPr lang="fr-FR" smtClean="0"/>
+              <a:rPr lang="fr-FR"/>
               <a:t>Troisième niveau</a:t>
             </a:r>
           </a:p>
           <a:p>
             <a:pPr lvl="3"/>
             <a:r>
-              <a:rPr lang="fr-FR" smtClean="0"/>
+              <a:rPr lang="fr-FR"/>
               <a:t>Quatrième niveau</a:t>
             </a:r>
           </a:p>
           <a:p>
             <a:pPr lvl="4"/>
             <a:r>
-              <a:rPr lang="fr-FR" smtClean="0"/>
+              <a:rPr lang="fr-FR"/>
               <a:t>Cinquième niveau</a:t>
             </a:r>
-            <a:endParaRPr lang="en-US" dirty="0"/>
+            <a:endParaRPr lang="en-US"/>
           </a:p>
         </p:txBody>
       </p:sp>
@@ -5612,7 +6724,7 @@
           <a:p>
             <a:fld id="{3F7AF973-9DD1-48AA-B0CE-2A89BF73A649}" type="datetime1">
               <a:rPr lang="fr-CH" smtClean="0"/>
-              <a:t>20.05.2022</a:t>
+              <a:t>25.05.2022</a:t>
             </a:fld>
             <a:endParaRPr lang="fr-CH"/>
           </a:p>
@@ -5706,10 +6818,10 @@
           <a:lstStyle/>
           <a:p>
             <a:r>
-              <a:rPr lang="fr-FR" smtClean="0"/>
+              <a:rPr lang="fr-FR"/>
               <a:t>Modifiez le style du titre</a:t>
             </a:r>
-            <a:endParaRPr lang="en-US" dirty="0"/>
+            <a:endParaRPr lang="en-US"/>
           </a:p>
         </p:txBody>
       </p:sp>
@@ -5730,38 +6842,38 @@
           <a:p>
             <a:pPr lvl="0"/>
             <a:r>
-              <a:rPr lang="fr-FR" smtClean="0"/>
+              <a:rPr lang="fr-FR"/>
               <a:t>Modifier les styles du texte du masque</a:t>
             </a:r>
           </a:p>
           <a:p>
             <a:pPr lvl="1"/>
             <a:r>
-              <a:rPr lang="fr-FR" smtClean="0"/>
+              <a:rPr lang="fr-FR"/>
               <a:t>Deuxième niveau</a:t>
             </a:r>
           </a:p>
           <a:p>
             <a:pPr lvl="2"/>
             <a:r>
-              <a:rPr lang="fr-FR" smtClean="0"/>
+              <a:rPr lang="fr-FR"/>
               <a:t>Troisième niveau</a:t>
             </a:r>
           </a:p>
           <a:p>
             <a:pPr lvl="3"/>
             <a:r>
-              <a:rPr lang="fr-FR" smtClean="0"/>
+              <a:rPr lang="fr-FR"/>
               <a:t>Quatrième niveau</a:t>
             </a:r>
           </a:p>
           <a:p>
             <a:pPr lvl="4"/>
             <a:r>
-              <a:rPr lang="fr-FR" smtClean="0"/>
+              <a:rPr lang="fr-FR"/>
               <a:t>Cinquième niveau</a:t>
             </a:r>
-            <a:endParaRPr lang="en-US" dirty="0"/>
+            <a:endParaRPr lang="en-US"/>
           </a:p>
         </p:txBody>
       </p:sp>
@@ -5782,7 +6894,7 @@
           <a:p>
             <a:fld id="{5B6CE94A-0EB9-4B32-B25B-0E80AC2B2339}" type="datetime1">
               <a:rPr lang="fr-CH" smtClean="0"/>
-              <a:t>20.05.2022</a:t>
+              <a:t>25.05.2022</a:t>
             </a:fld>
             <a:endParaRPr lang="fr-CH"/>
           </a:p>
@@ -5885,10 +6997,10 @@
           </a:lstStyle>
           <a:p>
             <a:r>
-              <a:rPr lang="fr-FR" smtClean="0"/>
+              <a:rPr lang="fr-FR"/>
               <a:t>Modifiez le style du titre</a:t>
             </a:r>
-            <a:endParaRPr lang="en-US" dirty="0"/>
+            <a:endParaRPr lang="en-US"/>
           </a:p>
         </p:txBody>
       </p:sp>
@@ -6006,7 +7118,7 @@
           <a:p>
             <a:pPr lvl="0"/>
             <a:r>
-              <a:rPr lang="fr-FR" smtClean="0"/>
+              <a:rPr lang="fr-FR"/>
               <a:t>Modifier les styles du texte du masque</a:t>
             </a:r>
           </a:p>
@@ -6029,7 +7141,7 @@
           <a:p>
             <a:fld id="{C7A0E5CB-54E1-4BAB-8DAD-B80B3E801054}" type="datetime1">
               <a:rPr lang="fr-CH" smtClean="0"/>
-              <a:t>20.05.2022</a:t>
+              <a:t>25.05.2022</a:t>
             </a:fld>
             <a:endParaRPr lang="fr-CH"/>
           </a:p>
@@ -6123,10 +7235,10 @@
           <a:lstStyle/>
           <a:p>
             <a:r>
-              <a:rPr lang="fr-FR" smtClean="0"/>
+              <a:rPr lang="fr-FR"/>
               <a:t>Modifiez le style du titre</a:t>
             </a:r>
-            <a:endParaRPr lang="en-US" dirty="0"/>
+            <a:endParaRPr lang="en-US"/>
           </a:p>
         </p:txBody>
       </p:sp>
@@ -6182,38 +7294,38 @@
           <a:p>
             <a:pPr lvl="0"/>
             <a:r>
-              <a:rPr lang="fr-FR" smtClean="0"/>
+              <a:rPr lang="fr-FR"/>
               <a:t>Modifier les styles du texte du masque</a:t>
             </a:r>
           </a:p>
           <a:p>
             <a:pPr lvl="1"/>
             <a:r>
-              <a:rPr lang="fr-FR" smtClean="0"/>
+              <a:rPr lang="fr-FR"/>
               <a:t>Deuxième niveau</a:t>
             </a:r>
           </a:p>
           <a:p>
             <a:pPr lvl="2"/>
             <a:r>
-              <a:rPr lang="fr-FR" smtClean="0"/>
+              <a:rPr lang="fr-FR"/>
               <a:t>Troisième niveau</a:t>
             </a:r>
           </a:p>
           <a:p>
             <a:pPr lvl="3"/>
             <a:r>
-              <a:rPr lang="fr-FR" smtClean="0"/>
+              <a:rPr lang="fr-FR"/>
               <a:t>Quatrième niveau</a:t>
             </a:r>
           </a:p>
           <a:p>
             <a:pPr lvl="4"/>
             <a:r>
-              <a:rPr lang="fr-FR" smtClean="0"/>
+              <a:rPr lang="fr-FR"/>
               <a:t>Cinquième niveau</a:t>
             </a:r>
-            <a:endParaRPr lang="en-US" dirty="0"/>
+            <a:endParaRPr lang="en-US"/>
           </a:p>
         </p:txBody>
       </p:sp>
@@ -6269,38 +7381,38 @@
           <a:p>
             <a:pPr lvl="0"/>
             <a:r>
-              <a:rPr lang="fr-FR" smtClean="0"/>
+              <a:rPr lang="fr-FR"/>
               <a:t>Modifier les styles du texte du masque</a:t>
             </a:r>
           </a:p>
           <a:p>
             <a:pPr lvl="1"/>
             <a:r>
-              <a:rPr lang="fr-FR" smtClean="0"/>
+              <a:rPr lang="fr-FR"/>
               <a:t>Deuxième niveau</a:t>
             </a:r>
           </a:p>
           <a:p>
             <a:pPr lvl="2"/>
             <a:r>
-              <a:rPr lang="fr-FR" smtClean="0"/>
+              <a:rPr lang="fr-FR"/>
               <a:t>Troisième niveau</a:t>
             </a:r>
           </a:p>
           <a:p>
             <a:pPr lvl="3"/>
             <a:r>
-              <a:rPr lang="fr-FR" smtClean="0"/>
+              <a:rPr lang="fr-FR"/>
               <a:t>Quatrième niveau</a:t>
             </a:r>
           </a:p>
           <a:p>
             <a:pPr lvl="4"/>
             <a:r>
-              <a:rPr lang="fr-FR" smtClean="0"/>
+              <a:rPr lang="fr-FR"/>
               <a:t>Cinquième niveau</a:t>
             </a:r>
-            <a:endParaRPr lang="en-US" dirty="0"/>
+            <a:endParaRPr lang="en-US"/>
           </a:p>
         </p:txBody>
       </p:sp>
@@ -6321,7 +7433,7 @@
           <a:p>
             <a:fld id="{7F0811DA-A250-4BA5-BDEE-5C178BCA6671}" type="datetime1">
               <a:rPr lang="fr-CH" smtClean="0"/>
-              <a:t>20.05.2022</a:t>
+              <a:t>25.05.2022</a:t>
             </a:fld>
             <a:endParaRPr lang="fr-CH"/>
           </a:p>
@@ -6419,10 +7531,10 @@
           </a:lstStyle>
           <a:p>
             <a:r>
-              <a:rPr lang="fr-FR" smtClean="0"/>
+              <a:rPr lang="fr-FR"/>
               <a:t>Modifiez le style du titre</a:t>
             </a:r>
-            <a:endParaRPr lang="en-US" dirty="0"/>
+            <a:endParaRPr lang="en-US"/>
           </a:p>
         </p:txBody>
       </p:sp>
@@ -6494,7 +7606,7 @@
           <a:p>
             <a:pPr lvl="0"/>
             <a:r>
-              <a:rPr lang="fr-FR" smtClean="0"/>
+              <a:rPr lang="fr-FR"/>
               <a:t>Modifier les styles du texte du masque</a:t>
             </a:r>
           </a:p>
@@ -6552,38 +7664,38 @@
           <a:p>
             <a:pPr lvl="0"/>
             <a:r>
-              <a:rPr lang="fr-FR" smtClean="0"/>
+              <a:rPr lang="fr-FR"/>
               <a:t>Modifier les styles du texte du masque</a:t>
             </a:r>
           </a:p>
           <a:p>
             <a:pPr lvl="1"/>
             <a:r>
-              <a:rPr lang="fr-FR" smtClean="0"/>
+              <a:rPr lang="fr-FR"/>
               <a:t>Deuxième niveau</a:t>
             </a:r>
           </a:p>
           <a:p>
             <a:pPr lvl="2"/>
             <a:r>
-              <a:rPr lang="fr-FR" smtClean="0"/>
+              <a:rPr lang="fr-FR"/>
               <a:t>Troisième niveau</a:t>
             </a:r>
           </a:p>
           <a:p>
             <a:pPr lvl="3"/>
             <a:r>
-              <a:rPr lang="fr-FR" smtClean="0"/>
+              <a:rPr lang="fr-FR"/>
               <a:t>Quatrième niveau</a:t>
             </a:r>
           </a:p>
           <a:p>
             <a:pPr lvl="4"/>
             <a:r>
-              <a:rPr lang="fr-FR" smtClean="0"/>
+              <a:rPr lang="fr-FR"/>
               <a:t>Cinquième niveau</a:t>
             </a:r>
-            <a:endParaRPr lang="en-US" dirty="0"/>
+            <a:endParaRPr lang="en-US"/>
           </a:p>
         </p:txBody>
       </p:sp>
@@ -6655,7 +7767,7 @@
           <a:p>
             <a:pPr lvl="0"/>
             <a:r>
-              <a:rPr lang="fr-FR" smtClean="0"/>
+              <a:rPr lang="fr-FR"/>
               <a:t>Modifier les styles du texte du masque</a:t>
             </a:r>
           </a:p>
@@ -6713,38 +7825,38 @@
           <a:p>
             <a:pPr lvl="0"/>
             <a:r>
-              <a:rPr lang="fr-FR" smtClean="0"/>
+              <a:rPr lang="fr-FR"/>
               <a:t>Modifier les styles du texte du masque</a:t>
             </a:r>
           </a:p>
           <a:p>
             <a:pPr lvl="1"/>
             <a:r>
-              <a:rPr lang="fr-FR" smtClean="0"/>
+              <a:rPr lang="fr-FR"/>
               <a:t>Deuxième niveau</a:t>
             </a:r>
           </a:p>
           <a:p>
             <a:pPr lvl="2"/>
             <a:r>
-              <a:rPr lang="fr-FR" smtClean="0"/>
+              <a:rPr lang="fr-FR"/>
               <a:t>Troisième niveau</a:t>
             </a:r>
           </a:p>
           <a:p>
             <a:pPr lvl="3"/>
             <a:r>
-              <a:rPr lang="fr-FR" smtClean="0"/>
+              <a:rPr lang="fr-FR"/>
               <a:t>Quatrième niveau</a:t>
             </a:r>
           </a:p>
           <a:p>
             <a:pPr lvl="4"/>
             <a:r>
-              <a:rPr lang="fr-FR" smtClean="0"/>
+              <a:rPr lang="fr-FR"/>
               <a:t>Cinquième niveau</a:t>
             </a:r>
-            <a:endParaRPr lang="en-US" dirty="0"/>
+            <a:endParaRPr lang="en-US"/>
           </a:p>
         </p:txBody>
       </p:sp>
@@ -6765,7 +7877,7 @@
           <a:p>
             <a:fld id="{547CFC91-E49E-4873-9358-1A6DA5E9F72E}" type="datetime1">
               <a:rPr lang="fr-CH" smtClean="0"/>
-              <a:t>20.05.2022</a:t>
+              <a:t>25.05.2022</a:t>
             </a:fld>
             <a:endParaRPr lang="fr-CH"/>
           </a:p>
@@ -6859,10 +7971,10 @@
           <a:lstStyle/>
           <a:p>
             <a:r>
-              <a:rPr lang="fr-FR" smtClean="0"/>
+              <a:rPr lang="fr-FR"/>
               <a:t>Modifiez le style du titre</a:t>
             </a:r>
-            <a:endParaRPr lang="en-US" dirty="0"/>
+            <a:endParaRPr lang="en-US"/>
           </a:p>
         </p:txBody>
       </p:sp>
@@ -6883,7 +7995,7 @@
           <a:p>
             <a:fld id="{803329A6-7CE0-4548-AC16-5E1AFCC095F6}" type="datetime1">
               <a:rPr lang="fr-CH" smtClean="0"/>
-              <a:t>20.05.2022</a:t>
+              <a:t>25.05.2022</a:t>
             </a:fld>
             <a:endParaRPr lang="fr-CH"/>
           </a:p>
@@ -6978,7 +8090,7 @@
           <a:p>
             <a:fld id="{9F8B6D6A-156B-4D5A-8193-D98C19E4459F}" type="datetime1">
               <a:rPr lang="fr-CH" smtClean="0"/>
-              <a:t>20.05.2022</a:t>
+              <a:t>25.05.2022</a:t>
             </a:fld>
             <a:endParaRPr lang="fr-CH"/>
           </a:p>
@@ -7081,10 +8193,10 @@
           </a:lstStyle>
           <a:p>
             <a:r>
-              <a:rPr lang="fr-FR" smtClean="0"/>
+              <a:rPr lang="fr-FR"/>
               <a:t>Modifiez le style du titre</a:t>
             </a:r>
-            <a:endParaRPr lang="en-US" dirty="0"/>
+            <a:endParaRPr lang="en-US"/>
           </a:p>
         </p:txBody>
       </p:sp>
@@ -7140,38 +8252,38 @@
           <a:p>
             <a:pPr lvl="0"/>
             <a:r>
-              <a:rPr lang="fr-FR" smtClean="0"/>
+              <a:rPr lang="fr-FR"/>
               <a:t>Modifier les styles du texte du masque</a:t>
             </a:r>
           </a:p>
           <a:p>
             <a:pPr lvl="1"/>
             <a:r>
-              <a:rPr lang="fr-FR" smtClean="0"/>
+              <a:rPr lang="fr-FR"/>
               <a:t>Deuxième niveau</a:t>
             </a:r>
           </a:p>
           <a:p>
             <a:pPr lvl="2"/>
             <a:r>
-              <a:rPr lang="fr-FR" smtClean="0"/>
+              <a:rPr lang="fr-FR"/>
               <a:t>Troisième niveau</a:t>
             </a:r>
           </a:p>
           <a:p>
             <a:pPr lvl="3"/>
             <a:r>
-              <a:rPr lang="fr-FR" smtClean="0"/>
+              <a:rPr lang="fr-FR"/>
               <a:t>Quatrième niveau</a:t>
             </a:r>
           </a:p>
           <a:p>
             <a:pPr lvl="4"/>
             <a:r>
-              <a:rPr lang="fr-FR" smtClean="0"/>
+              <a:rPr lang="fr-FR"/>
               <a:t>Cinquième niveau</a:t>
             </a:r>
-            <a:endParaRPr lang="en-US" dirty="0"/>
+            <a:endParaRPr lang="en-US"/>
           </a:p>
         </p:txBody>
       </p:sp>
@@ -7234,7 +8346,7 @@
           <a:p>
             <a:pPr lvl="0"/>
             <a:r>
-              <a:rPr lang="fr-FR" smtClean="0"/>
+              <a:rPr lang="fr-FR"/>
               <a:t>Modifier les styles du texte du masque</a:t>
             </a:r>
           </a:p>
@@ -7257,7 +8369,7 @@
           <a:p>
             <a:fld id="{AFC25FEC-22FC-4824-A93D-849D9C18886F}" type="datetime1">
               <a:rPr lang="fr-CH" smtClean="0"/>
-              <a:t>20.05.2022</a:t>
+              <a:t>25.05.2022</a:t>
             </a:fld>
             <a:endParaRPr lang="fr-CH"/>
           </a:p>
@@ -7362,10 +8474,10 @@
           </a:lstStyle>
           <a:p>
             <a:r>
-              <a:rPr lang="fr-FR" smtClean="0"/>
+              <a:rPr lang="fr-FR"/>
               <a:t>Modifiez le style du titre</a:t>
             </a:r>
-            <a:endParaRPr lang="en-US" dirty="0"/>
+            <a:endParaRPr lang="en-US"/>
           </a:p>
         </p:txBody>
       </p:sp>
@@ -7441,10 +8553,10 @@
           </a:lstStyle>
           <a:p>
             <a:r>
-              <a:rPr lang="fr-FR" smtClean="0"/>
+              <a:rPr lang="fr-FR"/>
               <a:t>Cliquez sur l'icône pour ajouter une image</a:t>
             </a:r>
-            <a:endParaRPr lang="en-US" dirty="0"/>
+            <a:endParaRPr lang="en-US"/>
           </a:p>
         </p:txBody>
       </p:sp>
@@ -7509,7 +8621,7 @@
           <a:p>
             <a:pPr lvl="0"/>
             <a:r>
-              <a:rPr lang="fr-FR" smtClean="0"/>
+              <a:rPr lang="fr-FR"/>
               <a:t>Modifier les styles du texte du masque</a:t>
             </a:r>
           </a:p>
@@ -7532,7 +8644,7 @@
           <a:p>
             <a:fld id="{6D9592DA-1681-49E7-AC5B-F7D464CA2A92}" type="datetime1">
               <a:rPr lang="fr-CH" smtClean="0"/>
-              <a:t>20.05.2022</a:t>
+              <a:t>25.05.2022</a:t>
             </a:fld>
             <a:endParaRPr lang="fr-CH"/>
           </a:p>
@@ -7856,10 +8968,10 @@
           <a:lstStyle/>
           <a:p>
             <a:r>
-              <a:rPr lang="fr-FR" smtClean="0"/>
+              <a:rPr lang="fr-FR"/>
               <a:t>Modifiez le style du titre</a:t>
             </a:r>
-            <a:endParaRPr lang="en-US" dirty="0"/>
+            <a:endParaRPr lang="en-US"/>
           </a:p>
         </p:txBody>
       </p:sp>
@@ -7890,38 +9002,38 @@
           <a:p>
             <a:pPr lvl="0"/>
             <a:r>
-              <a:rPr lang="fr-FR" smtClean="0"/>
+              <a:rPr lang="fr-FR"/>
               <a:t>Modifier les styles du texte du masque</a:t>
             </a:r>
           </a:p>
           <a:p>
             <a:pPr lvl="1"/>
             <a:r>
-              <a:rPr lang="fr-FR" smtClean="0"/>
+              <a:rPr lang="fr-FR"/>
               <a:t>Deuxième niveau</a:t>
             </a:r>
           </a:p>
           <a:p>
             <a:pPr lvl="2"/>
             <a:r>
-              <a:rPr lang="fr-FR" smtClean="0"/>
+              <a:rPr lang="fr-FR"/>
               <a:t>Troisième niveau</a:t>
             </a:r>
           </a:p>
           <a:p>
             <a:pPr lvl="3"/>
             <a:r>
-              <a:rPr lang="fr-FR" smtClean="0"/>
+              <a:rPr lang="fr-FR"/>
               <a:t>Quatrième niveau</a:t>
             </a:r>
           </a:p>
           <a:p>
             <a:pPr lvl="4"/>
             <a:r>
-              <a:rPr lang="fr-FR" smtClean="0"/>
+              <a:rPr lang="fr-FR"/>
               <a:t>Cinquième niveau</a:t>
             </a:r>
-            <a:endParaRPr lang="en-US" dirty="0"/>
+            <a:endParaRPr lang="en-US"/>
           </a:p>
         </p:txBody>
       </p:sp>
@@ -7961,7 +9073,7 @@
           <a:p>
             <a:fld id="{08C38632-A49A-4482-9A84-58A6340BAFD2}" type="datetime1">
               <a:rPr lang="fr-CH" smtClean="0"/>
-              <a:t>20.05.2022</a:t>
+              <a:t>25.05.2022</a:t>
             </a:fld>
             <a:endParaRPr lang="fr-CH"/>
           </a:p>
@@ -8506,10 +9618,9 @@
           <a:lstStyle/>
           <a:p>
             <a:r>
-              <a:rPr lang="fr-CH" dirty="0" smtClean="0"/>
+              <a:rPr lang="fr-CH"/>
               <a:t>Présentation P_web2</a:t>
             </a:r>
-            <a:endParaRPr lang="fr-CH" dirty="0"/>
           </a:p>
         </p:txBody>
       </p:sp>
@@ -8529,22 +9640,22 @@
           <a:lstStyle/>
           <a:p>
             <a:r>
-              <a:rPr lang="fr-CH" dirty="0" smtClean="0"/>
+              <a:rPr lang="fr-CH"/>
               <a:t>Aurélien </a:t>
             </a:r>
             <a:r>
-              <a:rPr lang="fr-CH" dirty="0" err="1" smtClean="0"/>
+              <a:rPr lang="fr-CH" err="1"/>
               <a:t>devaud</a:t>
             </a:r>
             <a:r>
-              <a:rPr lang="fr-CH" dirty="0" smtClean="0"/>
+              <a:rPr lang="fr-CH"/>
               <a:t>, Damien loup et thomas </a:t>
             </a:r>
             <a:r>
-              <a:rPr lang="fr-CH" dirty="0" err="1" smtClean="0"/>
+              <a:rPr lang="fr-CH" err="1"/>
               <a:t>rey</a:t>
             </a:r>
-            <a:endParaRPr lang="fr-CH" dirty="0"/>
+            <a:endParaRPr lang="fr-CH"/>
           </a:p>
         </p:txBody>
       </p:sp>
@@ -8558,13 +9669,6 @@
   <p:clrMapOvr>
     <a:masterClrMapping/>
   </p:clrMapOvr>
-  <p:timing>
-    <p:tnLst>
-      <p:par>
-        <p:cTn id="1" dur="indefinite" restart="never" nodeType="tmRoot"/>
-      </p:par>
-    </p:tnLst>
-  </p:timing>
 </p:sld>
 </file>
 
@@ -8601,100 +9705,44 @@
           <a:lstStyle/>
           <a:p>
             <a:r>
-              <a:rPr lang="fr-CH" dirty="0"/>
-              <a:t>Méthode de projet et logiciels utilisés</a:t>
-            </a:r>
-          </a:p>
-        </p:txBody>
-      </p:sp>
-      <p:sp>
-        <p:nvSpPr>
-          <p:cNvPr id="3" name="Espace réservé du contenu 2"/>
-          <p:cNvSpPr>
-            <a:spLocks noGrp="1"/>
-          </p:cNvSpPr>
+              <a:rPr lang="fr-CH"/>
+              <a:t>Schéma de cas d’utilisation</a:t>
+            </a:r>
+          </a:p>
+        </p:txBody>
+      </p:sp>
+      <p:pic>
+        <p:nvPicPr>
+          <p:cNvPr id="5" name="Espace réservé du contenu 4"/>
+          <p:cNvPicPr>
+            <a:picLocks noGrp="1" noChangeAspect="1"/>
+          </p:cNvPicPr>
           <p:nvPr>
             <p:ph idx="1"/>
           </p:nvPr>
-        </p:nvSpPr>
-        <p:spPr/>
-        <p:txBody>
-          <a:bodyPr/>
-          <a:lstStyle/>
-          <a:p>
-            <a:pPr>
-              <a:lnSpc>
-                <a:spcPct val="150000"/>
-              </a:lnSpc>
-            </a:pPr>
-            <a:r>
-              <a:rPr lang="fr-CH" dirty="0" smtClean="0"/>
-              <a:t>Design pattern MVC</a:t>
-            </a:r>
-          </a:p>
-          <a:p>
-            <a:pPr>
-              <a:lnSpc>
-                <a:spcPct val="150000"/>
-              </a:lnSpc>
-            </a:pPr>
-            <a:r>
-              <a:rPr lang="fr-CH" dirty="0" smtClean="0"/>
-              <a:t>Visual studio Code</a:t>
-            </a:r>
-          </a:p>
-          <a:p>
-            <a:pPr>
-              <a:lnSpc>
-                <a:spcPct val="150000"/>
-              </a:lnSpc>
-            </a:pPr>
-            <a:r>
-              <a:rPr lang="fr-CH" dirty="0" smtClean="0"/>
-              <a:t>GitHub</a:t>
-            </a:r>
-          </a:p>
-          <a:p>
-            <a:pPr>
-              <a:lnSpc>
-                <a:spcPct val="150000"/>
-              </a:lnSpc>
-            </a:pPr>
-            <a:r>
-              <a:rPr lang="fr-CH" dirty="0" err="1" smtClean="0"/>
-              <a:t>Tailwind</a:t>
-            </a:r>
-            <a:endParaRPr lang="fr-CH" dirty="0" smtClean="0"/>
-          </a:p>
-          <a:p>
-            <a:pPr>
-              <a:lnSpc>
-                <a:spcPct val="150000"/>
-              </a:lnSpc>
-            </a:pPr>
-            <a:r>
-              <a:rPr lang="fr-CH" dirty="0" err="1" smtClean="0"/>
-              <a:t>CircleCI</a:t>
-            </a:r>
-            <a:endParaRPr lang="fr-CH" dirty="0" smtClean="0"/>
-          </a:p>
-          <a:p>
-            <a:pPr>
-              <a:lnSpc>
-                <a:spcPct val="150000"/>
-              </a:lnSpc>
-            </a:pPr>
-            <a:r>
-              <a:rPr lang="fr-CH" dirty="0" err="1" smtClean="0"/>
-              <a:t>Heroku</a:t>
-            </a:r>
-            <a:endParaRPr lang="fr-CH" dirty="0" smtClean="0"/>
-          </a:p>
-        </p:txBody>
-      </p:sp>
-      <p:sp>
-        <p:nvSpPr>
-          <p:cNvPr id="5" name="Espace réservé de la date 4"/>
+        </p:nvPicPr>
+        <p:blipFill>
+          <a:blip r:embed="rId3">
+            <a:extLst>
+              <a:ext uri="{28A0092B-C50C-407E-A947-70E740481C1C}">
+                <a14:useLocalDpi xmlns:a14="http://schemas.microsoft.com/office/drawing/2010/main" val="0"/>
+              </a:ext>
+            </a:extLst>
+          </a:blip>
+          <a:stretch>
+            <a:fillRect/>
+          </a:stretch>
+        </p:blipFill>
+        <p:spPr>
+          <a:xfrm>
+            <a:off x="3266319" y="2052638"/>
+            <a:ext cx="4621138" cy="4195762"/>
+          </a:xfrm>
+        </p:spPr>
+      </p:pic>
+      <p:sp>
+        <p:nvSpPr>
+          <p:cNvPr id="3" name="Espace réservé de la date 2"/>
           <p:cNvSpPr>
             <a:spLocks noGrp="1"/>
           </p:cNvSpPr>
@@ -8707,9 +9755,9 @@
           <a:bodyPr/>
           <a:lstStyle/>
           <a:p>
-            <a:fld id="{F37A1275-042B-4C46-A1CA-FF223AA5CCFF}" type="datetime1">
+            <a:fld id="{FB2EC139-4F78-4B03-84F1-B33220DF7D99}" type="datetime1">
               <a:rPr lang="fr-CH" smtClean="0"/>
-              <a:t>20.05.2022</a:t>
+              <a:t>25.05.2022</a:t>
             </a:fld>
             <a:endParaRPr lang="fr-CH"/>
           </a:p>
@@ -8741,20 +9789,13 @@
     </p:spTree>
     <p:extLst>
       <p:ext uri="{BB962C8B-B14F-4D97-AF65-F5344CB8AC3E}">
-        <p14:creationId xmlns:p14="http://schemas.microsoft.com/office/powerpoint/2010/main" val="3442006387"/>
+        <p14:creationId xmlns:p14="http://schemas.microsoft.com/office/powerpoint/2010/main" val="321172746"/>
       </p:ext>
     </p:extLst>
   </p:cSld>
   <p:clrMapOvr>
     <a:masterClrMapping/>
   </p:clrMapOvr>
-  <p:timing>
-    <p:tnLst>
-      <p:par>
-        <p:cTn id="1" dur="indefinite" restart="never" nodeType="tmRoot"/>
-      </p:par>
-    </p:tnLst>
-  </p:timing>
 </p:sld>
 </file>
 
@@ -8791,18 +9832,477 @@
           <a:lstStyle/>
           <a:p>
             <a:r>
-              <a:rPr lang="fr-CH" dirty="0" smtClean="0"/>
+              <a:rPr lang="fr-CH"/>
+              <a:t>Schéma d’Activité</a:t>
+            </a:r>
+          </a:p>
+        </p:txBody>
+      </p:sp>
+      <p:pic>
+        <p:nvPicPr>
+          <p:cNvPr id="5" name="Espace réservé du contenu 4"/>
+          <p:cNvPicPr>
+            <a:picLocks noGrp="1" noChangeAspect="1"/>
+          </p:cNvPicPr>
+          <p:nvPr>
+            <p:ph idx="1"/>
+          </p:nvPr>
+        </p:nvPicPr>
+        <p:blipFill>
+          <a:blip r:embed="rId3" cstate="print">
+            <a:extLst>
+              <a:ext uri="{28A0092B-C50C-407E-A947-70E740481C1C}">
+                <a14:useLocalDpi xmlns:a14="http://schemas.microsoft.com/office/drawing/2010/main" val="0"/>
+              </a:ext>
+            </a:extLst>
+          </a:blip>
+          <a:stretch>
+            <a:fillRect/>
+          </a:stretch>
+        </p:blipFill>
+        <p:spPr>
+          <a:xfrm>
+            <a:off x="408718" y="2164560"/>
+            <a:ext cx="11264353" cy="3849378"/>
+          </a:xfrm>
+        </p:spPr>
+      </p:pic>
+      <p:sp>
+        <p:nvSpPr>
+          <p:cNvPr id="3" name="Espace réservé de la date 2"/>
+          <p:cNvSpPr>
+            <a:spLocks noGrp="1"/>
+          </p:cNvSpPr>
+          <p:nvPr>
+            <p:ph type="dt" sz="half" idx="10"/>
+          </p:nvPr>
+        </p:nvSpPr>
+        <p:spPr/>
+        <p:txBody>
+          <a:bodyPr/>
+          <a:lstStyle/>
+          <a:p>
+            <a:fld id="{75DF85FA-A936-4818-AD06-1A9D3257B205}" type="datetime1">
+              <a:rPr lang="fr-CH" smtClean="0"/>
+              <a:t>25.05.2022</a:t>
+            </a:fld>
+            <a:endParaRPr lang="fr-CH"/>
+          </a:p>
+        </p:txBody>
+      </p:sp>
+      <p:sp>
+        <p:nvSpPr>
+          <p:cNvPr id="6" name="Espace réservé du numéro de diapositive 5"/>
+          <p:cNvSpPr>
+            <a:spLocks noGrp="1"/>
+          </p:cNvSpPr>
+          <p:nvPr>
+            <p:ph type="sldNum" sz="quarter" idx="12"/>
+          </p:nvPr>
+        </p:nvSpPr>
+        <p:spPr/>
+        <p:txBody>
+          <a:bodyPr/>
+          <a:lstStyle/>
+          <a:p>
+            <a:fld id="{4B2B4A68-68F7-4492-A45F-0F4B533A3C63}" type="slidenum">
+              <a:rPr lang="fr-CH" smtClean="0"/>
+              <a:t>11</a:t>
+            </a:fld>
+            <a:endParaRPr lang="fr-CH"/>
+          </a:p>
+        </p:txBody>
+      </p:sp>
+    </p:spTree>
+    <p:extLst>
+      <p:ext uri="{BB962C8B-B14F-4D97-AF65-F5344CB8AC3E}">
+        <p14:creationId xmlns:p14="http://schemas.microsoft.com/office/powerpoint/2010/main" val="371010304"/>
+      </p:ext>
+    </p:extLst>
+  </p:cSld>
+  <p:clrMapOvr>
+    <a:masterClrMapping/>
+  </p:clrMapOvr>
+</p:sld>
+</file>
+
+<file path=ppt/slides/slide12.xml><?xml version="1.0" encoding="utf-8"?>
+<p:sld xmlns:a="http://schemas.openxmlformats.org/drawingml/2006/main" xmlns:r="http://schemas.openxmlformats.org/officeDocument/2006/relationships" xmlns:p="http://schemas.openxmlformats.org/presentationml/2006/main">
+  <p:cSld>
+    <p:spTree>
+      <p:nvGrpSpPr>
+        <p:cNvPr id="1" name=""/>
+        <p:cNvGrpSpPr/>
+        <p:nvPr/>
+      </p:nvGrpSpPr>
+      <p:grpSpPr>
+        <a:xfrm>
+          <a:off x="0" y="0"/>
+          <a:ext cx="0" cy="0"/>
+          <a:chOff x="0" y="0"/>
+          <a:chExt cx="0" cy="0"/>
+        </a:xfrm>
+      </p:grpSpPr>
+      <p:sp>
+        <p:nvSpPr>
+          <p:cNvPr id="8" name="Titre 7"/>
+          <p:cNvSpPr>
+            <a:spLocks noGrp="1"/>
+          </p:cNvSpPr>
+          <p:nvPr>
+            <p:ph type="title"/>
+          </p:nvPr>
+        </p:nvSpPr>
+        <p:spPr/>
+        <p:txBody>
+          <a:bodyPr/>
+          <a:lstStyle/>
+          <a:p>
+            <a:r>
+              <a:rPr lang="fr-CH"/>
+              <a:t>Schéma de Classe</a:t>
+            </a:r>
+          </a:p>
+        </p:txBody>
+      </p:sp>
+      <p:pic>
+        <p:nvPicPr>
+          <p:cNvPr id="11" name="Espace réservé du contenu 10"/>
+          <p:cNvPicPr>
+            <a:picLocks noGrp="1" noChangeAspect="1"/>
+          </p:cNvPicPr>
+          <p:nvPr>
+            <p:ph sz="half" idx="1"/>
+          </p:nvPr>
+        </p:nvPicPr>
+        <p:blipFill>
+          <a:blip r:embed="rId3"/>
+          <a:stretch>
+            <a:fillRect/>
+          </a:stretch>
+        </p:blipFill>
+        <p:spPr>
+          <a:xfrm>
+            <a:off x="224080" y="2262370"/>
+            <a:ext cx="5416338" cy="3610891"/>
+          </a:xfrm>
+          <a:prstGeom prst="rect">
+            <a:avLst/>
+          </a:prstGeom>
+        </p:spPr>
+      </p:pic>
+      <p:pic>
+        <p:nvPicPr>
+          <p:cNvPr id="13" name="Espace réservé du contenu 12"/>
+          <p:cNvPicPr>
+            <a:picLocks noGrp="1" noChangeAspect="1"/>
+          </p:cNvPicPr>
+          <p:nvPr>
+            <p:ph sz="half" idx="2"/>
+          </p:nvPr>
+        </p:nvPicPr>
+        <p:blipFill>
+          <a:blip r:embed="rId4"/>
+          <a:stretch>
+            <a:fillRect/>
+          </a:stretch>
+        </p:blipFill>
+        <p:spPr>
+          <a:xfrm>
+            <a:off x="5655045" y="2262369"/>
+            <a:ext cx="6492017" cy="3540553"/>
+          </a:xfrm>
+          <a:prstGeom prst="rect">
+            <a:avLst/>
+          </a:prstGeom>
+        </p:spPr>
+      </p:pic>
+      <p:sp>
+        <p:nvSpPr>
+          <p:cNvPr id="2" name="Espace réservé de la date 1"/>
+          <p:cNvSpPr>
+            <a:spLocks noGrp="1"/>
+          </p:cNvSpPr>
+          <p:nvPr>
+            <p:ph type="dt" sz="half" idx="10"/>
+          </p:nvPr>
+        </p:nvSpPr>
+        <p:spPr/>
+        <p:txBody>
+          <a:bodyPr/>
+          <a:lstStyle/>
+          <a:p>
+            <a:fld id="{03EA0FDB-66F8-4207-BFDA-4CD8D8E80D09}" type="datetime1">
+              <a:rPr lang="fr-CH" smtClean="0"/>
+              <a:t>25.05.2022</a:t>
+            </a:fld>
+            <a:endParaRPr lang="fr-CH"/>
+          </a:p>
+        </p:txBody>
+      </p:sp>
+      <p:sp>
+        <p:nvSpPr>
+          <p:cNvPr id="3" name="Espace réservé du numéro de diapositive 2"/>
+          <p:cNvSpPr>
+            <a:spLocks noGrp="1"/>
+          </p:cNvSpPr>
+          <p:nvPr>
+            <p:ph type="sldNum" sz="quarter" idx="12"/>
+          </p:nvPr>
+        </p:nvSpPr>
+        <p:spPr/>
+        <p:txBody>
+          <a:bodyPr/>
+          <a:lstStyle/>
+          <a:p>
+            <a:fld id="{4B2B4A68-68F7-4492-A45F-0F4B533A3C63}" type="slidenum">
+              <a:rPr lang="fr-CH" smtClean="0"/>
+              <a:t>12</a:t>
+            </a:fld>
+            <a:endParaRPr lang="fr-CH"/>
+          </a:p>
+        </p:txBody>
+      </p:sp>
+    </p:spTree>
+    <p:extLst>
+      <p:ext uri="{BB962C8B-B14F-4D97-AF65-F5344CB8AC3E}">
+        <p14:creationId xmlns:p14="http://schemas.microsoft.com/office/powerpoint/2010/main" val="289802286"/>
+      </p:ext>
+    </p:extLst>
+  </p:cSld>
+  <p:clrMapOvr>
+    <a:masterClrMapping/>
+  </p:clrMapOvr>
+</p:sld>
+</file>
+
+<file path=ppt/slides/slide13.xml><?xml version="1.0" encoding="utf-8"?>
+<p:sld xmlns:a="http://schemas.openxmlformats.org/drawingml/2006/main" xmlns:r="http://schemas.openxmlformats.org/officeDocument/2006/relationships" xmlns:p="http://schemas.openxmlformats.org/presentationml/2006/main">
+  <p:cSld>
+    <p:spTree>
+      <p:nvGrpSpPr>
+        <p:cNvPr id="1" name=""/>
+        <p:cNvGrpSpPr/>
+        <p:nvPr/>
+      </p:nvGrpSpPr>
+      <p:grpSpPr>
+        <a:xfrm>
+          <a:off x="0" y="0"/>
+          <a:ext cx="0" cy="0"/>
+          <a:chOff x="0" y="0"/>
+          <a:chExt cx="0" cy="0"/>
+        </a:xfrm>
+      </p:grpSpPr>
+      <p:sp>
+        <p:nvSpPr>
+          <p:cNvPr id="2" name="Titre 1"/>
+          <p:cNvSpPr>
+            <a:spLocks noGrp="1"/>
+          </p:cNvSpPr>
+          <p:nvPr>
+            <p:ph type="title"/>
+          </p:nvPr>
+        </p:nvSpPr>
+        <p:spPr/>
+        <p:txBody>
+          <a:bodyPr/>
+          <a:lstStyle/>
+          <a:p>
+            <a:r>
+              <a:rPr lang="fr-CH"/>
+              <a:t>Méthode de projet et logiciels utilisés</a:t>
+            </a:r>
+          </a:p>
+        </p:txBody>
+      </p:sp>
+      <p:sp>
+        <p:nvSpPr>
+          <p:cNvPr id="3" name="Espace réservé du contenu 2"/>
+          <p:cNvSpPr>
+            <a:spLocks noGrp="1"/>
+          </p:cNvSpPr>
+          <p:nvPr>
+            <p:ph idx="1"/>
+          </p:nvPr>
+        </p:nvSpPr>
+        <p:spPr/>
+        <p:txBody>
+          <a:bodyPr/>
+          <a:lstStyle/>
+          <a:p>
+            <a:pPr>
+              <a:lnSpc>
+                <a:spcPct val="150000"/>
+              </a:lnSpc>
+            </a:pPr>
+            <a:r>
+              <a:rPr lang="fr-CH"/>
+              <a:t>Design pattern MVC</a:t>
+            </a:r>
+          </a:p>
+          <a:p>
+            <a:pPr>
+              <a:lnSpc>
+                <a:spcPct val="150000"/>
+              </a:lnSpc>
+            </a:pPr>
+            <a:r>
+              <a:rPr lang="fr-CH"/>
+              <a:t>Visual studio Code</a:t>
+            </a:r>
+          </a:p>
+          <a:p>
+            <a:pPr>
+              <a:lnSpc>
+                <a:spcPct val="150000"/>
+              </a:lnSpc>
+            </a:pPr>
+            <a:r>
+              <a:rPr lang="fr-CH"/>
+              <a:t>GitHub</a:t>
+            </a:r>
+          </a:p>
+          <a:p>
+            <a:pPr>
+              <a:lnSpc>
+                <a:spcPct val="150000"/>
+              </a:lnSpc>
+            </a:pPr>
+            <a:r>
+              <a:rPr lang="fr-CH" err="1"/>
+              <a:t>Tailwind</a:t>
+            </a:r>
+            <a:endParaRPr lang="fr-CH"/>
+          </a:p>
+          <a:p>
+            <a:pPr>
+              <a:lnSpc>
+                <a:spcPct val="150000"/>
+              </a:lnSpc>
+            </a:pPr>
+            <a:r>
+              <a:rPr lang="fr-CH" err="1"/>
+              <a:t>CircleCI</a:t>
+            </a:r>
+            <a:endParaRPr lang="fr-CH"/>
+          </a:p>
+          <a:p>
+            <a:pPr>
+              <a:lnSpc>
+                <a:spcPct val="150000"/>
+              </a:lnSpc>
+            </a:pPr>
+            <a:r>
+              <a:rPr lang="fr-CH" err="1"/>
+              <a:t>Heroku</a:t>
+            </a:r>
+            <a:endParaRPr lang="fr-CH"/>
+          </a:p>
+        </p:txBody>
+      </p:sp>
+      <p:sp>
+        <p:nvSpPr>
+          <p:cNvPr id="5" name="Espace réservé de la date 4"/>
+          <p:cNvSpPr>
+            <a:spLocks noGrp="1"/>
+          </p:cNvSpPr>
+          <p:nvPr>
+            <p:ph type="dt" sz="half" idx="10"/>
+          </p:nvPr>
+        </p:nvSpPr>
+        <p:spPr/>
+        <p:txBody>
+          <a:bodyPr/>
+          <a:lstStyle/>
+          <a:p>
+            <a:fld id="{F37A1275-042B-4C46-A1CA-FF223AA5CCFF}" type="datetime1">
+              <a:rPr lang="fr-CH" smtClean="0"/>
+              <a:t>25.05.2022</a:t>
+            </a:fld>
+            <a:endParaRPr lang="fr-CH"/>
+          </a:p>
+        </p:txBody>
+      </p:sp>
+      <p:sp>
+        <p:nvSpPr>
+          <p:cNvPr id="6" name="Espace réservé du numéro de diapositive 5"/>
+          <p:cNvSpPr>
+            <a:spLocks noGrp="1"/>
+          </p:cNvSpPr>
+          <p:nvPr>
+            <p:ph type="sldNum" sz="quarter" idx="12"/>
+          </p:nvPr>
+        </p:nvSpPr>
+        <p:spPr/>
+        <p:txBody>
+          <a:bodyPr/>
+          <a:lstStyle/>
+          <a:p>
+            <a:fld id="{4B2B4A68-68F7-4492-A45F-0F4B533A3C63}" type="slidenum">
+              <a:rPr lang="fr-CH" smtClean="0"/>
+              <a:t>13</a:t>
+            </a:fld>
+            <a:endParaRPr lang="fr-CH"/>
+          </a:p>
+        </p:txBody>
+      </p:sp>
+    </p:spTree>
+    <p:extLst>
+      <p:ext uri="{BB962C8B-B14F-4D97-AF65-F5344CB8AC3E}">
+        <p14:creationId xmlns:p14="http://schemas.microsoft.com/office/powerpoint/2010/main" val="3442006387"/>
+      </p:ext>
+    </p:extLst>
+  </p:cSld>
+  <p:clrMapOvr>
+    <a:masterClrMapping/>
+  </p:clrMapOvr>
+</p:sld>
+</file>
+
+<file path=ppt/slides/slide14.xml><?xml version="1.0" encoding="utf-8"?>
+<p:sld xmlns:a="http://schemas.openxmlformats.org/drawingml/2006/main" xmlns:r="http://schemas.openxmlformats.org/officeDocument/2006/relationships" xmlns:p="http://schemas.openxmlformats.org/presentationml/2006/main">
+  <p:cSld>
+    <p:spTree>
+      <p:nvGrpSpPr>
+        <p:cNvPr id="1" name=""/>
+        <p:cNvGrpSpPr/>
+        <p:nvPr/>
+      </p:nvGrpSpPr>
+      <p:grpSpPr>
+        <a:xfrm>
+          <a:off x="0" y="0"/>
+          <a:ext cx="0" cy="0"/>
+          <a:chOff x="0" y="0"/>
+          <a:chExt cx="0" cy="0"/>
+        </a:xfrm>
+      </p:grpSpPr>
+      <p:sp>
+        <p:nvSpPr>
+          <p:cNvPr id="2" name="Titre 1"/>
+          <p:cNvSpPr>
+            <a:spLocks noGrp="1"/>
+          </p:cNvSpPr>
+          <p:nvPr>
+            <p:ph type="title"/>
+          </p:nvPr>
+        </p:nvSpPr>
+        <p:spPr/>
+        <p:txBody>
+          <a:bodyPr/>
+          <a:lstStyle/>
+          <a:p>
+            <a:r>
+              <a:rPr lang="fr-CH"/>
               <a:t>MVC (</a:t>
             </a:r>
             <a:r>
-              <a:rPr lang="fr-CH" dirty="0" err="1" smtClean="0"/>
+              <a:rPr lang="fr-CH" err="1"/>
               <a:t>MainController</a:t>
             </a:r>
             <a:r>
-              <a:rPr lang="fr-CH" dirty="0" smtClean="0"/>
+              <a:rPr lang="fr-CH"/>
               <a:t>)</a:t>
             </a:r>
-            <a:endParaRPr lang="fr-CH" dirty="0"/>
           </a:p>
         </p:txBody>
       </p:sp>
@@ -8875,7 +10375,7 @@
           <a:p>
             <a:fld id="{0EBA3F15-D134-470D-9B39-9F3467255416}" type="datetime1">
               <a:rPr lang="fr-CH" smtClean="0"/>
-              <a:t>20.05.2022</a:t>
+              <a:t>25.05.2022</a:t>
             </a:fld>
             <a:endParaRPr lang="fr-CH"/>
           </a:p>
@@ -8898,7 +10398,7 @@
           <a:p>
             <a:fld id="{4B2B4A68-68F7-4492-A45F-0F4B533A3C63}" type="slidenum">
               <a:rPr lang="fr-CH" smtClean="0"/>
-              <a:t>11</a:t>
+              <a:t>14</a:t>
             </a:fld>
             <a:endParaRPr lang="fr-CH"/>
           </a:p>
@@ -8914,420 +10414,6 @@
   <p:clrMapOvr>
     <a:masterClrMapping/>
   </p:clrMapOvr>
-  <p:timing>
-    <p:tnLst>
-      <p:par>
-        <p:cTn id="1" dur="indefinite" restart="never" nodeType="tmRoot"/>
-      </p:par>
-    </p:tnLst>
-  </p:timing>
-</p:sld>
-</file>
-
-<file path=ppt/slides/slide12.xml><?xml version="1.0" encoding="utf-8"?>
-<p:sld xmlns:a="http://schemas.openxmlformats.org/drawingml/2006/main" xmlns:r="http://schemas.openxmlformats.org/officeDocument/2006/relationships" xmlns:p="http://schemas.openxmlformats.org/presentationml/2006/main">
-  <p:cSld>
-    <p:spTree>
-      <p:nvGrpSpPr>
-        <p:cNvPr id="1" name=""/>
-        <p:cNvGrpSpPr/>
-        <p:nvPr/>
-      </p:nvGrpSpPr>
-      <p:grpSpPr>
-        <a:xfrm>
-          <a:off x="0" y="0"/>
-          <a:ext cx="0" cy="0"/>
-          <a:chOff x="0" y="0"/>
-          <a:chExt cx="0" cy="0"/>
-        </a:xfrm>
-      </p:grpSpPr>
-      <p:sp>
-        <p:nvSpPr>
-          <p:cNvPr id="2" name="Titre 1"/>
-          <p:cNvSpPr>
-            <a:spLocks noGrp="1"/>
-          </p:cNvSpPr>
-          <p:nvPr>
-            <p:ph type="title"/>
-          </p:nvPr>
-        </p:nvSpPr>
-        <p:spPr/>
-        <p:txBody>
-          <a:bodyPr/>
-          <a:lstStyle/>
-          <a:p>
-            <a:r>
-              <a:rPr lang="fr-CH" dirty="0" smtClean="0"/>
-              <a:t>MVC (Autre Controller)</a:t>
-            </a:r>
-            <a:endParaRPr lang="fr-CH" dirty="0"/>
-          </a:p>
-        </p:txBody>
-      </p:sp>
-      <p:pic>
-        <p:nvPicPr>
-          <p:cNvPr id="5" name="Espace réservé du contenu 4"/>
-          <p:cNvPicPr>
-            <a:picLocks noGrp="1" noChangeAspect="1"/>
-          </p:cNvPicPr>
-          <p:nvPr>
-            <p:ph idx="1"/>
-          </p:nvPr>
-        </p:nvPicPr>
-        <p:blipFill>
-          <a:blip r:embed="rId3"/>
-          <a:stretch>
-            <a:fillRect/>
-          </a:stretch>
-        </p:blipFill>
-        <p:spPr>
-          <a:xfrm>
-            <a:off x="2066172" y="1569061"/>
-            <a:ext cx="7423646" cy="4875700"/>
-          </a:xfrm>
-          <a:prstGeom prst="rect">
-            <a:avLst/>
-          </a:prstGeom>
-        </p:spPr>
-      </p:pic>
-      <p:sp>
-        <p:nvSpPr>
-          <p:cNvPr id="3" name="Espace réservé de la date 2"/>
-          <p:cNvSpPr>
-            <a:spLocks noGrp="1"/>
-          </p:cNvSpPr>
-          <p:nvPr>
-            <p:ph type="dt" sz="half" idx="10"/>
-          </p:nvPr>
-        </p:nvSpPr>
-        <p:spPr/>
-        <p:txBody>
-          <a:bodyPr/>
-          <a:lstStyle/>
-          <a:p>
-            <a:fld id="{8449D893-61B1-41F6-9FF4-DFCEDDC45BAB}" type="datetime1">
-              <a:rPr lang="fr-CH" smtClean="0"/>
-              <a:t>20.05.2022</a:t>
-            </a:fld>
-            <a:endParaRPr lang="fr-CH"/>
-          </a:p>
-        </p:txBody>
-      </p:sp>
-      <p:sp>
-        <p:nvSpPr>
-          <p:cNvPr id="6" name="Espace réservé du numéro de diapositive 5"/>
-          <p:cNvSpPr>
-            <a:spLocks noGrp="1"/>
-          </p:cNvSpPr>
-          <p:nvPr>
-            <p:ph type="sldNum" sz="quarter" idx="12"/>
-          </p:nvPr>
-        </p:nvSpPr>
-        <p:spPr/>
-        <p:txBody>
-          <a:bodyPr/>
-          <a:lstStyle/>
-          <a:p>
-            <a:fld id="{4B2B4A68-68F7-4492-A45F-0F4B533A3C63}" type="slidenum">
-              <a:rPr lang="fr-CH" smtClean="0"/>
-              <a:t>12</a:t>
-            </a:fld>
-            <a:endParaRPr lang="fr-CH"/>
-          </a:p>
-        </p:txBody>
-      </p:sp>
-    </p:spTree>
-    <p:extLst>
-      <p:ext uri="{BB962C8B-B14F-4D97-AF65-F5344CB8AC3E}">
-        <p14:creationId xmlns:p14="http://schemas.microsoft.com/office/powerpoint/2010/main" val="2605339843"/>
-      </p:ext>
-    </p:extLst>
-  </p:cSld>
-  <p:clrMapOvr>
-    <a:masterClrMapping/>
-  </p:clrMapOvr>
-  <p:timing>
-    <p:tnLst>
-      <p:par>
-        <p:cTn id="1" dur="indefinite" restart="never" nodeType="tmRoot"/>
-      </p:par>
-    </p:tnLst>
-  </p:timing>
-</p:sld>
-</file>
-
-<file path=ppt/slides/slide13.xml><?xml version="1.0" encoding="utf-8"?>
-<p:sld xmlns:a="http://schemas.openxmlformats.org/drawingml/2006/main" xmlns:r="http://schemas.openxmlformats.org/officeDocument/2006/relationships" xmlns:p="http://schemas.openxmlformats.org/presentationml/2006/main">
-  <p:cSld>
-    <p:spTree>
-      <p:nvGrpSpPr>
-        <p:cNvPr id="1" name=""/>
-        <p:cNvGrpSpPr/>
-        <p:nvPr/>
-      </p:nvGrpSpPr>
-      <p:grpSpPr>
-        <a:xfrm>
-          <a:off x="0" y="0"/>
-          <a:ext cx="0" cy="0"/>
-          <a:chOff x="0" y="0"/>
-          <a:chExt cx="0" cy="0"/>
-        </a:xfrm>
-      </p:grpSpPr>
-      <p:sp>
-        <p:nvSpPr>
-          <p:cNvPr id="2" name="Titre 1"/>
-          <p:cNvSpPr>
-            <a:spLocks noGrp="1"/>
-          </p:cNvSpPr>
-          <p:nvPr>
-            <p:ph type="title"/>
-          </p:nvPr>
-        </p:nvSpPr>
-        <p:spPr/>
-        <p:txBody>
-          <a:bodyPr/>
-          <a:lstStyle/>
-          <a:p>
-            <a:r>
-              <a:rPr lang="fr-CH" dirty="0" smtClean="0"/>
-              <a:t>MVC (Model </a:t>
-            </a:r>
-            <a:r>
-              <a:rPr lang="fr-CH" dirty="0" err="1" smtClean="0"/>
-              <a:t>random</a:t>
-            </a:r>
-            <a:r>
-              <a:rPr lang="fr-CH" dirty="0" smtClean="0"/>
-              <a:t>)</a:t>
-            </a:r>
-            <a:endParaRPr lang="fr-CH" dirty="0"/>
-          </a:p>
-        </p:txBody>
-      </p:sp>
-      <p:pic>
-        <p:nvPicPr>
-          <p:cNvPr id="5" name="Espace réservé du contenu 4"/>
-          <p:cNvPicPr>
-            <a:picLocks noGrp="1" noChangeAspect="1"/>
-          </p:cNvPicPr>
-          <p:nvPr>
-            <p:ph idx="1"/>
-          </p:nvPr>
-        </p:nvPicPr>
-        <p:blipFill>
-          <a:blip r:embed="rId3"/>
-          <a:stretch>
-            <a:fillRect/>
-          </a:stretch>
-        </p:blipFill>
-        <p:spPr>
-          <a:xfrm>
-            <a:off x="3274165" y="1152983"/>
-            <a:ext cx="4797173" cy="5641276"/>
-          </a:xfrm>
-          <a:prstGeom prst="rect">
-            <a:avLst/>
-          </a:prstGeom>
-        </p:spPr>
-      </p:pic>
-      <p:sp>
-        <p:nvSpPr>
-          <p:cNvPr id="3" name="Espace réservé de la date 2"/>
-          <p:cNvSpPr>
-            <a:spLocks noGrp="1"/>
-          </p:cNvSpPr>
-          <p:nvPr>
-            <p:ph type="dt" sz="half" idx="10"/>
-          </p:nvPr>
-        </p:nvSpPr>
-        <p:spPr/>
-        <p:txBody>
-          <a:bodyPr/>
-          <a:lstStyle/>
-          <a:p>
-            <a:fld id="{E003E9F1-B7D4-47E0-8E6E-3FB997941C43}" type="datetime1">
-              <a:rPr lang="fr-CH" smtClean="0"/>
-              <a:t>20.05.2022</a:t>
-            </a:fld>
-            <a:endParaRPr lang="fr-CH"/>
-          </a:p>
-        </p:txBody>
-      </p:sp>
-      <p:sp>
-        <p:nvSpPr>
-          <p:cNvPr id="6" name="Espace réservé du numéro de diapositive 5"/>
-          <p:cNvSpPr>
-            <a:spLocks noGrp="1"/>
-          </p:cNvSpPr>
-          <p:nvPr>
-            <p:ph type="sldNum" sz="quarter" idx="12"/>
-          </p:nvPr>
-        </p:nvSpPr>
-        <p:spPr/>
-        <p:txBody>
-          <a:bodyPr/>
-          <a:lstStyle/>
-          <a:p>
-            <a:fld id="{4B2B4A68-68F7-4492-A45F-0F4B533A3C63}" type="slidenum">
-              <a:rPr lang="fr-CH" smtClean="0"/>
-              <a:t>13</a:t>
-            </a:fld>
-            <a:endParaRPr lang="fr-CH"/>
-          </a:p>
-        </p:txBody>
-      </p:sp>
-    </p:spTree>
-    <p:extLst>
-      <p:ext uri="{BB962C8B-B14F-4D97-AF65-F5344CB8AC3E}">
-        <p14:creationId xmlns:p14="http://schemas.microsoft.com/office/powerpoint/2010/main" val="409564699"/>
-      </p:ext>
-    </p:extLst>
-  </p:cSld>
-  <p:clrMapOvr>
-    <a:masterClrMapping/>
-  </p:clrMapOvr>
-  <p:timing>
-    <p:tnLst>
-      <p:par>
-        <p:cTn id="1" dur="indefinite" restart="never" nodeType="tmRoot"/>
-      </p:par>
-    </p:tnLst>
-  </p:timing>
-</p:sld>
-</file>
-
-<file path=ppt/slides/slide14.xml><?xml version="1.0" encoding="utf-8"?>
-<p:sld xmlns:a="http://schemas.openxmlformats.org/drawingml/2006/main" xmlns:r="http://schemas.openxmlformats.org/officeDocument/2006/relationships" xmlns:p="http://schemas.openxmlformats.org/presentationml/2006/main">
-  <p:cSld>
-    <p:spTree>
-      <p:nvGrpSpPr>
-        <p:cNvPr id="1" name=""/>
-        <p:cNvGrpSpPr/>
-        <p:nvPr/>
-      </p:nvGrpSpPr>
-      <p:grpSpPr>
-        <a:xfrm>
-          <a:off x="0" y="0"/>
-          <a:ext cx="0" cy="0"/>
-          <a:chOff x="0" y="0"/>
-          <a:chExt cx="0" cy="0"/>
-        </a:xfrm>
-      </p:grpSpPr>
-      <p:sp>
-        <p:nvSpPr>
-          <p:cNvPr id="2" name="Titre 1"/>
-          <p:cNvSpPr>
-            <a:spLocks noGrp="1"/>
-          </p:cNvSpPr>
-          <p:nvPr>
-            <p:ph type="title"/>
-          </p:nvPr>
-        </p:nvSpPr>
-        <p:spPr/>
-        <p:txBody>
-          <a:bodyPr/>
-          <a:lstStyle/>
-          <a:p>
-            <a:r>
-              <a:rPr lang="fr-CH" dirty="0"/>
-              <a:t>Notre organisation</a:t>
-            </a:r>
-            <a:br>
-              <a:rPr lang="fr-CH" dirty="0"/>
-            </a:br>
-            <a:r>
-              <a:rPr lang="fr-CH" dirty="0" smtClean="0"/>
-              <a:t/>
-            </a:r>
-            <a:br>
-              <a:rPr lang="fr-CH" dirty="0" smtClean="0"/>
-            </a:br>
-            <a:endParaRPr lang="fr-CH" dirty="0"/>
-          </a:p>
-        </p:txBody>
-      </p:sp>
-      <p:sp>
-        <p:nvSpPr>
-          <p:cNvPr id="3" name="Espace réservé du texte 2"/>
-          <p:cNvSpPr>
-            <a:spLocks noGrp="1"/>
-          </p:cNvSpPr>
-          <p:nvPr>
-            <p:ph type="body" idx="1"/>
-          </p:nvPr>
-        </p:nvSpPr>
-        <p:spPr/>
-        <p:txBody>
-          <a:bodyPr/>
-          <a:lstStyle/>
-          <a:p>
-            <a:endParaRPr lang="fr-CH"/>
-          </a:p>
-        </p:txBody>
-      </p:sp>
-      <p:sp>
-        <p:nvSpPr>
-          <p:cNvPr id="5" name="Espace réservé de la date 4"/>
-          <p:cNvSpPr>
-            <a:spLocks noGrp="1"/>
-          </p:cNvSpPr>
-          <p:nvPr>
-            <p:ph type="dt" sz="half" idx="10"/>
-          </p:nvPr>
-        </p:nvSpPr>
-        <p:spPr/>
-        <p:txBody>
-          <a:bodyPr/>
-          <a:lstStyle/>
-          <a:p>
-            <a:fld id="{54362DC5-488F-4031-9C6E-B219DB3DE5C9}" type="datetime1">
-              <a:rPr lang="fr-CH" smtClean="0"/>
-              <a:t>20.05.2022</a:t>
-            </a:fld>
-            <a:endParaRPr lang="fr-CH"/>
-          </a:p>
-        </p:txBody>
-      </p:sp>
-      <p:sp>
-        <p:nvSpPr>
-          <p:cNvPr id="6" name="Espace réservé du numéro de diapositive 5"/>
-          <p:cNvSpPr>
-            <a:spLocks noGrp="1"/>
-          </p:cNvSpPr>
-          <p:nvPr>
-            <p:ph type="sldNum" sz="quarter" idx="12"/>
-          </p:nvPr>
-        </p:nvSpPr>
-        <p:spPr/>
-        <p:txBody>
-          <a:bodyPr/>
-          <a:lstStyle/>
-          <a:p>
-            <a:fld id="{4B2B4A68-68F7-4492-A45F-0F4B533A3C63}" type="slidenum">
-              <a:rPr lang="fr-CH" smtClean="0"/>
-              <a:t>14</a:t>
-            </a:fld>
-            <a:endParaRPr lang="fr-CH"/>
-          </a:p>
-        </p:txBody>
-      </p:sp>
-    </p:spTree>
-    <p:extLst>
-      <p:ext uri="{BB962C8B-B14F-4D97-AF65-F5344CB8AC3E}">
-        <p14:creationId xmlns:p14="http://schemas.microsoft.com/office/powerpoint/2010/main" val="3177887388"/>
-      </p:ext>
-    </p:extLst>
-  </p:cSld>
-  <p:clrMapOvr>
-    <a:masterClrMapping/>
-  </p:clrMapOvr>
-  <p:timing>
-    <p:tnLst>
-      <p:par>
-        <p:cTn id="1" dur="indefinite" restart="never" nodeType="tmRoot"/>
-      </p:par>
-    </p:tnLst>
-  </p:timing>
 </p:sld>
 </file>
 
@@ -9364,111 +10450,41 @@
           <a:lstStyle/>
           <a:p>
             <a:r>
-              <a:rPr lang="fr-CH" dirty="0"/>
-              <a:t>Ce qu’on a pu </a:t>
-            </a:r>
-            <a:r>
-              <a:rPr lang="fr-CH" dirty="0" smtClean="0"/>
-              <a:t>finir</a:t>
-            </a:r>
-            <a:endParaRPr lang="fr-CH" dirty="0"/>
-          </a:p>
-        </p:txBody>
-      </p:sp>
-      <p:sp>
-        <p:nvSpPr>
-          <p:cNvPr id="3" name="Espace réservé du contenu 2"/>
-          <p:cNvSpPr>
-            <a:spLocks noGrp="1"/>
-          </p:cNvSpPr>
+              <a:rPr lang="fr-CH"/>
+              <a:t>MVC (Autre Controller)</a:t>
+            </a:r>
+          </a:p>
+        </p:txBody>
+      </p:sp>
+      <p:pic>
+        <p:nvPicPr>
+          <p:cNvPr id="5" name="Espace réservé du contenu 4"/>
+          <p:cNvPicPr>
+            <a:picLocks noGrp="1" noChangeAspect="1"/>
+          </p:cNvPicPr>
           <p:nvPr>
             <p:ph idx="1"/>
           </p:nvPr>
-        </p:nvSpPr>
-        <p:spPr/>
-        <p:txBody>
-          <a:bodyPr/>
-          <a:lstStyle/>
-          <a:p>
-            <a:pPr marL="0" indent="0">
-              <a:buNone/>
-            </a:pPr>
-            <a:r>
-              <a:rPr lang="fr-CH" dirty="0" smtClean="0"/>
-              <a:t>Obligatoire</a:t>
-            </a:r>
-          </a:p>
-          <a:p>
-            <a:r>
-              <a:rPr lang="fr-CH" dirty="0" err="1" smtClean="0"/>
-              <a:t>Controllers</a:t>
-            </a:r>
-            <a:r>
-              <a:rPr lang="fr-CH" dirty="0" smtClean="0"/>
-              <a:t> finis</a:t>
-            </a:r>
-          </a:p>
-          <a:p>
-            <a:r>
-              <a:rPr lang="fr-CH" dirty="0" smtClean="0"/>
-              <a:t>Pages finies</a:t>
-            </a:r>
-          </a:p>
-          <a:p>
-            <a:r>
-              <a:rPr lang="fr-CH" dirty="0" err="1" smtClean="0"/>
-              <a:t>Models</a:t>
-            </a:r>
-            <a:r>
-              <a:rPr lang="fr-CH" dirty="0" smtClean="0"/>
-              <a:t> finis</a:t>
-            </a:r>
-          </a:p>
-          <a:p>
-            <a:r>
-              <a:rPr lang="fr-CH" dirty="0" err="1" smtClean="0"/>
-              <a:t>Feature</a:t>
-            </a:r>
-            <a:r>
-              <a:rPr lang="fr-CH" dirty="0" smtClean="0"/>
-              <a:t> 95%</a:t>
-            </a:r>
-          </a:p>
-          <a:p>
-            <a:pPr marL="0" indent="0">
-              <a:buNone/>
-            </a:pPr>
-            <a:r>
-              <a:rPr lang="fr-CH" dirty="0" smtClean="0"/>
-              <a:t>Facultatif</a:t>
-            </a:r>
-          </a:p>
-          <a:p>
-            <a:r>
-              <a:rPr lang="fr-CH" dirty="0" smtClean="0"/>
-              <a:t>Ajout d’une personne</a:t>
-            </a:r>
-          </a:p>
-          <a:p>
-            <a:r>
-              <a:rPr lang="fr-CH" dirty="0" smtClean="0"/>
-              <a:t>Responsive</a:t>
-            </a:r>
-          </a:p>
-          <a:p>
-            <a:r>
-              <a:rPr lang="fr-CH" dirty="0" smtClean="0"/>
-              <a:t>Filtre de catégorie</a:t>
-            </a:r>
-          </a:p>
-          <a:p>
-            <a:endParaRPr lang="fr-CH" dirty="0"/>
-          </a:p>
-        </p:txBody>
-      </p:sp>
-      <p:sp>
-        <p:nvSpPr>
-          <p:cNvPr id="5" name="Espace réservé de la date 4"/>
+        </p:nvPicPr>
+        <p:blipFill>
+          <a:blip r:embed="rId3"/>
+          <a:stretch>
+            <a:fillRect/>
+          </a:stretch>
+        </p:blipFill>
+        <p:spPr>
+          <a:xfrm>
+            <a:off x="2066172" y="1569061"/>
+            <a:ext cx="7423646" cy="4875700"/>
+          </a:xfrm>
+          <a:prstGeom prst="rect">
+            <a:avLst/>
+          </a:prstGeom>
+        </p:spPr>
+      </p:pic>
+      <p:sp>
+        <p:nvSpPr>
+          <p:cNvPr id="3" name="Espace réservé de la date 2"/>
           <p:cNvSpPr>
             <a:spLocks noGrp="1"/>
           </p:cNvSpPr>
@@ -9481,9 +10497,9 @@
           <a:bodyPr/>
           <a:lstStyle/>
           <a:p>
-            <a:fld id="{33D685EF-0ABD-48D0-891F-5D6DAECA2D1D}" type="datetime1">
+            <a:fld id="{8449D893-61B1-41F6-9FF4-DFCEDDC45BAB}" type="datetime1">
               <a:rPr lang="fr-CH" smtClean="0"/>
-              <a:t>20.05.2022</a:t>
+              <a:t>25.05.2022</a:t>
             </a:fld>
             <a:endParaRPr lang="fr-CH"/>
           </a:p>
@@ -9515,20 +10531,13 @@
     </p:spTree>
     <p:extLst>
       <p:ext uri="{BB962C8B-B14F-4D97-AF65-F5344CB8AC3E}">
-        <p14:creationId xmlns:p14="http://schemas.microsoft.com/office/powerpoint/2010/main" val="699990627"/>
+        <p14:creationId xmlns:p14="http://schemas.microsoft.com/office/powerpoint/2010/main" val="2605339843"/>
       </p:ext>
     </p:extLst>
   </p:cSld>
   <p:clrMapOvr>
     <a:masterClrMapping/>
   </p:clrMapOvr>
-  <p:timing>
-    <p:tnLst>
-      <p:par>
-        <p:cTn id="1" dur="indefinite" restart="never" nodeType="tmRoot"/>
-      </p:par>
-    </p:tnLst>
-  </p:timing>
 </p:sld>
 </file>
 
@@ -9565,90 +10574,49 @@
           <a:lstStyle/>
           <a:p>
             <a:r>
-              <a:rPr lang="fr-CH" dirty="0"/>
-              <a:t>Problèmes </a:t>
-            </a:r>
-            <a:r>
-              <a:rPr lang="fr-CH" dirty="0" smtClean="0"/>
-              <a:t>rencontrés</a:t>
-            </a:r>
-            <a:endParaRPr lang="fr-CH" dirty="0"/>
-          </a:p>
-        </p:txBody>
-      </p:sp>
-      <p:sp>
-        <p:nvSpPr>
-          <p:cNvPr id="3" name="Espace réservé du contenu 2"/>
-          <p:cNvSpPr>
-            <a:spLocks noGrp="1"/>
-          </p:cNvSpPr>
+              <a:rPr lang="fr-CH"/>
+              <a:t>MVC (Model </a:t>
+            </a:r>
+            <a:r>
+              <a:rPr lang="fr-CH" err="1"/>
+              <a:t>random</a:t>
+            </a:r>
+            <a:r>
+              <a:rPr lang="fr-CH"/>
+              <a:t>)</a:t>
+            </a:r>
+          </a:p>
+        </p:txBody>
+      </p:sp>
+      <p:pic>
+        <p:nvPicPr>
+          <p:cNvPr id="5" name="Espace réservé du contenu 4"/>
+          <p:cNvPicPr>
+            <a:picLocks noGrp="1" noChangeAspect="1"/>
+          </p:cNvPicPr>
           <p:nvPr>
             <p:ph idx="1"/>
           </p:nvPr>
-        </p:nvSpPr>
-        <p:spPr/>
-        <p:txBody>
-          <a:bodyPr/>
-          <a:lstStyle/>
-          <a:p>
-            <a:pPr>
-              <a:lnSpc>
-                <a:spcPct val="300000"/>
-              </a:lnSpc>
-            </a:pPr>
-            <a:r>
-              <a:rPr lang="fr-CH" dirty="0" smtClean="0"/>
-              <a:t>Affichage des livres</a:t>
-            </a:r>
-          </a:p>
-          <a:p>
-            <a:pPr>
-              <a:lnSpc>
-                <a:spcPct val="300000"/>
-              </a:lnSpc>
-            </a:pPr>
-            <a:r>
-              <a:rPr lang="fr-CH" dirty="0" smtClean="0"/>
-              <a:t>Envoie des informations</a:t>
-            </a:r>
-          </a:p>
-          <a:p>
-            <a:pPr>
-              <a:lnSpc>
-                <a:spcPct val="300000"/>
-              </a:lnSpc>
-            </a:pPr>
-            <a:r>
-              <a:rPr lang="fr-CH" dirty="0" smtClean="0"/>
-              <a:t>Test de </a:t>
-            </a:r>
-            <a:r>
-              <a:rPr lang="fr-CH" dirty="0" err="1" smtClean="0"/>
-              <a:t>CircleCI</a:t>
-            </a:r>
-            <a:endParaRPr lang="fr-CH" dirty="0" smtClean="0"/>
-          </a:p>
-          <a:p>
-            <a:pPr>
-              <a:lnSpc>
-                <a:spcPct val="300000"/>
-              </a:lnSpc>
-            </a:pPr>
-            <a:r>
-              <a:rPr lang="fr-CH" dirty="0" smtClean="0"/>
-              <a:t>Serveur d’</a:t>
-            </a:r>
-            <a:r>
-              <a:rPr lang="fr-CH" dirty="0" err="1" smtClean="0"/>
-              <a:t>Heroku</a:t>
-            </a:r>
-            <a:endParaRPr lang="fr-CH" dirty="0"/>
-          </a:p>
-        </p:txBody>
-      </p:sp>
-      <p:sp>
-        <p:nvSpPr>
-          <p:cNvPr id="5" name="Espace réservé de la date 4"/>
+        </p:nvPicPr>
+        <p:blipFill>
+          <a:blip r:embed="rId3"/>
+          <a:stretch>
+            <a:fillRect/>
+          </a:stretch>
+        </p:blipFill>
+        <p:spPr>
+          <a:xfrm>
+            <a:off x="3274165" y="1152983"/>
+            <a:ext cx="4797173" cy="5641276"/>
+          </a:xfrm>
+          <a:prstGeom prst="rect">
+            <a:avLst/>
+          </a:prstGeom>
+        </p:spPr>
+      </p:pic>
+      <p:sp>
+        <p:nvSpPr>
+          <p:cNvPr id="3" name="Espace réservé de la date 2"/>
           <p:cNvSpPr>
             <a:spLocks noGrp="1"/>
           </p:cNvSpPr>
@@ -9661,9 +10629,9 @@
           <a:bodyPr/>
           <a:lstStyle/>
           <a:p>
-            <a:fld id="{B9A83543-E0E4-47D3-9F96-2BF68C759BB6}" type="datetime1">
+            <a:fld id="{E003E9F1-B7D4-47E0-8E6E-3FB997941C43}" type="datetime1">
               <a:rPr lang="fr-CH" smtClean="0"/>
-              <a:t>20.05.2022</a:t>
+              <a:t>25.05.2022</a:t>
             </a:fld>
             <a:endParaRPr lang="fr-CH"/>
           </a:p>
@@ -9695,20 +10663,13 @@
     </p:spTree>
     <p:extLst>
       <p:ext uri="{BB962C8B-B14F-4D97-AF65-F5344CB8AC3E}">
-        <p14:creationId xmlns:p14="http://schemas.microsoft.com/office/powerpoint/2010/main" val="2829090921"/>
+        <p14:creationId xmlns:p14="http://schemas.microsoft.com/office/powerpoint/2010/main" val="409564699"/>
       </p:ext>
     </p:extLst>
   </p:cSld>
   <p:clrMapOvr>
     <a:masterClrMapping/>
   </p:clrMapOvr>
-  <p:timing>
-    <p:tnLst>
-      <p:par>
-        <p:cTn id="1" dur="indefinite" restart="never" nodeType="tmRoot"/>
-      </p:par>
-    </p:tnLst>
-  </p:timing>
 </p:sld>
 </file>
 
@@ -9745,30 +10706,22 @@
           <a:lstStyle/>
           <a:p>
             <a:r>
-              <a:rPr lang="fr-CH" dirty="0"/>
-              <a:t>Notre </a:t>
-            </a:r>
-            <a:r>
-              <a:rPr lang="fr-CH" dirty="0" smtClean="0"/>
-              <a:t>ressenti</a:t>
+              <a:rPr lang="fr-CH"/>
+              <a:t>Notre organisation</a:t>
             </a:r>
             <a:br>
-              <a:rPr lang="fr-CH" dirty="0" smtClean="0"/>
+              <a:rPr lang="fr-CH"/>
             </a:br>
-            <a:r>
-              <a:rPr lang="fr-CH" dirty="0"/>
-              <a:t/>
-            </a:r>
             <a:br>
-              <a:rPr lang="fr-CH" dirty="0"/>
+              <a:rPr lang="fr-CH"/>
             </a:br>
-            <a:endParaRPr lang="fr-CH" dirty="0"/>
-          </a:p>
-        </p:txBody>
-      </p:sp>
-      <p:sp>
-        <p:nvSpPr>
-          <p:cNvPr id="5" name="Espace réservé du texte 4"/>
+            <a:endParaRPr lang="fr-CH"/>
+          </a:p>
+        </p:txBody>
+      </p:sp>
+      <p:sp>
+        <p:nvSpPr>
+          <p:cNvPr id="3" name="Espace réservé du texte 2"/>
           <p:cNvSpPr>
             <a:spLocks noGrp="1"/>
           </p:cNvSpPr>
@@ -9787,7 +10740,7 @@
       </p:sp>
       <p:sp>
         <p:nvSpPr>
-          <p:cNvPr id="3" name="Espace réservé de la date 2"/>
+          <p:cNvPr id="5" name="Espace réservé de la date 4"/>
           <p:cNvSpPr>
             <a:spLocks noGrp="1"/>
           </p:cNvSpPr>
@@ -9800,9 +10753,9 @@
           <a:bodyPr/>
           <a:lstStyle/>
           <a:p>
-            <a:fld id="{A272BEE5-51F5-4941-8A7A-12BE152A04D7}" type="datetime1">
+            <a:fld id="{54362DC5-488F-4031-9C6E-B219DB3DE5C9}" type="datetime1">
               <a:rPr lang="fr-CH" smtClean="0"/>
-              <a:t>20.05.2022</a:t>
+              <a:t>25.05.2022</a:t>
             </a:fld>
             <a:endParaRPr lang="fr-CH"/>
           </a:p>
@@ -9834,20 +10787,13 @@
     </p:spTree>
     <p:extLst>
       <p:ext uri="{BB962C8B-B14F-4D97-AF65-F5344CB8AC3E}">
-        <p14:creationId xmlns:p14="http://schemas.microsoft.com/office/powerpoint/2010/main" val="3808528049"/>
+        <p14:creationId xmlns:p14="http://schemas.microsoft.com/office/powerpoint/2010/main" val="3177887388"/>
       </p:ext>
     </p:extLst>
   </p:cSld>
   <p:clrMapOvr>
     <a:masterClrMapping/>
   </p:clrMapOvr>
-  <p:timing>
-    <p:tnLst>
-      <p:par>
-        <p:cTn id="1" dur="indefinite" restart="never" nodeType="tmRoot"/>
-      </p:par>
-    </p:tnLst>
-  </p:timing>
 </p:sld>
 </file>
 
@@ -9884,37 +10830,98 @@
           <a:lstStyle/>
           <a:p>
             <a:r>
-              <a:rPr lang="fr-CH" dirty="0" smtClean="0"/>
-              <a:t>Démonstration</a:t>
-            </a:r>
-            <a:br>
-              <a:rPr lang="fr-CH" dirty="0" smtClean="0"/>
-            </a:br>
-            <a:r>
-              <a:rPr lang="fr-CH" dirty="0" smtClean="0"/>
-              <a:t/>
-            </a:r>
-            <a:br>
-              <a:rPr lang="fr-CH" dirty="0" smtClean="0"/>
-            </a:br>
-            <a:endParaRPr lang="fr-CH" dirty="0"/>
-          </a:p>
-        </p:txBody>
-      </p:sp>
-      <p:sp>
-        <p:nvSpPr>
-          <p:cNvPr id="3" name="Espace réservé du texte 2"/>
-          <p:cNvSpPr>
-            <a:spLocks noGrp="1"/>
-          </p:cNvSpPr>
-          <p:nvPr>
-            <p:ph type="body" idx="1"/>
-          </p:nvPr>
-        </p:nvSpPr>
-        <p:spPr/>
-        <p:txBody>
-          <a:bodyPr/>
-          <a:lstStyle/>
+              <a:rPr lang="fr-CH"/>
+              <a:t>Ce qu’on a pu finir</a:t>
+            </a:r>
+          </a:p>
+        </p:txBody>
+      </p:sp>
+      <p:sp>
+        <p:nvSpPr>
+          <p:cNvPr id="3" name="Espace réservé du contenu 2"/>
+          <p:cNvSpPr>
+            <a:spLocks noGrp="1"/>
+          </p:cNvSpPr>
+          <p:nvPr>
+            <p:ph idx="1"/>
+          </p:nvPr>
+        </p:nvSpPr>
+        <p:spPr/>
+        <p:txBody>
+          <a:bodyPr/>
+          <a:lstStyle/>
+          <a:p>
+            <a:pPr marL="0" indent="0">
+              <a:buNone/>
+            </a:pPr>
+            <a:r>
+              <a:rPr lang="fr-CH"/>
+              <a:t>Obligatoire</a:t>
+            </a:r>
+          </a:p>
+          <a:p>
+            <a:r>
+              <a:rPr lang="fr-CH" err="1"/>
+              <a:t>Controllers</a:t>
+            </a:r>
+            <a:r>
+              <a:rPr lang="fr-CH"/>
+              <a:t> finis</a:t>
+            </a:r>
+          </a:p>
+          <a:p>
+            <a:r>
+              <a:rPr lang="fr-CH"/>
+              <a:t>Pages finies</a:t>
+            </a:r>
+          </a:p>
+          <a:p>
+            <a:r>
+              <a:rPr lang="fr-CH" err="1"/>
+              <a:t>Models</a:t>
+            </a:r>
+            <a:r>
+              <a:rPr lang="fr-CH"/>
+              <a:t> finis</a:t>
+            </a:r>
+          </a:p>
+          <a:p>
+            <a:r>
+              <a:rPr lang="fr-CH" err="1"/>
+              <a:t>Feature</a:t>
+            </a:r>
+            <a:r>
+              <a:rPr lang="fr-CH"/>
+              <a:t> 95%</a:t>
+            </a:r>
+          </a:p>
+          <a:p>
+            <a:pPr marL="0" indent="0">
+              <a:buNone/>
+            </a:pPr>
+            <a:r>
+              <a:rPr lang="fr-CH"/>
+              <a:t>Facultatif</a:t>
+            </a:r>
+          </a:p>
+          <a:p>
+            <a:r>
+              <a:rPr lang="fr-CH"/>
+              <a:t>Ajout d’une personne</a:t>
+            </a:r>
+          </a:p>
+          <a:p>
+            <a:r>
+              <a:rPr lang="fr-CH"/>
+              <a:t>Responsive</a:t>
+            </a:r>
+          </a:p>
+          <a:p>
+            <a:r>
+              <a:rPr lang="fr-CH"/>
+              <a:t>Filtre de catégorie</a:t>
+            </a:r>
+          </a:p>
           <a:p>
             <a:endParaRPr lang="fr-CH"/>
           </a:p>
@@ -9935,9 +10942,9 @@
           <a:bodyPr/>
           <a:lstStyle/>
           <a:p>
-            <a:fld id="{A4C69604-4243-4E08-A094-C54CF422AC54}" type="datetime1">
+            <a:fld id="{33D685EF-0ABD-48D0-891F-5D6DAECA2D1D}" type="datetime1">
               <a:rPr lang="fr-CH" smtClean="0"/>
-              <a:t>20.05.2022</a:t>
+              <a:t>25.05.2022</a:t>
             </a:fld>
             <a:endParaRPr lang="fr-CH"/>
           </a:p>
@@ -9969,20 +10976,181 @@
     </p:spTree>
     <p:extLst>
       <p:ext uri="{BB962C8B-B14F-4D97-AF65-F5344CB8AC3E}">
-        <p14:creationId xmlns:p14="http://schemas.microsoft.com/office/powerpoint/2010/main" val="1553793960"/>
+        <p14:creationId xmlns:p14="http://schemas.microsoft.com/office/powerpoint/2010/main" val="699990627"/>
       </p:ext>
     </p:extLst>
   </p:cSld>
   <p:clrMapOvr>
     <a:masterClrMapping/>
   </p:clrMapOvr>
-  <p:timing>
-    <p:tnLst>
-      <p:par>
-        <p:cTn id="1" dur="indefinite" restart="never" nodeType="tmRoot"/>
-      </p:par>
-    </p:tnLst>
-  </p:timing>
+</p:sld>
+</file>
+
+<file path=ppt/slides/slide19.xml><?xml version="1.0" encoding="utf-8"?>
+<p:sld xmlns:a="http://schemas.openxmlformats.org/drawingml/2006/main" xmlns:r="http://schemas.openxmlformats.org/officeDocument/2006/relationships" xmlns:p="http://schemas.openxmlformats.org/presentationml/2006/main">
+  <p:cSld>
+    <p:spTree>
+      <p:nvGrpSpPr>
+        <p:cNvPr id="1" name=""/>
+        <p:cNvGrpSpPr/>
+        <p:nvPr/>
+      </p:nvGrpSpPr>
+      <p:grpSpPr>
+        <a:xfrm>
+          <a:off x="0" y="0"/>
+          <a:ext cx="0" cy="0"/>
+          <a:chOff x="0" y="0"/>
+          <a:chExt cx="0" cy="0"/>
+        </a:xfrm>
+      </p:grpSpPr>
+      <p:sp>
+        <p:nvSpPr>
+          <p:cNvPr id="2" name="Titre 1"/>
+          <p:cNvSpPr>
+            <a:spLocks noGrp="1"/>
+          </p:cNvSpPr>
+          <p:nvPr>
+            <p:ph type="title"/>
+          </p:nvPr>
+        </p:nvSpPr>
+        <p:spPr/>
+        <p:txBody>
+          <a:bodyPr/>
+          <a:lstStyle/>
+          <a:p>
+            <a:r>
+              <a:rPr lang="fr-CH"/>
+              <a:t>Problèmes rencontrés</a:t>
+            </a:r>
+          </a:p>
+        </p:txBody>
+      </p:sp>
+      <p:sp>
+        <p:nvSpPr>
+          <p:cNvPr id="3" name="Espace réservé du contenu 2"/>
+          <p:cNvSpPr>
+            <a:spLocks noGrp="1"/>
+          </p:cNvSpPr>
+          <p:nvPr>
+            <p:ph idx="1"/>
+          </p:nvPr>
+        </p:nvSpPr>
+        <p:spPr/>
+        <p:txBody>
+          <a:bodyPr vert="horz" lIns="91440" tIns="45720" rIns="91440" bIns="45720" rtlCol="0" anchor="t">
+            <a:normAutofit/>
+          </a:bodyPr>
+          <a:lstStyle/>
+          <a:p>
+            <a:pPr>
+              <a:lnSpc>
+                <a:spcPct val="300000"/>
+              </a:lnSpc>
+            </a:pPr>
+            <a:r>
+              <a:rPr lang="fr-CH" dirty="0"/>
+              <a:t>Affichage des livres</a:t>
+            </a:r>
+          </a:p>
+          <a:p>
+            <a:pPr>
+              <a:lnSpc>
+                <a:spcPct val="300000"/>
+              </a:lnSpc>
+            </a:pPr>
+            <a:r>
+              <a:rPr lang="fr-CH" dirty="0"/>
+              <a:t>Envoie des informations</a:t>
+            </a:r>
+          </a:p>
+          <a:p>
+            <a:pPr>
+              <a:lnSpc>
+                <a:spcPct val="300000"/>
+              </a:lnSpc>
+            </a:pPr>
+            <a:r>
+              <a:rPr lang="fr-CH" dirty="0"/>
+              <a:t>Test de </a:t>
+            </a:r>
+            <a:r>
+              <a:rPr lang="fr-CH" dirty="0" err="1"/>
+              <a:t>CircleCI</a:t>
+            </a:r>
+          </a:p>
+          <a:p>
+            <a:pPr>
+              <a:lnSpc>
+                <a:spcPct val="300000"/>
+              </a:lnSpc>
+            </a:pPr>
+            <a:r>
+              <a:rPr lang="fr-CH" dirty="0"/>
+              <a:t>Serveur d’</a:t>
+            </a:r>
+            <a:r>
+              <a:rPr lang="fr-CH" dirty="0" err="1"/>
+              <a:t>Heroku</a:t>
+            </a:r>
+          </a:p>
+        </p:txBody>
+      </p:sp>
+      <p:sp>
+        <p:nvSpPr>
+          <p:cNvPr id="5" name="Espace réservé de la date 4"/>
+          <p:cNvSpPr>
+            <a:spLocks noGrp="1"/>
+          </p:cNvSpPr>
+          <p:nvPr>
+            <p:ph type="dt" sz="half" idx="10"/>
+          </p:nvPr>
+        </p:nvSpPr>
+        <p:spPr/>
+        <p:txBody>
+          <a:bodyPr/>
+          <a:lstStyle/>
+          <a:p>
+            <a:fld id="{B9A83543-E0E4-47D3-9F96-2BF68C759BB6}" type="datetime1">
+              <a:rPr lang="fr-CH" smtClean="0"/>
+              <a:t>25.05.2022</a:t>
+            </a:fld>
+            <a:endParaRPr lang="fr-CH"/>
+          </a:p>
+        </p:txBody>
+      </p:sp>
+      <p:sp>
+        <p:nvSpPr>
+          <p:cNvPr id="6" name="Espace réservé du numéro de diapositive 5"/>
+          <p:cNvSpPr>
+            <a:spLocks noGrp="1"/>
+          </p:cNvSpPr>
+          <p:nvPr>
+            <p:ph type="sldNum" sz="quarter" idx="12"/>
+          </p:nvPr>
+        </p:nvSpPr>
+        <p:spPr/>
+        <p:txBody>
+          <a:bodyPr/>
+          <a:lstStyle/>
+          <a:p>
+            <a:fld id="{4B2B4A68-68F7-4492-A45F-0F4B533A3C63}" type="slidenum">
+              <a:rPr lang="fr-CH" smtClean="0"/>
+              <a:t>19</a:t>
+            </a:fld>
+            <a:endParaRPr lang="fr-CH"/>
+          </a:p>
+        </p:txBody>
+      </p:sp>
+    </p:spTree>
+    <p:extLst>
+      <p:ext uri="{BB962C8B-B14F-4D97-AF65-F5344CB8AC3E}">
+        <p14:creationId xmlns:p14="http://schemas.microsoft.com/office/powerpoint/2010/main" val="2829090921"/>
+      </p:ext>
+    </p:extLst>
+  </p:cSld>
+  <p:clrMapOvr>
+    <a:masterClrMapping/>
+  </p:clrMapOvr>
 </p:sld>
 </file>
 
@@ -10019,10 +11187,9 @@
           <a:lstStyle/>
           <a:p>
             <a:r>
-              <a:rPr lang="fr-CH" dirty="0" smtClean="0"/>
+              <a:rPr lang="fr-CH"/>
               <a:t>Sommaire</a:t>
             </a:r>
-            <a:endParaRPr lang="fr-CH" dirty="0"/>
           </a:p>
         </p:txBody>
       </p:sp>
@@ -10038,82 +11205,80 @@
         </p:nvSpPr>
         <p:spPr/>
         <p:txBody>
-          <a:bodyPr>
-            <a:normAutofit lnSpcReduction="10000"/>
+          <a:bodyPr vert="horz" lIns="91440" tIns="45720" rIns="91440" bIns="45720" rtlCol="0" anchor="t">
+            <a:normAutofit fontScale="92500" lnSpcReduction="20000"/>
           </a:bodyPr>
           <a:lstStyle/>
           <a:p>
             <a:r>
-              <a:rPr lang="fr-CH" dirty="0" smtClean="0"/>
+              <a:rPr lang="fr-CH" dirty="0"/>
               <a:t>But du projet</a:t>
             </a:r>
           </a:p>
           <a:p>
             <a:r>
-              <a:rPr lang="fr-CH" dirty="0" smtClean="0"/>
+              <a:rPr lang="fr-CH" dirty="0"/>
               <a:t>Les objectifs demandés</a:t>
             </a:r>
           </a:p>
           <a:p>
             <a:r>
               <a:rPr lang="fr-CH" dirty="0"/>
-              <a:t>C</a:t>
-            </a:r>
-            <a:r>
-              <a:rPr lang="fr-CH" dirty="0" smtClean="0"/>
-              <a:t>e </a:t>
-            </a:r>
+              <a:t>Ce qu’on à voulu ajouter</a:t>
+            </a:r>
+          </a:p>
+          <a:p>
+            <a:pPr>
+              <a:buClr>
+                <a:srgbClr val="8AD0D6"/>
+              </a:buClr>
+            </a:pPr>
             <a:r>
               <a:rPr lang="fr-CH" dirty="0"/>
-              <a:t>qu’on à voulu </a:t>
-            </a:r>
-            <a:r>
-              <a:rPr lang="fr-CH" dirty="0" smtClean="0"/>
-              <a:t>ajouter</a:t>
-            </a:r>
-          </a:p>
-          <a:p>
-            <a:r>
-              <a:rPr lang="fr-CH" dirty="0" smtClean="0"/>
+              <a:t>Base de données</a:t>
+            </a:r>
+          </a:p>
+          <a:p>
+            <a:r>
+              <a:rPr lang="fr-CH" dirty="0"/>
               <a:t>Schéma UML</a:t>
             </a:r>
           </a:p>
           <a:p>
             <a:r>
-              <a:rPr lang="fr-CH" dirty="0" smtClean="0"/>
+              <a:rPr lang="fr-CH" dirty="0"/>
               <a:t>Méthode de projet et logiciels utilisés</a:t>
             </a:r>
           </a:p>
           <a:p>
             <a:r>
-              <a:rPr lang="fr-CH" dirty="0" smtClean="0"/>
+              <a:rPr lang="fr-CH" dirty="0"/>
               <a:t>Notre organisation</a:t>
             </a:r>
           </a:p>
           <a:p>
             <a:r>
-              <a:rPr lang="fr-CH" dirty="0" smtClean="0"/>
+              <a:rPr lang="fr-CH" dirty="0"/>
               <a:t>Ce qu’on a pu finir</a:t>
             </a:r>
           </a:p>
           <a:p>
             <a:r>
-              <a:rPr lang="fr-CH" dirty="0" smtClean="0"/>
+              <a:rPr lang="fr-CH" dirty="0"/>
               <a:t>Problèmes rencontrés</a:t>
             </a:r>
           </a:p>
           <a:p>
             <a:r>
-              <a:rPr lang="fr-CH" dirty="0" smtClean="0"/>
+              <a:rPr lang="fr-CH" dirty="0"/>
               <a:t>Notre ressenti</a:t>
             </a:r>
           </a:p>
           <a:p>
             <a:r>
-              <a:rPr lang="fr-CH" dirty="0" smtClean="0"/>
+              <a:rPr lang="fr-CH" dirty="0"/>
               <a:t>Démonstration</a:t>
             </a:r>
-            <a:endParaRPr lang="fr-CH" dirty="0"/>
           </a:p>
         </p:txBody>
       </p:sp>
@@ -10134,7 +11299,7 @@
           <a:p>
             <a:fld id="{FE813677-1AC8-4D9E-8C55-20786BE7C2B6}" type="datetime1">
               <a:rPr lang="fr-CH" smtClean="0"/>
-              <a:t>20.05.2022</a:t>
+              <a:t>25.05.2022</a:t>
             </a:fld>
             <a:endParaRPr lang="fr-CH"/>
           </a:p>
@@ -10173,13 +11338,254 @@
   <p:clrMapOvr>
     <a:masterClrMapping/>
   </p:clrMapOvr>
-  <p:timing>
-    <p:tnLst>
-      <p:par>
-        <p:cTn id="1" dur="indefinite" restart="never" nodeType="tmRoot"/>
-      </p:par>
-    </p:tnLst>
-  </p:timing>
+</p:sld>
+</file>
+
+<file path=ppt/slides/slide20.xml><?xml version="1.0" encoding="utf-8"?>
+<p:sld xmlns:a="http://schemas.openxmlformats.org/drawingml/2006/main" xmlns:r="http://schemas.openxmlformats.org/officeDocument/2006/relationships" xmlns:p="http://schemas.openxmlformats.org/presentationml/2006/main">
+  <p:cSld>
+    <p:spTree>
+      <p:nvGrpSpPr>
+        <p:cNvPr id="1" name=""/>
+        <p:cNvGrpSpPr/>
+        <p:nvPr/>
+      </p:nvGrpSpPr>
+      <p:grpSpPr>
+        <a:xfrm>
+          <a:off x="0" y="0"/>
+          <a:ext cx="0" cy="0"/>
+          <a:chOff x="0" y="0"/>
+          <a:chExt cx="0" cy="0"/>
+        </a:xfrm>
+      </p:grpSpPr>
+      <p:sp>
+        <p:nvSpPr>
+          <p:cNvPr id="2" name="Titre 1"/>
+          <p:cNvSpPr>
+            <a:spLocks noGrp="1"/>
+          </p:cNvSpPr>
+          <p:nvPr>
+            <p:ph type="title"/>
+          </p:nvPr>
+        </p:nvSpPr>
+        <p:spPr/>
+        <p:txBody>
+          <a:bodyPr/>
+          <a:lstStyle/>
+          <a:p>
+            <a:r>
+              <a:rPr lang="fr-CH"/>
+              <a:t>Notre ressenti</a:t>
+            </a:r>
+            <a:br>
+              <a:rPr lang="fr-CH"/>
+            </a:br>
+            <a:br>
+              <a:rPr lang="fr-CH"/>
+            </a:br>
+            <a:endParaRPr lang="fr-CH"/>
+          </a:p>
+        </p:txBody>
+      </p:sp>
+      <p:sp>
+        <p:nvSpPr>
+          <p:cNvPr id="5" name="Espace réservé du texte 4"/>
+          <p:cNvSpPr>
+            <a:spLocks noGrp="1"/>
+          </p:cNvSpPr>
+          <p:nvPr>
+            <p:ph type="body" idx="1"/>
+          </p:nvPr>
+        </p:nvSpPr>
+        <p:spPr/>
+        <p:txBody>
+          <a:bodyPr/>
+          <a:lstStyle/>
+          <a:p>
+            <a:endParaRPr lang="fr-CH"/>
+          </a:p>
+        </p:txBody>
+      </p:sp>
+      <p:sp>
+        <p:nvSpPr>
+          <p:cNvPr id="3" name="Espace réservé de la date 2"/>
+          <p:cNvSpPr>
+            <a:spLocks noGrp="1"/>
+          </p:cNvSpPr>
+          <p:nvPr>
+            <p:ph type="dt" sz="half" idx="10"/>
+          </p:nvPr>
+        </p:nvSpPr>
+        <p:spPr/>
+        <p:txBody>
+          <a:bodyPr/>
+          <a:lstStyle/>
+          <a:p>
+            <a:fld id="{A272BEE5-51F5-4941-8A7A-12BE152A04D7}" type="datetime1">
+              <a:rPr lang="fr-CH" smtClean="0"/>
+              <a:t>25.05.2022</a:t>
+            </a:fld>
+            <a:endParaRPr lang="fr-CH"/>
+          </a:p>
+        </p:txBody>
+      </p:sp>
+      <p:sp>
+        <p:nvSpPr>
+          <p:cNvPr id="6" name="Espace réservé du numéro de diapositive 5"/>
+          <p:cNvSpPr>
+            <a:spLocks noGrp="1"/>
+          </p:cNvSpPr>
+          <p:nvPr>
+            <p:ph type="sldNum" sz="quarter" idx="12"/>
+          </p:nvPr>
+        </p:nvSpPr>
+        <p:spPr/>
+        <p:txBody>
+          <a:bodyPr/>
+          <a:lstStyle/>
+          <a:p>
+            <a:fld id="{4B2B4A68-68F7-4492-A45F-0F4B533A3C63}" type="slidenum">
+              <a:rPr lang="fr-CH" smtClean="0"/>
+              <a:t>20</a:t>
+            </a:fld>
+            <a:endParaRPr lang="fr-CH"/>
+          </a:p>
+        </p:txBody>
+      </p:sp>
+    </p:spTree>
+    <p:extLst>
+      <p:ext uri="{BB962C8B-B14F-4D97-AF65-F5344CB8AC3E}">
+        <p14:creationId xmlns:p14="http://schemas.microsoft.com/office/powerpoint/2010/main" val="3808528049"/>
+      </p:ext>
+    </p:extLst>
+  </p:cSld>
+  <p:clrMapOvr>
+    <a:masterClrMapping/>
+  </p:clrMapOvr>
+</p:sld>
+</file>
+
+<file path=ppt/slides/slide21.xml><?xml version="1.0" encoding="utf-8"?>
+<p:sld xmlns:a="http://schemas.openxmlformats.org/drawingml/2006/main" xmlns:r="http://schemas.openxmlformats.org/officeDocument/2006/relationships" xmlns:p="http://schemas.openxmlformats.org/presentationml/2006/main">
+  <p:cSld>
+    <p:spTree>
+      <p:nvGrpSpPr>
+        <p:cNvPr id="1" name=""/>
+        <p:cNvGrpSpPr/>
+        <p:nvPr/>
+      </p:nvGrpSpPr>
+      <p:grpSpPr>
+        <a:xfrm>
+          <a:off x="0" y="0"/>
+          <a:ext cx="0" cy="0"/>
+          <a:chOff x="0" y="0"/>
+          <a:chExt cx="0" cy="0"/>
+        </a:xfrm>
+      </p:grpSpPr>
+      <p:sp>
+        <p:nvSpPr>
+          <p:cNvPr id="2" name="Titre 1"/>
+          <p:cNvSpPr>
+            <a:spLocks noGrp="1"/>
+          </p:cNvSpPr>
+          <p:nvPr>
+            <p:ph type="title"/>
+          </p:nvPr>
+        </p:nvSpPr>
+        <p:spPr/>
+        <p:txBody>
+          <a:bodyPr/>
+          <a:lstStyle/>
+          <a:p>
+            <a:r>
+              <a:rPr lang="fr-CH"/>
+              <a:t>Démonstration</a:t>
+            </a:r>
+            <a:br>
+              <a:rPr lang="fr-CH"/>
+            </a:br>
+            <a:br>
+              <a:rPr lang="fr-CH"/>
+            </a:br>
+            <a:endParaRPr lang="fr-CH"/>
+          </a:p>
+        </p:txBody>
+      </p:sp>
+      <p:sp>
+        <p:nvSpPr>
+          <p:cNvPr id="3" name="Espace réservé du texte 2"/>
+          <p:cNvSpPr>
+            <a:spLocks noGrp="1"/>
+          </p:cNvSpPr>
+          <p:nvPr>
+            <p:ph type="body" idx="1"/>
+          </p:nvPr>
+        </p:nvSpPr>
+        <p:spPr/>
+        <p:txBody>
+          <a:bodyPr/>
+          <a:lstStyle/>
+          <a:p>
+            <a:endParaRPr lang="fr-CH"/>
+          </a:p>
+        </p:txBody>
+      </p:sp>
+      <p:sp>
+        <p:nvSpPr>
+          <p:cNvPr id="5" name="Espace réservé de la date 4"/>
+          <p:cNvSpPr>
+            <a:spLocks noGrp="1"/>
+          </p:cNvSpPr>
+          <p:nvPr>
+            <p:ph type="dt" sz="half" idx="10"/>
+          </p:nvPr>
+        </p:nvSpPr>
+        <p:spPr/>
+        <p:txBody>
+          <a:bodyPr/>
+          <a:lstStyle/>
+          <a:p>
+            <a:fld id="{A4C69604-4243-4E08-A094-C54CF422AC54}" type="datetime1">
+              <a:rPr lang="fr-CH" smtClean="0"/>
+              <a:t>25.05.2022</a:t>
+            </a:fld>
+            <a:endParaRPr lang="fr-CH"/>
+          </a:p>
+        </p:txBody>
+      </p:sp>
+      <p:sp>
+        <p:nvSpPr>
+          <p:cNvPr id="6" name="Espace réservé du numéro de diapositive 5"/>
+          <p:cNvSpPr>
+            <a:spLocks noGrp="1"/>
+          </p:cNvSpPr>
+          <p:nvPr>
+            <p:ph type="sldNum" sz="quarter" idx="12"/>
+          </p:nvPr>
+        </p:nvSpPr>
+        <p:spPr/>
+        <p:txBody>
+          <a:bodyPr/>
+          <a:lstStyle/>
+          <a:p>
+            <a:fld id="{4B2B4A68-68F7-4492-A45F-0F4B533A3C63}" type="slidenum">
+              <a:rPr lang="fr-CH" smtClean="0"/>
+              <a:t>21</a:t>
+            </a:fld>
+            <a:endParaRPr lang="fr-CH"/>
+          </a:p>
+        </p:txBody>
+      </p:sp>
+    </p:spTree>
+    <p:extLst>
+      <p:ext uri="{BB962C8B-B14F-4D97-AF65-F5344CB8AC3E}">
+        <p14:creationId xmlns:p14="http://schemas.microsoft.com/office/powerpoint/2010/main" val="1553793960"/>
+      </p:ext>
+    </p:extLst>
+  </p:cSld>
+  <p:clrMapOvr>
+    <a:masterClrMapping/>
+  </p:clrMapOvr>
 </p:sld>
 </file>
 
@@ -10216,10 +11622,9 @@
           <a:lstStyle/>
           <a:p>
             <a:r>
-              <a:rPr lang="fr-CH" dirty="0" smtClean="0"/>
+              <a:rPr lang="fr-CH"/>
               <a:t>But du projet</a:t>
             </a:r>
-            <a:endParaRPr lang="fr-CH" dirty="0"/>
           </a:p>
         </p:txBody>
       </p:sp>
@@ -10244,7 +11649,7 @@
               </a:lnSpc>
             </a:pPr>
             <a:r>
-              <a:rPr lang="fr-CH" dirty="0" smtClean="0"/>
+              <a:rPr lang="fr-CH"/>
               <a:t>Créer un site dynamique</a:t>
             </a:r>
           </a:p>
@@ -10255,7 +11660,7 @@
               </a:lnSpc>
             </a:pPr>
             <a:r>
-              <a:rPr lang="fr-CH" dirty="0" smtClean="0"/>
+              <a:rPr lang="fr-CH"/>
               <a:t>Découvrir des Framework</a:t>
             </a:r>
           </a:p>
@@ -10266,7 +11671,7 @@
               </a:lnSpc>
             </a:pPr>
             <a:r>
-              <a:rPr lang="fr-CH" dirty="0" smtClean="0"/>
+              <a:rPr lang="fr-CH"/>
               <a:t>Travail d’équipe</a:t>
             </a:r>
           </a:p>
@@ -10277,10 +11682,9 @@
               </a:lnSpc>
             </a:pPr>
             <a:r>
-              <a:rPr lang="fr-CH" dirty="0" smtClean="0"/>
+              <a:rPr lang="fr-CH"/>
               <a:t>Lier une DB au site</a:t>
             </a:r>
-            <a:endParaRPr lang="fr-CH" dirty="0"/>
           </a:p>
         </p:txBody>
       </p:sp>
@@ -10301,7 +11705,7 @@
           <a:p>
             <a:fld id="{ED95FE53-1238-4820-8D32-0B7348923671}" type="datetime1">
               <a:rPr lang="fr-CH" smtClean="0"/>
-              <a:t>20.05.2022</a:t>
+              <a:t>25.05.2022</a:t>
             </a:fld>
             <a:endParaRPr lang="fr-CH"/>
           </a:p>
@@ -10340,13 +11744,6 @@
   <p:clrMapOvr>
     <a:masterClrMapping/>
   </p:clrMapOvr>
-  <p:timing>
-    <p:tnLst>
-      <p:par>
-        <p:cTn id="1" dur="indefinite" restart="never" nodeType="tmRoot"/>
-      </p:par>
-    </p:tnLst>
-  </p:timing>
 </p:sld>
 </file>
 
@@ -10383,14 +11780,9 @@
           <a:lstStyle/>
           <a:p>
             <a:r>
-              <a:rPr lang="fr-CH" dirty="0"/>
-              <a:t>Les objectifs </a:t>
-            </a:r>
-            <a:r>
-              <a:rPr lang="fr-CH" dirty="0" smtClean="0"/>
-              <a:t>demandés</a:t>
-            </a:r>
-            <a:endParaRPr lang="fr-CH" dirty="0"/>
+              <a:rPr lang="fr-CH"/>
+              <a:t>Les objectifs demandés</a:t>
+            </a:r>
           </a:p>
         </p:txBody>
       </p:sp>
@@ -10415,7 +11807,7 @@
               </a:lnSpc>
             </a:pPr>
             <a:r>
-              <a:rPr lang="fr-CH" dirty="0" smtClean="0"/>
+              <a:rPr lang="fr-CH"/>
               <a:t>Page d’accueil</a:t>
             </a:r>
           </a:p>
@@ -10426,7 +11818,7 @@
               </a:lnSpc>
             </a:pPr>
             <a:r>
-              <a:rPr lang="fr-CH" dirty="0" smtClean="0"/>
+              <a:rPr lang="fr-CH"/>
               <a:t>Liste des ouvrages</a:t>
             </a:r>
           </a:p>
@@ -10437,7 +11829,7 @@
               </a:lnSpc>
             </a:pPr>
             <a:r>
-              <a:rPr lang="fr-CH" dirty="0" smtClean="0"/>
+              <a:rPr lang="fr-CH"/>
               <a:t>Page d’ajout d’ouvrage</a:t>
             </a:r>
           </a:p>
@@ -10448,7 +11840,7 @@
               </a:lnSpc>
             </a:pPr>
             <a:r>
-              <a:rPr lang="fr-CH" dirty="0" smtClean="0"/>
+              <a:rPr lang="fr-CH"/>
               <a:t>Page d’appréciation</a:t>
             </a:r>
           </a:p>
@@ -10459,7 +11851,7 @@
               </a:lnSpc>
             </a:pPr>
             <a:r>
-              <a:rPr lang="fr-CH" dirty="0" smtClean="0"/>
+              <a:rPr lang="fr-CH"/>
               <a:t>Connexion</a:t>
             </a:r>
           </a:p>
@@ -10470,7 +11862,7 @@
               </a:lnSpc>
             </a:pPr>
             <a:r>
-              <a:rPr lang="fr-CH" dirty="0" smtClean="0"/>
+              <a:rPr lang="fr-CH"/>
               <a:t>Détail de compte</a:t>
             </a:r>
           </a:p>
@@ -10481,10 +11873,9 @@
               </a:lnSpc>
             </a:pPr>
             <a:r>
-              <a:rPr lang="fr-CH" dirty="0" smtClean="0"/>
+              <a:rPr lang="fr-CH"/>
               <a:t>Contacte</a:t>
             </a:r>
-            <a:endParaRPr lang="fr-CH" dirty="0"/>
           </a:p>
         </p:txBody>
       </p:sp>
@@ -10505,7 +11896,7 @@
           <a:p>
             <a:fld id="{749856D1-99FB-4CE2-95F7-B6974F86C01E}" type="datetime1">
               <a:rPr lang="fr-CH" smtClean="0"/>
-              <a:t>20.05.2022</a:t>
+              <a:t>25.05.2022</a:t>
             </a:fld>
             <a:endParaRPr lang="fr-CH"/>
           </a:p>
@@ -10544,13 +11935,6 @@
   <p:clrMapOvr>
     <a:masterClrMapping/>
   </p:clrMapOvr>
-  <p:timing>
-    <p:tnLst>
-      <p:par>
-        <p:cTn id="1" dur="indefinite" restart="never" nodeType="tmRoot"/>
-      </p:par>
-    </p:tnLst>
-  </p:timing>
 </p:sld>
 </file>
 
@@ -10587,14 +11971,9 @@
           <a:lstStyle/>
           <a:p>
             <a:r>
-              <a:rPr lang="fr-CH" dirty="0"/>
-              <a:t>Ce qu’on à voulu </a:t>
-            </a:r>
-            <a:r>
-              <a:rPr lang="fr-CH" dirty="0" smtClean="0"/>
-              <a:t>ajouter</a:t>
-            </a:r>
-            <a:endParaRPr lang="fr-CH" dirty="0"/>
+              <a:rPr lang="fr-CH"/>
+              <a:t>Ce qu’on à voulu ajouter</a:t>
+            </a:r>
           </a:p>
         </p:txBody>
       </p:sp>
@@ -10614,74 +11993,73 @@
           <a:lstStyle/>
           <a:p>
             <a:r>
-              <a:rPr lang="fr-CH" dirty="0" smtClean="0"/>
+              <a:rPr lang="fr-CH"/>
               <a:t>Ajout d’une barre de recherche</a:t>
             </a:r>
           </a:p>
           <a:p>
             <a:r>
-              <a:rPr lang="fr-CH" dirty="0" err="1" smtClean="0"/>
+              <a:rPr lang="fr-CH" err="1"/>
               <a:t>Modif</a:t>
             </a:r>
             <a:r>
-              <a:rPr lang="fr-CH" dirty="0" smtClean="0"/>
+              <a:rPr lang="fr-CH"/>
               <a:t>/</a:t>
             </a:r>
             <a:r>
-              <a:rPr lang="fr-CH" dirty="0" err="1" smtClean="0"/>
+              <a:rPr lang="fr-CH" err="1"/>
               <a:t>supr</a:t>
             </a:r>
             <a:r>
-              <a:rPr lang="fr-CH" dirty="0" smtClean="0"/>
+              <a:rPr lang="fr-CH"/>
               <a:t> d’ouvrage</a:t>
             </a:r>
           </a:p>
           <a:p>
             <a:r>
-              <a:rPr lang="fr-CH" dirty="0" smtClean="0"/>
+              <a:rPr lang="fr-CH"/>
               <a:t>Création de compte</a:t>
             </a:r>
           </a:p>
           <a:p>
             <a:r>
-              <a:rPr lang="fr-CH" dirty="0" smtClean="0"/>
+              <a:rPr lang="fr-CH"/>
               <a:t>Ajout d’un commentaire</a:t>
             </a:r>
           </a:p>
           <a:p>
             <a:r>
-              <a:rPr lang="fr-CH" dirty="0" smtClean="0"/>
+              <a:rPr lang="fr-CH"/>
               <a:t>Responsive (Ecoconception)</a:t>
             </a:r>
           </a:p>
           <a:p>
             <a:r>
-              <a:rPr lang="fr-CH" dirty="0" err="1" smtClean="0"/>
+              <a:rPr lang="fr-CH" err="1"/>
               <a:t>Modif</a:t>
             </a:r>
             <a:r>
-              <a:rPr lang="fr-CH" dirty="0" smtClean="0"/>
+              <a:rPr lang="fr-CH"/>
               <a:t> de compte</a:t>
             </a:r>
           </a:p>
           <a:p>
             <a:r>
-              <a:rPr lang="fr-CH" dirty="0" smtClean="0"/>
+              <a:rPr lang="fr-CH"/>
               <a:t>Liste de message pour admin</a:t>
             </a:r>
           </a:p>
           <a:p>
             <a:r>
-              <a:rPr lang="fr-CH" dirty="0" smtClean="0"/>
+              <a:rPr lang="fr-CH"/>
               <a:t>Filtre de page</a:t>
             </a:r>
           </a:p>
           <a:p>
             <a:r>
-              <a:rPr lang="fr-CH" dirty="0" smtClean="0"/>
+              <a:rPr lang="fr-CH"/>
               <a:t>Filtre de catégorie</a:t>
             </a:r>
-            <a:endParaRPr lang="fr-CH" dirty="0"/>
           </a:p>
         </p:txBody>
       </p:sp>
@@ -10702,7 +12080,7 @@
           <a:p>
             <a:fld id="{49EAC0A2-707A-4A60-B13F-1D56237772D4}" type="datetime1">
               <a:rPr lang="fr-CH" smtClean="0"/>
-              <a:t>20.05.2022</a:t>
+              <a:t>25.05.2022</a:t>
             </a:fld>
             <a:endParaRPr lang="fr-CH"/>
           </a:p>
@@ -10741,13 +12119,6 @@
   <p:clrMapOvr>
     <a:masterClrMapping/>
   </p:clrMapOvr>
-  <p:timing>
-    <p:tnLst>
-      <p:par>
-        <p:cTn id="1" dur="indefinite" restart="never" nodeType="tmRoot"/>
-      </p:par>
-    </p:tnLst>
-  </p:timing>
 </p:sld>
 </file>
 
@@ -10770,7 +12141,13 @@
       </p:grpSpPr>
       <p:sp>
         <p:nvSpPr>
-          <p:cNvPr id="2" name="Titre 1"/>
+          <p:cNvPr id="2" name="Titre 1">
+            <a:extLst>
+              <a:ext uri="{FF2B5EF4-FFF2-40B4-BE49-F238E27FC236}">
+                <a16:creationId xmlns:a16="http://schemas.microsoft.com/office/drawing/2014/main" id="{B94E9C1F-34A4-34D3-B8C3-DC646CC729BE}"/>
+              </a:ext>
+            </a:extLst>
+          </p:cNvPr>
           <p:cNvSpPr>
             <a:spLocks noGrp="1"/>
           </p:cNvSpPr>
@@ -10780,34 +12157,27 @@
         </p:nvSpPr>
         <p:spPr/>
         <p:txBody>
-          <a:bodyPr/>
-          <a:lstStyle/>
-          <a:p>
-            <a:r>
-              <a:rPr lang="fr-CH" dirty="0"/>
-              <a:t>Schéma </a:t>
-            </a:r>
-            <a:r>
-              <a:rPr lang="fr-CH" dirty="0" smtClean="0"/>
-              <a:t>UML</a:t>
-            </a:r>
-            <a:br>
-              <a:rPr lang="fr-CH" dirty="0" smtClean="0"/>
-            </a:br>
-            <a:r>
-              <a:rPr lang="fr-CH" dirty="0"/>
-              <a:t/>
-            </a:r>
-            <a:br>
-              <a:rPr lang="fr-CH" dirty="0"/>
-            </a:br>
-            <a:endParaRPr lang="fr-CH" dirty="0"/>
-          </a:p>
-        </p:txBody>
-      </p:sp>
-      <p:sp>
-        <p:nvSpPr>
-          <p:cNvPr id="5" name="Espace réservé du texte 4"/>
+          <a:bodyPr vert="horz" lIns="91440" tIns="45720" rIns="91440" bIns="45720" rtlCol="0" anchor="t">
+            <a:noAutofit/>
+          </a:bodyPr>
+          <a:lstStyle/>
+          <a:p>
+            <a:r>
+              <a:rPr lang="fr-FR" dirty="0"/>
+              <a:t>Base de données (MySQL)</a:t>
+            </a:r>
+          </a:p>
+        </p:txBody>
+      </p:sp>
+      <p:sp>
+        <p:nvSpPr>
+          <p:cNvPr id="3" name="Espace réservé du texte 2">
+            <a:extLst>
+              <a:ext uri="{FF2B5EF4-FFF2-40B4-BE49-F238E27FC236}">
+                <a16:creationId xmlns:a16="http://schemas.microsoft.com/office/drawing/2014/main" id="{DD04CA31-D3C4-62BF-F8E7-AEFCFFD5F41A}"/>
+              </a:ext>
+            </a:extLst>
+          </p:cNvPr>
           <p:cNvSpPr>
             <a:spLocks noGrp="1"/>
           </p:cNvSpPr>
@@ -10820,13 +12190,19 @@
           <a:bodyPr/>
           <a:lstStyle/>
           <a:p>
-            <a:endParaRPr lang="fr-CH"/>
-          </a:p>
-        </p:txBody>
-      </p:sp>
-      <p:sp>
-        <p:nvSpPr>
-          <p:cNvPr id="3" name="Espace réservé de la date 2"/>
+            <a:endParaRPr lang="fr-FR"/>
+          </a:p>
+        </p:txBody>
+      </p:sp>
+      <p:sp>
+        <p:nvSpPr>
+          <p:cNvPr id="4" name="Espace réservé de la date 3">
+            <a:extLst>
+              <a:ext uri="{FF2B5EF4-FFF2-40B4-BE49-F238E27FC236}">
+                <a16:creationId xmlns:a16="http://schemas.microsoft.com/office/drawing/2014/main" id="{C7027F94-2631-C5B7-A720-042AD8D60076}"/>
+              </a:ext>
+            </a:extLst>
+          </p:cNvPr>
           <p:cNvSpPr>
             <a:spLocks noGrp="1"/>
           </p:cNvSpPr>
@@ -10839,9 +12215,9 @@
           <a:bodyPr/>
           <a:lstStyle/>
           <a:p>
-            <a:fld id="{4466BEF2-08E2-4D74-9A7F-E4160D374887}" type="datetime1">
+            <a:fld id="{C7A0E5CB-54E1-4BAB-8DAD-B80B3E801054}" type="datetime1">
               <a:rPr lang="fr-CH" smtClean="0"/>
-              <a:t>20.05.2022</a:t>
+              <a:t>25.05.2022</a:t>
             </a:fld>
             <a:endParaRPr lang="fr-CH"/>
           </a:p>
@@ -10849,7 +12225,13 @@
       </p:sp>
       <p:sp>
         <p:nvSpPr>
-          <p:cNvPr id="6" name="Espace réservé du numéro de diapositive 5"/>
+          <p:cNvPr id="5" name="Espace réservé du numéro de diapositive 4">
+            <a:extLst>
+              <a:ext uri="{FF2B5EF4-FFF2-40B4-BE49-F238E27FC236}">
+                <a16:creationId xmlns:a16="http://schemas.microsoft.com/office/drawing/2014/main" id="{75DEA6B2-5D23-6A56-B337-833F6DDE697E}"/>
+              </a:ext>
+            </a:extLst>
+          </p:cNvPr>
           <p:cNvSpPr>
             <a:spLocks noGrp="1"/>
           </p:cNvSpPr>
@@ -10873,26 +12255,27 @@
     </p:spTree>
     <p:extLst>
       <p:ext uri="{BB962C8B-B14F-4D97-AF65-F5344CB8AC3E}">
-        <p14:creationId xmlns:p14="http://schemas.microsoft.com/office/powerpoint/2010/main" val="2544327562"/>
+        <p14:creationId xmlns:p14="http://schemas.microsoft.com/office/powerpoint/2010/main" val="4230562274"/>
       </p:ext>
     </p:extLst>
   </p:cSld>
   <p:clrMapOvr>
     <a:masterClrMapping/>
   </p:clrMapOvr>
-  <p:timing>
-    <p:tnLst>
-      <p:par>
-        <p:cTn id="1" dur="indefinite" restart="never" nodeType="tmRoot"/>
-      </p:par>
-    </p:tnLst>
-  </p:timing>
 </p:sld>
 </file>
 
 <file path=ppt/slides/slide7.xml><?xml version="1.0" encoding="utf-8"?>
 <p:sld xmlns:a="http://schemas.openxmlformats.org/drawingml/2006/main" xmlns:r="http://schemas.openxmlformats.org/officeDocument/2006/relationships" xmlns:p="http://schemas.openxmlformats.org/presentationml/2006/main">
   <p:cSld>
+    <p:bg>
+      <p:bgPr>
+        <a:solidFill>
+          <a:schemeClr val="bg1"/>
+        </a:solidFill>
+        <a:effectLst/>
+      </p:bgPr>
+    </p:bg>
     <p:spTree>
       <p:nvGrpSpPr>
         <p:cNvPr id="1" name=""/>
@@ -10907,40 +12290,30 @@
           <a:chExt cx="0" cy="0"/>
         </a:xfrm>
       </p:grpSpPr>
-      <p:sp>
-        <p:nvSpPr>
-          <p:cNvPr id="2" name="Titre 1"/>
-          <p:cNvSpPr>
-            <a:spLocks noGrp="1"/>
-          </p:cNvSpPr>
-          <p:nvPr>
-            <p:ph type="title"/>
-          </p:nvPr>
-        </p:nvSpPr>
-        <p:spPr/>
-        <p:txBody>
-          <a:bodyPr/>
-          <a:lstStyle/>
-          <a:p>
-            <a:r>
-              <a:rPr lang="fr-CH" dirty="0" smtClean="0"/>
-              <a:t>Schéma de cas d’utilisation</a:t>
-            </a:r>
-            <a:endParaRPr lang="fr-CH" dirty="0"/>
-          </a:p>
-        </p:txBody>
-      </p:sp>
       <p:pic>
         <p:nvPicPr>
-          <p:cNvPr id="5" name="Espace réservé du contenu 4"/>
+          <p:cNvPr id="48" name="Picture 10">
+            <a:extLst>
+              <a:ext uri="{FF2B5EF4-FFF2-40B4-BE49-F238E27FC236}">
+                <a16:creationId xmlns:a16="http://schemas.microsoft.com/office/drawing/2014/main" id="{41B68C77-138E-4BF7-A276-BD0C78A4219F}"/>
+              </a:ext>
+              <a:ext uri="{C183D7F6-B498-43B3-948B-1728B52AA6E4}">
+                <adec:decorative xmlns:adec="http://schemas.microsoft.com/office/drawing/2017/decorative" val="1"/>
+              </a:ext>
+            </a:extLst>
+          </p:cNvPr>
           <p:cNvPicPr>
-            <a:picLocks noGrp="1" noChangeAspect="1"/>
+            <a:picLocks noGrp="1" noRot="1" noChangeAspect="1" noMove="1" noResize="1" noEditPoints="1" noAdjustHandles="1" noChangeArrowheads="1" noChangeShapeType="1" noCrop="1"/>
           </p:cNvPicPr>
           <p:nvPr>
-            <p:ph idx="1"/>
+            <p:extLst>
+              <p:ext uri="{386F3935-93C4-4BCD-93E2-E3B085C9AB24}">
+                <p16:designElem xmlns:p16="http://schemas.microsoft.com/office/powerpoint/2015/main" val="1"/>
+              </p:ext>
+            </p:extLst>
           </p:nvPr>
         </p:nvPicPr>
-        <p:blipFill>
+        <p:blipFill rotWithShape="1">
           <a:blip r:embed="rId3">
             <a:extLst>
               <a:ext uri="{28A0092B-C50C-407E-A947-70E740481C1C}">
@@ -10948,86 +12321,1447 @@
               </a:ext>
             </a:extLst>
           </a:blip>
+          <a:srcRect l="3613"/>
+          <a:stretch/>
+        </p:blipFill>
+        <p:spPr>
+          <a:xfrm>
+            <a:off x="0" y="2669685"/>
+            <a:ext cx="4037012" cy="4188315"/>
+          </a:xfrm>
+          <a:prstGeom prst="rect">
+            <a:avLst/>
+          </a:prstGeom>
+        </p:spPr>
+      </p:pic>
+      <p:pic>
+        <p:nvPicPr>
+          <p:cNvPr id="49" name="Picture 12">
+            <a:extLst>
+              <a:ext uri="{FF2B5EF4-FFF2-40B4-BE49-F238E27FC236}">
+                <a16:creationId xmlns:a16="http://schemas.microsoft.com/office/drawing/2014/main" id="{7C268552-D473-46ED-B1B8-422042C4DEF1}"/>
+              </a:ext>
+              <a:ext uri="{C183D7F6-B498-43B3-948B-1728B52AA6E4}">
+                <adec:decorative xmlns:adec="http://schemas.microsoft.com/office/drawing/2017/decorative" val="1"/>
+              </a:ext>
+            </a:extLst>
+          </p:cNvPr>
+          <p:cNvPicPr>
+            <a:picLocks noGrp="1" noRot="1" noChangeAspect="1" noMove="1" noResize="1" noEditPoints="1" noAdjustHandles="1" noChangeArrowheads="1" noChangeShapeType="1" noCrop="1"/>
+          </p:cNvPicPr>
+          <p:nvPr>
+            <p:extLst>
+              <p:ext uri="{386F3935-93C4-4BCD-93E2-E3B085C9AB24}">
+                <p16:designElem xmlns:p16="http://schemas.microsoft.com/office/powerpoint/2015/main" val="1"/>
+              </p:ext>
+            </p:extLst>
+          </p:nvPr>
+        </p:nvPicPr>
+        <p:blipFill rotWithShape="1">
+          <a:blip r:embed="rId4">
+            <a:extLst>
+              <a:ext uri="{28A0092B-C50C-407E-A947-70E740481C1C}">
+                <a14:useLocalDpi xmlns:a14="http://schemas.microsoft.com/office/drawing/2010/main" val="0"/>
+              </a:ext>
+            </a:extLst>
+          </a:blip>
+          <a:srcRect l="35640"/>
+          <a:stretch/>
+        </p:blipFill>
+        <p:spPr>
+          <a:xfrm>
+            <a:off x="0" y="2892347"/>
+            <a:ext cx="1522412" cy="2365453"/>
+          </a:xfrm>
+          <a:prstGeom prst="rect">
+            <a:avLst/>
+          </a:prstGeom>
+        </p:spPr>
+      </p:pic>
+      <p:sp>
+        <p:nvSpPr>
+          <p:cNvPr id="50" name="Oval 14">
+            <a:extLst>
+              <a:ext uri="{FF2B5EF4-FFF2-40B4-BE49-F238E27FC236}">
+                <a16:creationId xmlns:a16="http://schemas.microsoft.com/office/drawing/2014/main" id="{4AC0CD9D-7610-4620-93B4-798CCD9AB581}"/>
+              </a:ext>
+              <a:ext uri="{C183D7F6-B498-43B3-948B-1728B52AA6E4}">
+                <adec:decorative xmlns:adec="http://schemas.microsoft.com/office/drawing/2017/decorative" val="1"/>
+              </a:ext>
+            </a:extLst>
+          </p:cNvPr>
+          <p:cNvSpPr>
+            <a:spLocks noGrp="1" noRot="1" noChangeAspect="1" noMove="1" noResize="1" noEditPoints="1" noAdjustHandles="1" noChangeArrowheads="1" noChangeShapeType="1" noTextEdit="1"/>
+          </p:cNvSpPr>
+          <p:nvPr>
+            <p:extLst>
+              <p:ext uri="{386F3935-93C4-4BCD-93E2-E3B085C9AB24}">
+                <p16:designElem xmlns:p16="http://schemas.microsoft.com/office/powerpoint/2015/main" val="1"/>
+              </p:ext>
+            </p:extLst>
+          </p:nvPr>
+        </p:nvSpPr>
+        <p:spPr>
+          <a:xfrm>
+            <a:off x="8609012" y="1676400"/>
+            <a:ext cx="2819400" cy="2819400"/>
+          </a:xfrm>
+          <a:prstGeom prst="ellipse">
+            <a:avLst/>
+          </a:prstGeom>
+          <a:gradFill flip="none" rotWithShape="1">
+            <a:gsLst>
+              <a:gs pos="0">
+                <a:schemeClr val="bg2">
+                  <a:lumMod val="60000"/>
+                  <a:lumOff val="40000"/>
+                  <a:alpha val="7000"/>
+                </a:schemeClr>
+              </a:gs>
+              <a:gs pos="69000">
+                <a:schemeClr val="bg2">
+                  <a:lumMod val="60000"/>
+                  <a:lumOff val="40000"/>
+                  <a:alpha val="0"/>
+                </a:schemeClr>
+              </a:gs>
+              <a:gs pos="36000">
+                <a:schemeClr val="bg2">
+                  <a:lumMod val="60000"/>
+                  <a:lumOff val="40000"/>
+                  <a:alpha val="6000"/>
+                </a:schemeClr>
+              </a:gs>
+            </a:gsLst>
+            <a:path path="circle">
+              <a:fillToRect l="50000" t="50000" r="50000" b="50000"/>
+            </a:path>
+            <a:tileRect/>
+          </a:gradFill>
+          <a:ln>
+            <a:noFill/>
+          </a:ln>
+          <a:effectLst/>
+        </p:spPr>
+        <p:style>
+          <a:lnRef idx="1">
+            <a:schemeClr val="accent1"/>
+          </a:lnRef>
+          <a:fillRef idx="3">
+            <a:schemeClr val="accent1"/>
+          </a:fillRef>
+          <a:effectRef idx="2">
+            <a:schemeClr val="accent1"/>
+          </a:effectRef>
+          <a:fontRef idx="minor">
+            <a:schemeClr val="lt1"/>
+          </a:fontRef>
+        </p:style>
+      </p:sp>
+      <p:pic>
+        <p:nvPicPr>
+          <p:cNvPr id="51" name="Picture 16">
+            <a:extLst>
+              <a:ext uri="{FF2B5EF4-FFF2-40B4-BE49-F238E27FC236}">
+                <a16:creationId xmlns:a16="http://schemas.microsoft.com/office/drawing/2014/main" id="{B9238B3E-24AA-439A-B527-6C5DF6D72145}"/>
+              </a:ext>
+              <a:ext uri="{C183D7F6-B498-43B3-948B-1728B52AA6E4}">
+                <adec:decorative xmlns:adec="http://schemas.microsoft.com/office/drawing/2017/decorative" val="1"/>
+              </a:ext>
+            </a:extLst>
+          </p:cNvPr>
+          <p:cNvPicPr>
+            <a:picLocks noGrp="1" noRot="1" noChangeAspect="1" noMove="1" noResize="1" noEditPoints="1" noAdjustHandles="1" noChangeArrowheads="1" noChangeShapeType="1" noCrop="1"/>
+          </p:cNvPicPr>
+          <p:nvPr>
+            <p:extLst>
+              <p:ext uri="{386F3935-93C4-4BCD-93E2-E3B085C9AB24}">
+                <p16:designElem xmlns:p16="http://schemas.microsoft.com/office/powerpoint/2015/main" val="1"/>
+              </p:ext>
+            </p:extLst>
+          </p:nvPr>
+        </p:nvPicPr>
+        <p:blipFill rotWithShape="1">
+          <a:blip r:embed="rId5">
+            <a:extLst>
+              <a:ext uri="{28A0092B-C50C-407E-A947-70E740481C1C}">
+                <a14:useLocalDpi xmlns:a14="http://schemas.microsoft.com/office/drawing/2010/main" val="0"/>
+              </a:ext>
+            </a:extLst>
+          </a:blip>
+          <a:srcRect t="28813"/>
+          <a:stretch/>
+        </p:blipFill>
+        <p:spPr>
+          <a:xfrm>
+            <a:off x="7999412" y="0"/>
+            <a:ext cx="1603387" cy="1141407"/>
+          </a:xfrm>
+          <a:prstGeom prst="rect">
+            <a:avLst/>
+          </a:prstGeom>
+        </p:spPr>
+      </p:pic>
+      <p:pic>
+        <p:nvPicPr>
+          <p:cNvPr id="52" name="Picture 18">
+            <a:extLst>
+              <a:ext uri="{FF2B5EF4-FFF2-40B4-BE49-F238E27FC236}">
+                <a16:creationId xmlns:a16="http://schemas.microsoft.com/office/drawing/2014/main" id="{69F01145-BEA3-4CBF-AA21-10077B948CA8}"/>
+              </a:ext>
+              <a:ext uri="{C183D7F6-B498-43B3-948B-1728B52AA6E4}">
+                <adec:decorative xmlns:adec="http://schemas.microsoft.com/office/drawing/2017/decorative" val="1"/>
+              </a:ext>
+            </a:extLst>
+          </p:cNvPr>
+          <p:cNvPicPr>
+            <a:picLocks noGrp="1" noRot="1" noChangeAspect="1" noMove="1" noResize="1" noEditPoints="1" noAdjustHandles="1" noChangeArrowheads="1" noChangeShapeType="1" noCrop="1"/>
+          </p:cNvPicPr>
+          <p:nvPr>
+            <p:extLst>
+              <p:ext uri="{386F3935-93C4-4BCD-93E2-E3B085C9AB24}">
+                <p16:designElem xmlns:p16="http://schemas.microsoft.com/office/powerpoint/2015/main" val="1"/>
+              </p:ext>
+            </p:extLst>
+          </p:nvPr>
+        </p:nvPicPr>
+        <p:blipFill rotWithShape="1">
+          <a:blip r:embed="rId6">
+            <a:extLst>
+              <a:ext uri="{28A0092B-C50C-407E-A947-70E740481C1C}">
+                <a14:useLocalDpi xmlns:a14="http://schemas.microsoft.com/office/drawing/2010/main" val="0"/>
+              </a:ext>
+            </a:extLst>
+          </a:blip>
+          <a:srcRect b="23320"/>
+          <a:stretch/>
+        </p:blipFill>
+        <p:spPr>
+          <a:xfrm>
+            <a:off x="8605878" y="6096000"/>
+            <a:ext cx="993734" cy="762000"/>
+          </a:xfrm>
+          <a:prstGeom prst="rect">
+            <a:avLst/>
+          </a:prstGeom>
+        </p:spPr>
+      </p:pic>
+      <p:sp>
+        <p:nvSpPr>
+          <p:cNvPr id="53" name="Rectangle 20">
+            <a:extLst>
+              <a:ext uri="{FF2B5EF4-FFF2-40B4-BE49-F238E27FC236}">
+                <a16:creationId xmlns:a16="http://schemas.microsoft.com/office/drawing/2014/main" id="{DE4D62F9-188E-4530-84C2-24BDEE4BEB82}"/>
+              </a:ext>
+              <a:ext uri="{C183D7F6-B498-43B3-948B-1728B52AA6E4}">
+                <adec:decorative xmlns:adec="http://schemas.microsoft.com/office/drawing/2017/decorative" val="1"/>
+              </a:ext>
+            </a:extLst>
+          </p:cNvPr>
+          <p:cNvSpPr>
+            <a:spLocks noGrp="1" noRot="1" noChangeAspect="1" noMove="1" noResize="1" noEditPoints="1" noAdjustHandles="1" noChangeArrowheads="1" noChangeShapeType="1" noTextEdit="1"/>
+          </p:cNvSpPr>
+          <p:nvPr>
+            <p:extLst>
+              <p:ext uri="{386F3935-93C4-4BCD-93E2-E3B085C9AB24}">
+                <p16:designElem xmlns:p16="http://schemas.microsoft.com/office/powerpoint/2015/main" val="1"/>
+              </p:ext>
+            </p:extLst>
+          </p:nvPr>
+        </p:nvSpPr>
+        <p:spPr>
+          <a:xfrm>
+            <a:off x="10437812" y="0"/>
+            <a:ext cx="685800" cy="1143000"/>
+          </a:xfrm>
+          <a:prstGeom prst="rect">
+            <a:avLst/>
+          </a:prstGeom>
+          <a:solidFill>
+            <a:schemeClr val="accent1"/>
+          </a:solidFill>
+          <a:ln>
+            <a:noFill/>
+          </a:ln>
+        </p:spPr>
+        <p:style>
+          <a:lnRef idx="1">
+            <a:schemeClr val="accent1"/>
+          </a:lnRef>
+          <a:fillRef idx="3">
+            <a:schemeClr val="accent1"/>
+          </a:fillRef>
+          <a:effectRef idx="2">
+            <a:schemeClr val="accent1"/>
+          </a:effectRef>
+          <a:fontRef idx="minor">
+            <a:schemeClr val="lt1"/>
+          </a:fontRef>
+        </p:style>
+      </p:sp>
+      <p:sp>
+        <p:nvSpPr>
+          <p:cNvPr id="54" name="Rectangle 22">
+            <a:extLst>
+              <a:ext uri="{FF2B5EF4-FFF2-40B4-BE49-F238E27FC236}">
+                <a16:creationId xmlns:a16="http://schemas.microsoft.com/office/drawing/2014/main" id="{757B325C-3E35-45CF-9D07-3BCB281F3B9C}"/>
+              </a:ext>
+              <a:ext uri="{C183D7F6-B498-43B3-948B-1728B52AA6E4}">
+                <adec:decorative xmlns:adec="http://schemas.microsoft.com/office/drawing/2017/decorative" val="1"/>
+              </a:ext>
+            </a:extLst>
+          </p:cNvPr>
+          <p:cNvSpPr>
+            <a:spLocks noGrp="1" noRot="1" noChangeAspect="1" noMove="1" noResize="1" noEditPoints="1" noAdjustHandles="1" noChangeArrowheads="1" noChangeShapeType="1" noTextEdit="1"/>
+          </p:cNvSpPr>
+          <p:nvPr>
+            <p:extLst>
+              <p:ext uri="{386F3935-93C4-4BCD-93E2-E3B085C9AB24}">
+                <p16:designElem xmlns:p16="http://schemas.microsoft.com/office/powerpoint/2015/main" val="1"/>
+              </p:ext>
+            </p:extLst>
+          </p:nvPr>
+        </p:nvSpPr>
+        <p:spPr>
+          <a:xfrm>
+            <a:off x="0" y="0"/>
+            <a:ext cx="12192000" cy="6858000"/>
+          </a:xfrm>
+          <a:prstGeom prst="rect">
+            <a:avLst/>
+          </a:prstGeom>
+          <a:ln>
+            <a:noFill/>
+          </a:ln>
+        </p:spPr>
+        <p:style>
+          <a:lnRef idx="2">
+            <a:schemeClr val="accent1">
+              <a:shade val="50000"/>
+            </a:schemeClr>
+          </a:lnRef>
+          <a:fillRef idx="1003">
+            <a:schemeClr val="dk2"/>
+          </a:fillRef>
+          <a:effectRef idx="0">
+            <a:schemeClr val="accent1"/>
+          </a:effectRef>
+          <a:fontRef idx="minor">
+            <a:schemeClr val="lt1"/>
+          </a:fontRef>
+        </p:style>
+        <p:txBody>
+          <a:bodyPr rtlCol="0" anchor="ctr"/>
+          <a:lstStyle/>
+          <a:p>
+            <a:pPr algn="ctr"/>
+            <a:endParaRPr lang="en-US"/>
+          </a:p>
+        </p:txBody>
+      </p:sp>
+      <p:sp>
+        <p:nvSpPr>
+          <p:cNvPr id="2" name="Titre 1">
+            <a:extLst>
+              <a:ext uri="{FF2B5EF4-FFF2-40B4-BE49-F238E27FC236}">
+                <a16:creationId xmlns:a16="http://schemas.microsoft.com/office/drawing/2014/main" id="{3A6A22A5-2185-290D-0AAC-D5E2F8BAB952}"/>
+              </a:ext>
+            </a:extLst>
+          </p:cNvPr>
+          <p:cNvSpPr>
+            <a:spLocks noGrp="1"/>
+          </p:cNvSpPr>
+          <p:nvPr>
+            <p:ph type="title"/>
+          </p:nvPr>
+        </p:nvSpPr>
+        <p:spPr>
+          <a:xfrm>
+            <a:off x="8191925" y="1325880"/>
+            <a:ext cx="3352375" cy="3066507"/>
+          </a:xfrm>
+        </p:spPr>
+        <p:txBody>
+          <a:bodyPr vert="horz" lIns="91440" tIns="45720" rIns="91440" bIns="45720" rtlCol="0" anchor="b">
+            <a:normAutofit/>
+          </a:bodyPr>
+          <a:lstStyle/>
+          <a:p>
+            <a:r>
+              <a:rPr lang="en-US" sz="5400" b="0" i="0" kern="1200">
+                <a:solidFill>
+                  <a:srgbClr val="EBEBEB"/>
+                </a:solidFill>
+                <a:latin typeface="+mj-lt"/>
+                <a:ea typeface="+mj-ea"/>
+                <a:cs typeface="+mj-cs"/>
+              </a:rPr>
+              <a:t>MCD</a:t>
+            </a:r>
+          </a:p>
+        </p:txBody>
+      </p:sp>
+      <p:sp>
+        <p:nvSpPr>
+          <p:cNvPr id="55" name="Freeform 36">
+            <a:extLst>
+              <a:ext uri="{FF2B5EF4-FFF2-40B4-BE49-F238E27FC236}">
+                <a16:creationId xmlns:a16="http://schemas.microsoft.com/office/drawing/2014/main" id="{C24BEC42-AFF3-40D1-93A2-A27A42E1E23C}"/>
+              </a:ext>
+              <a:ext uri="{C183D7F6-B498-43B3-948B-1728B52AA6E4}">
+                <adec:decorative xmlns:adec="http://schemas.microsoft.com/office/drawing/2017/decorative" val="1"/>
+              </a:ext>
+            </a:extLst>
+          </p:cNvPr>
+          <p:cNvSpPr>
+            <a:spLocks noGrp="1" noRot="1" noChangeAspect="1" noMove="1" noResize="1" noEditPoints="1" noAdjustHandles="1" noChangeArrowheads="1" noChangeShapeType="1" noTextEdit="1"/>
+          </p:cNvSpPr>
+          <p:nvPr>
+            <p:extLst>
+              <p:ext uri="{386F3935-93C4-4BCD-93E2-E3B085C9AB24}">
+                <p16:designElem xmlns:p16="http://schemas.microsoft.com/office/powerpoint/2015/main" val="1"/>
+              </p:ext>
+            </p:extLst>
+          </p:nvPr>
+        </p:nvSpPr>
+        <p:spPr>
+          <a:xfrm flipH="1">
+            <a:off x="7463681" y="-1"/>
+            <a:ext cx="559472" cy="3709642"/>
+          </a:xfrm>
+          <a:custGeom>
+            <a:avLst/>
+            <a:gdLst>
+              <a:gd name="connsiteX0" fmla="*/ 0 w 559472"/>
+              <a:gd name="connsiteY0" fmla="*/ 0 h 3709642"/>
+              <a:gd name="connsiteX1" fmla="*/ 473952 w 559472"/>
+              <a:gd name="connsiteY1" fmla="*/ 0 h 3709642"/>
+              <a:gd name="connsiteX2" fmla="*/ 485840 w 559472"/>
+              <a:gd name="connsiteY2" fmla="*/ 161194 h 3709642"/>
+              <a:gd name="connsiteX3" fmla="*/ 523949 w 559472"/>
+              <a:gd name="connsiteY3" fmla="*/ 3672197 h 3709642"/>
+              <a:gd name="connsiteX4" fmla="*/ 454748 w 559472"/>
+              <a:gd name="connsiteY4" fmla="*/ 3709642 h 3709642"/>
+              <a:gd name="connsiteX5" fmla="*/ 448224 w 559472"/>
+              <a:gd name="connsiteY5" fmla="*/ 3510471 h 3709642"/>
+              <a:gd name="connsiteX6" fmla="*/ 443564 w 559472"/>
+              <a:gd name="connsiteY6" fmla="*/ 3408563 h 3709642"/>
+              <a:gd name="connsiteX7" fmla="*/ 438902 w 559472"/>
+              <a:gd name="connsiteY7" fmla="*/ 3304407 h 3709642"/>
+              <a:gd name="connsiteX8" fmla="*/ 433941 w 559472"/>
+              <a:gd name="connsiteY8" fmla="*/ 3198777 h 3709642"/>
+              <a:gd name="connsiteX9" fmla="*/ 427584 w 559472"/>
+              <a:gd name="connsiteY9" fmla="*/ 3092510 h 3709642"/>
+              <a:gd name="connsiteX10" fmla="*/ 420988 w 559472"/>
+              <a:gd name="connsiteY10" fmla="*/ 2984390 h 3709642"/>
+              <a:gd name="connsiteX11" fmla="*/ 414330 w 559472"/>
+              <a:gd name="connsiteY11" fmla="*/ 2874401 h 3709642"/>
+              <a:gd name="connsiteX12" fmla="*/ 406840 w 559472"/>
+              <a:gd name="connsiteY12" fmla="*/ 2762980 h 3709642"/>
+              <a:gd name="connsiteX13" fmla="*/ 397745 w 559472"/>
+              <a:gd name="connsiteY13" fmla="*/ 2650566 h 3709642"/>
+              <a:gd name="connsiteX14" fmla="*/ 389154 w 559472"/>
+              <a:gd name="connsiteY14" fmla="*/ 2536612 h 3709642"/>
+              <a:gd name="connsiteX15" fmla="*/ 379225 w 559472"/>
+              <a:gd name="connsiteY15" fmla="*/ 2421642 h 3709642"/>
+              <a:gd name="connsiteX16" fmla="*/ 368316 w 559472"/>
+              <a:gd name="connsiteY16" fmla="*/ 2305627 h 3709642"/>
+              <a:gd name="connsiteX17" fmla="*/ 357466 w 559472"/>
+              <a:gd name="connsiteY17" fmla="*/ 2189233 h 3709642"/>
+              <a:gd name="connsiteX18" fmla="*/ 344982 w 559472"/>
+              <a:gd name="connsiteY18" fmla="*/ 2071473 h 3709642"/>
+              <a:gd name="connsiteX19" fmla="*/ 332466 w 559472"/>
+              <a:gd name="connsiteY19" fmla="*/ 1952216 h 3709642"/>
+              <a:gd name="connsiteX20" fmla="*/ 319121 w 559472"/>
+              <a:gd name="connsiteY20" fmla="*/ 1833776 h 3709642"/>
+              <a:gd name="connsiteX21" fmla="*/ 304408 w 559472"/>
+              <a:gd name="connsiteY21" fmla="*/ 1713948 h 3709642"/>
+              <a:gd name="connsiteX22" fmla="*/ 288685 w 559472"/>
+              <a:gd name="connsiteY22" fmla="*/ 1592703 h 3709642"/>
+              <a:gd name="connsiteX23" fmla="*/ 273050 w 559472"/>
+              <a:gd name="connsiteY23" fmla="*/ 1471451 h 3709642"/>
+              <a:gd name="connsiteX24" fmla="*/ 255813 w 559472"/>
+              <a:gd name="connsiteY24" fmla="*/ 1350328 h 3709642"/>
+              <a:gd name="connsiteX25" fmla="*/ 237060 w 559472"/>
+              <a:gd name="connsiteY25" fmla="*/ 1227080 h 3709642"/>
+              <a:gd name="connsiteX26" fmla="*/ 218488 w 559472"/>
+              <a:gd name="connsiteY26" fmla="*/ 1106065 h 3709642"/>
+              <a:gd name="connsiteX27" fmla="*/ 198221 w 559472"/>
+              <a:gd name="connsiteY27" fmla="*/ 982940 h 3709642"/>
+              <a:gd name="connsiteX28" fmla="*/ 177152 w 559472"/>
+              <a:gd name="connsiteY28" fmla="*/ 858755 h 3709642"/>
+              <a:gd name="connsiteX29" fmla="*/ 155551 w 559472"/>
+              <a:gd name="connsiteY29" fmla="*/ 736861 h 3709642"/>
+              <a:gd name="connsiteX30" fmla="*/ 131782 w 559472"/>
+              <a:gd name="connsiteY30" fmla="*/ 613645 h 3709642"/>
+              <a:gd name="connsiteX31" fmla="*/ 107123 w 559472"/>
+              <a:gd name="connsiteY31" fmla="*/ 490500 h 3709642"/>
+              <a:gd name="connsiteX32" fmla="*/ 82552 w 559472"/>
+              <a:gd name="connsiteY32" fmla="*/ 367348 h 3709642"/>
+              <a:gd name="connsiteX33" fmla="*/ 55608 w 559472"/>
+              <a:gd name="connsiteY33" fmla="*/ 244762 h 3709642"/>
+              <a:gd name="connsiteX34" fmla="*/ 28130 w 559472"/>
+              <a:gd name="connsiteY34" fmla="*/ 122220 h 3709642"/>
+              <a:gd name="connsiteX35" fmla="*/ 0 w 559472"/>
+              <a:gd name="connsiteY35" fmla="*/ 0 h 3709642"/>
+            </a:gdLst>
+            <a:ahLst/>
+            <a:cxnLst>
+              <a:cxn ang="0">
+                <a:pos x="connsiteX0" y="connsiteY0"/>
+              </a:cxn>
+              <a:cxn ang="0">
+                <a:pos x="connsiteX1" y="connsiteY1"/>
+              </a:cxn>
+              <a:cxn ang="0">
+                <a:pos x="connsiteX2" y="connsiteY2"/>
+              </a:cxn>
+              <a:cxn ang="0">
+                <a:pos x="connsiteX3" y="connsiteY3"/>
+              </a:cxn>
+              <a:cxn ang="0">
+                <a:pos x="connsiteX4" y="connsiteY4"/>
+              </a:cxn>
+              <a:cxn ang="0">
+                <a:pos x="connsiteX5" y="connsiteY5"/>
+              </a:cxn>
+              <a:cxn ang="0">
+                <a:pos x="connsiteX6" y="connsiteY6"/>
+              </a:cxn>
+              <a:cxn ang="0">
+                <a:pos x="connsiteX7" y="connsiteY7"/>
+              </a:cxn>
+              <a:cxn ang="0">
+                <a:pos x="connsiteX8" y="connsiteY8"/>
+              </a:cxn>
+              <a:cxn ang="0">
+                <a:pos x="connsiteX9" y="connsiteY9"/>
+              </a:cxn>
+              <a:cxn ang="0">
+                <a:pos x="connsiteX10" y="connsiteY10"/>
+              </a:cxn>
+              <a:cxn ang="0">
+                <a:pos x="connsiteX11" y="connsiteY11"/>
+              </a:cxn>
+              <a:cxn ang="0">
+                <a:pos x="connsiteX12" y="connsiteY12"/>
+              </a:cxn>
+              <a:cxn ang="0">
+                <a:pos x="connsiteX13" y="connsiteY13"/>
+              </a:cxn>
+              <a:cxn ang="0">
+                <a:pos x="connsiteX14" y="connsiteY14"/>
+              </a:cxn>
+              <a:cxn ang="0">
+                <a:pos x="connsiteX15" y="connsiteY15"/>
+              </a:cxn>
+              <a:cxn ang="0">
+                <a:pos x="connsiteX16" y="connsiteY16"/>
+              </a:cxn>
+              <a:cxn ang="0">
+                <a:pos x="connsiteX17" y="connsiteY17"/>
+              </a:cxn>
+              <a:cxn ang="0">
+                <a:pos x="connsiteX18" y="connsiteY18"/>
+              </a:cxn>
+              <a:cxn ang="0">
+                <a:pos x="connsiteX19" y="connsiteY19"/>
+              </a:cxn>
+              <a:cxn ang="0">
+                <a:pos x="connsiteX20" y="connsiteY20"/>
+              </a:cxn>
+              <a:cxn ang="0">
+                <a:pos x="connsiteX21" y="connsiteY21"/>
+              </a:cxn>
+              <a:cxn ang="0">
+                <a:pos x="connsiteX22" y="connsiteY22"/>
+              </a:cxn>
+              <a:cxn ang="0">
+                <a:pos x="connsiteX23" y="connsiteY23"/>
+              </a:cxn>
+              <a:cxn ang="0">
+                <a:pos x="connsiteX24" y="connsiteY24"/>
+              </a:cxn>
+              <a:cxn ang="0">
+                <a:pos x="connsiteX25" y="connsiteY25"/>
+              </a:cxn>
+              <a:cxn ang="0">
+                <a:pos x="connsiteX26" y="connsiteY26"/>
+              </a:cxn>
+              <a:cxn ang="0">
+                <a:pos x="connsiteX27" y="connsiteY27"/>
+              </a:cxn>
+              <a:cxn ang="0">
+                <a:pos x="connsiteX28" y="connsiteY28"/>
+              </a:cxn>
+              <a:cxn ang="0">
+                <a:pos x="connsiteX29" y="connsiteY29"/>
+              </a:cxn>
+              <a:cxn ang="0">
+                <a:pos x="connsiteX30" y="connsiteY30"/>
+              </a:cxn>
+              <a:cxn ang="0">
+                <a:pos x="connsiteX31" y="connsiteY31"/>
+              </a:cxn>
+              <a:cxn ang="0">
+                <a:pos x="connsiteX32" y="connsiteY32"/>
+              </a:cxn>
+              <a:cxn ang="0">
+                <a:pos x="connsiteX33" y="connsiteY33"/>
+              </a:cxn>
+              <a:cxn ang="0">
+                <a:pos x="connsiteX34" y="connsiteY34"/>
+              </a:cxn>
+              <a:cxn ang="0">
+                <a:pos x="connsiteX35" y="connsiteY35"/>
+              </a:cxn>
+            </a:cxnLst>
+            <a:rect l="l" t="t" r="r" b="b"/>
+            <a:pathLst>
+              <a:path w="559472" h="3709642">
+                <a:moveTo>
+                  <a:pt x="0" y="0"/>
+                </a:moveTo>
+                <a:lnTo>
+                  <a:pt x="473952" y="0"/>
+                </a:lnTo>
+                <a:lnTo>
+                  <a:pt x="485840" y="161194"/>
+                </a:lnTo>
+                <a:cubicBezTo>
+                  <a:pt x="552063" y="1147770"/>
+                  <a:pt x="592441" y="3086737"/>
+                  <a:pt x="523949" y="3672197"/>
+                </a:cubicBezTo>
+                <a:cubicBezTo>
+                  <a:pt x="500842" y="3684557"/>
+                  <a:pt x="477855" y="3697282"/>
+                  <a:pt x="454748" y="3709642"/>
+                </a:cubicBezTo>
+                <a:lnTo>
+                  <a:pt x="448224" y="3510471"/>
+                </a:lnTo>
+                <a:lnTo>
+                  <a:pt x="443564" y="3408563"/>
+                </a:lnTo>
+                <a:lnTo>
+                  <a:pt x="438902" y="3304407"/>
+                </a:lnTo>
+                <a:lnTo>
+                  <a:pt x="433941" y="3198777"/>
+                </a:lnTo>
+                <a:lnTo>
+                  <a:pt x="427584" y="3092510"/>
+                </a:lnTo>
+                <a:lnTo>
+                  <a:pt x="420988" y="2984390"/>
+                </a:lnTo>
+                <a:lnTo>
+                  <a:pt x="414330" y="2874401"/>
+                </a:lnTo>
+                <a:lnTo>
+                  <a:pt x="406840" y="2762980"/>
+                </a:lnTo>
+                <a:lnTo>
+                  <a:pt x="397745" y="2650566"/>
+                </a:lnTo>
+                <a:lnTo>
+                  <a:pt x="389154" y="2536612"/>
+                </a:lnTo>
+                <a:lnTo>
+                  <a:pt x="379225" y="2421642"/>
+                </a:lnTo>
+                <a:lnTo>
+                  <a:pt x="368316" y="2305627"/>
+                </a:lnTo>
+                <a:lnTo>
+                  <a:pt x="357466" y="2189233"/>
+                </a:lnTo>
+                <a:lnTo>
+                  <a:pt x="344982" y="2071473"/>
+                </a:lnTo>
+                <a:lnTo>
+                  <a:pt x="332466" y="1952216"/>
+                </a:lnTo>
+                <a:lnTo>
+                  <a:pt x="319121" y="1833776"/>
+                </a:lnTo>
+                <a:lnTo>
+                  <a:pt x="304408" y="1713948"/>
+                </a:lnTo>
+                <a:lnTo>
+                  <a:pt x="288685" y="1592703"/>
+                </a:lnTo>
+                <a:lnTo>
+                  <a:pt x="273050" y="1471451"/>
+                </a:lnTo>
+                <a:lnTo>
+                  <a:pt x="255813" y="1350328"/>
+                </a:lnTo>
+                <a:lnTo>
+                  <a:pt x="237060" y="1227080"/>
+                </a:lnTo>
+                <a:lnTo>
+                  <a:pt x="218488" y="1106065"/>
+                </a:lnTo>
+                <a:lnTo>
+                  <a:pt x="198221" y="982940"/>
+                </a:lnTo>
+                <a:lnTo>
+                  <a:pt x="177152" y="858755"/>
+                </a:lnTo>
+                <a:lnTo>
+                  <a:pt x="155551" y="736861"/>
+                </a:lnTo>
+                <a:lnTo>
+                  <a:pt x="131782" y="613645"/>
+                </a:lnTo>
+                <a:lnTo>
+                  <a:pt x="107123" y="490500"/>
+                </a:lnTo>
+                <a:lnTo>
+                  <a:pt x="82552" y="367348"/>
+                </a:lnTo>
+                <a:lnTo>
+                  <a:pt x="55608" y="244762"/>
+                </a:lnTo>
+                <a:lnTo>
+                  <a:pt x="28130" y="122220"/>
+                </a:lnTo>
+                <a:lnTo>
+                  <a:pt x="0" y="0"/>
+                </a:lnTo>
+                <a:close/>
+              </a:path>
+            </a:pathLst>
+          </a:custGeom>
+          <a:solidFill>
+            <a:schemeClr val="bg1">
+              <a:alpha val="20000"/>
+            </a:schemeClr>
+          </a:solidFill>
+          <a:ln>
+            <a:noFill/>
+          </a:ln>
+        </p:spPr>
+        <p:txBody>
+          <a:bodyPr rtlCol="0" anchor="ctr"/>
+          <a:lstStyle/>
+          <a:p>
+            <a:pPr algn="ctr"/>
+            <a:endParaRPr lang="en-US"/>
+          </a:p>
+        </p:txBody>
+      </p:sp>
+      <p:sp useBgFill="1">
+        <p:nvSpPr>
+          <p:cNvPr id="56" name="Freeform: Shape 26">
+            <a:extLst>
+              <a:ext uri="{FF2B5EF4-FFF2-40B4-BE49-F238E27FC236}">
+                <a16:creationId xmlns:a16="http://schemas.microsoft.com/office/drawing/2014/main" id="{608F427C-1EC9-4280-9367-F2B3AA063E82}"/>
+              </a:ext>
+              <a:ext uri="{C183D7F6-B498-43B3-948B-1728B52AA6E4}">
+                <adec:decorative xmlns:adec="http://schemas.microsoft.com/office/drawing/2017/decorative" val="1"/>
+              </a:ext>
+            </a:extLst>
+          </p:cNvPr>
+          <p:cNvSpPr>
+            <a:spLocks noGrp="1" noRot="1" noChangeAspect="1" noMove="1" noResize="1" noEditPoints="1" noAdjustHandles="1" noChangeArrowheads="1" noChangeShapeType="1" noTextEdit="1"/>
+          </p:cNvSpPr>
+          <p:nvPr>
+            <p:extLst>
+              <p:ext uri="{386F3935-93C4-4BCD-93E2-E3B085C9AB24}">
+                <p16:designElem xmlns:p16="http://schemas.microsoft.com/office/powerpoint/2015/main" val="1"/>
+              </p:ext>
+            </p:extLst>
+          </p:nvPr>
+        </p:nvSpPr>
+        <p:spPr>
+          <a:xfrm>
+            <a:off x="0" y="0"/>
+            <a:ext cx="7809954" cy="6858000"/>
+          </a:xfrm>
+          <a:custGeom>
+            <a:avLst/>
+            <a:gdLst>
+              <a:gd name="connsiteX0" fmla="*/ 6465239 w 7809954"/>
+              <a:gd name="connsiteY0" fmla="*/ 0 h 6858000"/>
+              <a:gd name="connsiteX1" fmla="*/ 7808777 w 7809954"/>
+              <a:gd name="connsiteY1" fmla="*/ 0 h 6858000"/>
+              <a:gd name="connsiteX2" fmla="*/ 7783732 w 7809954"/>
+              <a:gd name="connsiteY2" fmla="*/ 155676 h 6858000"/>
+              <a:gd name="connsiteX3" fmla="*/ 7759863 w 7809954"/>
+              <a:gd name="connsiteY3" fmla="*/ 310667 h 6858000"/>
+              <a:gd name="connsiteX4" fmla="*/ 7736499 w 7809954"/>
+              <a:gd name="connsiteY4" fmla="*/ 466344 h 6858000"/>
+              <a:gd name="connsiteX5" fmla="*/ 7716496 w 7809954"/>
+              <a:gd name="connsiteY5" fmla="*/ 622706 h 6858000"/>
+              <a:gd name="connsiteX6" fmla="*/ 7696325 w 7809954"/>
+              <a:gd name="connsiteY6" fmla="*/ 778383 h 6858000"/>
+              <a:gd name="connsiteX7" fmla="*/ 7677499 w 7809954"/>
+              <a:gd name="connsiteY7" fmla="*/ 934745 h 6858000"/>
+              <a:gd name="connsiteX8" fmla="*/ 7661363 w 7809954"/>
+              <a:gd name="connsiteY8" fmla="*/ 1089050 h 6858000"/>
+              <a:gd name="connsiteX9" fmla="*/ 7646067 w 7809954"/>
+              <a:gd name="connsiteY9" fmla="*/ 1245413 h 6858000"/>
+              <a:gd name="connsiteX10" fmla="*/ 7632115 w 7809954"/>
+              <a:gd name="connsiteY10" fmla="*/ 1401089 h 6858000"/>
+              <a:gd name="connsiteX11" fmla="*/ 7620013 w 7809954"/>
+              <a:gd name="connsiteY11" fmla="*/ 1554023 h 6858000"/>
+              <a:gd name="connsiteX12" fmla="*/ 7607910 w 7809954"/>
+              <a:gd name="connsiteY12" fmla="*/ 1709013 h 6858000"/>
+              <a:gd name="connsiteX13" fmla="*/ 7597825 w 7809954"/>
+              <a:gd name="connsiteY13" fmla="*/ 1861947 h 6858000"/>
+              <a:gd name="connsiteX14" fmla="*/ 7589925 w 7809954"/>
+              <a:gd name="connsiteY14" fmla="*/ 2014880 h 6858000"/>
+              <a:gd name="connsiteX15" fmla="*/ 7581688 w 7809954"/>
+              <a:gd name="connsiteY15" fmla="*/ 2167128 h 6858000"/>
+              <a:gd name="connsiteX16" fmla="*/ 7574797 w 7809954"/>
+              <a:gd name="connsiteY16" fmla="*/ 2318004 h 6858000"/>
+              <a:gd name="connsiteX17" fmla="*/ 7569922 w 7809954"/>
+              <a:gd name="connsiteY17" fmla="*/ 2467508 h 6858000"/>
+              <a:gd name="connsiteX18" fmla="*/ 7565720 w 7809954"/>
+              <a:gd name="connsiteY18" fmla="*/ 2617013 h 6858000"/>
+              <a:gd name="connsiteX19" fmla="*/ 7561686 w 7809954"/>
+              <a:gd name="connsiteY19" fmla="*/ 2765145 h 6858000"/>
+              <a:gd name="connsiteX20" fmla="*/ 7559837 w 7809954"/>
+              <a:gd name="connsiteY20" fmla="*/ 2911221 h 6858000"/>
+              <a:gd name="connsiteX21" fmla="*/ 7557820 w 7809954"/>
+              <a:gd name="connsiteY21" fmla="*/ 3057296 h 6858000"/>
+              <a:gd name="connsiteX22" fmla="*/ 7556811 w 7809954"/>
+              <a:gd name="connsiteY22" fmla="*/ 3201314 h 6858000"/>
+              <a:gd name="connsiteX23" fmla="*/ 7557820 w 7809954"/>
+              <a:gd name="connsiteY23" fmla="*/ 3343960 h 6858000"/>
+              <a:gd name="connsiteX24" fmla="*/ 7557820 w 7809954"/>
+              <a:gd name="connsiteY24" fmla="*/ 3485235 h 6858000"/>
+              <a:gd name="connsiteX25" fmla="*/ 7559837 w 7809954"/>
+              <a:gd name="connsiteY25" fmla="*/ 3625138 h 6858000"/>
+              <a:gd name="connsiteX26" fmla="*/ 7562862 w 7809954"/>
+              <a:gd name="connsiteY26" fmla="*/ 3762298 h 6858000"/>
+              <a:gd name="connsiteX27" fmla="*/ 7565720 w 7809954"/>
+              <a:gd name="connsiteY27" fmla="*/ 3898087 h 6858000"/>
+              <a:gd name="connsiteX28" fmla="*/ 7568914 w 7809954"/>
+              <a:gd name="connsiteY28" fmla="*/ 4031132 h 6858000"/>
+              <a:gd name="connsiteX29" fmla="*/ 7573788 w 7809954"/>
+              <a:gd name="connsiteY29" fmla="*/ 4163491 h 6858000"/>
+              <a:gd name="connsiteX30" fmla="*/ 7578999 w 7809954"/>
+              <a:gd name="connsiteY30" fmla="*/ 4293793 h 6858000"/>
+              <a:gd name="connsiteX31" fmla="*/ 7583705 w 7809954"/>
+              <a:gd name="connsiteY31" fmla="*/ 4421352 h 6858000"/>
+              <a:gd name="connsiteX32" fmla="*/ 7596985 w 7809954"/>
+              <a:gd name="connsiteY32" fmla="*/ 4670298 h 6858000"/>
+              <a:gd name="connsiteX33" fmla="*/ 7611104 w 7809954"/>
+              <a:gd name="connsiteY33" fmla="*/ 4908956 h 6858000"/>
+              <a:gd name="connsiteX34" fmla="*/ 7625896 w 7809954"/>
+              <a:gd name="connsiteY34" fmla="*/ 5138013 h 6858000"/>
+              <a:gd name="connsiteX35" fmla="*/ 7642201 w 7809954"/>
+              <a:gd name="connsiteY35" fmla="*/ 5354726 h 6858000"/>
+              <a:gd name="connsiteX36" fmla="*/ 7659178 w 7809954"/>
+              <a:gd name="connsiteY36" fmla="*/ 5561838 h 6858000"/>
+              <a:gd name="connsiteX37" fmla="*/ 7677499 w 7809954"/>
+              <a:gd name="connsiteY37" fmla="*/ 5753862 h 6858000"/>
+              <a:gd name="connsiteX38" fmla="*/ 7695485 w 7809954"/>
+              <a:gd name="connsiteY38" fmla="*/ 5934227 h 6858000"/>
+              <a:gd name="connsiteX39" fmla="*/ 7713470 w 7809954"/>
+              <a:gd name="connsiteY39" fmla="*/ 6100191 h 6858000"/>
+              <a:gd name="connsiteX40" fmla="*/ 7730447 w 7809954"/>
+              <a:gd name="connsiteY40" fmla="*/ 6252438 h 6858000"/>
+              <a:gd name="connsiteX41" fmla="*/ 7746584 w 7809954"/>
+              <a:gd name="connsiteY41" fmla="*/ 6387541 h 6858000"/>
+              <a:gd name="connsiteX42" fmla="*/ 7761880 w 7809954"/>
+              <a:gd name="connsiteY42" fmla="*/ 6509613 h 6858000"/>
+              <a:gd name="connsiteX43" fmla="*/ 7774655 w 7809954"/>
+              <a:gd name="connsiteY43" fmla="*/ 6612483 h 6858000"/>
+              <a:gd name="connsiteX44" fmla="*/ 7786757 w 7809954"/>
+              <a:gd name="connsiteY44" fmla="*/ 6698894 h 6858000"/>
+              <a:gd name="connsiteX45" fmla="*/ 7804071 w 7809954"/>
+              <a:gd name="connsiteY45" fmla="*/ 6817538 h 6858000"/>
+              <a:gd name="connsiteX46" fmla="*/ 7809954 w 7809954"/>
+              <a:gd name="connsiteY46" fmla="*/ 6858000 h 6858000"/>
+              <a:gd name="connsiteX47" fmla="*/ 7157124 w 7809954"/>
+              <a:gd name="connsiteY47" fmla="*/ 6858000 h 6858000"/>
+              <a:gd name="connsiteX48" fmla="*/ 7157124 w 7809954"/>
+              <a:gd name="connsiteY48" fmla="*/ 6858000 h 6858000"/>
+              <a:gd name="connsiteX49" fmla="*/ 0 w 7809954"/>
+              <a:gd name="connsiteY49" fmla="*/ 6858000 h 6858000"/>
+              <a:gd name="connsiteX50" fmla="*/ 0 w 7809954"/>
+              <a:gd name="connsiteY50" fmla="*/ 0 h 6858000"/>
+              <a:gd name="connsiteX51" fmla="*/ 6465239 w 7809954"/>
+              <a:gd name="connsiteY51" fmla="*/ 0 h 6858000"/>
+            </a:gdLst>
+            <a:ahLst/>
+            <a:cxnLst>
+              <a:cxn ang="0">
+                <a:pos x="connsiteX0" y="connsiteY0"/>
+              </a:cxn>
+              <a:cxn ang="0">
+                <a:pos x="connsiteX1" y="connsiteY1"/>
+              </a:cxn>
+              <a:cxn ang="0">
+                <a:pos x="connsiteX2" y="connsiteY2"/>
+              </a:cxn>
+              <a:cxn ang="0">
+                <a:pos x="connsiteX3" y="connsiteY3"/>
+              </a:cxn>
+              <a:cxn ang="0">
+                <a:pos x="connsiteX4" y="connsiteY4"/>
+              </a:cxn>
+              <a:cxn ang="0">
+                <a:pos x="connsiteX5" y="connsiteY5"/>
+              </a:cxn>
+              <a:cxn ang="0">
+                <a:pos x="connsiteX6" y="connsiteY6"/>
+              </a:cxn>
+              <a:cxn ang="0">
+                <a:pos x="connsiteX7" y="connsiteY7"/>
+              </a:cxn>
+              <a:cxn ang="0">
+                <a:pos x="connsiteX8" y="connsiteY8"/>
+              </a:cxn>
+              <a:cxn ang="0">
+                <a:pos x="connsiteX9" y="connsiteY9"/>
+              </a:cxn>
+              <a:cxn ang="0">
+                <a:pos x="connsiteX10" y="connsiteY10"/>
+              </a:cxn>
+              <a:cxn ang="0">
+                <a:pos x="connsiteX11" y="connsiteY11"/>
+              </a:cxn>
+              <a:cxn ang="0">
+                <a:pos x="connsiteX12" y="connsiteY12"/>
+              </a:cxn>
+              <a:cxn ang="0">
+                <a:pos x="connsiteX13" y="connsiteY13"/>
+              </a:cxn>
+              <a:cxn ang="0">
+                <a:pos x="connsiteX14" y="connsiteY14"/>
+              </a:cxn>
+              <a:cxn ang="0">
+                <a:pos x="connsiteX15" y="connsiteY15"/>
+              </a:cxn>
+              <a:cxn ang="0">
+                <a:pos x="connsiteX16" y="connsiteY16"/>
+              </a:cxn>
+              <a:cxn ang="0">
+                <a:pos x="connsiteX17" y="connsiteY17"/>
+              </a:cxn>
+              <a:cxn ang="0">
+                <a:pos x="connsiteX18" y="connsiteY18"/>
+              </a:cxn>
+              <a:cxn ang="0">
+                <a:pos x="connsiteX19" y="connsiteY19"/>
+              </a:cxn>
+              <a:cxn ang="0">
+                <a:pos x="connsiteX20" y="connsiteY20"/>
+              </a:cxn>
+              <a:cxn ang="0">
+                <a:pos x="connsiteX21" y="connsiteY21"/>
+              </a:cxn>
+              <a:cxn ang="0">
+                <a:pos x="connsiteX22" y="connsiteY22"/>
+              </a:cxn>
+              <a:cxn ang="0">
+                <a:pos x="connsiteX23" y="connsiteY23"/>
+              </a:cxn>
+              <a:cxn ang="0">
+                <a:pos x="connsiteX24" y="connsiteY24"/>
+              </a:cxn>
+              <a:cxn ang="0">
+                <a:pos x="connsiteX25" y="connsiteY25"/>
+              </a:cxn>
+              <a:cxn ang="0">
+                <a:pos x="connsiteX26" y="connsiteY26"/>
+              </a:cxn>
+              <a:cxn ang="0">
+                <a:pos x="connsiteX27" y="connsiteY27"/>
+              </a:cxn>
+              <a:cxn ang="0">
+                <a:pos x="connsiteX28" y="connsiteY28"/>
+              </a:cxn>
+              <a:cxn ang="0">
+                <a:pos x="connsiteX29" y="connsiteY29"/>
+              </a:cxn>
+              <a:cxn ang="0">
+                <a:pos x="connsiteX30" y="connsiteY30"/>
+              </a:cxn>
+              <a:cxn ang="0">
+                <a:pos x="connsiteX31" y="connsiteY31"/>
+              </a:cxn>
+              <a:cxn ang="0">
+                <a:pos x="connsiteX32" y="connsiteY32"/>
+              </a:cxn>
+              <a:cxn ang="0">
+                <a:pos x="connsiteX33" y="connsiteY33"/>
+              </a:cxn>
+              <a:cxn ang="0">
+                <a:pos x="connsiteX34" y="connsiteY34"/>
+              </a:cxn>
+              <a:cxn ang="0">
+                <a:pos x="connsiteX35" y="connsiteY35"/>
+              </a:cxn>
+              <a:cxn ang="0">
+                <a:pos x="connsiteX36" y="connsiteY36"/>
+              </a:cxn>
+              <a:cxn ang="0">
+                <a:pos x="connsiteX37" y="connsiteY37"/>
+              </a:cxn>
+              <a:cxn ang="0">
+                <a:pos x="connsiteX38" y="connsiteY38"/>
+              </a:cxn>
+              <a:cxn ang="0">
+                <a:pos x="connsiteX39" y="connsiteY39"/>
+              </a:cxn>
+              <a:cxn ang="0">
+                <a:pos x="connsiteX40" y="connsiteY40"/>
+              </a:cxn>
+              <a:cxn ang="0">
+                <a:pos x="connsiteX41" y="connsiteY41"/>
+              </a:cxn>
+              <a:cxn ang="0">
+                <a:pos x="connsiteX42" y="connsiteY42"/>
+              </a:cxn>
+              <a:cxn ang="0">
+                <a:pos x="connsiteX43" y="connsiteY43"/>
+              </a:cxn>
+              <a:cxn ang="0">
+                <a:pos x="connsiteX44" y="connsiteY44"/>
+              </a:cxn>
+              <a:cxn ang="0">
+                <a:pos x="connsiteX45" y="connsiteY45"/>
+              </a:cxn>
+              <a:cxn ang="0">
+                <a:pos x="connsiteX46" y="connsiteY46"/>
+              </a:cxn>
+              <a:cxn ang="0">
+                <a:pos x="connsiteX47" y="connsiteY47"/>
+              </a:cxn>
+              <a:cxn ang="0">
+                <a:pos x="connsiteX48" y="connsiteY48"/>
+              </a:cxn>
+              <a:cxn ang="0">
+                <a:pos x="connsiteX49" y="connsiteY49"/>
+              </a:cxn>
+              <a:cxn ang="0">
+                <a:pos x="connsiteX50" y="connsiteY50"/>
+              </a:cxn>
+              <a:cxn ang="0">
+                <a:pos x="connsiteX51" y="connsiteY51"/>
+              </a:cxn>
+            </a:cxnLst>
+            <a:rect l="l" t="t" r="r" b="b"/>
+            <a:pathLst>
+              <a:path w="7809954" h="6858000">
+                <a:moveTo>
+                  <a:pt x="6465239" y="0"/>
+                </a:moveTo>
+                <a:lnTo>
+                  <a:pt x="7808777" y="0"/>
+                </a:lnTo>
+                <a:lnTo>
+                  <a:pt x="7783732" y="155676"/>
+                </a:lnTo>
+                <a:lnTo>
+                  <a:pt x="7759863" y="310667"/>
+                </a:lnTo>
+                <a:lnTo>
+                  <a:pt x="7736499" y="466344"/>
+                </a:lnTo>
+                <a:lnTo>
+                  <a:pt x="7716496" y="622706"/>
+                </a:lnTo>
+                <a:lnTo>
+                  <a:pt x="7696325" y="778383"/>
+                </a:lnTo>
+                <a:lnTo>
+                  <a:pt x="7677499" y="934745"/>
+                </a:lnTo>
+                <a:lnTo>
+                  <a:pt x="7661363" y="1089050"/>
+                </a:lnTo>
+                <a:lnTo>
+                  <a:pt x="7646067" y="1245413"/>
+                </a:lnTo>
+                <a:lnTo>
+                  <a:pt x="7632115" y="1401089"/>
+                </a:lnTo>
+                <a:lnTo>
+                  <a:pt x="7620013" y="1554023"/>
+                </a:lnTo>
+                <a:lnTo>
+                  <a:pt x="7607910" y="1709013"/>
+                </a:lnTo>
+                <a:lnTo>
+                  <a:pt x="7597825" y="1861947"/>
+                </a:lnTo>
+                <a:lnTo>
+                  <a:pt x="7589925" y="2014880"/>
+                </a:lnTo>
+                <a:lnTo>
+                  <a:pt x="7581688" y="2167128"/>
+                </a:lnTo>
+                <a:lnTo>
+                  <a:pt x="7574797" y="2318004"/>
+                </a:lnTo>
+                <a:lnTo>
+                  <a:pt x="7569922" y="2467508"/>
+                </a:lnTo>
+                <a:lnTo>
+                  <a:pt x="7565720" y="2617013"/>
+                </a:lnTo>
+                <a:lnTo>
+                  <a:pt x="7561686" y="2765145"/>
+                </a:lnTo>
+                <a:lnTo>
+                  <a:pt x="7559837" y="2911221"/>
+                </a:lnTo>
+                <a:lnTo>
+                  <a:pt x="7557820" y="3057296"/>
+                </a:lnTo>
+                <a:lnTo>
+                  <a:pt x="7556811" y="3201314"/>
+                </a:lnTo>
+                <a:lnTo>
+                  <a:pt x="7557820" y="3343960"/>
+                </a:lnTo>
+                <a:lnTo>
+                  <a:pt x="7557820" y="3485235"/>
+                </a:lnTo>
+                <a:lnTo>
+                  <a:pt x="7559837" y="3625138"/>
+                </a:lnTo>
+                <a:lnTo>
+                  <a:pt x="7562862" y="3762298"/>
+                </a:lnTo>
+                <a:lnTo>
+                  <a:pt x="7565720" y="3898087"/>
+                </a:lnTo>
+                <a:lnTo>
+                  <a:pt x="7568914" y="4031132"/>
+                </a:lnTo>
+                <a:lnTo>
+                  <a:pt x="7573788" y="4163491"/>
+                </a:lnTo>
+                <a:lnTo>
+                  <a:pt x="7578999" y="4293793"/>
+                </a:lnTo>
+                <a:lnTo>
+                  <a:pt x="7583705" y="4421352"/>
+                </a:lnTo>
+                <a:lnTo>
+                  <a:pt x="7596985" y="4670298"/>
+                </a:lnTo>
+                <a:lnTo>
+                  <a:pt x="7611104" y="4908956"/>
+                </a:lnTo>
+                <a:lnTo>
+                  <a:pt x="7625896" y="5138013"/>
+                </a:lnTo>
+                <a:lnTo>
+                  <a:pt x="7642201" y="5354726"/>
+                </a:lnTo>
+                <a:lnTo>
+                  <a:pt x="7659178" y="5561838"/>
+                </a:lnTo>
+                <a:lnTo>
+                  <a:pt x="7677499" y="5753862"/>
+                </a:lnTo>
+                <a:lnTo>
+                  <a:pt x="7695485" y="5934227"/>
+                </a:lnTo>
+                <a:lnTo>
+                  <a:pt x="7713470" y="6100191"/>
+                </a:lnTo>
+                <a:lnTo>
+                  <a:pt x="7730447" y="6252438"/>
+                </a:lnTo>
+                <a:lnTo>
+                  <a:pt x="7746584" y="6387541"/>
+                </a:lnTo>
+                <a:lnTo>
+                  <a:pt x="7761880" y="6509613"/>
+                </a:lnTo>
+                <a:lnTo>
+                  <a:pt x="7774655" y="6612483"/>
+                </a:lnTo>
+                <a:lnTo>
+                  <a:pt x="7786757" y="6698894"/>
+                </a:lnTo>
+                <a:lnTo>
+                  <a:pt x="7804071" y="6817538"/>
+                </a:lnTo>
+                <a:lnTo>
+                  <a:pt x="7809954" y="6858000"/>
+                </a:lnTo>
+                <a:lnTo>
+                  <a:pt x="7157124" y="6858000"/>
+                </a:lnTo>
+                <a:lnTo>
+                  <a:pt x="7157124" y="6858000"/>
+                </a:lnTo>
+                <a:lnTo>
+                  <a:pt x="0" y="6858000"/>
+                </a:lnTo>
+                <a:lnTo>
+                  <a:pt x="0" y="0"/>
+                </a:lnTo>
+                <a:lnTo>
+                  <a:pt x="6465239" y="0"/>
+                </a:lnTo>
+                <a:close/>
+              </a:path>
+            </a:pathLst>
+          </a:custGeom>
+          <a:ln>
+            <a:noFill/>
+          </a:ln>
+        </p:spPr>
+        <p:style>
+          <a:lnRef idx="2">
+            <a:schemeClr val="accent1">
+              <a:shade val="50000"/>
+            </a:schemeClr>
+          </a:lnRef>
+          <a:fillRef idx="1">
+            <a:schemeClr val="accent1"/>
+          </a:fillRef>
+          <a:effectRef idx="0">
+            <a:schemeClr val="accent1"/>
+          </a:effectRef>
+          <a:fontRef idx="minor">
+            <a:schemeClr val="lt1"/>
+          </a:fontRef>
+        </p:style>
+        <p:txBody>
+          <a:bodyPr wrap="square" rtlCol="0" anchor="ctr">
+            <a:noAutofit/>
+          </a:bodyPr>
+          <a:lstStyle/>
+          <a:p>
+            <a:pPr algn="ctr"/>
+            <a:endParaRPr lang="en-US"/>
+          </a:p>
+        </p:txBody>
+      </p:sp>
+      <p:sp>
+        <p:nvSpPr>
+          <p:cNvPr id="57" name="Rectangle 28">
+            <a:extLst>
+              <a:ext uri="{FF2B5EF4-FFF2-40B4-BE49-F238E27FC236}">
+                <a16:creationId xmlns:a16="http://schemas.microsoft.com/office/drawing/2014/main" id="{F98810A7-E114-447A-A7D6-69B27CFB5650}"/>
+              </a:ext>
+              <a:ext uri="{C183D7F6-B498-43B3-948B-1728B52AA6E4}">
+                <adec:decorative xmlns:adec="http://schemas.microsoft.com/office/drawing/2017/decorative" val="1"/>
+              </a:ext>
+            </a:extLst>
+          </p:cNvPr>
+          <p:cNvSpPr>
+            <a:spLocks noGrp="1" noRot="1" noChangeAspect="1" noMove="1" noResize="1" noEditPoints="1" noAdjustHandles="1" noChangeArrowheads="1" noChangeShapeType="1" noTextEdit="1"/>
+          </p:cNvSpPr>
+          <p:nvPr>
+            <p:extLst>
+              <p:ext uri="{386F3935-93C4-4BCD-93E2-E3B085C9AB24}">
+                <p16:designElem xmlns:p16="http://schemas.microsoft.com/office/powerpoint/2015/main" val="1"/>
+              </p:ext>
+            </p:extLst>
+          </p:nvPr>
+        </p:nvSpPr>
+        <p:spPr>
+          <a:xfrm>
+            <a:off x="10437812" y="0"/>
+            <a:ext cx="685800" cy="1143000"/>
+          </a:xfrm>
+          <a:prstGeom prst="rect">
+            <a:avLst/>
+          </a:prstGeom>
+          <a:solidFill>
+            <a:schemeClr val="accent1"/>
+          </a:solidFill>
+          <a:ln>
+            <a:noFill/>
+          </a:ln>
+        </p:spPr>
+        <p:style>
+          <a:lnRef idx="1">
+            <a:schemeClr val="accent1"/>
+          </a:lnRef>
+          <a:fillRef idx="3">
+            <a:schemeClr val="accent1"/>
+          </a:fillRef>
+          <a:effectRef idx="2">
+            <a:schemeClr val="accent1"/>
+          </a:effectRef>
+          <a:fontRef idx="minor">
+            <a:schemeClr val="lt1"/>
+          </a:fontRef>
+        </p:style>
+      </p:sp>
+      <p:sp>
+        <p:nvSpPr>
+          <p:cNvPr id="5" name="Espace réservé du numéro de diapositive 4">
+            <a:extLst>
+              <a:ext uri="{FF2B5EF4-FFF2-40B4-BE49-F238E27FC236}">
+                <a16:creationId xmlns:a16="http://schemas.microsoft.com/office/drawing/2014/main" id="{76AD3D1C-36DB-64D2-51B4-728EEE2F91CF}"/>
+              </a:ext>
+            </a:extLst>
+          </p:cNvPr>
+          <p:cNvSpPr>
+            <a:spLocks noGrp="1"/>
+          </p:cNvSpPr>
+          <p:nvPr>
+            <p:ph type="sldNum" sz="quarter" idx="12"/>
+          </p:nvPr>
+        </p:nvSpPr>
+        <p:spPr>
+          <a:xfrm>
+            <a:off x="10352540" y="295729"/>
+            <a:ext cx="838199" cy="767687"/>
+          </a:xfrm>
+        </p:spPr>
+        <p:txBody>
+          <a:bodyPr vert="horz" lIns="91440" tIns="45720" rIns="91440" bIns="45720" rtlCol="0" anchor="b">
+            <a:normAutofit/>
+          </a:bodyPr>
+          <a:lstStyle/>
+          <a:p>
+            <a:pPr>
+              <a:spcAft>
+                <a:spcPts val="600"/>
+              </a:spcAft>
+            </a:pPr>
+            <a:fld id="{4B2B4A68-68F7-4492-A45F-0F4B533A3C63}" type="slidenum">
+              <a:rPr lang="en-US">
+                <a:solidFill>
+                  <a:srgbClr val="FFFFFF"/>
+                </a:solidFill>
+              </a:rPr>
+              <a:pPr>
+                <a:spcAft>
+                  <a:spcPts val="600"/>
+                </a:spcAft>
+              </a:pPr>
+              <a:t>7</a:t>
+            </a:fld>
+            <a:endParaRPr lang="en-US">
+              <a:solidFill>
+                <a:srgbClr val="FFFFFF"/>
+              </a:solidFill>
+            </a:endParaRPr>
+          </a:p>
+        </p:txBody>
+      </p:sp>
+      <p:pic>
+        <p:nvPicPr>
+          <p:cNvPr id="6" name="Image 6">
+            <a:extLst>
+              <a:ext uri="{FF2B5EF4-FFF2-40B4-BE49-F238E27FC236}">
+                <a16:creationId xmlns:a16="http://schemas.microsoft.com/office/drawing/2014/main" id="{9C911388-5BD9-7236-CE65-D554AB2ED32D}"/>
+              </a:ext>
+            </a:extLst>
+          </p:cNvPr>
+          <p:cNvPicPr>
+            <a:picLocks noChangeAspect="1"/>
+          </p:cNvPicPr>
+          <p:nvPr/>
+        </p:nvPicPr>
+        <p:blipFill>
+          <a:blip r:embed="rId7"/>
           <a:stretch>
             <a:fillRect/>
           </a:stretch>
         </p:blipFill>
         <p:spPr>
           <a:xfrm>
-            <a:off x="3266319" y="2052638"/>
-            <a:ext cx="4621138" cy="4195762"/>
+            <a:off x="643854" y="1547569"/>
+            <a:ext cx="6270662" cy="3762396"/>
+          </a:xfrm>
+          <a:prstGeom prst="rect">
+            <a:avLst/>
+          </a:prstGeom>
+          <a:effectLst/>
+        </p:spPr>
+      </p:pic>
+      <p:sp>
+        <p:nvSpPr>
+          <p:cNvPr id="4" name="Espace réservé de la date 3">
+            <a:extLst>
+              <a:ext uri="{FF2B5EF4-FFF2-40B4-BE49-F238E27FC236}">
+                <a16:creationId xmlns:a16="http://schemas.microsoft.com/office/drawing/2014/main" id="{FB96A55A-5938-4F8F-AC0E-03D077BF53B0}"/>
+              </a:ext>
+            </a:extLst>
+          </p:cNvPr>
+          <p:cNvSpPr>
+            <a:spLocks noGrp="1"/>
+          </p:cNvSpPr>
+          <p:nvPr>
+            <p:ph type="dt" sz="half" idx="10"/>
+          </p:nvPr>
+        </p:nvSpPr>
+        <p:spPr>
+          <a:xfrm>
+            <a:off x="9254068" y="6355080"/>
+            <a:ext cx="2290232" cy="304799"/>
           </a:xfrm>
         </p:spPr>
-      </p:pic>
-      <p:sp>
-        <p:nvSpPr>
-          <p:cNvPr id="3" name="Espace réservé de la date 2"/>
-          <p:cNvSpPr>
-            <a:spLocks noGrp="1"/>
-          </p:cNvSpPr>
-          <p:nvPr>
-            <p:ph type="dt" sz="half" idx="10"/>
-          </p:nvPr>
-        </p:nvSpPr>
-        <p:spPr/>
-        <p:txBody>
-          <a:bodyPr/>
-          <a:lstStyle/>
-          <a:p>
-            <a:fld id="{FB2EC139-4F78-4B03-84F1-B33220DF7D99}" type="datetime1">
-              <a:rPr lang="fr-CH" smtClean="0"/>
-              <a:t>20.05.2022</a:t>
+        <p:txBody>
+          <a:bodyPr vert="horz" lIns="91440" tIns="45720" rIns="91440" bIns="45720" rtlCol="0" anchor="t">
+            <a:normAutofit/>
+          </a:bodyPr>
+          <a:lstStyle/>
+          <a:p>
+            <a:pPr algn="r">
+              <a:spcAft>
+                <a:spcPts val="600"/>
+              </a:spcAft>
+            </a:pPr>
+            <a:fld id="{5B6CE94A-0EB9-4B32-B25B-0E80AC2B2339}" type="datetime1">
+              <a:rPr lang="en-US">
+                <a:solidFill>
+                  <a:srgbClr val="FFFFFF">
+                    <a:alpha val="60000"/>
+                  </a:srgbClr>
+                </a:solidFill>
+              </a:rPr>
+              <a:pPr algn="r">
+                <a:spcAft>
+                  <a:spcPts val="600"/>
+                </a:spcAft>
+              </a:pPr>
+              <a:t>5/25/2022</a:t>
             </a:fld>
-            <a:endParaRPr lang="fr-CH"/>
-          </a:p>
-        </p:txBody>
-      </p:sp>
-      <p:sp>
-        <p:nvSpPr>
-          <p:cNvPr id="6" name="Espace réservé du numéro de diapositive 5"/>
-          <p:cNvSpPr>
-            <a:spLocks noGrp="1"/>
-          </p:cNvSpPr>
-          <p:nvPr>
-            <p:ph type="sldNum" sz="quarter" idx="12"/>
-          </p:nvPr>
-        </p:nvSpPr>
-        <p:spPr/>
-        <p:txBody>
-          <a:bodyPr/>
-          <a:lstStyle/>
-          <a:p>
-            <a:fld id="{4B2B4A68-68F7-4492-A45F-0F4B533A3C63}" type="slidenum">
-              <a:rPr lang="fr-CH" smtClean="0"/>
-              <a:t>7</a:t>
-            </a:fld>
-            <a:endParaRPr lang="fr-CH"/>
+            <a:endParaRPr lang="en-US">
+              <a:solidFill>
+                <a:srgbClr val="FFFFFF">
+                  <a:alpha val="60000"/>
+                </a:srgbClr>
+              </a:solidFill>
+            </a:endParaRPr>
           </a:p>
         </p:txBody>
       </p:sp>
     </p:spTree>
     <p:extLst>
       <p:ext uri="{BB962C8B-B14F-4D97-AF65-F5344CB8AC3E}">
-        <p14:creationId xmlns:p14="http://schemas.microsoft.com/office/powerpoint/2010/main" val="321172746"/>
+        <p14:creationId xmlns:p14="http://schemas.microsoft.com/office/powerpoint/2010/main" val="244195446"/>
       </p:ext>
     </p:extLst>
   </p:cSld>
   <p:clrMapOvr>
-    <a:masterClrMapping/>
+    <a:overrideClrMapping bg1="lt1" tx1="dk1" bg2="lt2" tx2="dk2" accent1="accent1" accent2="accent2" accent3="accent3" accent4="accent4" accent5="accent5" accent6="accent6" hlink="hlink" folHlink="folHlink"/>
   </p:clrMapOvr>
-  <p:timing>
-    <p:tnLst>
-      <p:par>
-        <p:cTn id="1" dur="indefinite" restart="never" nodeType="tmRoot"/>
-      </p:par>
-    </p:tnLst>
-  </p:timing>
 </p:sld>
 </file>
 
 <file path=ppt/slides/slide8.xml><?xml version="1.0" encoding="utf-8"?>
 <p:sld xmlns:a="http://schemas.openxmlformats.org/drawingml/2006/main" xmlns:r="http://schemas.openxmlformats.org/officeDocument/2006/relationships" xmlns:p="http://schemas.openxmlformats.org/presentationml/2006/main">
   <p:cSld>
+    <p:bg>
+      <p:bgPr>
+        <a:solidFill>
+          <a:schemeClr val="bg1"/>
+        </a:solidFill>
+        <a:effectLst/>
+      </p:bgPr>
+    </p:bg>
     <p:spTree>
       <p:nvGrpSpPr>
         <p:cNvPr id="1" name=""/>
@@ -11042,121 +13776,1464 @@
           <a:chExt cx="0" cy="0"/>
         </a:xfrm>
       </p:grpSpPr>
-      <p:sp>
-        <p:nvSpPr>
-          <p:cNvPr id="2" name="Titre 1"/>
-          <p:cNvSpPr>
-            <a:spLocks noGrp="1"/>
-          </p:cNvSpPr>
-          <p:nvPr>
-            <p:ph type="title"/>
-          </p:nvPr>
-        </p:nvSpPr>
-        <p:spPr/>
-        <p:txBody>
-          <a:bodyPr/>
-          <a:lstStyle/>
-          <a:p>
-            <a:r>
-              <a:rPr lang="fr-CH" dirty="0" smtClean="0"/>
-              <a:t>Schéma d’Activité</a:t>
-            </a:r>
-            <a:endParaRPr lang="fr-CH" dirty="0"/>
-          </a:p>
-        </p:txBody>
-      </p:sp>
       <p:pic>
         <p:nvPicPr>
-          <p:cNvPr id="5" name="Espace réservé du contenu 4"/>
+          <p:cNvPr id="10" name="Picture 9">
+            <a:extLst>
+              <a:ext uri="{FF2B5EF4-FFF2-40B4-BE49-F238E27FC236}">
+                <a16:creationId xmlns:a16="http://schemas.microsoft.com/office/drawing/2014/main" id="{41B68C77-138E-4BF7-A276-BD0C78A4219F}"/>
+              </a:ext>
+              <a:ext uri="{C183D7F6-B498-43B3-948B-1728B52AA6E4}">
+                <adec:decorative xmlns:adec="http://schemas.microsoft.com/office/drawing/2017/decorative" val="1"/>
+              </a:ext>
+            </a:extLst>
+          </p:cNvPr>
           <p:cNvPicPr>
-            <a:picLocks noGrp="1" noChangeAspect="1"/>
+            <a:picLocks noGrp="1" noRot="1" noChangeAspect="1" noMove="1" noResize="1" noEditPoints="1" noAdjustHandles="1" noChangeArrowheads="1" noChangeShapeType="1" noCrop="1"/>
           </p:cNvPicPr>
           <p:nvPr>
-            <p:ph idx="1"/>
+            <p:extLst>
+              <p:ext uri="{386F3935-93C4-4BCD-93E2-E3B085C9AB24}">
+                <p16:designElem xmlns:p16="http://schemas.microsoft.com/office/powerpoint/2015/main" val="1"/>
+              </p:ext>
+            </p:extLst>
           </p:nvPr>
         </p:nvPicPr>
-        <p:blipFill>
-          <a:blip r:embed="rId3" cstate="print">
+        <p:blipFill rotWithShape="1">
+          <a:blip r:embed="rId3">
             <a:extLst>
               <a:ext uri="{28A0092B-C50C-407E-A947-70E740481C1C}">
                 <a14:useLocalDpi xmlns:a14="http://schemas.microsoft.com/office/drawing/2010/main" val="0"/>
               </a:ext>
             </a:extLst>
           </a:blip>
+          <a:srcRect l="3613"/>
+          <a:stretch/>
+        </p:blipFill>
+        <p:spPr>
+          <a:xfrm>
+            <a:off x="0" y="2669685"/>
+            <a:ext cx="4037012" cy="4188315"/>
+          </a:xfrm>
+          <a:prstGeom prst="rect">
+            <a:avLst/>
+          </a:prstGeom>
+        </p:spPr>
+      </p:pic>
+      <p:pic>
+        <p:nvPicPr>
+          <p:cNvPr id="12" name="Picture 11">
+            <a:extLst>
+              <a:ext uri="{FF2B5EF4-FFF2-40B4-BE49-F238E27FC236}">
+                <a16:creationId xmlns:a16="http://schemas.microsoft.com/office/drawing/2014/main" id="{7C268552-D473-46ED-B1B8-422042C4DEF1}"/>
+              </a:ext>
+              <a:ext uri="{C183D7F6-B498-43B3-948B-1728B52AA6E4}">
+                <adec:decorative xmlns:adec="http://schemas.microsoft.com/office/drawing/2017/decorative" val="1"/>
+              </a:ext>
+            </a:extLst>
+          </p:cNvPr>
+          <p:cNvPicPr>
+            <a:picLocks noGrp="1" noRot="1" noChangeAspect="1" noMove="1" noResize="1" noEditPoints="1" noAdjustHandles="1" noChangeArrowheads="1" noChangeShapeType="1" noCrop="1"/>
+          </p:cNvPicPr>
+          <p:nvPr>
+            <p:extLst>
+              <p:ext uri="{386F3935-93C4-4BCD-93E2-E3B085C9AB24}">
+                <p16:designElem xmlns:p16="http://schemas.microsoft.com/office/powerpoint/2015/main" val="1"/>
+              </p:ext>
+            </p:extLst>
+          </p:nvPr>
+        </p:nvPicPr>
+        <p:blipFill rotWithShape="1">
+          <a:blip r:embed="rId4">
+            <a:extLst>
+              <a:ext uri="{28A0092B-C50C-407E-A947-70E740481C1C}">
+                <a14:useLocalDpi xmlns:a14="http://schemas.microsoft.com/office/drawing/2010/main" val="0"/>
+              </a:ext>
+            </a:extLst>
+          </a:blip>
+          <a:srcRect l="35640"/>
+          <a:stretch/>
+        </p:blipFill>
+        <p:spPr>
+          <a:xfrm>
+            <a:off x="0" y="2892347"/>
+            <a:ext cx="1522412" cy="2365453"/>
+          </a:xfrm>
+          <a:prstGeom prst="rect">
+            <a:avLst/>
+          </a:prstGeom>
+        </p:spPr>
+      </p:pic>
+      <p:sp>
+        <p:nvSpPr>
+          <p:cNvPr id="14" name="Oval 13">
+            <a:extLst>
+              <a:ext uri="{FF2B5EF4-FFF2-40B4-BE49-F238E27FC236}">
+                <a16:creationId xmlns:a16="http://schemas.microsoft.com/office/drawing/2014/main" id="{4AC0CD9D-7610-4620-93B4-798CCD9AB581}"/>
+              </a:ext>
+              <a:ext uri="{C183D7F6-B498-43B3-948B-1728B52AA6E4}">
+                <adec:decorative xmlns:adec="http://schemas.microsoft.com/office/drawing/2017/decorative" val="1"/>
+              </a:ext>
+            </a:extLst>
+          </p:cNvPr>
+          <p:cNvSpPr>
+            <a:spLocks noGrp="1" noRot="1" noChangeAspect="1" noMove="1" noResize="1" noEditPoints="1" noAdjustHandles="1" noChangeArrowheads="1" noChangeShapeType="1" noTextEdit="1"/>
+          </p:cNvSpPr>
+          <p:nvPr>
+            <p:extLst>
+              <p:ext uri="{386F3935-93C4-4BCD-93E2-E3B085C9AB24}">
+                <p16:designElem xmlns:p16="http://schemas.microsoft.com/office/powerpoint/2015/main" val="1"/>
+              </p:ext>
+            </p:extLst>
+          </p:nvPr>
+        </p:nvSpPr>
+        <p:spPr>
+          <a:xfrm>
+            <a:off x="8609012" y="1676400"/>
+            <a:ext cx="2819400" cy="2819400"/>
+          </a:xfrm>
+          <a:prstGeom prst="ellipse">
+            <a:avLst/>
+          </a:prstGeom>
+          <a:gradFill flip="none" rotWithShape="1">
+            <a:gsLst>
+              <a:gs pos="0">
+                <a:schemeClr val="bg2">
+                  <a:lumMod val="60000"/>
+                  <a:lumOff val="40000"/>
+                  <a:alpha val="7000"/>
+                </a:schemeClr>
+              </a:gs>
+              <a:gs pos="69000">
+                <a:schemeClr val="bg2">
+                  <a:lumMod val="60000"/>
+                  <a:lumOff val="40000"/>
+                  <a:alpha val="0"/>
+                </a:schemeClr>
+              </a:gs>
+              <a:gs pos="36000">
+                <a:schemeClr val="bg2">
+                  <a:lumMod val="60000"/>
+                  <a:lumOff val="40000"/>
+                  <a:alpha val="6000"/>
+                </a:schemeClr>
+              </a:gs>
+            </a:gsLst>
+            <a:path path="circle">
+              <a:fillToRect l="50000" t="50000" r="50000" b="50000"/>
+            </a:path>
+            <a:tileRect/>
+          </a:gradFill>
+          <a:ln>
+            <a:noFill/>
+          </a:ln>
+          <a:effectLst/>
+        </p:spPr>
+        <p:style>
+          <a:lnRef idx="1">
+            <a:schemeClr val="accent1"/>
+          </a:lnRef>
+          <a:fillRef idx="3">
+            <a:schemeClr val="accent1"/>
+          </a:fillRef>
+          <a:effectRef idx="2">
+            <a:schemeClr val="accent1"/>
+          </a:effectRef>
+          <a:fontRef idx="minor">
+            <a:schemeClr val="lt1"/>
+          </a:fontRef>
+        </p:style>
+      </p:sp>
+      <p:pic>
+        <p:nvPicPr>
+          <p:cNvPr id="16" name="Picture 15">
+            <a:extLst>
+              <a:ext uri="{FF2B5EF4-FFF2-40B4-BE49-F238E27FC236}">
+                <a16:creationId xmlns:a16="http://schemas.microsoft.com/office/drawing/2014/main" id="{B9238B3E-24AA-439A-B527-6C5DF6D72145}"/>
+              </a:ext>
+              <a:ext uri="{C183D7F6-B498-43B3-948B-1728B52AA6E4}">
+                <adec:decorative xmlns:adec="http://schemas.microsoft.com/office/drawing/2017/decorative" val="1"/>
+              </a:ext>
+            </a:extLst>
+          </p:cNvPr>
+          <p:cNvPicPr>
+            <a:picLocks noGrp="1" noRot="1" noChangeAspect="1" noMove="1" noResize="1" noEditPoints="1" noAdjustHandles="1" noChangeArrowheads="1" noChangeShapeType="1" noCrop="1"/>
+          </p:cNvPicPr>
+          <p:nvPr>
+            <p:extLst>
+              <p:ext uri="{386F3935-93C4-4BCD-93E2-E3B085C9AB24}">
+                <p16:designElem xmlns:p16="http://schemas.microsoft.com/office/powerpoint/2015/main" val="1"/>
+              </p:ext>
+            </p:extLst>
+          </p:nvPr>
+        </p:nvPicPr>
+        <p:blipFill rotWithShape="1">
+          <a:blip r:embed="rId5">
+            <a:extLst>
+              <a:ext uri="{28A0092B-C50C-407E-A947-70E740481C1C}">
+                <a14:useLocalDpi xmlns:a14="http://schemas.microsoft.com/office/drawing/2010/main" val="0"/>
+              </a:ext>
+            </a:extLst>
+          </a:blip>
+          <a:srcRect t="28813"/>
+          <a:stretch/>
+        </p:blipFill>
+        <p:spPr>
+          <a:xfrm>
+            <a:off x="7999412" y="0"/>
+            <a:ext cx="1603387" cy="1141407"/>
+          </a:xfrm>
+          <a:prstGeom prst="rect">
+            <a:avLst/>
+          </a:prstGeom>
+        </p:spPr>
+      </p:pic>
+      <p:pic>
+        <p:nvPicPr>
+          <p:cNvPr id="18" name="Picture 17">
+            <a:extLst>
+              <a:ext uri="{FF2B5EF4-FFF2-40B4-BE49-F238E27FC236}">
+                <a16:creationId xmlns:a16="http://schemas.microsoft.com/office/drawing/2014/main" id="{69F01145-BEA3-4CBF-AA21-10077B948CA8}"/>
+              </a:ext>
+              <a:ext uri="{C183D7F6-B498-43B3-948B-1728B52AA6E4}">
+                <adec:decorative xmlns:adec="http://schemas.microsoft.com/office/drawing/2017/decorative" val="1"/>
+              </a:ext>
+            </a:extLst>
+          </p:cNvPr>
+          <p:cNvPicPr>
+            <a:picLocks noGrp="1" noRot="1" noChangeAspect="1" noMove="1" noResize="1" noEditPoints="1" noAdjustHandles="1" noChangeArrowheads="1" noChangeShapeType="1" noCrop="1"/>
+          </p:cNvPicPr>
+          <p:nvPr>
+            <p:extLst>
+              <p:ext uri="{386F3935-93C4-4BCD-93E2-E3B085C9AB24}">
+                <p16:designElem xmlns:p16="http://schemas.microsoft.com/office/powerpoint/2015/main" val="1"/>
+              </p:ext>
+            </p:extLst>
+          </p:nvPr>
+        </p:nvPicPr>
+        <p:blipFill rotWithShape="1">
+          <a:blip r:embed="rId6">
+            <a:extLst>
+              <a:ext uri="{28A0092B-C50C-407E-A947-70E740481C1C}">
+                <a14:useLocalDpi xmlns:a14="http://schemas.microsoft.com/office/drawing/2010/main" val="0"/>
+              </a:ext>
+            </a:extLst>
+          </a:blip>
+          <a:srcRect b="23320"/>
+          <a:stretch/>
+        </p:blipFill>
+        <p:spPr>
+          <a:xfrm>
+            <a:off x="8605878" y="6096000"/>
+            <a:ext cx="993734" cy="762000"/>
+          </a:xfrm>
+          <a:prstGeom prst="rect">
+            <a:avLst/>
+          </a:prstGeom>
+        </p:spPr>
+      </p:pic>
+      <p:sp>
+        <p:nvSpPr>
+          <p:cNvPr id="20" name="Rectangle 19">
+            <a:extLst>
+              <a:ext uri="{FF2B5EF4-FFF2-40B4-BE49-F238E27FC236}">
+                <a16:creationId xmlns:a16="http://schemas.microsoft.com/office/drawing/2014/main" id="{DE4D62F9-188E-4530-84C2-24BDEE4BEB82}"/>
+              </a:ext>
+              <a:ext uri="{C183D7F6-B498-43B3-948B-1728B52AA6E4}">
+                <adec:decorative xmlns:adec="http://schemas.microsoft.com/office/drawing/2017/decorative" val="1"/>
+              </a:ext>
+            </a:extLst>
+          </p:cNvPr>
+          <p:cNvSpPr>
+            <a:spLocks noGrp="1" noRot="1" noChangeAspect="1" noMove="1" noResize="1" noEditPoints="1" noAdjustHandles="1" noChangeArrowheads="1" noChangeShapeType="1" noTextEdit="1"/>
+          </p:cNvSpPr>
+          <p:nvPr>
+            <p:extLst>
+              <p:ext uri="{386F3935-93C4-4BCD-93E2-E3B085C9AB24}">
+                <p16:designElem xmlns:p16="http://schemas.microsoft.com/office/powerpoint/2015/main" val="1"/>
+              </p:ext>
+            </p:extLst>
+          </p:nvPr>
+        </p:nvSpPr>
+        <p:spPr>
+          <a:xfrm>
+            <a:off x="10437812" y="0"/>
+            <a:ext cx="685800" cy="1143000"/>
+          </a:xfrm>
+          <a:prstGeom prst="rect">
+            <a:avLst/>
+          </a:prstGeom>
+          <a:solidFill>
+            <a:schemeClr val="accent1"/>
+          </a:solidFill>
+          <a:ln>
+            <a:noFill/>
+          </a:ln>
+        </p:spPr>
+        <p:style>
+          <a:lnRef idx="1">
+            <a:schemeClr val="accent1"/>
+          </a:lnRef>
+          <a:fillRef idx="3">
+            <a:schemeClr val="accent1"/>
+          </a:fillRef>
+          <a:effectRef idx="2">
+            <a:schemeClr val="accent1"/>
+          </a:effectRef>
+          <a:fontRef idx="minor">
+            <a:schemeClr val="lt1"/>
+          </a:fontRef>
+        </p:style>
+      </p:sp>
+      <p:sp>
+        <p:nvSpPr>
+          <p:cNvPr id="22" name="Rectangle 21">
+            <a:extLst>
+              <a:ext uri="{FF2B5EF4-FFF2-40B4-BE49-F238E27FC236}">
+                <a16:creationId xmlns:a16="http://schemas.microsoft.com/office/drawing/2014/main" id="{757B325C-3E35-45CF-9D07-3BCB281F3B9C}"/>
+              </a:ext>
+              <a:ext uri="{C183D7F6-B498-43B3-948B-1728B52AA6E4}">
+                <adec:decorative xmlns:adec="http://schemas.microsoft.com/office/drawing/2017/decorative" val="1"/>
+              </a:ext>
+            </a:extLst>
+          </p:cNvPr>
+          <p:cNvSpPr>
+            <a:spLocks noGrp="1" noRot="1" noChangeAspect="1" noMove="1" noResize="1" noEditPoints="1" noAdjustHandles="1" noChangeArrowheads="1" noChangeShapeType="1" noTextEdit="1"/>
+          </p:cNvSpPr>
+          <p:nvPr>
+            <p:extLst>
+              <p:ext uri="{386F3935-93C4-4BCD-93E2-E3B085C9AB24}">
+                <p16:designElem xmlns:p16="http://schemas.microsoft.com/office/powerpoint/2015/main" val="1"/>
+              </p:ext>
+            </p:extLst>
+          </p:nvPr>
+        </p:nvSpPr>
+        <p:spPr>
+          <a:xfrm>
+            <a:off x="0" y="0"/>
+            <a:ext cx="12192000" cy="6858000"/>
+          </a:xfrm>
+          <a:prstGeom prst="rect">
+            <a:avLst/>
+          </a:prstGeom>
+          <a:ln>
+            <a:noFill/>
+          </a:ln>
+        </p:spPr>
+        <p:style>
+          <a:lnRef idx="2">
+            <a:schemeClr val="accent1">
+              <a:shade val="50000"/>
+            </a:schemeClr>
+          </a:lnRef>
+          <a:fillRef idx="1003">
+            <a:schemeClr val="dk2"/>
+          </a:fillRef>
+          <a:effectRef idx="0">
+            <a:schemeClr val="accent1"/>
+          </a:effectRef>
+          <a:fontRef idx="minor">
+            <a:schemeClr val="lt1"/>
+          </a:fontRef>
+        </p:style>
+        <p:txBody>
+          <a:bodyPr rtlCol="0" anchor="ctr"/>
+          <a:lstStyle/>
+          <a:p>
+            <a:pPr algn="ctr"/>
+            <a:endParaRPr lang="en-US"/>
+          </a:p>
+        </p:txBody>
+      </p:sp>
+      <p:sp>
+        <p:nvSpPr>
+          <p:cNvPr id="2" name="Titre 1">
+            <a:extLst>
+              <a:ext uri="{FF2B5EF4-FFF2-40B4-BE49-F238E27FC236}">
+                <a16:creationId xmlns:a16="http://schemas.microsoft.com/office/drawing/2014/main" id="{3A6A22A5-2185-290D-0AAC-D5E2F8BAB952}"/>
+              </a:ext>
+            </a:extLst>
+          </p:cNvPr>
+          <p:cNvSpPr>
+            <a:spLocks noGrp="1"/>
+          </p:cNvSpPr>
+          <p:nvPr>
+            <p:ph type="title"/>
+          </p:nvPr>
+        </p:nvSpPr>
+        <p:spPr>
+          <a:xfrm>
+            <a:off x="8191925" y="1325880"/>
+            <a:ext cx="3352375" cy="3066507"/>
+          </a:xfrm>
+        </p:spPr>
+        <p:txBody>
+          <a:bodyPr vert="horz" lIns="91440" tIns="45720" rIns="91440" bIns="45720" rtlCol="0" anchor="b">
+            <a:normAutofit/>
+          </a:bodyPr>
+          <a:lstStyle/>
+          <a:p>
+            <a:r>
+              <a:rPr lang="en-US" sz="5400" b="0" i="0" kern="1200">
+                <a:solidFill>
+                  <a:srgbClr val="EBEBEB"/>
+                </a:solidFill>
+                <a:latin typeface="+mj-lt"/>
+                <a:ea typeface="+mj-ea"/>
+                <a:cs typeface="+mj-cs"/>
+              </a:rPr>
+              <a:t>MLD</a:t>
+            </a:r>
+          </a:p>
+        </p:txBody>
+      </p:sp>
+      <p:sp>
+        <p:nvSpPr>
+          <p:cNvPr id="24" name="Freeform 36">
+            <a:extLst>
+              <a:ext uri="{FF2B5EF4-FFF2-40B4-BE49-F238E27FC236}">
+                <a16:creationId xmlns:a16="http://schemas.microsoft.com/office/drawing/2014/main" id="{C24BEC42-AFF3-40D1-93A2-A27A42E1E23C}"/>
+              </a:ext>
+              <a:ext uri="{C183D7F6-B498-43B3-948B-1728B52AA6E4}">
+                <adec:decorative xmlns:adec="http://schemas.microsoft.com/office/drawing/2017/decorative" val="1"/>
+              </a:ext>
+            </a:extLst>
+          </p:cNvPr>
+          <p:cNvSpPr>
+            <a:spLocks noGrp="1" noRot="1" noChangeAspect="1" noMove="1" noResize="1" noEditPoints="1" noAdjustHandles="1" noChangeArrowheads="1" noChangeShapeType="1" noTextEdit="1"/>
+          </p:cNvSpPr>
+          <p:nvPr>
+            <p:extLst>
+              <p:ext uri="{386F3935-93C4-4BCD-93E2-E3B085C9AB24}">
+                <p16:designElem xmlns:p16="http://schemas.microsoft.com/office/powerpoint/2015/main" val="1"/>
+              </p:ext>
+            </p:extLst>
+          </p:nvPr>
+        </p:nvSpPr>
+        <p:spPr>
+          <a:xfrm flipH="1">
+            <a:off x="7463681" y="-1"/>
+            <a:ext cx="559472" cy="3709642"/>
+          </a:xfrm>
+          <a:custGeom>
+            <a:avLst/>
+            <a:gdLst>
+              <a:gd name="connsiteX0" fmla="*/ 0 w 559472"/>
+              <a:gd name="connsiteY0" fmla="*/ 0 h 3709642"/>
+              <a:gd name="connsiteX1" fmla="*/ 473952 w 559472"/>
+              <a:gd name="connsiteY1" fmla="*/ 0 h 3709642"/>
+              <a:gd name="connsiteX2" fmla="*/ 485840 w 559472"/>
+              <a:gd name="connsiteY2" fmla="*/ 161194 h 3709642"/>
+              <a:gd name="connsiteX3" fmla="*/ 523949 w 559472"/>
+              <a:gd name="connsiteY3" fmla="*/ 3672197 h 3709642"/>
+              <a:gd name="connsiteX4" fmla="*/ 454748 w 559472"/>
+              <a:gd name="connsiteY4" fmla="*/ 3709642 h 3709642"/>
+              <a:gd name="connsiteX5" fmla="*/ 448224 w 559472"/>
+              <a:gd name="connsiteY5" fmla="*/ 3510471 h 3709642"/>
+              <a:gd name="connsiteX6" fmla="*/ 443564 w 559472"/>
+              <a:gd name="connsiteY6" fmla="*/ 3408563 h 3709642"/>
+              <a:gd name="connsiteX7" fmla="*/ 438902 w 559472"/>
+              <a:gd name="connsiteY7" fmla="*/ 3304407 h 3709642"/>
+              <a:gd name="connsiteX8" fmla="*/ 433941 w 559472"/>
+              <a:gd name="connsiteY8" fmla="*/ 3198777 h 3709642"/>
+              <a:gd name="connsiteX9" fmla="*/ 427584 w 559472"/>
+              <a:gd name="connsiteY9" fmla="*/ 3092510 h 3709642"/>
+              <a:gd name="connsiteX10" fmla="*/ 420988 w 559472"/>
+              <a:gd name="connsiteY10" fmla="*/ 2984390 h 3709642"/>
+              <a:gd name="connsiteX11" fmla="*/ 414330 w 559472"/>
+              <a:gd name="connsiteY11" fmla="*/ 2874401 h 3709642"/>
+              <a:gd name="connsiteX12" fmla="*/ 406840 w 559472"/>
+              <a:gd name="connsiteY12" fmla="*/ 2762980 h 3709642"/>
+              <a:gd name="connsiteX13" fmla="*/ 397745 w 559472"/>
+              <a:gd name="connsiteY13" fmla="*/ 2650566 h 3709642"/>
+              <a:gd name="connsiteX14" fmla="*/ 389154 w 559472"/>
+              <a:gd name="connsiteY14" fmla="*/ 2536612 h 3709642"/>
+              <a:gd name="connsiteX15" fmla="*/ 379225 w 559472"/>
+              <a:gd name="connsiteY15" fmla="*/ 2421642 h 3709642"/>
+              <a:gd name="connsiteX16" fmla="*/ 368316 w 559472"/>
+              <a:gd name="connsiteY16" fmla="*/ 2305627 h 3709642"/>
+              <a:gd name="connsiteX17" fmla="*/ 357466 w 559472"/>
+              <a:gd name="connsiteY17" fmla="*/ 2189233 h 3709642"/>
+              <a:gd name="connsiteX18" fmla="*/ 344982 w 559472"/>
+              <a:gd name="connsiteY18" fmla="*/ 2071473 h 3709642"/>
+              <a:gd name="connsiteX19" fmla="*/ 332466 w 559472"/>
+              <a:gd name="connsiteY19" fmla="*/ 1952216 h 3709642"/>
+              <a:gd name="connsiteX20" fmla="*/ 319121 w 559472"/>
+              <a:gd name="connsiteY20" fmla="*/ 1833776 h 3709642"/>
+              <a:gd name="connsiteX21" fmla="*/ 304408 w 559472"/>
+              <a:gd name="connsiteY21" fmla="*/ 1713948 h 3709642"/>
+              <a:gd name="connsiteX22" fmla="*/ 288685 w 559472"/>
+              <a:gd name="connsiteY22" fmla="*/ 1592703 h 3709642"/>
+              <a:gd name="connsiteX23" fmla="*/ 273050 w 559472"/>
+              <a:gd name="connsiteY23" fmla="*/ 1471451 h 3709642"/>
+              <a:gd name="connsiteX24" fmla="*/ 255813 w 559472"/>
+              <a:gd name="connsiteY24" fmla="*/ 1350328 h 3709642"/>
+              <a:gd name="connsiteX25" fmla="*/ 237060 w 559472"/>
+              <a:gd name="connsiteY25" fmla="*/ 1227080 h 3709642"/>
+              <a:gd name="connsiteX26" fmla="*/ 218488 w 559472"/>
+              <a:gd name="connsiteY26" fmla="*/ 1106065 h 3709642"/>
+              <a:gd name="connsiteX27" fmla="*/ 198221 w 559472"/>
+              <a:gd name="connsiteY27" fmla="*/ 982940 h 3709642"/>
+              <a:gd name="connsiteX28" fmla="*/ 177152 w 559472"/>
+              <a:gd name="connsiteY28" fmla="*/ 858755 h 3709642"/>
+              <a:gd name="connsiteX29" fmla="*/ 155551 w 559472"/>
+              <a:gd name="connsiteY29" fmla="*/ 736861 h 3709642"/>
+              <a:gd name="connsiteX30" fmla="*/ 131782 w 559472"/>
+              <a:gd name="connsiteY30" fmla="*/ 613645 h 3709642"/>
+              <a:gd name="connsiteX31" fmla="*/ 107123 w 559472"/>
+              <a:gd name="connsiteY31" fmla="*/ 490500 h 3709642"/>
+              <a:gd name="connsiteX32" fmla="*/ 82552 w 559472"/>
+              <a:gd name="connsiteY32" fmla="*/ 367348 h 3709642"/>
+              <a:gd name="connsiteX33" fmla="*/ 55608 w 559472"/>
+              <a:gd name="connsiteY33" fmla="*/ 244762 h 3709642"/>
+              <a:gd name="connsiteX34" fmla="*/ 28130 w 559472"/>
+              <a:gd name="connsiteY34" fmla="*/ 122220 h 3709642"/>
+              <a:gd name="connsiteX35" fmla="*/ 0 w 559472"/>
+              <a:gd name="connsiteY35" fmla="*/ 0 h 3709642"/>
+            </a:gdLst>
+            <a:ahLst/>
+            <a:cxnLst>
+              <a:cxn ang="0">
+                <a:pos x="connsiteX0" y="connsiteY0"/>
+              </a:cxn>
+              <a:cxn ang="0">
+                <a:pos x="connsiteX1" y="connsiteY1"/>
+              </a:cxn>
+              <a:cxn ang="0">
+                <a:pos x="connsiteX2" y="connsiteY2"/>
+              </a:cxn>
+              <a:cxn ang="0">
+                <a:pos x="connsiteX3" y="connsiteY3"/>
+              </a:cxn>
+              <a:cxn ang="0">
+                <a:pos x="connsiteX4" y="connsiteY4"/>
+              </a:cxn>
+              <a:cxn ang="0">
+                <a:pos x="connsiteX5" y="connsiteY5"/>
+              </a:cxn>
+              <a:cxn ang="0">
+                <a:pos x="connsiteX6" y="connsiteY6"/>
+              </a:cxn>
+              <a:cxn ang="0">
+                <a:pos x="connsiteX7" y="connsiteY7"/>
+              </a:cxn>
+              <a:cxn ang="0">
+                <a:pos x="connsiteX8" y="connsiteY8"/>
+              </a:cxn>
+              <a:cxn ang="0">
+                <a:pos x="connsiteX9" y="connsiteY9"/>
+              </a:cxn>
+              <a:cxn ang="0">
+                <a:pos x="connsiteX10" y="connsiteY10"/>
+              </a:cxn>
+              <a:cxn ang="0">
+                <a:pos x="connsiteX11" y="connsiteY11"/>
+              </a:cxn>
+              <a:cxn ang="0">
+                <a:pos x="connsiteX12" y="connsiteY12"/>
+              </a:cxn>
+              <a:cxn ang="0">
+                <a:pos x="connsiteX13" y="connsiteY13"/>
+              </a:cxn>
+              <a:cxn ang="0">
+                <a:pos x="connsiteX14" y="connsiteY14"/>
+              </a:cxn>
+              <a:cxn ang="0">
+                <a:pos x="connsiteX15" y="connsiteY15"/>
+              </a:cxn>
+              <a:cxn ang="0">
+                <a:pos x="connsiteX16" y="connsiteY16"/>
+              </a:cxn>
+              <a:cxn ang="0">
+                <a:pos x="connsiteX17" y="connsiteY17"/>
+              </a:cxn>
+              <a:cxn ang="0">
+                <a:pos x="connsiteX18" y="connsiteY18"/>
+              </a:cxn>
+              <a:cxn ang="0">
+                <a:pos x="connsiteX19" y="connsiteY19"/>
+              </a:cxn>
+              <a:cxn ang="0">
+                <a:pos x="connsiteX20" y="connsiteY20"/>
+              </a:cxn>
+              <a:cxn ang="0">
+                <a:pos x="connsiteX21" y="connsiteY21"/>
+              </a:cxn>
+              <a:cxn ang="0">
+                <a:pos x="connsiteX22" y="connsiteY22"/>
+              </a:cxn>
+              <a:cxn ang="0">
+                <a:pos x="connsiteX23" y="connsiteY23"/>
+              </a:cxn>
+              <a:cxn ang="0">
+                <a:pos x="connsiteX24" y="connsiteY24"/>
+              </a:cxn>
+              <a:cxn ang="0">
+                <a:pos x="connsiteX25" y="connsiteY25"/>
+              </a:cxn>
+              <a:cxn ang="0">
+                <a:pos x="connsiteX26" y="connsiteY26"/>
+              </a:cxn>
+              <a:cxn ang="0">
+                <a:pos x="connsiteX27" y="connsiteY27"/>
+              </a:cxn>
+              <a:cxn ang="0">
+                <a:pos x="connsiteX28" y="connsiteY28"/>
+              </a:cxn>
+              <a:cxn ang="0">
+                <a:pos x="connsiteX29" y="connsiteY29"/>
+              </a:cxn>
+              <a:cxn ang="0">
+                <a:pos x="connsiteX30" y="connsiteY30"/>
+              </a:cxn>
+              <a:cxn ang="0">
+                <a:pos x="connsiteX31" y="connsiteY31"/>
+              </a:cxn>
+              <a:cxn ang="0">
+                <a:pos x="connsiteX32" y="connsiteY32"/>
+              </a:cxn>
+              <a:cxn ang="0">
+                <a:pos x="connsiteX33" y="connsiteY33"/>
+              </a:cxn>
+              <a:cxn ang="0">
+                <a:pos x="connsiteX34" y="connsiteY34"/>
+              </a:cxn>
+              <a:cxn ang="0">
+                <a:pos x="connsiteX35" y="connsiteY35"/>
+              </a:cxn>
+            </a:cxnLst>
+            <a:rect l="l" t="t" r="r" b="b"/>
+            <a:pathLst>
+              <a:path w="559472" h="3709642">
+                <a:moveTo>
+                  <a:pt x="0" y="0"/>
+                </a:moveTo>
+                <a:lnTo>
+                  <a:pt x="473952" y="0"/>
+                </a:lnTo>
+                <a:lnTo>
+                  <a:pt x="485840" y="161194"/>
+                </a:lnTo>
+                <a:cubicBezTo>
+                  <a:pt x="552063" y="1147770"/>
+                  <a:pt x="592441" y="3086737"/>
+                  <a:pt x="523949" y="3672197"/>
+                </a:cubicBezTo>
+                <a:cubicBezTo>
+                  <a:pt x="500842" y="3684557"/>
+                  <a:pt x="477855" y="3697282"/>
+                  <a:pt x="454748" y="3709642"/>
+                </a:cubicBezTo>
+                <a:lnTo>
+                  <a:pt x="448224" y="3510471"/>
+                </a:lnTo>
+                <a:lnTo>
+                  <a:pt x="443564" y="3408563"/>
+                </a:lnTo>
+                <a:lnTo>
+                  <a:pt x="438902" y="3304407"/>
+                </a:lnTo>
+                <a:lnTo>
+                  <a:pt x="433941" y="3198777"/>
+                </a:lnTo>
+                <a:lnTo>
+                  <a:pt x="427584" y="3092510"/>
+                </a:lnTo>
+                <a:lnTo>
+                  <a:pt x="420988" y="2984390"/>
+                </a:lnTo>
+                <a:lnTo>
+                  <a:pt x="414330" y="2874401"/>
+                </a:lnTo>
+                <a:lnTo>
+                  <a:pt x="406840" y="2762980"/>
+                </a:lnTo>
+                <a:lnTo>
+                  <a:pt x="397745" y="2650566"/>
+                </a:lnTo>
+                <a:lnTo>
+                  <a:pt x="389154" y="2536612"/>
+                </a:lnTo>
+                <a:lnTo>
+                  <a:pt x="379225" y="2421642"/>
+                </a:lnTo>
+                <a:lnTo>
+                  <a:pt x="368316" y="2305627"/>
+                </a:lnTo>
+                <a:lnTo>
+                  <a:pt x="357466" y="2189233"/>
+                </a:lnTo>
+                <a:lnTo>
+                  <a:pt x="344982" y="2071473"/>
+                </a:lnTo>
+                <a:lnTo>
+                  <a:pt x="332466" y="1952216"/>
+                </a:lnTo>
+                <a:lnTo>
+                  <a:pt x="319121" y="1833776"/>
+                </a:lnTo>
+                <a:lnTo>
+                  <a:pt x="304408" y="1713948"/>
+                </a:lnTo>
+                <a:lnTo>
+                  <a:pt x="288685" y="1592703"/>
+                </a:lnTo>
+                <a:lnTo>
+                  <a:pt x="273050" y="1471451"/>
+                </a:lnTo>
+                <a:lnTo>
+                  <a:pt x="255813" y="1350328"/>
+                </a:lnTo>
+                <a:lnTo>
+                  <a:pt x="237060" y="1227080"/>
+                </a:lnTo>
+                <a:lnTo>
+                  <a:pt x="218488" y="1106065"/>
+                </a:lnTo>
+                <a:lnTo>
+                  <a:pt x="198221" y="982940"/>
+                </a:lnTo>
+                <a:lnTo>
+                  <a:pt x="177152" y="858755"/>
+                </a:lnTo>
+                <a:lnTo>
+                  <a:pt x="155551" y="736861"/>
+                </a:lnTo>
+                <a:lnTo>
+                  <a:pt x="131782" y="613645"/>
+                </a:lnTo>
+                <a:lnTo>
+                  <a:pt x="107123" y="490500"/>
+                </a:lnTo>
+                <a:lnTo>
+                  <a:pt x="82552" y="367348"/>
+                </a:lnTo>
+                <a:lnTo>
+                  <a:pt x="55608" y="244762"/>
+                </a:lnTo>
+                <a:lnTo>
+                  <a:pt x="28130" y="122220"/>
+                </a:lnTo>
+                <a:lnTo>
+                  <a:pt x="0" y="0"/>
+                </a:lnTo>
+                <a:close/>
+              </a:path>
+            </a:pathLst>
+          </a:custGeom>
+          <a:solidFill>
+            <a:schemeClr val="bg1">
+              <a:alpha val="20000"/>
+            </a:schemeClr>
+          </a:solidFill>
+          <a:ln>
+            <a:noFill/>
+          </a:ln>
+        </p:spPr>
+        <p:txBody>
+          <a:bodyPr rtlCol="0" anchor="ctr"/>
+          <a:lstStyle/>
+          <a:p>
+            <a:pPr algn="ctr"/>
+            <a:endParaRPr lang="en-US"/>
+          </a:p>
+        </p:txBody>
+      </p:sp>
+      <p:sp useBgFill="1">
+        <p:nvSpPr>
+          <p:cNvPr id="26" name="Freeform: Shape 25">
+            <a:extLst>
+              <a:ext uri="{FF2B5EF4-FFF2-40B4-BE49-F238E27FC236}">
+                <a16:creationId xmlns:a16="http://schemas.microsoft.com/office/drawing/2014/main" id="{608F427C-1EC9-4280-9367-F2B3AA063E82}"/>
+              </a:ext>
+              <a:ext uri="{C183D7F6-B498-43B3-948B-1728B52AA6E4}">
+                <adec:decorative xmlns:adec="http://schemas.microsoft.com/office/drawing/2017/decorative" val="1"/>
+              </a:ext>
+            </a:extLst>
+          </p:cNvPr>
+          <p:cNvSpPr>
+            <a:spLocks noGrp="1" noRot="1" noChangeAspect="1" noMove="1" noResize="1" noEditPoints="1" noAdjustHandles="1" noChangeArrowheads="1" noChangeShapeType="1" noTextEdit="1"/>
+          </p:cNvSpPr>
+          <p:nvPr>
+            <p:extLst>
+              <p:ext uri="{386F3935-93C4-4BCD-93E2-E3B085C9AB24}">
+                <p16:designElem xmlns:p16="http://schemas.microsoft.com/office/powerpoint/2015/main" val="1"/>
+              </p:ext>
+            </p:extLst>
+          </p:nvPr>
+        </p:nvSpPr>
+        <p:spPr>
+          <a:xfrm>
+            <a:off x="0" y="0"/>
+            <a:ext cx="7809954" cy="6858000"/>
+          </a:xfrm>
+          <a:custGeom>
+            <a:avLst/>
+            <a:gdLst>
+              <a:gd name="connsiteX0" fmla="*/ 6465239 w 7809954"/>
+              <a:gd name="connsiteY0" fmla="*/ 0 h 6858000"/>
+              <a:gd name="connsiteX1" fmla="*/ 7808777 w 7809954"/>
+              <a:gd name="connsiteY1" fmla="*/ 0 h 6858000"/>
+              <a:gd name="connsiteX2" fmla="*/ 7783732 w 7809954"/>
+              <a:gd name="connsiteY2" fmla="*/ 155676 h 6858000"/>
+              <a:gd name="connsiteX3" fmla="*/ 7759863 w 7809954"/>
+              <a:gd name="connsiteY3" fmla="*/ 310667 h 6858000"/>
+              <a:gd name="connsiteX4" fmla="*/ 7736499 w 7809954"/>
+              <a:gd name="connsiteY4" fmla="*/ 466344 h 6858000"/>
+              <a:gd name="connsiteX5" fmla="*/ 7716496 w 7809954"/>
+              <a:gd name="connsiteY5" fmla="*/ 622706 h 6858000"/>
+              <a:gd name="connsiteX6" fmla="*/ 7696325 w 7809954"/>
+              <a:gd name="connsiteY6" fmla="*/ 778383 h 6858000"/>
+              <a:gd name="connsiteX7" fmla="*/ 7677499 w 7809954"/>
+              <a:gd name="connsiteY7" fmla="*/ 934745 h 6858000"/>
+              <a:gd name="connsiteX8" fmla="*/ 7661363 w 7809954"/>
+              <a:gd name="connsiteY8" fmla="*/ 1089050 h 6858000"/>
+              <a:gd name="connsiteX9" fmla="*/ 7646067 w 7809954"/>
+              <a:gd name="connsiteY9" fmla="*/ 1245413 h 6858000"/>
+              <a:gd name="connsiteX10" fmla="*/ 7632115 w 7809954"/>
+              <a:gd name="connsiteY10" fmla="*/ 1401089 h 6858000"/>
+              <a:gd name="connsiteX11" fmla="*/ 7620013 w 7809954"/>
+              <a:gd name="connsiteY11" fmla="*/ 1554023 h 6858000"/>
+              <a:gd name="connsiteX12" fmla="*/ 7607910 w 7809954"/>
+              <a:gd name="connsiteY12" fmla="*/ 1709013 h 6858000"/>
+              <a:gd name="connsiteX13" fmla="*/ 7597825 w 7809954"/>
+              <a:gd name="connsiteY13" fmla="*/ 1861947 h 6858000"/>
+              <a:gd name="connsiteX14" fmla="*/ 7589925 w 7809954"/>
+              <a:gd name="connsiteY14" fmla="*/ 2014880 h 6858000"/>
+              <a:gd name="connsiteX15" fmla="*/ 7581688 w 7809954"/>
+              <a:gd name="connsiteY15" fmla="*/ 2167128 h 6858000"/>
+              <a:gd name="connsiteX16" fmla="*/ 7574797 w 7809954"/>
+              <a:gd name="connsiteY16" fmla="*/ 2318004 h 6858000"/>
+              <a:gd name="connsiteX17" fmla="*/ 7569922 w 7809954"/>
+              <a:gd name="connsiteY17" fmla="*/ 2467508 h 6858000"/>
+              <a:gd name="connsiteX18" fmla="*/ 7565720 w 7809954"/>
+              <a:gd name="connsiteY18" fmla="*/ 2617013 h 6858000"/>
+              <a:gd name="connsiteX19" fmla="*/ 7561686 w 7809954"/>
+              <a:gd name="connsiteY19" fmla="*/ 2765145 h 6858000"/>
+              <a:gd name="connsiteX20" fmla="*/ 7559837 w 7809954"/>
+              <a:gd name="connsiteY20" fmla="*/ 2911221 h 6858000"/>
+              <a:gd name="connsiteX21" fmla="*/ 7557820 w 7809954"/>
+              <a:gd name="connsiteY21" fmla="*/ 3057296 h 6858000"/>
+              <a:gd name="connsiteX22" fmla="*/ 7556811 w 7809954"/>
+              <a:gd name="connsiteY22" fmla="*/ 3201314 h 6858000"/>
+              <a:gd name="connsiteX23" fmla="*/ 7557820 w 7809954"/>
+              <a:gd name="connsiteY23" fmla="*/ 3343960 h 6858000"/>
+              <a:gd name="connsiteX24" fmla="*/ 7557820 w 7809954"/>
+              <a:gd name="connsiteY24" fmla="*/ 3485235 h 6858000"/>
+              <a:gd name="connsiteX25" fmla="*/ 7559837 w 7809954"/>
+              <a:gd name="connsiteY25" fmla="*/ 3625138 h 6858000"/>
+              <a:gd name="connsiteX26" fmla="*/ 7562862 w 7809954"/>
+              <a:gd name="connsiteY26" fmla="*/ 3762298 h 6858000"/>
+              <a:gd name="connsiteX27" fmla="*/ 7565720 w 7809954"/>
+              <a:gd name="connsiteY27" fmla="*/ 3898087 h 6858000"/>
+              <a:gd name="connsiteX28" fmla="*/ 7568914 w 7809954"/>
+              <a:gd name="connsiteY28" fmla="*/ 4031132 h 6858000"/>
+              <a:gd name="connsiteX29" fmla="*/ 7573788 w 7809954"/>
+              <a:gd name="connsiteY29" fmla="*/ 4163491 h 6858000"/>
+              <a:gd name="connsiteX30" fmla="*/ 7578999 w 7809954"/>
+              <a:gd name="connsiteY30" fmla="*/ 4293793 h 6858000"/>
+              <a:gd name="connsiteX31" fmla="*/ 7583705 w 7809954"/>
+              <a:gd name="connsiteY31" fmla="*/ 4421352 h 6858000"/>
+              <a:gd name="connsiteX32" fmla="*/ 7596985 w 7809954"/>
+              <a:gd name="connsiteY32" fmla="*/ 4670298 h 6858000"/>
+              <a:gd name="connsiteX33" fmla="*/ 7611104 w 7809954"/>
+              <a:gd name="connsiteY33" fmla="*/ 4908956 h 6858000"/>
+              <a:gd name="connsiteX34" fmla="*/ 7625896 w 7809954"/>
+              <a:gd name="connsiteY34" fmla="*/ 5138013 h 6858000"/>
+              <a:gd name="connsiteX35" fmla="*/ 7642201 w 7809954"/>
+              <a:gd name="connsiteY35" fmla="*/ 5354726 h 6858000"/>
+              <a:gd name="connsiteX36" fmla="*/ 7659178 w 7809954"/>
+              <a:gd name="connsiteY36" fmla="*/ 5561838 h 6858000"/>
+              <a:gd name="connsiteX37" fmla="*/ 7677499 w 7809954"/>
+              <a:gd name="connsiteY37" fmla="*/ 5753862 h 6858000"/>
+              <a:gd name="connsiteX38" fmla="*/ 7695485 w 7809954"/>
+              <a:gd name="connsiteY38" fmla="*/ 5934227 h 6858000"/>
+              <a:gd name="connsiteX39" fmla="*/ 7713470 w 7809954"/>
+              <a:gd name="connsiteY39" fmla="*/ 6100191 h 6858000"/>
+              <a:gd name="connsiteX40" fmla="*/ 7730447 w 7809954"/>
+              <a:gd name="connsiteY40" fmla="*/ 6252438 h 6858000"/>
+              <a:gd name="connsiteX41" fmla="*/ 7746584 w 7809954"/>
+              <a:gd name="connsiteY41" fmla="*/ 6387541 h 6858000"/>
+              <a:gd name="connsiteX42" fmla="*/ 7761880 w 7809954"/>
+              <a:gd name="connsiteY42" fmla="*/ 6509613 h 6858000"/>
+              <a:gd name="connsiteX43" fmla="*/ 7774655 w 7809954"/>
+              <a:gd name="connsiteY43" fmla="*/ 6612483 h 6858000"/>
+              <a:gd name="connsiteX44" fmla="*/ 7786757 w 7809954"/>
+              <a:gd name="connsiteY44" fmla="*/ 6698894 h 6858000"/>
+              <a:gd name="connsiteX45" fmla="*/ 7804071 w 7809954"/>
+              <a:gd name="connsiteY45" fmla="*/ 6817538 h 6858000"/>
+              <a:gd name="connsiteX46" fmla="*/ 7809954 w 7809954"/>
+              <a:gd name="connsiteY46" fmla="*/ 6858000 h 6858000"/>
+              <a:gd name="connsiteX47" fmla="*/ 7157124 w 7809954"/>
+              <a:gd name="connsiteY47" fmla="*/ 6858000 h 6858000"/>
+              <a:gd name="connsiteX48" fmla="*/ 7157124 w 7809954"/>
+              <a:gd name="connsiteY48" fmla="*/ 6858000 h 6858000"/>
+              <a:gd name="connsiteX49" fmla="*/ 0 w 7809954"/>
+              <a:gd name="connsiteY49" fmla="*/ 6858000 h 6858000"/>
+              <a:gd name="connsiteX50" fmla="*/ 0 w 7809954"/>
+              <a:gd name="connsiteY50" fmla="*/ 0 h 6858000"/>
+              <a:gd name="connsiteX51" fmla="*/ 6465239 w 7809954"/>
+              <a:gd name="connsiteY51" fmla="*/ 0 h 6858000"/>
+            </a:gdLst>
+            <a:ahLst/>
+            <a:cxnLst>
+              <a:cxn ang="0">
+                <a:pos x="connsiteX0" y="connsiteY0"/>
+              </a:cxn>
+              <a:cxn ang="0">
+                <a:pos x="connsiteX1" y="connsiteY1"/>
+              </a:cxn>
+              <a:cxn ang="0">
+                <a:pos x="connsiteX2" y="connsiteY2"/>
+              </a:cxn>
+              <a:cxn ang="0">
+                <a:pos x="connsiteX3" y="connsiteY3"/>
+              </a:cxn>
+              <a:cxn ang="0">
+                <a:pos x="connsiteX4" y="connsiteY4"/>
+              </a:cxn>
+              <a:cxn ang="0">
+                <a:pos x="connsiteX5" y="connsiteY5"/>
+              </a:cxn>
+              <a:cxn ang="0">
+                <a:pos x="connsiteX6" y="connsiteY6"/>
+              </a:cxn>
+              <a:cxn ang="0">
+                <a:pos x="connsiteX7" y="connsiteY7"/>
+              </a:cxn>
+              <a:cxn ang="0">
+                <a:pos x="connsiteX8" y="connsiteY8"/>
+              </a:cxn>
+              <a:cxn ang="0">
+                <a:pos x="connsiteX9" y="connsiteY9"/>
+              </a:cxn>
+              <a:cxn ang="0">
+                <a:pos x="connsiteX10" y="connsiteY10"/>
+              </a:cxn>
+              <a:cxn ang="0">
+                <a:pos x="connsiteX11" y="connsiteY11"/>
+              </a:cxn>
+              <a:cxn ang="0">
+                <a:pos x="connsiteX12" y="connsiteY12"/>
+              </a:cxn>
+              <a:cxn ang="0">
+                <a:pos x="connsiteX13" y="connsiteY13"/>
+              </a:cxn>
+              <a:cxn ang="0">
+                <a:pos x="connsiteX14" y="connsiteY14"/>
+              </a:cxn>
+              <a:cxn ang="0">
+                <a:pos x="connsiteX15" y="connsiteY15"/>
+              </a:cxn>
+              <a:cxn ang="0">
+                <a:pos x="connsiteX16" y="connsiteY16"/>
+              </a:cxn>
+              <a:cxn ang="0">
+                <a:pos x="connsiteX17" y="connsiteY17"/>
+              </a:cxn>
+              <a:cxn ang="0">
+                <a:pos x="connsiteX18" y="connsiteY18"/>
+              </a:cxn>
+              <a:cxn ang="0">
+                <a:pos x="connsiteX19" y="connsiteY19"/>
+              </a:cxn>
+              <a:cxn ang="0">
+                <a:pos x="connsiteX20" y="connsiteY20"/>
+              </a:cxn>
+              <a:cxn ang="0">
+                <a:pos x="connsiteX21" y="connsiteY21"/>
+              </a:cxn>
+              <a:cxn ang="0">
+                <a:pos x="connsiteX22" y="connsiteY22"/>
+              </a:cxn>
+              <a:cxn ang="0">
+                <a:pos x="connsiteX23" y="connsiteY23"/>
+              </a:cxn>
+              <a:cxn ang="0">
+                <a:pos x="connsiteX24" y="connsiteY24"/>
+              </a:cxn>
+              <a:cxn ang="0">
+                <a:pos x="connsiteX25" y="connsiteY25"/>
+              </a:cxn>
+              <a:cxn ang="0">
+                <a:pos x="connsiteX26" y="connsiteY26"/>
+              </a:cxn>
+              <a:cxn ang="0">
+                <a:pos x="connsiteX27" y="connsiteY27"/>
+              </a:cxn>
+              <a:cxn ang="0">
+                <a:pos x="connsiteX28" y="connsiteY28"/>
+              </a:cxn>
+              <a:cxn ang="0">
+                <a:pos x="connsiteX29" y="connsiteY29"/>
+              </a:cxn>
+              <a:cxn ang="0">
+                <a:pos x="connsiteX30" y="connsiteY30"/>
+              </a:cxn>
+              <a:cxn ang="0">
+                <a:pos x="connsiteX31" y="connsiteY31"/>
+              </a:cxn>
+              <a:cxn ang="0">
+                <a:pos x="connsiteX32" y="connsiteY32"/>
+              </a:cxn>
+              <a:cxn ang="0">
+                <a:pos x="connsiteX33" y="connsiteY33"/>
+              </a:cxn>
+              <a:cxn ang="0">
+                <a:pos x="connsiteX34" y="connsiteY34"/>
+              </a:cxn>
+              <a:cxn ang="0">
+                <a:pos x="connsiteX35" y="connsiteY35"/>
+              </a:cxn>
+              <a:cxn ang="0">
+                <a:pos x="connsiteX36" y="connsiteY36"/>
+              </a:cxn>
+              <a:cxn ang="0">
+                <a:pos x="connsiteX37" y="connsiteY37"/>
+              </a:cxn>
+              <a:cxn ang="0">
+                <a:pos x="connsiteX38" y="connsiteY38"/>
+              </a:cxn>
+              <a:cxn ang="0">
+                <a:pos x="connsiteX39" y="connsiteY39"/>
+              </a:cxn>
+              <a:cxn ang="0">
+                <a:pos x="connsiteX40" y="connsiteY40"/>
+              </a:cxn>
+              <a:cxn ang="0">
+                <a:pos x="connsiteX41" y="connsiteY41"/>
+              </a:cxn>
+              <a:cxn ang="0">
+                <a:pos x="connsiteX42" y="connsiteY42"/>
+              </a:cxn>
+              <a:cxn ang="0">
+                <a:pos x="connsiteX43" y="connsiteY43"/>
+              </a:cxn>
+              <a:cxn ang="0">
+                <a:pos x="connsiteX44" y="connsiteY44"/>
+              </a:cxn>
+              <a:cxn ang="0">
+                <a:pos x="connsiteX45" y="connsiteY45"/>
+              </a:cxn>
+              <a:cxn ang="0">
+                <a:pos x="connsiteX46" y="connsiteY46"/>
+              </a:cxn>
+              <a:cxn ang="0">
+                <a:pos x="connsiteX47" y="connsiteY47"/>
+              </a:cxn>
+              <a:cxn ang="0">
+                <a:pos x="connsiteX48" y="connsiteY48"/>
+              </a:cxn>
+              <a:cxn ang="0">
+                <a:pos x="connsiteX49" y="connsiteY49"/>
+              </a:cxn>
+              <a:cxn ang="0">
+                <a:pos x="connsiteX50" y="connsiteY50"/>
+              </a:cxn>
+              <a:cxn ang="0">
+                <a:pos x="connsiteX51" y="connsiteY51"/>
+              </a:cxn>
+            </a:cxnLst>
+            <a:rect l="l" t="t" r="r" b="b"/>
+            <a:pathLst>
+              <a:path w="7809954" h="6858000">
+                <a:moveTo>
+                  <a:pt x="6465239" y="0"/>
+                </a:moveTo>
+                <a:lnTo>
+                  <a:pt x="7808777" y="0"/>
+                </a:lnTo>
+                <a:lnTo>
+                  <a:pt x="7783732" y="155676"/>
+                </a:lnTo>
+                <a:lnTo>
+                  <a:pt x="7759863" y="310667"/>
+                </a:lnTo>
+                <a:lnTo>
+                  <a:pt x="7736499" y="466344"/>
+                </a:lnTo>
+                <a:lnTo>
+                  <a:pt x="7716496" y="622706"/>
+                </a:lnTo>
+                <a:lnTo>
+                  <a:pt x="7696325" y="778383"/>
+                </a:lnTo>
+                <a:lnTo>
+                  <a:pt x="7677499" y="934745"/>
+                </a:lnTo>
+                <a:lnTo>
+                  <a:pt x="7661363" y="1089050"/>
+                </a:lnTo>
+                <a:lnTo>
+                  <a:pt x="7646067" y="1245413"/>
+                </a:lnTo>
+                <a:lnTo>
+                  <a:pt x="7632115" y="1401089"/>
+                </a:lnTo>
+                <a:lnTo>
+                  <a:pt x="7620013" y="1554023"/>
+                </a:lnTo>
+                <a:lnTo>
+                  <a:pt x="7607910" y="1709013"/>
+                </a:lnTo>
+                <a:lnTo>
+                  <a:pt x="7597825" y="1861947"/>
+                </a:lnTo>
+                <a:lnTo>
+                  <a:pt x="7589925" y="2014880"/>
+                </a:lnTo>
+                <a:lnTo>
+                  <a:pt x="7581688" y="2167128"/>
+                </a:lnTo>
+                <a:lnTo>
+                  <a:pt x="7574797" y="2318004"/>
+                </a:lnTo>
+                <a:lnTo>
+                  <a:pt x="7569922" y="2467508"/>
+                </a:lnTo>
+                <a:lnTo>
+                  <a:pt x="7565720" y="2617013"/>
+                </a:lnTo>
+                <a:lnTo>
+                  <a:pt x="7561686" y="2765145"/>
+                </a:lnTo>
+                <a:lnTo>
+                  <a:pt x="7559837" y="2911221"/>
+                </a:lnTo>
+                <a:lnTo>
+                  <a:pt x="7557820" y="3057296"/>
+                </a:lnTo>
+                <a:lnTo>
+                  <a:pt x="7556811" y="3201314"/>
+                </a:lnTo>
+                <a:lnTo>
+                  <a:pt x="7557820" y="3343960"/>
+                </a:lnTo>
+                <a:lnTo>
+                  <a:pt x="7557820" y="3485235"/>
+                </a:lnTo>
+                <a:lnTo>
+                  <a:pt x="7559837" y="3625138"/>
+                </a:lnTo>
+                <a:lnTo>
+                  <a:pt x="7562862" y="3762298"/>
+                </a:lnTo>
+                <a:lnTo>
+                  <a:pt x="7565720" y="3898087"/>
+                </a:lnTo>
+                <a:lnTo>
+                  <a:pt x="7568914" y="4031132"/>
+                </a:lnTo>
+                <a:lnTo>
+                  <a:pt x="7573788" y="4163491"/>
+                </a:lnTo>
+                <a:lnTo>
+                  <a:pt x="7578999" y="4293793"/>
+                </a:lnTo>
+                <a:lnTo>
+                  <a:pt x="7583705" y="4421352"/>
+                </a:lnTo>
+                <a:lnTo>
+                  <a:pt x="7596985" y="4670298"/>
+                </a:lnTo>
+                <a:lnTo>
+                  <a:pt x="7611104" y="4908956"/>
+                </a:lnTo>
+                <a:lnTo>
+                  <a:pt x="7625896" y="5138013"/>
+                </a:lnTo>
+                <a:lnTo>
+                  <a:pt x="7642201" y="5354726"/>
+                </a:lnTo>
+                <a:lnTo>
+                  <a:pt x="7659178" y="5561838"/>
+                </a:lnTo>
+                <a:lnTo>
+                  <a:pt x="7677499" y="5753862"/>
+                </a:lnTo>
+                <a:lnTo>
+                  <a:pt x="7695485" y="5934227"/>
+                </a:lnTo>
+                <a:lnTo>
+                  <a:pt x="7713470" y="6100191"/>
+                </a:lnTo>
+                <a:lnTo>
+                  <a:pt x="7730447" y="6252438"/>
+                </a:lnTo>
+                <a:lnTo>
+                  <a:pt x="7746584" y="6387541"/>
+                </a:lnTo>
+                <a:lnTo>
+                  <a:pt x="7761880" y="6509613"/>
+                </a:lnTo>
+                <a:lnTo>
+                  <a:pt x="7774655" y="6612483"/>
+                </a:lnTo>
+                <a:lnTo>
+                  <a:pt x="7786757" y="6698894"/>
+                </a:lnTo>
+                <a:lnTo>
+                  <a:pt x="7804071" y="6817538"/>
+                </a:lnTo>
+                <a:lnTo>
+                  <a:pt x="7809954" y="6858000"/>
+                </a:lnTo>
+                <a:lnTo>
+                  <a:pt x="7157124" y="6858000"/>
+                </a:lnTo>
+                <a:lnTo>
+                  <a:pt x="7157124" y="6858000"/>
+                </a:lnTo>
+                <a:lnTo>
+                  <a:pt x="0" y="6858000"/>
+                </a:lnTo>
+                <a:lnTo>
+                  <a:pt x="0" y="0"/>
+                </a:lnTo>
+                <a:lnTo>
+                  <a:pt x="6465239" y="0"/>
+                </a:lnTo>
+                <a:close/>
+              </a:path>
+            </a:pathLst>
+          </a:custGeom>
+          <a:ln>
+            <a:noFill/>
+          </a:ln>
+        </p:spPr>
+        <p:style>
+          <a:lnRef idx="2">
+            <a:schemeClr val="accent1">
+              <a:shade val="50000"/>
+            </a:schemeClr>
+          </a:lnRef>
+          <a:fillRef idx="1">
+            <a:schemeClr val="accent1"/>
+          </a:fillRef>
+          <a:effectRef idx="0">
+            <a:schemeClr val="accent1"/>
+          </a:effectRef>
+          <a:fontRef idx="minor">
+            <a:schemeClr val="lt1"/>
+          </a:fontRef>
+        </p:style>
+        <p:txBody>
+          <a:bodyPr wrap="square" rtlCol="0" anchor="ctr">
+            <a:noAutofit/>
+          </a:bodyPr>
+          <a:lstStyle/>
+          <a:p>
+            <a:pPr algn="ctr"/>
+            <a:endParaRPr lang="en-US"/>
+          </a:p>
+        </p:txBody>
+      </p:sp>
+      <p:sp>
+        <p:nvSpPr>
+          <p:cNvPr id="28" name="Rectangle 27">
+            <a:extLst>
+              <a:ext uri="{FF2B5EF4-FFF2-40B4-BE49-F238E27FC236}">
+                <a16:creationId xmlns:a16="http://schemas.microsoft.com/office/drawing/2014/main" id="{F98810A7-E114-447A-A7D6-69B27CFB5650}"/>
+              </a:ext>
+              <a:ext uri="{C183D7F6-B498-43B3-948B-1728B52AA6E4}">
+                <adec:decorative xmlns:adec="http://schemas.microsoft.com/office/drawing/2017/decorative" val="1"/>
+              </a:ext>
+            </a:extLst>
+          </p:cNvPr>
+          <p:cNvSpPr>
+            <a:spLocks noGrp="1" noRot="1" noChangeAspect="1" noMove="1" noResize="1" noEditPoints="1" noAdjustHandles="1" noChangeArrowheads="1" noChangeShapeType="1" noTextEdit="1"/>
+          </p:cNvSpPr>
+          <p:nvPr>
+            <p:extLst>
+              <p:ext uri="{386F3935-93C4-4BCD-93E2-E3B085C9AB24}">
+                <p16:designElem xmlns:p16="http://schemas.microsoft.com/office/powerpoint/2015/main" val="1"/>
+              </p:ext>
+            </p:extLst>
+          </p:nvPr>
+        </p:nvSpPr>
+        <p:spPr>
+          <a:xfrm>
+            <a:off x="10437812" y="0"/>
+            <a:ext cx="685800" cy="1143000"/>
+          </a:xfrm>
+          <a:prstGeom prst="rect">
+            <a:avLst/>
+          </a:prstGeom>
+          <a:solidFill>
+            <a:schemeClr val="accent1"/>
+          </a:solidFill>
+          <a:ln>
+            <a:noFill/>
+          </a:ln>
+        </p:spPr>
+        <p:style>
+          <a:lnRef idx="1">
+            <a:schemeClr val="accent1"/>
+          </a:lnRef>
+          <a:fillRef idx="3">
+            <a:schemeClr val="accent1"/>
+          </a:fillRef>
+          <a:effectRef idx="2">
+            <a:schemeClr val="accent1"/>
+          </a:effectRef>
+          <a:fontRef idx="minor">
+            <a:schemeClr val="lt1"/>
+          </a:fontRef>
+        </p:style>
+      </p:sp>
+      <p:sp>
+        <p:nvSpPr>
+          <p:cNvPr id="5" name="Espace réservé du numéro de diapositive 4">
+            <a:extLst>
+              <a:ext uri="{FF2B5EF4-FFF2-40B4-BE49-F238E27FC236}">
+                <a16:creationId xmlns:a16="http://schemas.microsoft.com/office/drawing/2014/main" id="{76AD3D1C-36DB-64D2-51B4-728EEE2F91CF}"/>
+              </a:ext>
+            </a:extLst>
+          </p:cNvPr>
+          <p:cNvSpPr>
+            <a:spLocks noGrp="1"/>
+          </p:cNvSpPr>
+          <p:nvPr>
+            <p:ph type="sldNum" sz="quarter" idx="12"/>
+          </p:nvPr>
+        </p:nvSpPr>
+        <p:spPr>
+          <a:xfrm>
+            <a:off x="10352540" y="295729"/>
+            <a:ext cx="838199" cy="767687"/>
+          </a:xfrm>
+        </p:spPr>
+        <p:txBody>
+          <a:bodyPr vert="horz" lIns="91440" tIns="45720" rIns="91440" bIns="45720" rtlCol="0" anchor="b">
+            <a:normAutofit/>
+          </a:bodyPr>
+          <a:lstStyle/>
+          <a:p>
+            <a:pPr>
+              <a:spcAft>
+                <a:spcPts val="600"/>
+              </a:spcAft>
+            </a:pPr>
+            <a:fld id="{4B2B4A68-68F7-4492-A45F-0F4B533A3C63}" type="slidenum">
+              <a:rPr lang="en-US">
+                <a:solidFill>
+                  <a:srgbClr val="FFFFFF"/>
+                </a:solidFill>
+              </a:rPr>
+              <a:pPr>
+                <a:spcAft>
+                  <a:spcPts val="600"/>
+                </a:spcAft>
+              </a:pPr>
+              <a:t>8</a:t>
+            </a:fld>
+            <a:endParaRPr lang="en-US">
+              <a:solidFill>
+                <a:srgbClr val="FFFFFF"/>
+              </a:solidFill>
+            </a:endParaRPr>
+          </a:p>
+        </p:txBody>
+      </p:sp>
+      <p:pic>
+        <p:nvPicPr>
+          <p:cNvPr id="3" name="Image 6">
+            <a:extLst>
+              <a:ext uri="{FF2B5EF4-FFF2-40B4-BE49-F238E27FC236}">
+                <a16:creationId xmlns:a16="http://schemas.microsoft.com/office/drawing/2014/main" id="{26CD31B6-0E49-12E9-260B-A047A7EE496B}"/>
+              </a:ext>
+            </a:extLst>
+          </p:cNvPr>
+          <p:cNvPicPr>
+            <a:picLocks noChangeAspect="1"/>
+          </p:cNvPicPr>
+          <p:nvPr/>
+        </p:nvPicPr>
+        <p:blipFill>
+          <a:blip r:embed="rId7"/>
           <a:stretch>
             <a:fillRect/>
           </a:stretch>
         </p:blipFill>
         <p:spPr>
           <a:xfrm>
-            <a:off x="408718" y="2164560"/>
-            <a:ext cx="11264353" cy="3849378"/>
+            <a:off x="643854" y="1006724"/>
+            <a:ext cx="6270662" cy="4844086"/>
+          </a:xfrm>
+          <a:prstGeom prst="rect">
+            <a:avLst/>
+          </a:prstGeom>
+          <a:effectLst/>
+        </p:spPr>
+      </p:pic>
+      <p:sp>
+        <p:nvSpPr>
+          <p:cNvPr id="4" name="Espace réservé de la date 3">
+            <a:extLst>
+              <a:ext uri="{FF2B5EF4-FFF2-40B4-BE49-F238E27FC236}">
+                <a16:creationId xmlns:a16="http://schemas.microsoft.com/office/drawing/2014/main" id="{FB96A55A-5938-4F8F-AC0E-03D077BF53B0}"/>
+              </a:ext>
+            </a:extLst>
+          </p:cNvPr>
+          <p:cNvSpPr>
+            <a:spLocks noGrp="1"/>
+          </p:cNvSpPr>
+          <p:nvPr>
+            <p:ph type="dt" sz="half" idx="10"/>
+          </p:nvPr>
+        </p:nvSpPr>
+        <p:spPr>
+          <a:xfrm>
+            <a:off x="9254068" y="6355080"/>
+            <a:ext cx="2290232" cy="304799"/>
           </a:xfrm>
         </p:spPr>
-      </p:pic>
-      <p:sp>
-        <p:nvSpPr>
-          <p:cNvPr id="3" name="Espace réservé de la date 2"/>
-          <p:cNvSpPr>
-            <a:spLocks noGrp="1"/>
-          </p:cNvSpPr>
-          <p:nvPr>
-            <p:ph type="dt" sz="half" idx="10"/>
-          </p:nvPr>
-        </p:nvSpPr>
-        <p:spPr/>
-        <p:txBody>
-          <a:bodyPr/>
-          <a:lstStyle/>
-          <a:p>
-            <a:fld id="{75DF85FA-A936-4818-AD06-1A9D3257B205}" type="datetime1">
-              <a:rPr lang="fr-CH" smtClean="0"/>
-              <a:t>20.05.2022</a:t>
+        <p:txBody>
+          <a:bodyPr vert="horz" lIns="91440" tIns="45720" rIns="91440" bIns="45720" rtlCol="0" anchor="t">
+            <a:normAutofit/>
+          </a:bodyPr>
+          <a:lstStyle/>
+          <a:p>
+            <a:pPr algn="r">
+              <a:spcAft>
+                <a:spcPts val="600"/>
+              </a:spcAft>
+            </a:pPr>
+            <a:fld id="{5B6CE94A-0EB9-4B32-B25B-0E80AC2B2339}" type="datetime1">
+              <a:rPr lang="en-US">
+                <a:solidFill>
+                  <a:srgbClr val="FFFFFF">
+                    <a:alpha val="60000"/>
+                  </a:srgbClr>
+                </a:solidFill>
+              </a:rPr>
+              <a:pPr algn="r">
+                <a:spcAft>
+                  <a:spcPts val="600"/>
+                </a:spcAft>
+              </a:pPr>
+              <a:t>5/25/2022</a:t>
             </a:fld>
-            <a:endParaRPr lang="fr-CH"/>
-          </a:p>
-        </p:txBody>
-      </p:sp>
-      <p:sp>
-        <p:nvSpPr>
-          <p:cNvPr id="6" name="Espace réservé du numéro de diapositive 5"/>
-          <p:cNvSpPr>
-            <a:spLocks noGrp="1"/>
-          </p:cNvSpPr>
-          <p:nvPr>
-            <p:ph type="sldNum" sz="quarter" idx="12"/>
-          </p:nvPr>
-        </p:nvSpPr>
-        <p:spPr/>
-        <p:txBody>
-          <a:bodyPr/>
-          <a:lstStyle/>
-          <a:p>
-            <a:fld id="{4B2B4A68-68F7-4492-A45F-0F4B533A3C63}" type="slidenum">
-              <a:rPr lang="fr-CH" smtClean="0"/>
-              <a:t>8</a:t>
-            </a:fld>
-            <a:endParaRPr lang="fr-CH"/>
+            <a:endParaRPr lang="en-US">
+              <a:solidFill>
+                <a:srgbClr val="FFFFFF">
+                  <a:alpha val="60000"/>
+                </a:srgbClr>
+              </a:solidFill>
+            </a:endParaRPr>
           </a:p>
         </p:txBody>
       </p:sp>
     </p:spTree>
     <p:extLst>
       <p:ext uri="{BB962C8B-B14F-4D97-AF65-F5344CB8AC3E}">
-        <p14:creationId xmlns:p14="http://schemas.microsoft.com/office/powerpoint/2010/main" val="371010304"/>
+        <p14:creationId xmlns:p14="http://schemas.microsoft.com/office/powerpoint/2010/main" val="1077716600"/>
       </p:ext>
     </p:extLst>
   </p:cSld>
   <p:clrMapOvr>
-    <a:masterClrMapping/>
+    <a:overrideClrMapping bg1="lt1" tx1="dk1" bg2="lt2" tx2="dk2" accent1="accent1" accent2="accent2" accent3="accent3" accent4="accent4" accent5="accent5" accent6="accent6" hlink="hlink" folHlink="folHlink"/>
   </p:clrMapOvr>
-  <p:timing>
-    <p:tnLst>
-      <p:par>
-        <p:cTn id="1" dur="indefinite" restart="never" nodeType="tmRoot"/>
-      </p:par>
-    </p:tnLst>
-  </p:timing>
 </p:sld>
 </file>
 
@@ -11179,7 +15256,7 @@
       </p:grpSpPr>
       <p:sp>
         <p:nvSpPr>
-          <p:cNvPr id="8" name="Titre 7"/>
+          <p:cNvPr id="2" name="Titre 1"/>
           <p:cNvSpPr>
             <a:spLocks noGrp="1"/>
           </p:cNvSpPr>
@@ -11193,68 +15270,41 @@
           <a:lstStyle/>
           <a:p>
             <a:r>
-              <a:rPr lang="fr-CH" dirty="0" smtClean="0"/>
-              <a:t>Schéma de Classe</a:t>
-            </a:r>
-            <a:endParaRPr lang="fr-CH" dirty="0"/>
-          </a:p>
-        </p:txBody>
-      </p:sp>
-      <p:pic>
-        <p:nvPicPr>
-          <p:cNvPr id="11" name="Espace réservé du contenu 10"/>
-          <p:cNvPicPr>
-            <a:picLocks noGrp="1" noChangeAspect="1"/>
-          </p:cNvPicPr>
-          <p:nvPr>
-            <p:ph sz="half" idx="1"/>
-          </p:nvPr>
-        </p:nvPicPr>
-        <p:blipFill>
-          <a:blip r:embed="rId3"/>
-          <a:stretch>
-            <a:fillRect/>
-          </a:stretch>
-        </p:blipFill>
-        <p:spPr>
-          <a:xfrm>
-            <a:off x="224080" y="2262370"/>
-            <a:ext cx="5416338" cy="3610891"/>
-          </a:xfrm>
-          <a:prstGeom prst="rect">
-            <a:avLst/>
-          </a:prstGeom>
-        </p:spPr>
-      </p:pic>
-      <p:pic>
-        <p:nvPicPr>
-          <p:cNvPr id="13" name="Espace réservé du contenu 12"/>
-          <p:cNvPicPr>
-            <a:picLocks noGrp="1" noChangeAspect="1"/>
-          </p:cNvPicPr>
-          <p:nvPr>
-            <p:ph sz="half" idx="2"/>
-          </p:nvPr>
-        </p:nvPicPr>
-        <p:blipFill>
-          <a:blip r:embed="rId4"/>
-          <a:stretch>
-            <a:fillRect/>
-          </a:stretch>
-        </p:blipFill>
-        <p:spPr>
-          <a:xfrm>
-            <a:off x="5655045" y="2262369"/>
-            <a:ext cx="6492017" cy="3540553"/>
-          </a:xfrm>
-          <a:prstGeom prst="rect">
-            <a:avLst/>
-          </a:prstGeom>
-        </p:spPr>
-      </p:pic>
-      <p:sp>
-        <p:nvSpPr>
-          <p:cNvPr id="2" name="Espace réservé de la date 1"/>
+              <a:rPr lang="fr-CH"/>
+              <a:t>Schéma UML</a:t>
+            </a:r>
+            <a:br>
+              <a:rPr lang="fr-CH"/>
+            </a:br>
+            <a:br>
+              <a:rPr lang="fr-CH"/>
+            </a:br>
+            <a:endParaRPr lang="fr-CH"/>
+          </a:p>
+        </p:txBody>
+      </p:sp>
+      <p:sp>
+        <p:nvSpPr>
+          <p:cNvPr id="5" name="Espace réservé du texte 4"/>
+          <p:cNvSpPr>
+            <a:spLocks noGrp="1"/>
+          </p:cNvSpPr>
+          <p:nvPr>
+            <p:ph type="body" idx="1"/>
+          </p:nvPr>
+        </p:nvSpPr>
+        <p:spPr/>
+        <p:txBody>
+          <a:bodyPr/>
+          <a:lstStyle/>
+          <a:p>
+            <a:endParaRPr lang="fr-CH"/>
+          </a:p>
+        </p:txBody>
+      </p:sp>
+      <p:sp>
+        <p:nvSpPr>
+          <p:cNvPr id="3" name="Espace réservé de la date 2"/>
           <p:cNvSpPr>
             <a:spLocks noGrp="1"/>
           </p:cNvSpPr>
@@ -11267,9 +15317,9 @@
           <a:bodyPr/>
           <a:lstStyle/>
           <a:p>
-            <a:fld id="{03EA0FDB-66F8-4207-BFDA-4CD8D8E80D09}" type="datetime1">
+            <a:fld id="{4466BEF2-08E2-4D74-9A7F-E4160D374887}" type="datetime1">
               <a:rPr lang="fr-CH" smtClean="0"/>
-              <a:t>20.05.2022</a:t>
+              <a:t>25.05.2022</a:t>
             </a:fld>
             <a:endParaRPr lang="fr-CH"/>
           </a:p>
@@ -11277,7 +15327,7 @@
       </p:sp>
       <p:sp>
         <p:nvSpPr>
-          <p:cNvPr id="3" name="Espace réservé du numéro de diapositive 2"/>
+          <p:cNvPr id="6" name="Espace réservé du numéro de diapositive 5"/>
           <p:cNvSpPr>
             <a:spLocks noGrp="1"/>
           </p:cNvSpPr>
@@ -11301,20 +15351,13 @@
     </p:spTree>
     <p:extLst>
       <p:ext uri="{BB962C8B-B14F-4D97-AF65-F5344CB8AC3E}">
-        <p14:creationId xmlns:p14="http://schemas.microsoft.com/office/powerpoint/2010/main" val="289802286"/>
+        <p14:creationId xmlns:p14="http://schemas.microsoft.com/office/powerpoint/2010/main" val="2544327562"/>
       </p:ext>
     </p:extLst>
   </p:cSld>
   <p:clrMapOvr>
     <a:masterClrMapping/>
   </p:clrMapOvr>
-  <p:timing>
-    <p:tnLst>
-      <p:par>
-        <p:cTn id="1" dur="indefinite" restart="never" nodeType="tmRoot"/>
-      </p:par>
-    </p:tnLst>
-  </p:timing>
 </p:sld>
 </file>
 
